--- a/Web/html_intro.pptx
+++ b/Web/html_intro.pptx
@@ -5,10 +5,10 @@
     <p:sldMasterId id="2147483660" r:id="rId1"/>
   </p:sldMasterIdLst>
   <p:notesMasterIdLst>
-    <p:notesMasterId r:id="rId43"/>
+    <p:notesMasterId r:id="rId48"/>
   </p:notesMasterIdLst>
   <p:handoutMasterIdLst>
-    <p:handoutMasterId r:id="rId44"/>
+    <p:handoutMasterId r:id="rId49"/>
   </p:handoutMasterIdLst>
   <p:sldIdLst>
     <p:sldId id="269" r:id="rId2"/>
@@ -34,24 +34,29 @@
     <p:sldId id="274" r:id="rId22"/>
     <p:sldId id="275" r:id="rId23"/>
     <p:sldId id="279" r:id="rId24"/>
-    <p:sldId id="280" r:id="rId25"/>
-    <p:sldId id="281" r:id="rId26"/>
-    <p:sldId id="282" r:id="rId27"/>
-    <p:sldId id="283" r:id="rId28"/>
-    <p:sldId id="287" r:id="rId29"/>
-    <p:sldId id="284" r:id="rId30"/>
-    <p:sldId id="285" r:id="rId31"/>
-    <p:sldId id="286" r:id="rId32"/>
-    <p:sldId id="288" r:id="rId33"/>
-    <p:sldId id="289" r:id="rId34"/>
-    <p:sldId id="290" r:id="rId35"/>
-    <p:sldId id="291" r:id="rId36"/>
-    <p:sldId id="292" r:id="rId37"/>
-    <p:sldId id="293" r:id="rId38"/>
-    <p:sldId id="294" r:id="rId39"/>
-    <p:sldId id="295" r:id="rId40"/>
-    <p:sldId id="296" r:id="rId41"/>
-    <p:sldId id="297" r:id="rId42"/>
+    <p:sldId id="304" r:id="rId25"/>
+    <p:sldId id="305" r:id="rId26"/>
+    <p:sldId id="280" r:id="rId27"/>
+    <p:sldId id="281" r:id="rId28"/>
+    <p:sldId id="298" r:id="rId29"/>
+    <p:sldId id="299" r:id="rId30"/>
+    <p:sldId id="300" r:id="rId31"/>
+    <p:sldId id="301" r:id="rId32"/>
+    <p:sldId id="282" r:id="rId33"/>
+    <p:sldId id="284" r:id="rId34"/>
+    <p:sldId id="285" r:id="rId35"/>
+    <p:sldId id="286" r:id="rId36"/>
+    <p:sldId id="288" r:id="rId37"/>
+    <p:sldId id="289" r:id="rId38"/>
+    <p:sldId id="302" r:id="rId39"/>
+    <p:sldId id="303" r:id="rId40"/>
+    <p:sldId id="290" r:id="rId41"/>
+    <p:sldId id="291" r:id="rId42"/>
+    <p:sldId id="292" r:id="rId43"/>
+    <p:sldId id="293" r:id="rId44"/>
+    <p:sldId id="294" r:id="rId45"/>
+    <p:sldId id="296" r:id="rId46"/>
+    <p:sldId id="297" r:id="rId47"/>
   </p:sldIdLst>
   <p:sldSz cx="12192000" cy="6858000"/>
   <p:notesSz cx="6858000" cy="9144000"/>
@@ -180,7 +185,7 @@
           <p:cNvPr id="2" name="Header Placeholder 1">
             <a:extLst>
               <a:ext uri="{FF2B5EF4-FFF2-40B4-BE49-F238E27FC236}">
-                <a16:creationId xmlns:a16="http://schemas.microsoft.com/office/drawing/2014/main" id="{2D561376-A4EA-47A8-9636-52F163D4DC42}"/>
+                <a16:creationId xmlns:a16="http://schemas.microsoft.com/office/drawing/2014/main" xmlns="" id="{2D561376-A4EA-47A8-9636-52F163D4DC42}"/>
               </a:ext>
             </a:extLst>
           </p:cNvPr>
@@ -217,7 +222,7 @@
           <p:cNvPr id="3" name="Date Placeholder 2">
             <a:extLst>
               <a:ext uri="{FF2B5EF4-FFF2-40B4-BE49-F238E27FC236}">
-                <a16:creationId xmlns:a16="http://schemas.microsoft.com/office/drawing/2014/main" id="{7508428A-AD42-4AB2-8BB2-3F057FCB7423}"/>
+                <a16:creationId xmlns:a16="http://schemas.microsoft.com/office/drawing/2014/main" xmlns="" id="{7508428A-AD42-4AB2-8BB2-3F057FCB7423}"/>
               </a:ext>
             </a:extLst>
           </p:cNvPr>
@@ -247,7 +252,7 @@
           <a:p>
             <a:fld id="{1A3335F9-D272-4820-829F-8656DB1D9EC6}" type="datetimeFigureOut">
               <a:rPr lang="en-US" smtClean="0"/>
-              <a:t>09-Sep-19</a:t>
+              <a:t>9/16/2019</a:t>
             </a:fld>
             <a:endParaRPr lang="en-US"/>
           </a:p>
@@ -258,7 +263,7 @@
           <p:cNvPr id="4" name="Footer Placeholder 3">
             <a:extLst>
               <a:ext uri="{FF2B5EF4-FFF2-40B4-BE49-F238E27FC236}">
-                <a16:creationId xmlns:a16="http://schemas.microsoft.com/office/drawing/2014/main" id="{BA7388F9-3030-484D-84DD-0D2347D21341}"/>
+                <a16:creationId xmlns:a16="http://schemas.microsoft.com/office/drawing/2014/main" xmlns="" id="{BA7388F9-3030-484D-84DD-0D2347D21341}"/>
               </a:ext>
             </a:extLst>
           </p:cNvPr>
@@ -295,7 +300,7 @@
           <p:cNvPr id="5" name="Slide Number Placeholder 4">
             <a:extLst>
               <a:ext uri="{FF2B5EF4-FFF2-40B4-BE49-F238E27FC236}">
-                <a16:creationId xmlns:a16="http://schemas.microsoft.com/office/drawing/2014/main" id="{3867240C-D8FC-4F2E-B910-EFD36708181C}"/>
+                <a16:creationId xmlns:a16="http://schemas.microsoft.com/office/drawing/2014/main" xmlns="" id="{3867240C-D8FC-4F2E-B910-EFD36708181C}"/>
               </a:ext>
             </a:extLst>
           </p:cNvPr>
@@ -425,7 +430,7 @@
           <a:p>
             <a:fld id="{83632C5B-3A66-4FA3-A4D2-79CA39DE85A6}" type="datetimeFigureOut">
               <a:rPr lang="en-US" smtClean="0"/>
-              <a:t>09-Sep-19</a:t>
+              <a:t>9/16/2019</a:t>
             </a:fld>
             <a:endParaRPr lang="en-US"/>
           </a:p>
@@ -1415,7 +1420,7 @@
           <a:p>
             <a:fld id="{AB3CFBC4-8D8D-4FF2-9B8E-184E338484BE}" type="datetime1">
               <a:rPr lang="en-US" smtClean="0"/>
-              <a:t>09-Sep-19</a:t>
+              <a:t>9/16/2019</a:t>
             </a:fld>
             <a:endParaRPr lang="en-US"/>
           </a:p>
@@ -1670,7 +1675,7 @@
           <a:p>
             <a:fld id="{0CA1EB37-D9D8-4876-B15B-04213E4F0080}" type="datetime1">
               <a:rPr lang="en-US" smtClean="0"/>
-              <a:t>09-Sep-19</a:t>
+              <a:t>9/16/2019</a:t>
             </a:fld>
             <a:endParaRPr lang="en-US"/>
           </a:p>
@@ -1987,7 +1992,7 @@
           <a:p>
             <a:fld id="{76CC8B5F-4A9A-4869-929C-67F6E48BA9E3}" type="datetime1">
               <a:rPr lang="en-US" smtClean="0"/>
-              <a:t>09-Sep-19</a:t>
+              <a:t>9/16/2019</a:t>
             </a:fld>
             <a:endParaRPr lang="en-US"/>
           </a:p>
@@ -2331,7 +2336,7 @@
           <a:p>
             <a:fld id="{7E19D080-38AC-481D-82F7-F3064067CC17}" type="datetime1">
               <a:rPr lang="en-US" smtClean="0"/>
-              <a:t>09-Sep-19</a:t>
+              <a:t>9/16/2019</a:t>
             </a:fld>
             <a:endParaRPr lang="en-US"/>
           </a:p>
@@ -2648,7 +2653,7 @@
           <a:p>
             <a:fld id="{17813BE3-0B4D-420D-8B58-8951956F920B}" type="datetime1">
               <a:rPr lang="en-US" smtClean="0"/>
-              <a:t>09-Sep-19</a:t>
+              <a:t>9/16/2019</a:t>
             </a:fld>
             <a:endParaRPr lang="en-US"/>
           </a:p>
@@ -3044,7 +3049,7 @@
           <a:p>
             <a:fld id="{A4B5C7B2-9D6E-4C8F-BD5B-E58D08D0EB29}" type="datetime1">
               <a:rPr lang="en-US" smtClean="0"/>
-              <a:t>09-Sep-19</a:t>
+              <a:t>9/16/2019</a:t>
             </a:fld>
             <a:endParaRPr lang="en-US"/>
           </a:p>
@@ -3217,7 +3222,7 @@
           <a:p>
             <a:fld id="{62ED4CC8-B445-4F6C-BFC2-BCB4E07CE16E}" type="datetime1">
               <a:rPr lang="en-US" smtClean="0"/>
-              <a:t>09-Sep-19</a:t>
+              <a:t>9/16/2019</a:t>
             </a:fld>
             <a:endParaRPr lang="en-US"/>
           </a:p>
@@ -3400,7 +3405,7 @@
           <a:p>
             <a:fld id="{0DCCC414-E1A0-43A2-B3BE-4211D4584803}" type="datetime1">
               <a:rPr lang="en-US" smtClean="0"/>
-              <a:t>09-Sep-19</a:t>
+              <a:t>9/16/2019</a:t>
             </a:fld>
             <a:endParaRPr lang="en-US"/>
           </a:p>
@@ -3579,7 +3584,7 @@
           <a:p>
             <a:fld id="{8B6292F8-E795-4ACC-B273-6A5DF03B675D}" type="datetime1">
               <a:rPr lang="en-US" smtClean="0"/>
-              <a:t>09-Sep-19</a:t>
+              <a:t>9/16/2019</a:t>
             </a:fld>
             <a:endParaRPr lang="en-US"/>
           </a:p>
@@ -3829,7 +3834,7 @@
           <a:p>
             <a:fld id="{00F66125-F3BD-4F78-B7F9-E8E6283C0272}" type="datetime1">
               <a:rPr lang="en-US" smtClean="0"/>
-              <a:t>09-Sep-19</a:t>
+              <a:t>9/16/2019</a:t>
             </a:fld>
             <a:endParaRPr lang="en-US"/>
           </a:p>
@@ -4064,7 +4069,7 @@
           <a:p>
             <a:fld id="{A1EB7270-2C0B-47C6-A507-A5DF00A6FB63}" type="datetime1">
               <a:rPr lang="en-US" smtClean="0"/>
-              <a:t>09-Sep-19</a:t>
+              <a:t>9/16/2019</a:t>
             </a:fld>
             <a:endParaRPr lang="en-US"/>
           </a:p>
@@ -4441,7 +4446,7 @@
           <a:p>
             <a:fld id="{0484755D-B05B-484B-AA0B-B5CE61671435}" type="datetime1">
               <a:rPr lang="en-US" smtClean="0"/>
-              <a:t>09-Sep-19</a:t>
+              <a:t>9/16/2019</a:t>
             </a:fld>
             <a:endParaRPr lang="en-US"/>
           </a:p>
@@ -4567,7 +4572,7 @@
           <a:p>
             <a:fld id="{46A73D29-5E1E-488C-9CBD-C0EFE9DFCEC0}" type="datetime1">
               <a:rPr lang="en-US" smtClean="0"/>
-              <a:t>09-Sep-19</a:t>
+              <a:t>9/16/2019</a:t>
             </a:fld>
             <a:endParaRPr lang="en-US"/>
           </a:p>
@@ -4665,7 +4670,7 @@
           <a:p>
             <a:fld id="{E2B8F5E9-4667-447F-B4BD-3BE6FD7210D0}" type="datetime1">
               <a:rPr lang="en-US" smtClean="0"/>
-              <a:t>09-Sep-19</a:t>
+              <a:t>9/16/2019</a:t>
             </a:fld>
             <a:endParaRPr lang="en-US"/>
           </a:p>
@@ -4923,7 +4928,7 @@
           <a:p>
             <a:fld id="{BF727F64-C73E-439F-84E7-B393DD7442C0}" type="datetime1">
               <a:rPr lang="en-US" smtClean="0"/>
-              <a:t>09-Sep-19</a:t>
+              <a:t>9/16/2019</a:t>
             </a:fld>
             <a:endParaRPr lang="en-US"/>
           </a:p>
@@ -5189,7 +5194,7 @@
           <a:p>
             <a:fld id="{6320D81D-EAAC-4AFC-B380-CF766355CDF5}" type="datetime1">
               <a:rPr lang="en-US" smtClean="0"/>
-              <a:t>09-Sep-19</a:t>
+              <a:t>9/16/2019</a:t>
             </a:fld>
             <a:endParaRPr lang="en-US"/>
           </a:p>
@@ -5935,7 +5940,7 @@
           <a:p>
             <a:fld id="{1E088186-7BBE-4A7D-9D52-5FF08750E7ED}" type="datetime1">
               <a:rPr lang="en-US" smtClean="0"/>
-              <a:t>09-Sep-19</a:t>
+              <a:t>9/16/2019</a:t>
             </a:fld>
             <a:endParaRPr lang="en-US"/>
           </a:p>
@@ -6468,7 +6473,7 @@
           <p:cNvPr id="2" name="Title 1">
             <a:extLst>
               <a:ext uri="{FF2B5EF4-FFF2-40B4-BE49-F238E27FC236}">
-                <a16:creationId xmlns:a16="http://schemas.microsoft.com/office/drawing/2014/main" id="{F71259DB-2B4B-4DF4-AAC8-804801716E20}"/>
+                <a16:creationId xmlns:a16="http://schemas.microsoft.com/office/drawing/2014/main" xmlns="" id="{F71259DB-2B4B-4DF4-AAC8-804801716E20}"/>
               </a:ext>
             </a:extLst>
           </p:cNvPr>
@@ -6497,7 +6502,7 @@
           <p:cNvPr id="3" name="Subtitle 2">
             <a:extLst>
               <a:ext uri="{FF2B5EF4-FFF2-40B4-BE49-F238E27FC236}">
-                <a16:creationId xmlns:a16="http://schemas.microsoft.com/office/drawing/2014/main" id="{AE253D70-40BC-4363-A559-E1B01833D2EC}"/>
+                <a16:creationId xmlns:a16="http://schemas.microsoft.com/office/drawing/2014/main" xmlns="" id="{AE253D70-40BC-4363-A559-E1B01833D2EC}"/>
               </a:ext>
             </a:extLst>
           </p:cNvPr>
@@ -6532,7 +6537,7 @@
           <p:cNvPr id="4" name="Footer Placeholder 3">
             <a:extLst>
               <a:ext uri="{FF2B5EF4-FFF2-40B4-BE49-F238E27FC236}">
-                <a16:creationId xmlns:a16="http://schemas.microsoft.com/office/drawing/2014/main" id="{C5B6E819-04BD-4616-8572-288B1E96D545}"/>
+                <a16:creationId xmlns:a16="http://schemas.microsoft.com/office/drawing/2014/main" xmlns="" id="{C5B6E819-04BD-4616-8572-288B1E96D545}"/>
               </a:ext>
             </a:extLst>
           </p:cNvPr>
@@ -6590,7 +6595,7 @@
           <p:cNvPr id="2" name="Title 1">
             <a:extLst>
               <a:ext uri="{FF2B5EF4-FFF2-40B4-BE49-F238E27FC236}">
-                <a16:creationId xmlns:a16="http://schemas.microsoft.com/office/drawing/2014/main" id="{9B7437C1-9887-4A01-A4F3-523718987094}"/>
+                <a16:creationId xmlns:a16="http://schemas.microsoft.com/office/drawing/2014/main" xmlns="" id="{9B7437C1-9887-4A01-A4F3-523718987094}"/>
               </a:ext>
             </a:extLst>
           </p:cNvPr>
@@ -6622,7 +6627,7 @@
           <p:cNvPr id="3" name="Content Placeholder 2">
             <a:extLst>
               <a:ext uri="{FF2B5EF4-FFF2-40B4-BE49-F238E27FC236}">
-                <a16:creationId xmlns:a16="http://schemas.microsoft.com/office/drawing/2014/main" id="{3B194460-057C-4722-BFF9-6F2BE761BB82}"/>
+                <a16:creationId xmlns:a16="http://schemas.microsoft.com/office/drawing/2014/main" xmlns="" id="{3B194460-057C-4722-BFF9-6F2BE761BB82}"/>
               </a:ext>
             </a:extLst>
           </p:cNvPr>
@@ -6679,7 +6684,7 @@
           <p:cNvPr id="4" name="Footer Placeholder 3">
             <a:extLst>
               <a:ext uri="{FF2B5EF4-FFF2-40B4-BE49-F238E27FC236}">
-                <a16:creationId xmlns:a16="http://schemas.microsoft.com/office/drawing/2014/main" id="{1520ABCB-81C0-4451-8A40-53CA58C373EB}"/>
+                <a16:creationId xmlns:a16="http://schemas.microsoft.com/office/drawing/2014/main" xmlns="" id="{1520ABCB-81C0-4451-8A40-53CA58C373EB}"/>
               </a:ext>
             </a:extLst>
           </p:cNvPr>
@@ -6737,7 +6742,7 @@
           <p:cNvPr id="2" name="Title 1">
             <a:extLst>
               <a:ext uri="{FF2B5EF4-FFF2-40B4-BE49-F238E27FC236}">
-                <a16:creationId xmlns:a16="http://schemas.microsoft.com/office/drawing/2014/main" id="{8DA4830E-CCB7-4616-8B58-83B19CFEE54B}"/>
+                <a16:creationId xmlns:a16="http://schemas.microsoft.com/office/drawing/2014/main" xmlns="" id="{8DA4830E-CCB7-4616-8B58-83B19CFEE54B}"/>
               </a:ext>
             </a:extLst>
           </p:cNvPr>
@@ -6769,7 +6774,7 @@
           <p:cNvPr id="3" name="Content Placeholder 2">
             <a:extLst>
               <a:ext uri="{FF2B5EF4-FFF2-40B4-BE49-F238E27FC236}">
-                <a16:creationId xmlns:a16="http://schemas.microsoft.com/office/drawing/2014/main" id="{141E419A-C567-412E-A322-215829D6E62D}"/>
+                <a16:creationId xmlns:a16="http://schemas.microsoft.com/office/drawing/2014/main" xmlns="" id="{141E419A-C567-412E-A322-215829D6E62D}"/>
               </a:ext>
             </a:extLst>
           </p:cNvPr>
@@ -6863,7 +6868,7 @@
           <p:cNvPr id="5" name="Picture 4">
             <a:extLst>
               <a:ext uri="{FF2B5EF4-FFF2-40B4-BE49-F238E27FC236}">
-                <a16:creationId xmlns:a16="http://schemas.microsoft.com/office/drawing/2014/main" id="{8C9EF7AE-2CC1-4791-900E-E29CA1F671A0}"/>
+                <a16:creationId xmlns:a16="http://schemas.microsoft.com/office/drawing/2014/main" xmlns="" id="{8C9EF7AE-2CC1-4791-900E-E29CA1F671A0}"/>
               </a:ext>
             </a:extLst>
           </p:cNvPr>
@@ -6899,7 +6904,7 @@
           <p:cNvPr id="7" name="Footer Placeholder 6">
             <a:extLst>
               <a:ext uri="{FF2B5EF4-FFF2-40B4-BE49-F238E27FC236}">
-                <a16:creationId xmlns:a16="http://schemas.microsoft.com/office/drawing/2014/main" id="{5555DA82-4F08-4661-BC22-86A494400B3F}"/>
+                <a16:creationId xmlns:a16="http://schemas.microsoft.com/office/drawing/2014/main" xmlns="" id="{5555DA82-4F08-4661-BC22-86A494400B3F}"/>
               </a:ext>
             </a:extLst>
           </p:cNvPr>
@@ -6957,7 +6962,7 @@
           <p:cNvPr id="2" name="Title 1">
             <a:extLst>
               <a:ext uri="{FF2B5EF4-FFF2-40B4-BE49-F238E27FC236}">
-                <a16:creationId xmlns:a16="http://schemas.microsoft.com/office/drawing/2014/main" id="{1D78F85A-53B9-458B-9FC0-44D8BFB540D0}"/>
+                <a16:creationId xmlns:a16="http://schemas.microsoft.com/office/drawing/2014/main" xmlns="" id="{1D78F85A-53B9-458B-9FC0-44D8BFB540D0}"/>
               </a:ext>
             </a:extLst>
           </p:cNvPr>
@@ -6996,7 +7001,7 @@
           <p:cNvPr id="3" name="Content Placeholder 2">
             <a:extLst>
               <a:ext uri="{FF2B5EF4-FFF2-40B4-BE49-F238E27FC236}">
-                <a16:creationId xmlns:a16="http://schemas.microsoft.com/office/drawing/2014/main" id="{F6FCF287-F8CB-4DFA-8A49-2AF2C3D3A020}"/>
+                <a16:creationId xmlns:a16="http://schemas.microsoft.com/office/drawing/2014/main" xmlns="" id="{F6FCF287-F8CB-4DFA-8A49-2AF2C3D3A020}"/>
               </a:ext>
             </a:extLst>
           </p:cNvPr>
@@ -7041,6 +7046,10 @@
             <a:br>
               <a:rPr lang="en-US" dirty="0"/>
             </a:br>
+            <a:r>
+              <a:rPr lang="en-US" dirty="0"/>
+              <a:t/>
+            </a:r>
             <a:br>
               <a:rPr lang="en-US" dirty="0"/>
             </a:br>
@@ -7271,7 +7280,7 @@
           <p:cNvPr id="6" name="Rectangle 3">
             <a:extLst>
               <a:ext uri="{FF2B5EF4-FFF2-40B4-BE49-F238E27FC236}">
-                <a16:creationId xmlns:a16="http://schemas.microsoft.com/office/drawing/2014/main" id="{12CF302F-FEFE-4560-9E21-D5EAD214B320}"/>
+                <a16:creationId xmlns:a16="http://schemas.microsoft.com/office/drawing/2014/main" xmlns="" id="{12CF302F-FEFE-4560-9E21-D5EAD214B320}"/>
               </a:ext>
             </a:extLst>
           </p:cNvPr>
@@ -7487,7 +7496,7 @@
           <p:cNvPr id="8" name="Footer Placeholder 7">
             <a:extLst>
               <a:ext uri="{FF2B5EF4-FFF2-40B4-BE49-F238E27FC236}">
-                <a16:creationId xmlns:a16="http://schemas.microsoft.com/office/drawing/2014/main" id="{65D391D7-389E-4E0B-BD54-0A4DA1F5DF04}"/>
+                <a16:creationId xmlns:a16="http://schemas.microsoft.com/office/drawing/2014/main" xmlns="" id="{65D391D7-389E-4E0B-BD54-0A4DA1F5DF04}"/>
               </a:ext>
             </a:extLst>
           </p:cNvPr>
@@ -7545,7 +7554,7 @@
           <p:cNvPr id="2" name="Title 1">
             <a:extLst>
               <a:ext uri="{FF2B5EF4-FFF2-40B4-BE49-F238E27FC236}">
-                <a16:creationId xmlns:a16="http://schemas.microsoft.com/office/drawing/2014/main" id="{1F91BFBF-9B0C-4F3D-BF1F-B34A62004FA9}"/>
+                <a16:creationId xmlns:a16="http://schemas.microsoft.com/office/drawing/2014/main" xmlns="" id="{1F91BFBF-9B0C-4F3D-BF1F-B34A62004FA9}"/>
               </a:ext>
             </a:extLst>
           </p:cNvPr>
@@ -7570,7 +7579,7 @@
           <p:cNvPr id="3" name="Content Placeholder 2">
             <a:extLst>
               <a:ext uri="{FF2B5EF4-FFF2-40B4-BE49-F238E27FC236}">
-                <a16:creationId xmlns:a16="http://schemas.microsoft.com/office/drawing/2014/main" id="{D67EFEF2-52FF-4C02-8E5E-E1BB8CC2F006}"/>
+                <a16:creationId xmlns:a16="http://schemas.microsoft.com/office/drawing/2014/main" xmlns="" id="{D67EFEF2-52FF-4C02-8E5E-E1BB8CC2F006}"/>
               </a:ext>
             </a:extLst>
           </p:cNvPr>
@@ -7776,7 +7785,7 @@
           <p:cNvPr id="6" name="Footer Placeholder 5">
             <a:extLst>
               <a:ext uri="{FF2B5EF4-FFF2-40B4-BE49-F238E27FC236}">
-                <a16:creationId xmlns:a16="http://schemas.microsoft.com/office/drawing/2014/main" id="{EFCB9F9A-F2C8-4867-932A-EFC7C132DE3E}"/>
+                <a16:creationId xmlns:a16="http://schemas.microsoft.com/office/drawing/2014/main" xmlns="" id="{EFCB9F9A-F2C8-4867-932A-EFC7C132DE3E}"/>
               </a:ext>
             </a:extLst>
           </p:cNvPr>
@@ -7834,7 +7843,7 @@
           <p:cNvPr id="2" name="Title 1">
             <a:extLst>
               <a:ext uri="{FF2B5EF4-FFF2-40B4-BE49-F238E27FC236}">
-                <a16:creationId xmlns:a16="http://schemas.microsoft.com/office/drawing/2014/main" id="{B65321B1-F960-4B78-B326-BDDD20BF8E58}"/>
+                <a16:creationId xmlns:a16="http://schemas.microsoft.com/office/drawing/2014/main" xmlns="" id="{B65321B1-F960-4B78-B326-BDDD20BF8E58}"/>
               </a:ext>
             </a:extLst>
           </p:cNvPr>
@@ -7866,7 +7875,7 @@
           <p:cNvPr id="3" name="Content Placeholder 2">
             <a:extLst>
               <a:ext uri="{FF2B5EF4-FFF2-40B4-BE49-F238E27FC236}">
-                <a16:creationId xmlns:a16="http://schemas.microsoft.com/office/drawing/2014/main" id="{BF7CC9FE-BF6D-4609-9A0B-2CE45D357ECB}"/>
+                <a16:creationId xmlns:a16="http://schemas.microsoft.com/office/drawing/2014/main" xmlns="" id="{BF7CC9FE-BF6D-4609-9A0B-2CE45D357ECB}"/>
               </a:ext>
             </a:extLst>
           </p:cNvPr>
@@ -7944,7 +7953,7 @@
           <p:cNvPr id="5" name="Footer Placeholder 4">
             <a:extLst>
               <a:ext uri="{FF2B5EF4-FFF2-40B4-BE49-F238E27FC236}">
-                <a16:creationId xmlns:a16="http://schemas.microsoft.com/office/drawing/2014/main" id="{AF14C3B0-6EEC-43F0-AFEB-6E49837A6609}"/>
+                <a16:creationId xmlns:a16="http://schemas.microsoft.com/office/drawing/2014/main" xmlns="" id="{AF14C3B0-6EEC-43F0-AFEB-6E49837A6609}"/>
               </a:ext>
             </a:extLst>
           </p:cNvPr>
@@ -8002,7 +8011,7 @@
           <p:cNvPr id="2" name="Title 1">
             <a:extLst>
               <a:ext uri="{FF2B5EF4-FFF2-40B4-BE49-F238E27FC236}">
-                <a16:creationId xmlns:a16="http://schemas.microsoft.com/office/drawing/2014/main" id="{B5A55677-C745-4DF3-AE2B-B18AA4DE675E}"/>
+                <a16:creationId xmlns:a16="http://schemas.microsoft.com/office/drawing/2014/main" xmlns="" id="{B5A55677-C745-4DF3-AE2B-B18AA4DE675E}"/>
               </a:ext>
             </a:extLst>
           </p:cNvPr>
@@ -8034,7 +8043,7 @@
           <p:cNvPr id="3" name="Content Placeholder 2">
             <a:extLst>
               <a:ext uri="{FF2B5EF4-FFF2-40B4-BE49-F238E27FC236}">
-                <a16:creationId xmlns:a16="http://schemas.microsoft.com/office/drawing/2014/main" id="{FB5D7C4F-ABF2-4B0C-B310-C453DD12E6DB}"/>
+                <a16:creationId xmlns:a16="http://schemas.microsoft.com/office/drawing/2014/main" xmlns="" id="{FB5D7C4F-ABF2-4B0C-B310-C453DD12E6DB}"/>
               </a:ext>
             </a:extLst>
           </p:cNvPr>
@@ -8095,7 +8104,7 @@
           <p:cNvPr id="5" name="Footer Placeholder 4">
             <a:extLst>
               <a:ext uri="{FF2B5EF4-FFF2-40B4-BE49-F238E27FC236}">
-                <a16:creationId xmlns:a16="http://schemas.microsoft.com/office/drawing/2014/main" id="{E0AE4CF5-AB29-44C2-8F72-7BDEE217AE00}"/>
+                <a16:creationId xmlns:a16="http://schemas.microsoft.com/office/drawing/2014/main" xmlns="" id="{E0AE4CF5-AB29-44C2-8F72-7BDEE217AE00}"/>
               </a:ext>
             </a:extLst>
           </p:cNvPr>
@@ -8153,7 +8162,7 @@
           <p:cNvPr id="4" name="Rectangle 1">
             <a:extLst>
               <a:ext uri="{FF2B5EF4-FFF2-40B4-BE49-F238E27FC236}">
-                <a16:creationId xmlns:a16="http://schemas.microsoft.com/office/drawing/2014/main" id="{F15E0262-9654-42AF-BABD-FBC77B14EA8B}"/>
+                <a16:creationId xmlns:a16="http://schemas.microsoft.com/office/drawing/2014/main" xmlns="" id="{F15E0262-9654-42AF-BABD-FBC77B14EA8B}"/>
               </a:ext>
             </a:extLst>
           </p:cNvPr>
@@ -8448,7 +8457,7 @@
           <p:cNvPr id="3" name="Content Placeholder 2">
             <a:extLst>
               <a:ext uri="{FF2B5EF4-FFF2-40B4-BE49-F238E27FC236}">
-                <a16:creationId xmlns:a16="http://schemas.microsoft.com/office/drawing/2014/main" id="{C682708F-4410-41C9-95C3-201CE6721469}"/>
+                <a16:creationId xmlns:a16="http://schemas.microsoft.com/office/drawing/2014/main" xmlns="" id="{C682708F-4410-41C9-95C3-201CE6721469}"/>
               </a:ext>
             </a:extLst>
           </p:cNvPr>
@@ -8511,7 +8520,7 @@
           <p:cNvPr id="6" name="Footer Placeholder 5">
             <a:extLst>
               <a:ext uri="{FF2B5EF4-FFF2-40B4-BE49-F238E27FC236}">
-                <a16:creationId xmlns:a16="http://schemas.microsoft.com/office/drawing/2014/main" id="{0351B861-9E86-44BB-94CF-E71F9EE6462F}"/>
+                <a16:creationId xmlns:a16="http://schemas.microsoft.com/office/drawing/2014/main" xmlns="" id="{0351B861-9E86-44BB-94CF-E71F9EE6462F}"/>
               </a:ext>
             </a:extLst>
           </p:cNvPr>
@@ -8569,7 +8578,7 @@
           <p:cNvPr id="2" name="Title 1">
             <a:extLst>
               <a:ext uri="{FF2B5EF4-FFF2-40B4-BE49-F238E27FC236}">
-                <a16:creationId xmlns:a16="http://schemas.microsoft.com/office/drawing/2014/main" id="{8E40AD86-E5EF-4596-A8C8-DA13DF758924}"/>
+                <a16:creationId xmlns:a16="http://schemas.microsoft.com/office/drawing/2014/main" xmlns="" id="{8E40AD86-E5EF-4596-A8C8-DA13DF758924}"/>
               </a:ext>
             </a:extLst>
           </p:cNvPr>
@@ -8601,7 +8610,7 @@
           <p:cNvPr id="3" name="Content Placeholder 2">
             <a:extLst>
               <a:ext uri="{FF2B5EF4-FFF2-40B4-BE49-F238E27FC236}">
-                <a16:creationId xmlns:a16="http://schemas.microsoft.com/office/drawing/2014/main" id="{4779BF2F-001E-47FC-86D6-069A35EEAEA4}"/>
+                <a16:creationId xmlns:a16="http://schemas.microsoft.com/office/drawing/2014/main" xmlns="" id="{4779BF2F-001E-47FC-86D6-069A35EEAEA4}"/>
               </a:ext>
             </a:extLst>
           </p:cNvPr>
@@ -8702,7 +8711,7 @@
           <p:cNvPr id="4" name="Footer Placeholder 3">
             <a:extLst>
               <a:ext uri="{FF2B5EF4-FFF2-40B4-BE49-F238E27FC236}">
-                <a16:creationId xmlns:a16="http://schemas.microsoft.com/office/drawing/2014/main" id="{2F1B1650-A6D9-4B2A-8B95-FF1B4137A991}"/>
+                <a16:creationId xmlns:a16="http://schemas.microsoft.com/office/drawing/2014/main" xmlns="" id="{2F1B1650-A6D9-4B2A-8B95-FF1B4137A991}"/>
               </a:ext>
             </a:extLst>
           </p:cNvPr>
@@ -8760,7 +8769,7 @@
           <p:cNvPr id="2" name="Title 1">
             <a:extLst>
               <a:ext uri="{FF2B5EF4-FFF2-40B4-BE49-F238E27FC236}">
-                <a16:creationId xmlns:a16="http://schemas.microsoft.com/office/drawing/2014/main" id="{0B423E63-0856-4E2D-8963-ED0ABC8CCDA1}"/>
+                <a16:creationId xmlns:a16="http://schemas.microsoft.com/office/drawing/2014/main" xmlns="" id="{0B423E63-0856-4E2D-8963-ED0ABC8CCDA1}"/>
               </a:ext>
             </a:extLst>
           </p:cNvPr>
@@ -8792,7 +8801,7 @@
           <p:cNvPr id="4" name="Footer Placeholder 3">
             <a:extLst>
               <a:ext uri="{FF2B5EF4-FFF2-40B4-BE49-F238E27FC236}">
-                <a16:creationId xmlns:a16="http://schemas.microsoft.com/office/drawing/2014/main" id="{DC32DF4C-BEF6-4E22-8E79-59F2C3ACD82A}"/>
+                <a16:creationId xmlns:a16="http://schemas.microsoft.com/office/drawing/2014/main" xmlns="" id="{DC32DF4C-BEF6-4E22-8E79-59F2C3ACD82A}"/>
               </a:ext>
             </a:extLst>
           </p:cNvPr>
@@ -8820,7 +8829,7 @@
           <p:cNvPr id="5" name="Rectangle 1">
             <a:extLst>
               <a:ext uri="{FF2B5EF4-FFF2-40B4-BE49-F238E27FC236}">
-                <a16:creationId xmlns:a16="http://schemas.microsoft.com/office/drawing/2014/main" id="{C846499D-6315-482B-A601-6BF70A91AED2}"/>
+                <a16:creationId xmlns:a16="http://schemas.microsoft.com/office/drawing/2014/main" xmlns="" id="{C846499D-6315-482B-A601-6BF70A91AED2}"/>
               </a:ext>
             </a:extLst>
           </p:cNvPr>
@@ -9423,7 +9432,7 @@
           <p:cNvPr id="2" name="Title 1">
             <a:extLst>
               <a:ext uri="{FF2B5EF4-FFF2-40B4-BE49-F238E27FC236}">
-                <a16:creationId xmlns:a16="http://schemas.microsoft.com/office/drawing/2014/main" id="{3CF25AD2-B4A0-4FA3-BB38-B8FC5AF9B12B}"/>
+                <a16:creationId xmlns:a16="http://schemas.microsoft.com/office/drawing/2014/main" xmlns="" id="{3CF25AD2-B4A0-4FA3-BB38-B8FC5AF9B12B}"/>
               </a:ext>
             </a:extLst>
           </p:cNvPr>
@@ -9455,7 +9464,7 @@
           <p:cNvPr id="3" name="Content Placeholder 2">
             <a:extLst>
               <a:ext uri="{FF2B5EF4-FFF2-40B4-BE49-F238E27FC236}">
-                <a16:creationId xmlns:a16="http://schemas.microsoft.com/office/drawing/2014/main" id="{B436A0E2-15A2-4E16-98BC-A775ADD52F6B}"/>
+                <a16:creationId xmlns:a16="http://schemas.microsoft.com/office/drawing/2014/main" xmlns="" id="{B436A0E2-15A2-4E16-98BC-A775ADD52F6B}"/>
               </a:ext>
             </a:extLst>
           </p:cNvPr>
@@ -9483,7 +9492,7 @@
           <p:cNvPr id="4" name="Footer Placeholder 3">
             <a:extLst>
               <a:ext uri="{FF2B5EF4-FFF2-40B4-BE49-F238E27FC236}">
-                <a16:creationId xmlns:a16="http://schemas.microsoft.com/office/drawing/2014/main" id="{762146C8-2A67-4864-A1B7-14FA1BD1B9A3}"/>
+                <a16:creationId xmlns:a16="http://schemas.microsoft.com/office/drawing/2014/main" xmlns="" id="{762146C8-2A67-4864-A1B7-14FA1BD1B9A3}"/>
               </a:ext>
             </a:extLst>
           </p:cNvPr>
@@ -9541,7 +9550,7 @@
           <p:cNvPr id="2" name="Title 1">
             <a:extLst>
               <a:ext uri="{FF2B5EF4-FFF2-40B4-BE49-F238E27FC236}">
-                <a16:creationId xmlns:a16="http://schemas.microsoft.com/office/drawing/2014/main" id="{C12A34DD-26CF-45B6-B264-6A755193D6C8}"/>
+                <a16:creationId xmlns:a16="http://schemas.microsoft.com/office/drawing/2014/main" xmlns="" id="{C12A34DD-26CF-45B6-B264-6A755193D6C8}"/>
               </a:ext>
             </a:extLst>
           </p:cNvPr>
@@ -9569,7 +9578,7 @@
           <p:cNvPr id="3" name="Content Placeholder 2">
             <a:extLst>
               <a:ext uri="{FF2B5EF4-FFF2-40B4-BE49-F238E27FC236}">
-                <a16:creationId xmlns:a16="http://schemas.microsoft.com/office/drawing/2014/main" id="{2152568A-471E-42A9-9C2A-248543128706}"/>
+                <a16:creationId xmlns:a16="http://schemas.microsoft.com/office/drawing/2014/main" xmlns="" id="{2152568A-471E-42A9-9C2A-248543128706}"/>
               </a:ext>
             </a:extLst>
           </p:cNvPr>
@@ -9698,7 +9707,7 @@
           <p:cNvPr id="5" name="Footer Placeholder 4">
             <a:extLst>
               <a:ext uri="{FF2B5EF4-FFF2-40B4-BE49-F238E27FC236}">
-                <a16:creationId xmlns:a16="http://schemas.microsoft.com/office/drawing/2014/main" id="{355EC287-5738-405E-9F77-A1FFC2BA178B}"/>
+                <a16:creationId xmlns:a16="http://schemas.microsoft.com/office/drawing/2014/main" xmlns="" id="{355EC287-5738-405E-9F77-A1FFC2BA178B}"/>
               </a:ext>
             </a:extLst>
           </p:cNvPr>
@@ -9756,7 +9765,7 @@
           <p:cNvPr id="2" name="Title 1">
             <a:extLst>
               <a:ext uri="{FF2B5EF4-FFF2-40B4-BE49-F238E27FC236}">
-                <a16:creationId xmlns:a16="http://schemas.microsoft.com/office/drawing/2014/main" id="{95D01083-0FBF-4519-9E21-B4887A944CA4}"/>
+                <a16:creationId xmlns:a16="http://schemas.microsoft.com/office/drawing/2014/main" xmlns="" id="{95D01083-0FBF-4519-9E21-B4887A944CA4}"/>
               </a:ext>
             </a:extLst>
           </p:cNvPr>
@@ -9788,7 +9797,7 @@
           <p:cNvPr id="3" name="Content Placeholder 2">
             <a:extLst>
               <a:ext uri="{FF2B5EF4-FFF2-40B4-BE49-F238E27FC236}">
-                <a16:creationId xmlns:a16="http://schemas.microsoft.com/office/drawing/2014/main" id="{8F417868-028A-4BED-B909-C39832FC4974}"/>
+                <a16:creationId xmlns:a16="http://schemas.microsoft.com/office/drawing/2014/main" xmlns="" id="{8F417868-028A-4BED-B909-C39832FC4974}"/>
               </a:ext>
             </a:extLst>
           </p:cNvPr>
@@ -9817,6 +9826,10 @@
             </a:r>
           </a:p>
           <a:p>
+            <a:r>
+              <a:rPr lang="en-US" sz="2400" dirty="0"/>
+              <a:t/>
+            </a:r>
             <a:br>
               <a:rPr lang="en-US" sz="2400" dirty="0"/>
             </a:br>
@@ -9874,7 +9887,7 @@
           <p:cNvPr id="4" name="Footer Placeholder 3">
             <a:extLst>
               <a:ext uri="{FF2B5EF4-FFF2-40B4-BE49-F238E27FC236}">
-                <a16:creationId xmlns:a16="http://schemas.microsoft.com/office/drawing/2014/main" id="{0CEE5CAE-2D21-4CDB-8A88-D8B03D4E739C}"/>
+                <a16:creationId xmlns:a16="http://schemas.microsoft.com/office/drawing/2014/main" xmlns="" id="{0CEE5CAE-2D21-4CDB-8A88-D8B03D4E739C}"/>
               </a:ext>
             </a:extLst>
           </p:cNvPr>
@@ -9932,7 +9945,7 @@
           <p:cNvPr id="2" name="Title 1">
             <a:extLst>
               <a:ext uri="{FF2B5EF4-FFF2-40B4-BE49-F238E27FC236}">
-                <a16:creationId xmlns:a16="http://schemas.microsoft.com/office/drawing/2014/main" id="{69F44548-AB85-4D05-9631-43C8A41F93F8}"/>
+                <a16:creationId xmlns:a16="http://schemas.microsoft.com/office/drawing/2014/main" xmlns="" id="{69F44548-AB85-4D05-9631-43C8A41F93F8}"/>
               </a:ext>
             </a:extLst>
           </p:cNvPr>
@@ -9964,7 +9977,7 @@
           <p:cNvPr id="3" name="Content Placeholder 2">
             <a:extLst>
               <a:ext uri="{FF2B5EF4-FFF2-40B4-BE49-F238E27FC236}">
-                <a16:creationId xmlns:a16="http://schemas.microsoft.com/office/drawing/2014/main" id="{100A1897-B471-4FD5-A8A7-49D8AB2990B8}"/>
+                <a16:creationId xmlns:a16="http://schemas.microsoft.com/office/drawing/2014/main" xmlns="" id="{100A1897-B471-4FD5-A8A7-49D8AB2990B8}"/>
               </a:ext>
             </a:extLst>
           </p:cNvPr>
@@ -10042,7 +10055,7 @@
           <p:cNvPr id="4" name="Footer Placeholder 3">
             <a:extLst>
               <a:ext uri="{FF2B5EF4-FFF2-40B4-BE49-F238E27FC236}">
-                <a16:creationId xmlns:a16="http://schemas.microsoft.com/office/drawing/2014/main" id="{15C95AC9-CE05-42EA-AC6E-FBE009AB2953}"/>
+                <a16:creationId xmlns:a16="http://schemas.microsoft.com/office/drawing/2014/main" xmlns="" id="{15C95AC9-CE05-42EA-AC6E-FBE009AB2953}"/>
               </a:ext>
             </a:extLst>
           </p:cNvPr>
@@ -10100,7 +10113,7 @@
           <p:cNvPr id="2" name="Title 1">
             <a:extLst>
               <a:ext uri="{FF2B5EF4-FFF2-40B4-BE49-F238E27FC236}">
-                <a16:creationId xmlns:a16="http://schemas.microsoft.com/office/drawing/2014/main" id="{0C93F6CA-82E6-46FD-8651-E699816B3AF4}"/>
+                <a16:creationId xmlns:a16="http://schemas.microsoft.com/office/drawing/2014/main" xmlns="" id="{0C93F6CA-82E6-46FD-8651-E699816B3AF4}"/>
               </a:ext>
             </a:extLst>
           </p:cNvPr>
@@ -10139,7 +10152,7 @@
           <p:cNvPr id="3" name="Content Placeholder 2">
             <a:extLst>
               <a:ext uri="{FF2B5EF4-FFF2-40B4-BE49-F238E27FC236}">
-                <a16:creationId xmlns:a16="http://schemas.microsoft.com/office/drawing/2014/main" id="{48EAD2AD-E777-4A9B-8B3E-7B2B57088D5E}"/>
+                <a16:creationId xmlns:a16="http://schemas.microsoft.com/office/drawing/2014/main" xmlns="" id="{48EAD2AD-E777-4A9B-8B3E-7B2B57088D5E}"/>
               </a:ext>
             </a:extLst>
           </p:cNvPr>
@@ -10350,7 +10363,7 @@
           <p:cNvPr id="4" name="Footer Placeholder 3">
             <a:extLst>
               <a:ext uri="{FF2B5EF4-FFF2-40B4-BE49-F238E27FC236}">
-                <a16:creationId xmlns:a16="http://schemas.microsoft.com/office/drawing/2014/main" id="{330363D5-FDBC-4B2D-8820-BC5394A4E651}"/>
+                <a16:creationId xmlns:a16="http://schemas.microsoft.com/office/drawing/2014/main" xmlns="" id="{330363D5-FDBC-4B2D-8820-BC5394A4E651}"/>
               </a:ext>
             </a:extLst>
           </p:cNvPr>
@@ -10408,7 +10421,7 @@
           <p:cNvPr id="2" name="Title 1">
             <a:extLst>
               <a:ext uri="{FF2B5EF4-FFF2-40B4-BE49-F238E27FC236}">
-                <a16:creationId xmlns:a16="http://schemas.microsoft.com/office/drawing/2014/main" id="{F5A6191F-729B-4AF9-97E0-2DF60436C301}"/>
+                <a16:creationId xmlns:a16="http://schemas.microsoft.com/office/drawing/2014/main" xmlns="" id="{F5A6191F-729B-4AF9-97E0-2DF60436C301}"/>
               </a:ext>
             </a:extLst>
           </p:cNvPr>
@@ -10440,7 +10453,7 @@
           <p:cNvPr id="3" name="Content Placeholder 2">
             <a:extLst>
               <a:ext uri="{FF2B5EF4-FFF2-40B4-BE49-F238E27FC236}">
-                <a16:creationId xmlns:a16="http://schemas.microsoft.com/office/drawing/2014/main" id="{D6070C63-1388-422B-A725-7C08B8F642A1}"/>
+                <a16:creationId xmlns:a16="http://schemas.microsoft.com/office/drawing/2014/main" xmlns="" id="{D6070C63-1388-422B-A725-7C08B8F642A1}"/>
               </a:ext>
             </a:extLst>
           </p:cNvPr>
@@ -10501,7 +10514,7 @@
           <p:cNvPr id="4" name="Footer Placeholder 3">
             <a:extLst>
               <a:ext uri="{FF2B5EF4-FFF2-40B4-BE49-F238E27FC236}">
-                <a16:creationId xmlns:a16="http://schemas.microsoft.com/office/drawing/2014/main" id="{E5F30F12-DCC7-4F50-ACAA-3D53353F1981}"/>
+                <a16:creationId xmlns:a16="http://schemas.microsoft.com/office/drawing/2014/main" xmlns="" id="{E5F30F12-DCC7-4F50-ACAA-3D53353F1981}"/>
               </a:ext>
             </a:extLst>
           </p:cNvPr>
@@ -10556,13 +10569,7 @@
       </p:grpSpPr>
       <p:sp>
         <p:nvSpPr>
-          <p:cNvPr id="2" name="Title 1">
-            <a:extLst>
-              <a:ext uri="{FF2B5EF4-FFF2-40B4-BE49-F238E27FC236}">
-                <a16:creationId xmlns:a16="http://schemas.microsoft.com/office/drawing/2014/main" id="{787ED23B-D659-4EF1-86F8-8567F0A9B36B}"/>
-              </a:ext>
-            </a:extLst>
-          </p:cNvPr>
+          <p:cNvPr id="2" name="Title 1"/>
           <p:cNvSpPr>
             <a:spLocks noGrp="1"/>
           </p:cNvSpPr>
@@ -10570,12 +10577,7 @@
             <p:ph type="title"/>
           </p:nvPr>
         </p:nvSpPr>
-        <p:spPr>
-          <a:xfrm>
-            <a:off x="677334" y="609600"/>
-            <a:ext cx="8596668" cy="716924"/>
-          </a:xfrm>
-        </p:spPr>
+        <p:spPr/>
         <p:txBody>
           <a:bodyPr>
             <a:normAutofit fontScale="90000"/>
@@ -10583,8 +10585,20 @@
           <a:lstStyle/>
           <a:p>
             <a:r>
-              <a:rPr lang="en-US" dirty="0"/>
-              <a:t>HTML Layouts</a:t>
+              <a:rPr lang="en-US" dirty="0" err="1"/>
+              <a:t>Iframe</a:t>
+            </a:r>
+            <a:r>
+              <a:rPr lang="en-US" dirty="0"/>
+              <a:t> - Set Height and </a:t>
+            </a:r>
+            <a:r>
+              <a:rPr lang="en-US" dirty="0" smtClean="0"/>
+              <a:t>Width &amp; add-remove border</a:t>
+            </a:r>
+            <a:r>
+              <a:rPr lang="en-US" dirty="0"/>
+              <a:t/>
             </a:r>
             <a:br>
               <a:rPr lang="en-US" dirty="0"/>
@@ -10595,13 +10609,7 @@
       </p:sp>
       <p:sp>
         <p:nvSpPr>
-          <p:cNvPr id="3" name="Content Placeholder 2">
-            <a:extLst>
-              <a:ext uri="{FF2B5EF4-FFF2-40B4-BE49-F238E27FC236}">
-                <a16:creationId xmlns:a16="http://schemas.microsoft.com/office/drawing/2014/main" id="{D5569C05-D336-4CE7-8532-E6DE5EF55D04}"/>
-              </a:ext>
-            </a:extLst>
-          </p:cNvPr>
+          <p:cNvPr id="3" name="Content Placeholder 2"/>
           <p:cNvSpPr>
             <a:spLocks noGrp="1"/>
           </p:cNvSpPr>
@@ -10609,109 +10617,120 @@
             <p:ph idx="1"/>
           </p:nvPr>
         </p:nvSpPr>
-        <p:spPr>
-          <a:xfrm>
-            <a:off x="677334" y="1146221"/>
-            <a:ext cx="8596668" cy="4895142"/>
-          </a:xfrm>
-        </p:spPr>
-        <p:txBody>
-          <a:bodyPr>
-            <a:noAutofit/>
-          </a:bodyPr>
-          <a:lstStyle/>
-          <a:p>
-            <a:pPr marL="0" indent="0">
-              <a:buNone/>
-            </a:pPr>
-            <a:r>
-              <a:rPr lang="en-US" sz="2000" dirty="0"/>
-              <a:t>&lt;body&gt;</a:t>
-            </a:r>
-          </a:p>
-          <a:p>
-            <a:pPr marL="0" indent="0">
-              <a:buNone/>
-            </a:pPr>
-            <a:r>
-              <a:rPr lang="en-US" sz="2000" dirty="0"/>
-              <a:t>&lt;h2&gt;CSS Layout Float&lt;/h2&gt;</a:t>
-            </a:r>
-          </a:p>
-          <a:p>
-            <a:pPr marL="0" indent="0">
-              <a:buNone/>
-            </a:pPr>
-            <a:r>
-              <a:rPr lang="en-US" sz="2000" dirty="0"/>
-              <a:t>&lt;p&gt;In this example, we have created a header, two columns/boxes and a footer. On smaller screens, the columns will stack on top of each other.&lt;/p&gt;</a:t>
-            </a:r>
-          </a:p>
-          <a:p>
-            <a:pPr marL="0" indent="0">
-              <a:buNone/>
-            </a:pPr>
-            <a:r>
-              <a:rPr lang="en-US" sz="2000" dirty="0"/>
-              <a:t>&lt;p&gt;Resize the browser window to see the responsive effect (you will learn more about this in our next chapter - HTML Responsive.)&lt;/p&gt;</a:t>
-            </a:r>
-          </a:p>
-          <a:p>
-            <a:pPr marL="0" indent="0">
-              <a:buNone/>
-            </a:pPr>
-            <a:r>
-              <a:rPr lang="en-US" sz="2000" dirty="0"/>
-              <a:t>&lt;header&gt;</a:t>
-            </a:r>
-          </a:p>
-          <a:p>
-            <a:pPr marL="0" indent="0">
-              <a:buNone/>
-            </a:pPr>
-            <a:r>
-              <a:rPr lang="en-US" sz="2000" dirty="0"/>
-              <a:t>  &lt;h2&gt;Cities&lt;/h2&gt;</a:t>
-            </a:r>
-          </a:p>
-          <a:p>
-            <a:pPr marL="0" indent="0">
-              <a:buNone/>
-            </a:pPr>
-            <a:r>
-              <a:rPr lang="en-US" sz="2000" dirty="0"/>
-              <a:t>&lt;/header&gt;</a:t>
-            </a:r>
-          </a:p>
-          <a:p>
-            <a:pPr marL="0" indent="0">
-              <a:buNone/>
-            </a:pPr>
-            <a:r>
-              <a:rPr lang="en-US" sz="2000" dirty="0"/>
-              <a:t>&lt;section&gt;</a:t>
-            </a:r>
-          </a:p>
-          <a:p>
-            <a:pPr marL="0" indent="0">
-              <a:buNone/>
-            </a:pPr>
-            <a:r>
-              <a:rPr lang="en-US" sz="2000" dirty="0"/>
-              <a:t>  </a:t>
-            </a:r>
-          </a:p>
-        </p:txBody>
-      </p:sp>
-      <p:sp>
-        <p:nvSpPr>
-          <p:cNvPr id="4" name="Footer Placeholder 3">
-            <a:extLst>
-              <a:ext uri="{FF2B5EF4-FFF2-40B4-BE49-F238E27FC236}">
-                <a16:creationId xmlns:a16="http://schemas.microsoft.com/office/drawing/2014/main" id="{2E01AA97-58F5-465C-AC98-F3D9F4EC049F}"/>
-              </a:ext>
-            </a:extLst>
-          </p:cNvPr>
+        <p:spPr/>
+        <p:txBody>
+          <a:bodyPr/>
+          <a:lstStyle/>
+          <a:p>
+            <a:r>
+              <a:rPr lang="en-US" dirty="0"/>
+              <a:t>&lt;</a:t>
+            </a:r>
+            <a:r>
+              <a:rPr lang="en-US" dirty="0" err="1"/>
+              <a:t>iframe</a:t>
+            </a:r>
+            <a:r>
+              <a:rPr lang="en-US" dirty="0"/>
+              <a:t> </a:t>
+            </a:r>
+            <a:r>
+              <a:rPr lang="en-US" dirty="0" err="1"/>
+              <a:t>src</a:t>
+            </a:r>
+            <a:r>
+              <a:rPr lang="en-US" dirty="0"/>
+              <a:t>="demo_iframe.htm" height="200" width="300"&gt;&lt;/</a:t>
+            </a:r>
+            <a:r>
+              <a:rPr lang="en-US" dirty="0" err="1"/>
+              <a:t>iframe</a:t>
+            </a:r>
+            <a:r>
+              <a:rPr lang="en-US" dirty="0" smtClean="0"/>
+              <a:t>&gt;</a:t>
+            </a:r>
+          </a:p>
+          <a:p>
+            <a:endParaRPr lang="en-US" dirty="0"/>
+          </a:p>
+          <a:p>
+            <a:r>
+              <a:rPr lang="en-US" dirty="0"/>
+              <a:t>&lt;</a:t>
+            </a:r>
+            <a:r>
+              <a:rPr lang="en-US" dirty="0" err="1"/>
+              <a:t>iframe</a:t>
+            </a:r>
+            <a:r>
+              <a:rPr lang="en-US" dirty="0"/>
+              <a:t> </a:t>
+            </a:r>
+            <a:r>
+              <a:rPr lang="en-US" dirty="0" err="1"/>
+              <a:t>src</a:t>
+            </a:r>
+            <a:r>
+              <a:rPr lang="en-US" dirty="0"/>
+              <a:t>="demo_iframe.htm" style="</a:t>
+            </a:r>
+            <a:r>
+              <a:rPr lang="en-US" dirty="0" err="1"/>
+              <a:t>border:none</a:t>
+            </a:r>
+            <a:r>
+              <a:rPr lang="en-US" dirty="0"/>
+              <a:t>;"&gt;&lt;/</a:t>
+            </a:r>
+            <a:r>
+              <a:rPr lang="en-US" dirty="0" err="1"/>
+              <a:t>iframe</a:t>
+            </a:r>
+            <a:r>
+              <a:rPr lang="en-US" dirty="0" smtClean="0"/>
+              <a:t>&gt;</a:t>
+            </a:r>
+          </a:p>
+          <a:p>
+            <a:endParaRPr lang="en-US" dirty="0"/>
+          </a:p>
+          <a:p>
+            <a:r>
+              <a:rPr lang="en-US" dirty="0"/>
+              <a:t>&lt;</a:t>
+            </a:r>
+            <a:r>
+              <a:rPr lang="en-US" dirty="0" err="1"/>
+              <a:t>iframe</a:t>
+            </a:r>
+            <a:r>
+              <a:rPr lang="en-US" dirty="0"/>
+              <a:t> </a:t>
+            </a:r>
+            <a:r>
+              <a:rPr lang="en-US" dirty="0" err="1"/>
+              <a:t>src</a:t>
+            </a:r>
+            <a:r>
+              <a:rPr lang="en-US" dirty="0"/>
+              <a:t>="demo_iframe.htm" style="border:2px solid red;"&gt;&lt;/</a:t>
+            </a:r>
+            <a:r>
+              <a:rPr lang="en-US" dirty="0" err="1"/>
+              <a:t>iframe</a:t>
+            </a:r>
+            <a:r>
+              <a:rPr lang="en-US" dirty="0"/>
+              <a:t>&gt;</a:t>
+            </a:r>
+            <a:endParaRPr lang="en-US" dirty="0"/>
+          </a:p>
+        </p:txBody>
+      </p:sp>
+      <p:sp>
+        <p:nvSpPr>
+          <p:cNvPr id="4" name="Footer Placeholder 3"/>
           <p:cNvSpPr>
             <a:spLocks noGrp="1"/>
           </p:cNvSpPr>
@@ -10725,16 +10744,17 @@
           <a:lstStyle/>
           <a:p>
             <a:r>
-              <a:rPr lang="en-US"/>
+              <a:rPr lang="en-US" smtClean="0"/>
               <a:t>BITM</a:t>
             </a:r>
+            <a:endParaRPr lang="en-US"/>
           </a:p>
         </p:txBody>
       </p:sp>
     </p:spTree>
     <p:extLst>
       <p:ext uri="{BB962C8B-B14F-4D97-AF65-F5344CB8AC3E}">
-        <p14:creationId xmlns:p14="http://schemas.microsoft.com/office/powerpoint/2010/main" val="2468030976"/>
+        <p14:creationId xmlns:p14="http://schemas.microsoft.com/office/powerpoint/2010/main" val="1948658954"/>
       </p:ext>
     </p:extLst>
   </p:cSld>
@@ -10763,18 +10783,12 @@
       </p:grpSpPr>
       <p:sp>
         <p:nvSpPr>
-          <p:cNvPr id="2" name="Footer Placeholder 1">
-            <a:extLst>
-              <a:ext uri="{FF2B5EF4-FFF2-40B4-BE49-F238E27FC236}">
-                <a16:creationId xmlns:a16="http://schemas.microsoft.com/office/drawing/2014/main" id="{E6155C05-DBE9-4510-92D5-214AA2B210C6}"/>
-              </a:ext>
-            </a:extLst>
-          </p:cNvPr>
-          <p:cNvSpPr>
-            <a:spLocks noGrp="1"/>
-          </p:cNvSpPr>
-          <p:nvPr>
-            <p:ph type="ftr" sz="quarter" idx="11"/>
+          <p:cNvPr id="2" name="Title 1"/>
+          <p:cNvSpPr>
+            <a:spLocks noGrp="1"/>
+          </p:cNvSpPr>
+          <p:nvPr>
+            <p:ph type="title"/>
           </p:nvPr>
         </p:nvSpPr>
         <p:spPr/>
@@ -10783,178 +10797,143 @@
           <a:lstStyle/>
           <a:p>
             <a:r>
-              <a:rPr lang="en-US"/>
-              <a:t>BITM</a:t>
-            </a:r>
-          </a:p>
-        </p:txBody>
-      </p:sp>
-      <p:sp>
-        <p:nvSpPr>
-          <p:cNvPr id="3" name="Rectangle 2">
-            <a:extLst>
-              <a:ext uri="{FF2B5EF4-FFF2-40B4-BE49-F238E27FC236}">
-                <a16:creationId xmlns:a16="http://schemas.microsoft.com/office/drawing/2014/main" id="{CF3D8F86-6162-4236-AF9D-76481DF0C5BD}"/>
-              </a:ext>
-            </a:extLst>
-          </p:cNvPr>
-          <p:cNvSpPr/>
-          <p:nvPr/>
+              <a:rPr lang="en-US" dirty="0" err="1"/>
+              <a:t>Iframe</a:t>
+            </a:r>
+            <a:r>
+              <a:rPr lang="en-US" dirty="0"/>
+              <a:t> - Target for a Link</a:t>
+            </a:r>
+            <a:br>
+              <a:rPr lang="en-US" dirty="0"/>
+            </a:br>
+            <a:endParaRPr lang="en-US" dirty="0"/>
+          </a:p>
+        </p:txBody>
+      </p:sp>
+      <p:sp>
+        <p:nvSpPr>
+          <p:cNvPr id="3" name="Content Placeholder 2"/>
+          <p:cNvSpPr>
+            <a:spLocks noGrp="1"/>
+          </p:cNvSpPr>
+          <p:nvPr>
+            <p:ph idx="1"/>
+          </p:nvPr>
         </p:nvSpPr>
         <p:spPr>
           <a:xfrm>
-            <a:off x="824247" y="612844"/>
-            <a:ext cx="9015211" cy="5632311"/>
+            <a:off x="677334" y="2160589"/>
+            <a:ext cx="9060432" cy="3880773"/>
           </a:xfrm>
-          <a:prstGeom prst="rect">
-            <a:avLst/>
-          </a:prstGeom>
         </p:spPr>
         <p:txBody>
-          <a:bodyPr wrap="square">
-            <a:spAutoFit/>
+          <a:bodyPr>
+            <a:normAutofit/>
           </a:bodyPr>
           <a:lstStyle/>
           <a:p>
             <a:r>
-              <a:rPr lang="en-US" dirty="0"/>
-              <a:t>&lt;nav&gt;</a:t>
-            </a:r>
-          </a:p>
-          <a:p>
-            <a:r>
-              <a:rPr lang="en-US" dirty="0"/>
-              <a:t>    &lt;ul&gt;</a:t>
-            </a:r>
-          </a:p>
-          <a:p>
-            <a:r>
-              <a:rPr lang="en-US" dirty="0"/>
-              <a:t>      &lt;li&gt;&lt;a </a:t>
-            </a:r>
-            <a:r>
-              <a:rPr lang="en-US" dirty="0" err="1"/>
+              <a:rPr lang="en-US" sz="2400" dirty="0"/>
+              <a:t>&lt;</a:t>
+            </a:r>
+            <a:r>
+              <a:rPr lang="en-US" sz="2400" dirty="0" err="1"/>
+              <a:t>iframe</a:t>
+            </a:r>
+            <a:r>
+              <a:rPr lang="en-US" sz="2400" dirty="0"/>
+              <a:t> </a:t>
+            </a:r>
+            <a:r>
+              <a:rPr lang="en-US" sz="2400" dirty="0" err="1"/>
+              <a:t>src</a:t>
+            </a:r>
+            <a:r>
+              <a:rPr lang="en-US" sz="2400" dirty="0"/>
+              <a:t>="demo_iframe.htm" name="</a:t>
+            </a:r>
+            <a:r>
+              <a:rPr lang="en-US" sz="2400" dirty="0" err="1"/>
+              <a:t>iframe_a</a:t>
+            </a:r>
+            <a:r>
+              <a:rPr lang="en-US" sz="2400" dirty="0"/>
+              <a:t>"&gt;&lt;/</a:t>
+            </a:r>
+            <a:r>
+              <a:rPr lang="en-US" sz="2400" dirty="0" err="1"/>
+              <a:t>iframe</a:t>
+            </a:r>
+            <a:r>
+              <a:rPr lang="en-US" sz="2400" dirty="0"/>
+              <a:t>&gt;</a:t>
+            </a:r>
+            <a:r>
+              <a:rPr lang="en-US" sz="2400" dirty="0"/>
+              <a:t/>
+            </a:r>
+            <a:br>
+              <a:rPr lang="en-US" sz="2400" dirty="0"/>
+            </a:br>
+            <a:r>
+              <a:rPr lang="en-US" sz="2400" dirty="0"/>
+              <a:t/>
+            </a:r>
+            <a:br>
+              <a:rPr lang="en-US" sz="2400" dirty="0"/>
+            </a:br>
+            <a:r>
+              <a:rPr lang="en-US" sz="2400" dirty="0"/>
+              <a:t>&lt;p&gt;&lt;a </a:t>
+            </a:r>
+            <a:r>
+              <a:rPr lang="en-US" sz="2400" dirty="0" err="1"/>
               <a:t>href</a:t>
             </a:r>
             <a:r>
-              <a:rPr lang="en-US" dirty="0"/>
-              <a:t>="#"&gt;London&lt;/a&gt;&lt;/li&gt;</a:t>
-            </a:r>
-          </a:p>
-          <a:p>
-            <a:r>
-              <a:rPr lang="en-US" dirty="0"/>
-              <a:t>      &lt;li&gt;&lt;a </a:t>
-            </a:r>
-            <a:r>
-              <a:rPr lang="en-US" dirty="0" err="1"/>
-              <a:t>href</a:t>
-            </a:r>
-            <a:r>
-              <a:rPr lang="en-US" dirty="0"/>
-              <a:t>="#"&gt;Paris&lt;/a&gt;&lt;/li&gt;</a:t>
-            </a:r>
-          </a:p>
-          <a:p>
-            <a:r>
-              <a:rPr lang="en-US" dirty="0"/>
-              <a:t>      &lt;li&gt;&lt;a </a:t>
-            </a:r>
-            <a:r>
-              <a:rPr lang="en-US" dirty="0" err="1"/>
-              <a:t>href</a:t>
-            </a:r>
-            <a:r>
-              <a:rPr lang="en-US" dirty="0"/>
-              <a:t>="#"&gt;Tokyo&lt;/a&gt;&lt;/li&gt;</a:t>
-            </a:r>
-          </a:p>
-          <a:p>
-            <a:r>
-              <a:rPr lang="en-US" dirty="0"/>
-              <a:t>    &lt;/ul&gt;</a:t>
-            </a:r>
-          </a:p>
-          <a:p>
-            <a:r>
-              <a:rPr lang="en-US" dirty="0"/>
-              <a:t>  &lt;/nav&gt;  </a:t>
-            </a:r>
-          </a:p>
-          <a:p>
-            <a:r>
-              <a:rPr lang="en-US" dirty="0"/>
-              <a:t>  &lt;article&gt;</a:t>
-            </a:r>
-          </a:p>
-          <a:p>
-            <a:r>
-              <a:rPr lang="en-US" dirty="0"/>
-              <a:t>    &lt;h1&gt;London&lt;/h1&gt;</a:t>
-            </a:r>
-          </a:p>
-          <a:p>
-            <a:r>
-              <a:rPr lang="en-US" dirty="0"/>
-              <a:t>    &lt;p&gt;London is the capital city of England. It is the most populous city in the  United Kingdom, with a metropolitan area of over 13 million inhabitants.&lt;/p&gt;</a:t>
-            </a:r>
-          </a:p>
-          <a:p>
-            <a:r>
-              <a:rPr lang="en-US" dirty="0"/>
-              <a:t>    &lt;p&gt;Standing on the River Thames, London has been a major settlement for two millennia, its history going back to its founding by the Romans, who named it </a:t>
-            </a:r>
-            <a:r>
-              <a:rPr lang="en-US" dirty="0" err="1"/>
-              <a:t>Londinium</a:t>
-            </a:r>
-            <a:r>
-              <a:rPr lang="en-US" dirty="0"/>
-              <a:t>.&lt;/p&gt;</a:t>
-            </a:r>
-          </a:p>
-          <a:p>
-            <a:r>
-              <a:rPr lang="en-US" dirty="0"/>
-              <a:t>  &lt;/article&gt;</a:t>
-            </a:r>
-          </a:p>
-          <a:p>
-            <a:r>
-              <a:rPr lang="en-US" dirty="0"/>
-              <a:t>&lt;/section&gt;</a:t>
-            </a:r>
-          </a:p>
-          <a:p>
-            <a:r>
-              <a:rPr lang="en-US" dirty="0"/>
-              <a:t>&lt;footer&gt;</a:t>
-            </a:r>
-          </a:p>
-          <a:p>
-            <a:r>
-              <a:rPr lang="en-US" dirty="0"/>
-              <a:t>  &lt;p&gt;Footer&lt;/p&gt;</a:t>
-            </a:r>
-          </a:p>
-          <a:p>
-            <a:r>
-              <a:rPr lang="en-US" dirty="0"/>
-              <a:t>&lt;/footer&gt;</a:t>
-            </a:r>
-          </a:p>
-          <a:p>
-            <a:r>
-              <a:rPr lang="en-US" dirty="0"/>
-              <a:t>&lt;/body&gt;</a:t>
-            </a:r>
+              <a:rPr lang="en-US" sz="2400" dirty="0"/>
+              <a:t>="https://www.w3schools.com" target="</a:t>
+            </a:r>
+            <a:r>
+              <a:rPr lang="en-US" sz="2400" dirty="0" err="1"/>
+              <a:t>iframe_a</a:t>
+            </a:r>
+            <a:r>
+              <a:rPr lang="en-US" sz="2400" dirty="0"/>
+              <a:t>"&gt;W3Schools.com&lt;/a&gt;&lt;/p&gt;</a:t>
+            </a:r>
+            <a:endParaRPr lang="en-US" sz="2400" dirty="0"/>
+          </a:p>
+        </p:txBody>
+      </p:sp>
+      <p:sp>
+        <p:nvSpPr>
+          <p:cNvPr id="4" name="Footer Placeholder 3"/>
+          <p:cNvSpPr>
+            <a:spLocks noGrp="1"/>
+          </p:cNvSpPr>
+          <p:nvPr>
+            <p:ph type="ftr" sz="quarter" idx="11"/>
+          </p:nvPr>
+        </p:nvSpPr>
+        <p:spPr/>
+        <p:txBody>
+          <a:bodyPr/>
+          <a:lstStyle/>
+          <a:p>
+            <a:r>
+              <a:rPr lang="en-US" smtClean="0"/>
+              <a:t>BITM</a:t>
+            </a:r>
+            <a:endParaRPr lang="en-US"/>
           </a:p>
         </p:txBody>
       </p:sp>
     </p:spTree>
     <p:extLst>
       <p:ext uri="{BB962C8B-B14F-4D97-AF65-F5344CB8AC3E}">
-        <p14:creationId xmlns:p14="http://schemas.microsoft.com/office/powerpoint/2010/main" val="1482625396"/>
+        <p14:creationId xmlns:p14="http://schemas.microsoft.com/office/powerpoint/2010/main" val="1573472411"/>
       </p:ext>
     </p:extLst>
   </p:cSld>
@@ -10986,7 +10965,7 @@
           <p:cNvPr id="2" name="Title 1">
             <a:extLst>
               <a:ext uri="{FF2B5EF4-FFF2-40B4-BE49-F238E27FC236}">
-                <a16:creationId xmlns:a16="http://schemas.microsoft.com/office/drawing/2014/main" id="{E1115BBA-BA63-4C88-98D8-B35BA9FABC93}"/>
+                <a16:creationId xmlns:a16="http://schemas.microsoft.com/office/drawing/2014/main" xmlns="" id="{787ED23B-D659-4EF1-86F8-8567F0A9B36B}"/>
               </a:ext>
             </a:extLst>
           </p:cNvPr>
@@ -10997,14 +10976,21 @@
             <p:ph type="title"/>
           </p:nvPr>
         </p:nvSpPr>
-        <p:spPr/>
-        <p:txBody>
-          <a:bodyPr/>
-          <a:lstStyle/>
-          <a:p>
-            <a:r>
-              <a:rPr lang="en-US" dirty="0"/>
-              <a:t>HTML Forms</a:t>
+        <p:spPr>
+          <a:xfrm>
+            <a:off x="677334" y="609600"/>
+            <a:ext cx="8596668" cy="716924"/>
+          </a:xfrm>
+        </p:spPr>
+        <p:txBody>
+          <a:bodyPr>
+            <a:normAutofit fontScale="90000"/>
+          </a:bodyPr>
+          <a:lstStyle/>
+          <a:p>
+            <a:r>
+              <a:rPr lang="en-US" dirty="0"/>
+              <a:t>HTML Layouts</a:t>
             </a:r>
             <a:br>
               <a:rPr lang="en-US" dirty="0"/>
@@ -11018,7 +11004,7 @@
           <p:cNvPr id="3" name="Content Placeholder 2">
             <a:extLst>
               <a:ext uri="{FF2B5EF4-FFF2-40B4-BE49-F238E27FC236}">
-                <a16:creationId xmlns:a16="http://schemas.microsoft.com/office/drawing/2014/main" id="{775ACE32-22EC-4936-92A1-44166DDA2FA9}"/>
+                <a16:creationId xmlns:a16="http://schemas.microsoft.com/office/drawing/2014/main" xmlns="" id="{D5569C05-D336-4CE7-8532-E6DE5EF55D04}"/>
               </a:ext>
             </a:extLst>
           </p:cNvPr>
@@ -11029,42 +11015,96 @@
             <p:ph idx="1"/>
           </p:nvPr>
         </p:nvSpPr>
-        <p:spPr/>
-        <p:txBody>
-          <a:bodyPr/>
-          <a:lstStyle/>
-          <a:p>
-            <a:r>
-              <a:rPr lang="en-US" dirty="0"/>
-              <a:t>&lt;form&gt;</a:t>
-            </a:r>
-            <a:br>
-              <a:rPr lang="en-US" dirty="0"/>
-            </a:br>
-            <a:r>
-              <a:rPr lang="en-US" dirty="0"/>
-              <a:t>.</a:t>
-            </a:r>
-            <a:br>
-              <a:rPr lang="en-US" dirty="0"/>
-            </a:br>
-            <a:r>
-              <a:rPr lang="en-US" i="1" dirty="0"/>
-              <a:t>form elements</a:t>
-            </a:r>
-            <a:br>
-              <a:rPr lang="en-US" dirty="0"/>
-            </a:br>
-            <a:r>
-              <a:rPr lang="en-US" dirty="0"/>
-              <a:t>.</a:t>
-            </a:r>
-            <a:br>
-              <a:rPr lang="en-US" dirty="0"/>
-            </a:br>
-            <a:r>
-              <a:rPr lang="en-US" dirty="0"/>
-              <a:t>&lt;/form&gt;</a:t>
+        <p:spPr>
+          <a:xfrm>
+            <a:off x="677334" y="1146221"/>
+            <a:ext cx="8596668" cy="4895142"/>
+          </a:xfrm>
+        </p:spPr>
+        <p:txBody>
+          <a:bodyPr>
+            <a:noAutofit/>
+          </a:bodyPr>
+          <a:lstStyle/>
+          <a:p>
+            <a:pPr marL="0" indent="0">
+              <a:buNone/>
+            </a:pPr>
+            <a:r>
+              <a:rPr lang="en-US" sz="2000" dirty="0"/>
+              <a:t>&lt;body&gt;</a:t>
+            </a:r>
+          </a:p>
+          <a:p>
+            <a:pPr marL="0" indent="0">
+              <a:buNone/>
+            </a:pPr>
+            <a:r>
+              <a:rPr lang="en-US" sz="2000" dirty="0"/>
+              <a:t>&lt;h2&gt;CSS Layout Float&lt;/h2&gt;</a:t>
+            </a:r>
+          </a:p>
+          <a:p>
+            <a:pPr marL="0" indent="0">
+              <a:buNone/>
+            </a:pPr>
+            <a:r>
+              <a:rPr lang="en-US" sz="2000" dirty="0"/>
+              <a:t>&lt;p&gt;In this example, we have created a header, two columns/boxes and a footer. On smaller screens, the columns will stack on top of each other.&lt;/p&gt;</a:t>
+            </a:r>
+          </a:p>
+          <a:p>
+            <a:pPr marL="0" indent="0">
+              <a:buNone/>
+            </a:pPr>
+            <a:r>
+              <a:rPr lang="en-US" sz="2000" dirty="0"/>
+              <a:t>&lt;p&gt;Resize the browser window to see the responsive effect (you will learn more about this in our next chapter - HTML Responsive.)&lt;/p&gt;</a:t>
+            </a:r>
+          </a:p>
+          <a:p>
+            <a:pPr marL="0" indent="0">
+              <a:buNone/>
+            </a:pPr>
+            <a:r>
+              <a:rPr lang="en-US" sz="2000" dirty="0"/>
+              <a:t>&lt;header&gt;</a:t>
+            </a:r>
+          </a:p>
+          <a:p>
+            <a:pPr marL="0" indent="0">
+              <a:buNone/>
+            </a:pPr>
+            <a:r>
+              <a:rPr lang="en-US" sz="2000" dirty="0"/>
+              <a:t>  &lt;h2&gt;Cities&lt;/h2&gt;</a:t>
+            </a:r>
+          </a:p>
+          <a:p>
+            <a:pPr marL="0" indent="0">
+              <a:buNone/>
+            </a:pPr>
+            <a:r>
+              <a:rPr lang="en-US" sz="2000" dirty="0"/>
+              <a:t>&lt;/header&gt;</a:t>
+            </a:r>
+          </a:p>
+          <a:p>
+            <a:pPr marL="0" indent="0">
+              <a:buNone/>
+            </a:pPr>
+            <a:r>
+              <a:rPr lang="en-US" sz="2000" dirty="0"/>
+              <a:t>&lt;section&gt;</a:t>
+            </a:r>
+          </a:p>
+          <a:p>
+            <a:pPr marL="0" indent="0">
+              <a:buNone/>
+            </a:pPr>
+            <a:r>
+              <a:rPr lang="en-US" sz="2000" dirty="0"/>
+              <a:t>  </a:t>
             </a:r>
           </a:p>
         </p:txBody>
@@ -11074,7 +11114,7 @@
           <p:cNvPr id="4" name="Footer Placeholder 3">
             <a:extLst>
               <a:ext uri="{FF2B5EF4-FFF2-40B4-BE49-F238E27FC236}">
-                <a16:creationId xmlns:a16="http://schemas.microsoft.com/office/drawing/2014/main" id="{B9DD80F7-5025-41F8-BB8A-D3943EE090EA}"/>
+                <a16:creationId xmlns:a16="http://schemas.microsoft.com/office/drawing/2014/main" xmlns="" id="{2E01AA97-58F5-465C-AC98-F3D9F4EC049F}"/>
               </a:ext>
             </a:extLst>
           </p:cNvPr>
@@ -11100,7 +11140,7 @@
     </p:spTree>
     <p:extLst>
       <p:ext uri="{BB962C8B-B14F-4D97-AF65-F5344CB8AC3E}">
-        <p14:creationId xmlns:p14="http://schemas.microsoft.com/office/powerpoint/2010/main" val="1237523223"/>
+        <p14:creationId xmlns:p14="http://schemas.microsoft.com/office/powerpoint/2010/main" val="2468030976"/>
       </p:ext>
     </p:extLst>
   </p:cSld>
@@ -11129,10 +11169,10 @@
       </p:grpSpPr>
       <p:sp>
         <p:nvSpPr>
-          <p:cNvPr id="2" name="Title 1">
+          <p:cNvPr id="2" name="Footer Placeholder 1">
             <a:extLst>
               <a:ext uri="{FF2B5EF4-FFF2-40B4-BE49-F238E27FC236}">
-                <a16:creationId xmlns:a16="http://schemas.microsoft.com/office/drawing/2014/main" id="{0DC71CFA-9940-4104-8ACD-F7346990A97D}"/>
+                <a16:creationId xmlns:a16="http://schemas.microsoft.com/office/drawing/2014/main" xmlns="" id="{E6155C05-DBE9-4510-92D5-214AA2B210C6}"/>
               </a:ext>
             </a:extLst>
           </p:cNvPr>
@@ -11140,7 +11180,7 @@
             <a:spLocks noGrp="1"/>
           </p:cNvSpPr>
           <p:nvPr>
-            <p:ph type="title"/>
+            <p:ph type="ftr" sz="quarter" idx="11"/>
           </p:nvPr>
         </p:nvSpPr>
         <p:spPr/>
@@ -11149,169 +11189,170 @@
           <a:lstStyle/>
           <a:p>
             <a:r>
-              <a:rPr lang="en-US" dirty="0"/>
-              <a:t>The Target Attribute</a:t>
-            </a:r>
-            <a:br>
-              <a:rPr lang="en-US" dirty="0"/>
-            </a:br>
-            <a:endParaRPr lang="en-US" dirty="0"/>
-          </a:p>
-        </p:txBody>
-      </p:sp>
-      <p:sp>
-        <p:nvSpPr>
-          <p:cNvPr id="3" name="Content Placeholder 2">
+              <a:rPr lang="en-US"/>
+              <a:t>BITM</a:t>
+            </a:r>
+          </a:p>
+        </p:txBody>
+      </p:sp>
+      <p:sp>
+        <p:nvSpPr>
+          <p:cNvPr id="3" name="Rectangle 2">
             <a:extLst>
               <a:ext uri="{FF2B5EF4-FFF2-40B4-BE49-F238E27FC236}">
-                <a16:creationId xmlns:a16="http://schemas.microsoft.com/office/drawing/2014/main" id="{E76E2FFB-1245-4399-A600-A91447069918}"/>
+                <a16:creationId xmlns:a16="http://schemas.microsoft.com/office/drawing/2014/main" xmlns="" id="{CF3D8F86-6162-4236-AF9D-76481DF0C5BD}"/>
               </a:ext>
             </a:extLst>
           </p:cNvPr>
-          <p:cNvSpPr>
-            <a:spLocks noGrp="1"/>
-          </p:cNvSpPr>
-          <p:nvPr>
-            <p:ph idx="1"/>
-          </p:nvPr>
-        </p:nvSpPr>
-        <p:spPr/>
-        <p:txBody>
-          <a:bodyPr/>
-          <a:lstStyle/>
-          <a:p>
-            <a:r>
-              <a:rPr lang="en-US" sz="2400" dirty="0"/>
-              <a:t>&lt;form action="/</a:t>
-            </a:r>
-            <a:r>
-              <a:rPr lang="en-US" sz="2400" dirty="0" err="1"/>
-              <a:t>action_page.php</a:t>
-            </a:r>
-            <a:r>
-              <a:rPr lang="en-US" sz="2400" dirty="0"/>
-              <a:t>"&gt;</a:t>
-            </a:r>
-            <a:br>
-              <a:rPr lang="en-US" sz="2400" dirty="0"/>
-            </a:br>
-            <a:r>
-              <a:rPr lang="en-US" sz="2400" dirty="0"/>
-              <a:t>  First name:&lt;</a:t>
-            </a:r>
-            <a:r>
-              <a:rPr lang="en-US" sz="2400" dirty="0" err="1"/>
-              <a:t>br</a:t>
-            </a:r>
-            <a:r>
-              <a:rPr lang="en-US" sz="2400" dirty="0"/>
-              <a:t>&gt;</a:t>
-            </a:r>
-            <a:br>
-              <a:rPr lang="en-US" sz="2400" dirty="0"/>
-            </a:br>
-            <a:r>
-              <a:rPr lang="en-US" sz="2400" dirty="0"/>
-              <a:t>  &lt;input type="text" value="Mickey"&gt;&lt;</a:t>
-            </a:r>
-            <a:r>
-              <a:rPr lang="en-US" sz="2400" dirty="0" err="1"/>
-              <a:t>br</a:t>
-            </a:r>
-            <a:r>
-              <a:rPr lang="en-US" sz="2400" dirty="0"/>
-              <a:t>&gt;</a:t>
-            </a:r>
-            <a:br>
-              <a:rPr lang="en-US" sz="2400" dirty="0"/>
-            </a:br>
-            <a:r>
-              <a:rPr lang="en-US" sz="2400" dirty="0"/>
-              <a:t>  Last name:&lt;</a:t>
-            </a:r>
-            <a:r>
-              <a:rPr lang="en-US" sz="2400" dirty="0" err="1"/>
-              <a:t>br</a:t>
-            </a:r>
-            <a:r>
-              <a:rPr lang="en-US" sz="2400" dirty="0"/>
-              <a:t>&gt;</a:t>
-            </a:r>
-            <a:br>
-              <a:rPr lang="en-US" sz="2400" dirty="0"/>
-            </a:br>
-            <a:r>
-              <a:rPr lang="en-US" sz="2400" dirty="0"/>
-              <a:t>  &lt;input type="text" name="</a:t>
-            </a:r>
-            <a:r>
-              <a:rPr lang="en-US" sz="2400" dirty="0" err="1"/>
-              <a:t>lastname</a:t>
-            </a:r>
-            <a:r>
-              <a:rPr lang="en-US" sz="2400" dirty="0"/>
-              <a:t>" value="Mouse"&gt;&lt;</a:t>
-            </a:r>
-            <a:r>
-              <a:rPr lang="en-US" sz="2400" dirty="0" err="1"/>
-              <a:t>br</a:t>
-            </a:r>
-            <a:r>
-              <a:rPr lang="en-US" sz="2400" dirty="0"/>
-              <a:t>&gt;&lt;</a:t>
-            </a:r>
-            <a:r>
-              <a:rPr lang="en-US" sz="2400" dirty="0" err="1"/>
-              <a:t>br</a:t>
-            </a:r>
-            <a:r>
-              <a:rPr lang="en-US" sz="2400" dirty="0"/>
-              <a:t>&gt;</a:t>
-            </a:r>
-            <a:br>
-              <a:rPr lang="en-US" sz="2400" dirty="0"/>
-            </a:br>
-            <a:r>
-              <a:rPr lang="en-US" sz="2400" dirty="0"/>
-              <a:t>  &lt;input type="submit" value="Submit"&gt;</a:t>
-            </a:r>
-            <a:br>
-              <a:rPr lang="en-US" sz="2400" dirty="0"/>
-            </a:br>
-            <a:r>
-              <a:rPr lang="en-US" sz="2400" dirty="0"/>
-              <a:t>&lt;/form&gt;</a:t>
-            </a:r>
-          </a:p>
-          <a:p>
-            <a:endParaRPr lang="en-US" dirty="0"/>
-          </a:p>
-        </p:txBody>
-      </p:sp>
-      <p:sp>
-        <p:nvSpPr>
-          <p:cNvPr id="4" name="Footer Placeholder 3">
-            <a:extLst>
-              <a:ext uri="{FF2B5EF4-FFF2-40B4-BE49-F238E27FC236}">
-                <a16:creationId xmlns:a16="http://schemas.microsoft.com/office/drawing/2014/main" id="{24BAE0D7-EC92-4BB2-B698-114136578A7A}"/>
-              </a:ext>
-            </a:extLst>
-          </p:cNvPr>
-          <p:cNvSpPr>
-            <a:spLocks noGrp="1"/>
-          </p:cNvSpPr>
-          <p:nvPr>
-            <p:ph type="ftr" sz="quarter" idx="11"/>
-          </p:nvPr>
-        </p:nvSpPr>
-        <p:spPr/>
-        <p:txBody>
-          <a:bodyPr/>
-          <a:lstStyle/>
-          <a:p>
-            <a:r>
-              <a:rPr lang="en-US"/>
-              <a:t>BITM</a:t>
+          <p:cNvSpPr/>
+          <p:nvPr/>
+        </p:nvSpPr>
+        <p:spPr>
+          <a:xfrm>
+            <a:off x="824247" y="612844"/>
+            <a:ext cx="9015211" cy="5632311"/>
+          </a:xfrm>
+          <a:prstGeom prst="rect">
+            <a:avLst/>
+          </a:prstGeom>
+        </p:spPr>
+        <p:txBody>
+          <a:bodyPr wrap="square">
+            <a:spAutoFit/>
+          </a:bodyPr>
+          <a:lstStyle/>
+          <a:p>
+            <a:r>
+              <a:rPr lang="en-US" dirty="0"/>
+              <a:t>&lt;nav&gt;</a:t>
+            </a:r>
+          </a:p>
+          <a:p>
+            <a:r>
+              <a:rPr lang="en-US" dirty="0"/>
+              <a:t>    &lt;ul&gt;</a:t>
+            </a:r>
+          </a:p>
+          <a:p>
+            <a:r>
+              <a:rPr lang="en-US" dirty="0"/>
+              <a:t>      &lt;li&gt;&lt;a </a:t>
+            </a:r>
+            <a:r>
+              <a:rPr lang="en-US" dirty="0" err="1"/>
+              <a:t>href</a:t>
+            </a:r>
+            <a:r>
+              <a:rPr lang="en-US" dirty="0"/>
+              <a:t>="#"&gt;London&lt;/a&gt;&lt;/li&gt;</a:t>
+            </a:r>
+          </a:p>
+          <a:p>
+            <a:r>
+              <a:rPr lang="en-US" dirty="0"/>
+              <a:t>      &lt;li&gt;&lt;a </a:t>
+            </a:r>
+            <a:r>
+              <a:rPr lang="en-US" dirty="0" err="1"/>
+              <a:t>href</a:t>
+            </a:r>
+            <a:r>
+              <a:rPr lang="en-US" dirty="0"/>
+              <a:t>="#"&gt;Paris&lt;/a&gt;&lt;/li&gt;</a:t>
+            </a:r>
+          </a:p>
+          <a:p>
+            <a:r>
+              <a:rPr lang="en-US" dirty="0"/>
+              <a:t>      &lt;li&gt;&lt;a </a:t>
+            </a:r>
+            <a:r>
+              <a:rPr lang="en-US" dirty="0" err="1"/>
+              <a:t>href</a:t>
+            </a:r>
+            <a:r>
+              <a:rPr lang="en-US" dirty="0"/>
+              <a:t>="#"&gt;Tokyo&lt;/a&gt;&lt;/li&gt;</a:t>
+            </a:r>
+          </a:p>
+          <a:p>
+            <a:r>
+              <a:rPr lang="en-US" dirty="0"/>
+              <a:t>    &lt;/ul&gt;</a:t>
+            </a:r>
+          </a:p>
+          <a:p>
+            <a:r>
+              <a:rPr lang="en-US" dirty="0"/>
+              <a:t>  &lt;/nav&gt;  </a:t>
+            </a:r>
+          </a:p>
+          <a:p>
+            <a:r>
+              <a:rPr lang="en-US" dirty="0"/>
+              <a:t>  &lt;article&gt;</a:t>
+            </a:r>
+          </a:p>
+          <a:p>
+            <a:r>
+              <a:rPr lang="en-US" dirty="0"/>
+              <a:t>    &lt;h1&gt;London&lt;/h1&gt;</a:t>
+            </a:r>
+          </a:p>
+          <a:p>
+            <a:r>
+              <a:rPr lang="en-US" dirty="0"/>
+              <a:t>    &lt;p&gt;London is the capital city of England. It is the most populous city in the  United Kingdom, with a metropolitan area of over 13 million inhabitants.&lt;/p&gt;</a:t>
+            </a:r>
+          </a:p>
+          <a:p>
+            <a:r>
+              <a:rPr lang="en-US" dirty="0"/>
+              <a:t>    &lt;p&gt;Standing on the River Thames, London has been a major settlement for two millennia, its history going back to its founding by the Romans, who named it </a:t>
+            </a:r>
+            <a:r>
+              <a:rPr lang="en-US" dirty="0" err="1"/>
+              <a:t>Londinium</a:t>
+            </a:r>
+            <a:r>
+              <a:rPr lang="en-US" dirty="0"/>
+              <a:t>.&lt;/p&gt;</a:t>
+            </a:r>
+          </a:p>
+          <a:p>
+            <a:r>
+              <a:rPr lang="en-US" dirty="0"/>
+              <a:t>  &lt;/article&gt;</a:t>
+            </a:r>
+          </a:p>
+          <a:p>
+            <a:r>
+              <a:rPr lang="en-US" dirty="0"/>
+              <a:t>&lt;/section&gt;</a:t>
+            </a:r>
+          </a:p>
+          <a:p>
+            <a:r>
+              <a:rPr lang="en-US" dirty="0"/>
+              <a:t>&lt;footer&gt;</a:t>
+            </a:r>
+          </a:p>
+          <a:p>
+            <a:r>
+              <a:rPr lang="en-US" dirty="0"/>
+              <a:t>  &lt;p&gt;Footer&lt;/p&gt;</a:t>
+            </a:r>
+          </a:p>
+          <a:p>
+            <a:r>
+              <a:rPr lang="en-US" dirty="0"/>
+              <a:t>&lt;/footer&gt;</a:t>
+            </a:r>
+          </a:p>
+          <a:p>
+            <a:r>
+              <a:rPr lang="en-US" dirty="0"/>
+              <a:t>&lt;/body&gt;</a:t>
             </a:r>
           </a:p>
         </p:txBody>
@@ -11319,7 +11360,7 @@
     </p:spTree>
     <p:extLst>
       <p:ext uri="{BB962C8B-B14F-4D97-AF65-F5344CB8AC3E}">
-        <p14:creationId xmlns:p14="http://schemas.microsoft.com/office/powerpoint/2010/main" val="2945049574"/>
+        <p14:creationId xmlns:p14="http://schemas.microsoft.com/office/powerpoint/2010/main" val="1482625396"/>
       </p:ext>
     </p:extLst>
   </p:cSld>
@@ -11348,13 +11389,7 @@
       </p:grpSpPr>
       <p:sp>
         <p:nvSpPr>
-          <p:cNvPr id="2" name="Title 1">
-            <a:extLst>
-              <a:ext uri="{FF2B5EF4-FFF2-40B4-BE49-F238E27FC236}">
-                <a16:creationId xmlns:a16="http://schemas.microsoft.com/office/drawing/2014/main" id="{33F7AA61-CCAA-4DDD-B547-F745192ABDB3}"/>
-              </a:ext>
-            </a:extLst>
-          </p:cNvPr>
+          <p:cNvPr id="2" name="Title 1"/>
           <p:cNvSpPr>
             <a:spLocks noGrp="1"/>
           </p:cNvSpPr>
@@ -11364,8 +11399,8 @@
         </p:nvSpPr>
         <p:spPr>
           <a:xfrm>
-            <a:off x="677334" y="609600"/>
-            <a:ext cx="8596668" cy="832834"/>
+            <a:off x="677334" y="87085"/>
+            <a:ext cx="8596668" cy="720437"/>
           </a:xfrm>
         </p:spPr>
         <p:txBody>
@@ -11376,15 +11411,7 @@
           <a:p>
             <a:r>
               <a:rPr lang="en-US" dirty="0"/>
-              <a:t>Grouping Form Data with &lt;</a:t>
-            </a:r>
-            <a:r>
-              <a:rPr lang="en-US" dirty="0" err="1"/>
-              <a:t>fieldset</a:t>
-            </a:r>
-            <a:r>
-              <a:rPr lang="en-US" dirty="0"/>
-              <a:t>&gt;</a:t>
+              <a:t>Bookmarks with ID and Links</a:t>
             </a:r>
             <a:br>
               <a:rPr lang="en-US" dirty="0"/>
@@ -11395,13 +11422,7 @@
       </p:sp>
       <p:sp>
         <p:nvSpPr>
-          <p:cNvPr id="3" name="Content Placeholder 2">
-            <a:extLst>
-              <a:ext uri="{FF2B5EF4-FFF2-40B4-BE49-F238E27FC236}">
-                <a16:creationId xmlns:a16="http://schemas.microsoft.com/office/drawing/2014/main" id="{64E1ED91-1936-4FC8-AD55-7E0C932E2633}"/>
-              </a:ext>
-            </a:extLst>
-          </p:cNvPr>
+          <p:cNvPr id="3" name="Content Placeholder 2"/>
           <p:cNvSpPr>
             <a:spLocks noGrp="1"/>
           </p:cNvSpPr>
@@ -11411,8 +11432,8 @@
         </p:nvSpPr>
         <p:spPr>
           <a:xfrm>
-            <a:off x="677334" y="1442435"/>
-            <a:ext cx="8596668" cy="4598928"/>
+            <a:off x="712960" y="831273"/>
+            <a:ext cx="8596668" cy="5483222"/>
           </a:xfrm>
         </p:spPr>
         <p:txBody>
@@ -11422,164 +11443,194 @@
           <a:lstStyle/>
           <a:p>
             <a:r>
-              <a:rPr lang="en-US" sz="2400" dirty="0"/>
-              <a:t>&lt;form action="/</a:t>
-            </a:r>
-            <a:r>
-              <a:rPr lang="en-US" sz="2400" dirty="0" err="1"/>
-              <a:t>action_page.php</a:t>
-            </a:r>
-            <a:r>
-              <a:rPr lang="en-US" sz="2400" dirty="0"/>
-              <a:t>"&gt;</a:t>
-            </a:r>
-            <a:br>
-              <a:rPr lang="en-US" sz="2400" dirty="0"/>
-            </a:br>
-            <a:r>
-              <a:rPr lang="en-US" sz="2400" dirty="0"/>
-              <a:t>  &lt;</a:t>
-            </a:r>
-            <a:r>
-              <a:rPr lang="en-US" sz="2400" dirty="0" err="1"/>
-              <a:t>fieldset</a:t>
-            </a:r>
-            <a:r>
-              <a:rPr lang="en-US" sz="2400" dirty="0"/>
+              <a:rPr lang="en-US" dirty="0"/>
+              <a:t>&lt;p&gt;&lt;a </a:t>
+            </a:r>
+            <a:r>
+              <a:rPr lang="en-US" dirty="0" err="1"/>
+              <a:t>href</a:t>
+            </a:r>
+            <a:r>
+              <a:rPr lang="en-US" dirty="0"/>
+              <a:t>="#C4"&gt;Jump to Chapter 4&lt;/a&gt;&lt;/p&gt;</a:t>
+            </a:r>
+          </a:p>
+          <a:p>
+            <a:r>
+              <a:rPr lang="en-US" dirty="0"/>
+              <a:t>&lt;p&gt;&lt;a </a:t>
+            </a:r>
+            <a:r>
+              <a:rPr lang="en-US" dirty="0" err="1"/>
+              <a:t>href</a:t>
+            </a:r>
+            <a:r>
+              <a:rPr lang="en-US" dirty="0"/>
+              <a:t>="#</a:t>
+            </a:r>
+            <a:r>
+              <a:rPr lang="en-US" dirty="0" smtClean="0"/>
+              <a:t>C5"&gt;</a:t>
+            </a:r>
+            <a:r>
+              <a:rPr lang="en-US" dirty="0"/>
+              <a:t>Jump to Chapter 10&lt;/a&gt;&lt;/p</a:t>
+            </a:r>
+            <a:r>
+              <a:rPr lang="en-US" dirty="0" smtClean="0"/>
               <a:t>&gt;</a:t>
             </a:r>
-            <a:br>
-              <a:rPr lang="en-US" sz="2400" dirty="0"/>
-            </a:br>
-            <a:r>
-              <a:rPr lang="en-US" sz="2400" dirty="0"/>
-              <a:t>    &lt;legend&gt;Personal information:&lt;/legend&gt;</a:t>
-            </a:r>
-            <a:br>
-              <a:rPr lang="en-US" sz="2400" dirty="0"/>
-            </a:br>
-            <a:r>
-              <a:rPr lang="en-US" sz="2400" dirty="0"/>
-              <a:t>    First name:&lt;</a:t>
-            </a:r>
-            <a:r>
-              <a:rPr lang="en-US" sz="2400" dirty="0" err="1"/>
-              <a:t>br</a:t>
-            </a:r>
-            <a:r>
-              <a:rPr lang="en-US" sz="2400" dirty="0"/>
+          </a:p>
+          <a:p>
+            <a:endParaRPr lang="en-US" dirty="0" smtClean="0"/>
+          </a:p>
+          <a:p>
+            <a:r>
+              <a:rPr lang="en-US" dirty="0" smtClean="0"/>
+              <a:t>&lt;h2&gt;Chapter 1&lt;/h2&gt;</a:t>
+            </a:r>
+          </a:p>
+          <a:p>
+            <a:r>
+              <a:rPr lang="en-US" dirty="0" smtClean="0"/>
+              <a:t>&lt;</a:t>
+            </a:r>
+            <a:r>
+              <a:rPr lang="en-US" dirty="0"/>
+              <a:t>p&gt;This chapter explains </a:t>
+            </a:r>
+            <a:r>
+              <a:rPr lang="en-US" dirty="0" smtClean="0"/>
+              <a:t>….&lt;/</a:t>
+            </a:r>
+            <a:r>
+              <a:rPr lang="en-US" dirty="0"/>
+              <a:t>p</a:t>
+            </a:r>
+            <a:r>
+              <a:rPr lang="en-US" dirty="0" smtClean="0"/>
               <a:t>&gt;</a:t>
             </a:r>
-            <a:br>
-              <a:rPr lang="en-US" sz="2400" dirty="0"/>
-            </a:br>
-            <a:r>
-              <a:rPr lang="en-US" sz="2400" dirty="0"/>
-              <a:t>    &lt;input type="text" name="</a:t>
-            </a:r>
-            <a:r>
-              <a:rPr lang="en-US" sz="2400" dirty="0" err="1"/>
-              <a:t>firstname</a:t>
-            </a:r>
-            <a:r>
-              <a:rPr lang="en-US" sz="2400" dirty="0"/>
-              <a:t>" value="Mickey"&gt;&lt;</a:t>
-            </a:r>
-            <a:r>
-              <a:rPr lang="en-US" sz="2400" dirty="0" err="1"/>
-              <a:t>br</a:t>
-            </a:r>
-            <a:r>
-              <a:rPr lang="en-US" sz="2400" dirty="0"/>
+            <a:endParaRPr lang="en-US" dirty="0"/>
+          </a:p>
+          <a:p>
+            <a:r>
+              <a:rPr lang="en-US" dirty="0"/>
+              <a:t>&lt;h2&gt;Chapter 2&lt;/h2&gt;</a:t>
+            </a:r>
+          </a:p>
+          <a:p>
+            <a:r>
+              <a:rPr lang="en-US" dirty="0"/>
+              <a:t>&lt;p&gt;This chapter explains </a:t>
+            </a:r>
+            <a:r>
+              <a:rPr lang="en-US" dirty="0" smtClean="0"/>
+              <a:t>…&lt;/</a:t>
+            </a:r>
+            <a:r>
+              <a:rPr lang="en-US" dirty="0"/>
+              <a:t>p</a:t>
+            </a:r>
+            <a:r>
+              <a:rPr lang="en-US" dirty="0" smtClean="0"/>
               <a:t>&gt;</a:t>
             </a:r>
-            <a:br>
-              <a:rPr lang="en-US" sz="2400" dirty="0"/>
-            </a:br>
-            <a:r>
-              <a:rPr lang="en-US" sz="2400" dirty="0"/>
-              <a:t>    Last name:&lt;</a:t>
-            </a:r>
-            <a:r>
-              <a:rPr lang="en-US" sz="2400" dirty="0" err="1"/>
-              <a:t>br</a:t>
-            </a:r>
-            <a:r>
-              <a:rPr lang="en-US" sz="2400" dirty="0"/>
+            <a:endParaRPr lang="en-US" dirty="0"/>
+          </a:p>
+          <a:p>
+            <a:r>
+              <a:rPr lang="en-US" dirty="0"/>
+              <a:t>&lt;h2&gt;Chapter 3&lt;/h2&gt;</a:t>
+            </a:r>
+          </a:p>
+          <a:p>
+            <a:r>
+              <a:rPr lang="en-US" dirty="0"/>
+              <a:t>&lt;p&gt;This chapter explains </a:t>
+            </a:r>
+            <a:r>
+              <a:rPr lang="en-US" dirty="0" smtClean="0"/>
+              <a:t>…&lt;/</a:t>
+            </a:r>
+            <a:r>
+              <a:rPr lang="en-US" dirty="0"/>
+              <a:t>p</a:t>
+            </a:r>
+            <a:r>
+              <a:rPr lang="en-US" dirty="0" smtClean="0"/>
               <a:t>&gt;</a:t>
             </a:r>
-            <a:br>
-              <a:rPr lang="en-US" sz="2400" dirty="0"/>
-            </a:br>
-            <a:r>
-              <a:rPr lang="en-US" sz="2400" dirty="0"/>
-              <a:t>    &lt;input type="text" name="</a:t>
-            </a:r>
-            <a:r>
-              <a:rPr lang="en-US" sz="2400" dirty="0" err="1"/>
-              <a:t>lastname</a:t>
-            </a:r>
-            <a:r>
-              <a:rPr lang="en-US" sz="2400" dirty="0"/>
-              <a:t>" value="Mouse"&gt;&lt;</a:t>
-            </a:r>
-            <a:r>
-              <a:rPr lang="en-US" sz="2400" dirty="0" err="1"/>
-              <a:t>br</a:t>
-            </a:r>
-            <a:r>
-              <a:rPr lang="en-US" sz="2400" dirty="0"/>
-              <a:t>&gt;&lt;</a:t>
-            </a:r>
-            <a:r>
-              <a:rPr lang="en-US" sz="2400" dirty="0" err="1"/>
-              <a:t>br</a:t>
-            </a:r>
-            <a:r>
-              <a:rPr lang="en-US" sz="2400" dirty="0"/>
-              <a:t>&gt;</a:t>
-            </a:r>
-            <a:br>
-              <a:rPr lang="en-US" sz="2400" dirty="0"/>
-            </a:br>
-            <a:r>
-              <a:rPr lang="en-US" sz="2400" dirty="0"/>
-              <a:t>    &lt;input type="submit" value="Submit"&gt;</a:t>
-            </a:r>
-            <a:br>
-              <a:rPr lang="en-US" sz="2400" dirty="0"/>
-            </a:br>
-            <a:r>
-              <a:rPr lang="en-US" sz="2400" dirty="0"/>
-              <a:t>  &lt;/</a:t>
-            </a:r>
-            <a:r>
-              <a:rPr lang="en-US" sz="2400" dirty="0" err="1"/>
-              <a:t>fieldset</a:t>
-            </a:r>
-            <a:r>
-              <a:rPr lang="en-US" sz="2400" dirty="0"/>
-              <a:t>&gt;</a:t>
-            </a:r>
-            <a:br>
-              <a:rPr lang="en-US" sz="2400" dirty="0"/>
-            </a:br>
-            <a:r>
-              <a:rPr lang="en-US" sz="2400" dirty="0"/>
-              <a:t>&lt;/form&gt;</a:t>
-            </a:r>
-          </a:p>
-        </p:txBody>
-      </p:sp>
-      <p:sp>
-        <p:nvSpPr>
-          <p:cNvPr id="4" name="Footer Placeholder 3">
-            <a:extLst>
-              <a:ext uri="{FF2B5EF4-FFF2-40B4-BE49-F238E27FC236}">
-                <a16:creationId xmlns:a16="http://schemas.microsoft.com/office/drawing/2014/main" id="{FC5E40AB-E28D-42CC-95BE-D56AFCB3E8BC}"/>
-              </a:ext>
-            </a:extLst>
-          </p:cNvPr>
+            <a:endParaRPr lang="en-US" dirty="0"/>
+          </a:p>
+          <a:p>
+            <a:r>
+              <a:rPr lang="en-US" dirty="0"/>
+              <a:t>&lt;h2 id="C4"&gt;Chapter 4&lt;/h2&gt;</a:t>
+            </a:r>
+          </a:p>
+          <a:p>
+            <a:r>
+              <a:rPr lang="en-US" dirty="0"/>
+              <a:t>&lt;p&gt;This chapter explains </a:t>
+            </a:r>
+            <a:r>
+              <a:rPr lang="en-US" dirty="0" smtClean="0"/>
+              <a:t>..&lt;/</a:t>
+            </a:r>
+            <a:r>
+              <a:rPr lang="en-US" dirty="0"/>
+              <a:t>p&gt;</a:t>
+            </a:r>
+          </a:p>
+          <a:p>
+            <a:r>
+              <a:rPr lang="en-US" dirty="0" smtClean="0"/>
+              <a:t>&lt;</a:t>
+            </a:r>
+            <a:r>
+              <a:rPr lang="en-US" dirty="0"/>
+              <a:t>h2 id="</a:t>
+            </a:r>
+            <a:r>
+              <a:rPr lang="en-US" dirty="0" smtClean="0"/>
+              <a:t>C5"&gt;</a:t>
+            </a:r>
+            <a:r>
+              <a:rPr lang="en-US" dirty="0"/>
+              <a:t>Chapter </a:t>
+            </a:r>
+            <a:r>
+              <a:rPr lang="en-US" dirty="0" smtClean="0"/>
+              <a:t>5&lt;/</a:t>
+            </a:r>
+            <a:r>
+              <a:rPr lang="en-US" dirty="0"/>
+              <a:t>h2&gt;</a:t>
+            </a:r>
+          </a:p>
+          <a:p>
+            <a:r>
+              <a:rPr lang="en-US" dirty="0"/>
+              <a:t>&lt;p&gt;This chapter </a:t>
+            </a:r>
+            <a:r>
+              <a:rPr lang="en-US" dirty="0" smtClean="0"/>
+              <a:t>explains.. &lt;/</a:t>
+            </a:r>
+            <a:r>
+              <a:rPr lang="en-US" dirty="0"/>
+              <a:t>p&gt;</a:t>
+            </a:r>
+          </a:p>
+          <a:p>
+            <a:endParaRPr lang="en-US" dirty="0"/>
+          </a:p>
+        </p:txBody>
+      </p:sp>
+      <p:sp>
+        <p:nvSpPr>
+          <p:cNvPr id="4" name="Footer Placeholder 3"/>
           <p:cNvSpPr>
             <a:spLocks noGrp="1"/>
           </p:cNvSpPr>
@@ -11593,16 +11644,17 @@
           <a:lstStyle/>
           <a:p>
             <a:r>
-              <a:rPr lang="en-US"/>
+              <a:rPr lang="en-US" smtClean="0"/>
               <a:t>BITM</a:t>
             </a:r>
+            <a:endParaRPr lang="en-US"/>
           </a:p>
         </p:txBody>
       </p:sp>
     </p:spTree>
     <p:extLst>
       <p:ext uri="{BB962C8B-B14F-4D97-AF65-F5344CB8AC3E}">
-        <p14:creationId xmlns:p14="http://schemas.microsoft.com/office/powerpoint/2010/main" val="2879021973"/>
+        <p14:creationId xmlns:p14="http://schemas.microsoft.com/office/powerpoint/2010/main" val="1554227786"/>
       </p:ext>
     </p:extLst>
   </p:cSld>
@@ -11631,13 +11683,7 @@
       </p:grpSpPr>
       <p:sp>
         <p:nvSpPr>
-          <p:cNvPr id="2" name="Title 1">
-            <a:extLst>
-              <a:ext uri="{FF2B5EF4-FFF2-40B4-BE49-F238E27FC236}">
-                <a16:creationId xmlns:a16="http://schemas.microsoft.com/office/drawing/2014/main" id="{D855BF2D-3D16-4DD1-A53B-008660D91B1B}"/>
-              </a:ext>
-            </a:extLst>
-          </p:cNvPr>
+          <p:cNvPr id="2" name="Title 1"/>
           <p:cNvSpPr>
             <a:spLocks noGrp="1"/>
           </p:cNvSpPr>
@@ -11652,7 +11698,7 @@
           <a:p>
             <a:r>
               <a:rPr lang="en-US" dirty="0"/>
-              <a:t>The Method Attribute</a:t>
+              <a:t>HTML The class Attribute</a:t>
             </a:r>
             <a:br>
               <a:rPr lang="en-US" dirty="0"/>
@@ -11663,561 +11709,141 @@
       </p:sp>
       <p:sp>
         <p:nvSpPr>
-          <p:cNvPr id="4" name="Footer Placeholder 3">
-            <a:extLst>
-              <a:ext uri="{FF2B5EF4-FFF2-40B4-BE49-F238E27FC236}">
-                <a16:creationId xmlns:a16="http://schemas.microsoft.com/office/drawing/2014/main" id="{23D91A8A-A721-4A8B-8730-477B863B50ED}"/>
-              </a:ext>
-            </a:extLst>
-          </p:cNvPr>
-          <p:cNvSpPr>
-            <a:spLocks noGrp="1"/>
-          </p:cNvSpPr>
-          <p:nvPr>
-            <p:ph type="ftr" sz="quarter" idx="11"/>
-          </p:nvPr>
-        </p:nvSpPr>
-        <p:spPr/>
-        <p:txBody>
-          <a:bodyPr/>
-          <a:lstStyle/>
-          <a:p>
-            <a:r>
-              <a:rPr lang="en-US"/>
-              <a:t>BITM</a:t>
-            </a:r>
-          </a:p>
-        </p:txBody>
-      </p:sp>
-      <p:sp>
-        <p:nvSpPr>
-          <p:cNvPr id="5" name="Rectangle 1">
-            <a:extLst>
-              <a:ext uri="{FF2B5EF4-FFF2-40B4-BE49-F238E27FC236}">
-                <a16:creationId xmlns:a16="http://schemas.microsoft.com/office/drawing/2014/main" id="{6A07C277-4F11-4205-901D-17C057E16340}"/>
-              </a:ext>
-            </a:extLst>
-          </p:cNvPr>
-          <p:cNvSpPr>
-            <a:spLocks noGrp="1" noChangeArrowheads="1"/>
+          <p:cNvPr id="3" name="Content Placeholder 2"/>
+          <p:cNvSpPr>
+            <a:spLocks noGrp="1"/>
           </p:cNvSpPr>
           <p:nvPr>
             <p:ph idx="1"/>
           </p:nvPr>
         </p:nvSpPr>
-        <p:spPr bwMode="auto">
+        <p:spPr>
           <a:xfrm>
-            <a:off x="677334" y="1787130"/>
-            <a:ext cx="7659597" cy="2862322"/>
+            <a:off x="677334" y="1460665"/>
+            <a:ext cx="8596668" cy="4580697"/>
           </a:xfrm>
-          <a:prstGeom prst="rect">
-            <a:avLst/>
-          </a:prstGeom>
-          <a:solidFill>
-            <a:srgbClr val="FFFFFF"/>
-          </a:solidFill>
-          <a:ln>
-            <a:noFill/>
-          </a:ln>
-          <a:effectLst/>
-          <a:extLst>
-            <a:ext uri="{91240B29-F687-4F45-9708-019B960494DF}">
-              <a14:hiddenLine xmlns:a14="http://schemas.microsoft.com/office/drawing/2010/main" w="9525">
-                <a:solidFill>
-                  <a:schemeClr val="tx1"/>
-                </a:solidFill>
-                <a:miter lim="800000"/>
-                <a:headEnd/>
-                <a:tailEnd/>
-              </a14:hiddenLine>
-            </a:ext>
-            <a:ext uri="{AF507438-7753-43E0-B8FC-AC1667EBCBE1}">
-              <a14:hiddenEffects xmlns:a14="http://schemas.microsoft.com/office/drawing/2010/main">
-                <a:effectLst>
-                  <a:outerShdw dist="35921" dir="2700000" algn="ctr" rotWithShape="0">
-                    <a:schemeClr val="bg2"/>
-                  </a:outerShdw>
-                </a:effectLst>
-              </a14:hiddenEffects>
-            </a:ext>
-          </a:extLst>
         </p:spPr>
         <p:txBody>
-          <a:bodyPr vert="horz" wrap="none" lIns="91440" tIns="45720" rIns="91440" bIns="45720" numCol="1" anchor="ctr" anchorCtr="0" compatLnSpc="1">
-            <a:prstTxWarp prst="textNoShape">
-              <a:avLst/>
-            </a:prstTxWarp>
-            <a:spAutoFit/>
+          <a:bodyPr>
+            <a:normAutofit lnSpcReduction="10000"/>
           </a:bodyPr>
-          <a:lstStyle>
-            <a:lvl1pPr eaLnBrk="0" fontAlgn="base" hangingPunct="0">
-              <a:spcBef>
-                <a:spcPct val="0"/>
-              </a:spcBef>
-              <a:spcAft>
-                <a:spcPct val="0"/>
-              </a:spcAft>
-              <a:defRPr>
-                <a:solidFill>
-                  <a:schemeClr val="tx1"/>
-                </a:solidFill>
-                <a:latin typeface="Arial" panose="020B0604020202020204" pitchFamily="34" charset="0"/>
-              </a:defRPr>
-            </a:lvl1pPr>
-            <a:lvl2pPr eaLnBrk="0" fontAlgn="base" hangingPunct="0">
-              <a:spcBef>
-                <a:spcPct val="0"/>
-              </a:spcBef>
-              <a:spcAft>
-                <a:spcPct val="0"/>
-              </a:spcAft>
-              <a:defRPr>
-                <a:solidFill>
-                  <a:schemeClr val="tx1"/>
-                </a:solidFill>
-                <a:latin typeface="Arial" panose="020B0604020202020204" pitchFamily="34" charset="0"/>
-              </a:defRPr>
-            </a:lvl2pPr>
-            <a:lvl3pPr eaLnBrk="0" fontAlgn="base" hangingPunct="0">
-              <a:spcBef>
-                <a:spcPct val="0"/>
-              </a:spcBef>
-              <a:spcAft>
-                <a:spcPct val="0"/>
-              </a:spcAft>
-              <a:defRPr>
-                <a:solidFill>
-                  <a:schemeClr val="tx1"/>
-                </a:solidFill>
-                <a:latin typeface="Arial" panose="020B0604020202020204" pitchFamily="34" charset="0"/>
-              </a:defRPr>
-            </a:lvl3pPr>
-            <a:lvl4pPr eaLnBrk="0" fontAlgn="base" hangingPunct="0">
-              <a:spcBef>
-                <a:spcPct val="0"/>
-              </a:spcBef>
-              <a:spcAft>
-                <a:spcPct val="0"/>
-              </a:spcAft>
-              <a:defRPr>
-                <a:solidFill>
-                  <a:schemeClr val="tx1"/>
-                </a:solidFill>
-                <a:latin typeface="Arial" panose="020B0604020202020204" pitchFamily="34" charset="0"/>
-              </a:defRPr>
-            </a:lvl4pPr>
-            <a:lvl5pPr eaLnBrk="0" fontAlgn="base" hangingPunct="0">
-              <a:spcBef>
-                <a:spcPct val="0"/>
-              </a:spcBef>
-              <a:spcAft>
-                <a:spcPct val="0"/>
-              </a:spcAft>
-              <a:defRPr>
-                <a:solidFill>
-                  <a:schemeClr val="tx1"/>
-                </a:solidFill>
-                <a:latin typeface="Arial" panose="020B0604020202020204" pitchFamily="34" charset="0"/>
-              </a:defRPr>
-            </a:lvl5pPr>
-            <a:lvl6pPr eaLnBrk="0" fontAlgn="base" hangingPunct="0">
-              <a:spcBef>
-                <a:spcPct val="0"/>
-              </a:spcBef>
-              <a:spcAft>
-                <a:spcPct val="0"/>
-              </a:spcAft>
-              <a:defRPr>
-                <a:solidFill>
-                  <a:schemeClr val="tx1"/>
-                </a:solidFill>
-                <a:latin typeface="Arial" panose="020B0604020202020204" pitchFamily="34" charset="0"/>
-              </a:defRPr>
-            </a:lvl6pPr>
-            <a:lvl7pPr eaLnBrk="0" fontAlgn="base" hangingPunct="0">
-              <a:spcBef>
-                <a:spcPct val="0"/>
-              </a:spcBef>
-              <a:spcAft>
-                <a:spcPct val="0"/>
-              </a:spcAft>
-              <a:defRPr>
-                <a:solidFill>
-                  <a:schemeClr val="tx1"/>
-                </a:solidFill>
-                <a:latin typeface="Arial" panose="020B0604020202020204" pitchFamily="34" charset="0"/>
-              </a:defRPr>
-            </a:lvl7pPr>
-            <a:lvl8pPr eaLnBrk="0" fontAlgn="base" hangingPunct="0">
-              <a:spcBef>
-                <a:spcPct val="0"/>
-              </a:spcBef>
-              <a:spcAft>
-                <a:spcPct val="0"/>
-              </a:spcAft>
-              <a:defRPr>
-                <a:solidFill>
-                  <a:schemeClr val="tx1"/>
-                </a:solidFill>
-                <a:latin typeface="Arial" panose="020B0604020202020204" pitchFamily="34" charset="0"/>
-              </a:defRPr>
-            </a:lvl8pPr>
-            <a:lvl9pPr eaLnBrk="0" fontAlgn="base" hangingPunct="0">
-              <a:spcBef>
-                <a:spcPct val="0"/>
-              </a:spcBef>
-              <a:spcAft>
-                <a:spcPct val="0"/>
-              </a:spcAft>
-              <a:defRPr>
-                <a:solidFill>
-                  <a:schemeClr val="tx1"/>
-                </a:solidFill>
-                <a:latin typeface="Arial" panose="020B0604020202020204" pitchFamily="34" charset="0"/>
-              </a:defRPr>
-            </a:lvl9pPr>
-          </a:lstStyle>
-          <a:p>
-            <a:pPr marL="0" marR="0" lvl="0" indent="0" algn="l" defTabSz="914400" rtl="0" eaLnBrk="0" fontAlgn="base" latinLnBrk="0" hangingPunct="0">
-              <a:lnSpc>
-                <a:spcPct val="100000"/>
-              </a:lnSpc>
-              <a:spcBef>
-                <a:spcPct val="0"/>
-              </a:spcBef>
-              <a:spcAft>
-                <a:spcPct val="0"/>
-              </a:spcAft>
-              <a:buClrTx/>
-              <a:buSzTx/>
-              <a:buFontTx/>
-              <a:buNone/>
-              <a:tabLst/>
-            </a:pPr>
-            <a:r>
-              <a:rPr kumimoji="0" lang="en-US" altLang="en-US" b="0" i="0" u="none" strike="noStrike" cap="none" normalizeH="0" baseline="0" dirty="0">
-                <a:ln>
-                  <a:noFill/>
-                </a:ln>
-                <a:solidFill>
-                  <a:srgbClr val="000000"/>
-                </a:solidFill>
-                <a:effectLst/>
-                <a:latin typeface="Verdana" panose="020B0604030504040204" pitchFamily="34" charset="0"/>
-              </a:rPr>
-              <a:t>The </a:t>
-            </a:r>
-            <a:r>
-              <a:rPr kumimoji="0" lang="en-US" altLang="en-US" b="0" i="0" u="none" strike="noStrike" cap="none" normalizeH="0" baseline="0" dirty="0">
-                <a:ln>
-                  <a:noFill/>
-                </a:ln>
-                <a:solidFill>
-                  <a:srgbClr val="DC143C"/>
-                </a:solidFill>
-                <a:effectLst/>
-                <a:latin typeface="Consolas" panose="020B0609020204030204" pitchFamily="49" charset="0"/>
-              </a:rPr>
-              <a:t>method</a:t>
-            </a:r>
-            <a:r>
-              <a:rPr kumimoji="0" lang="en-US" altLang="en-US" b="0" i="0" u="none" strike="noStrike" cap="none" normalizeH="0" baseline="0" dirty="0">
-                <a:ln>
-                  <a:noFill/>
-                </a:ln>
-                <a:solidFill>
-                  <a:srgbClr val="000000"/>
-                </a:solidFill>
-                <a:effectLst/>
-                <a:latin typeface="Verdana" panose="020B0604030504040204" pitchFamily="34" charset="0"/>
-              </a:rPr>
-              <a:t> attribute specifies the HTTP method (</a:t>
-            </a:r>
-            <a:r>
-              <a:rPr kumimoji="0" lang="en-US" altLang="en-US" b="1" i="0" u="none" strike="noStrike" cap="none" normalizeH="0" baseline="0" dirty="0">
-                <a:ln>
-                  <a:noFill/>
-                </a:ln>
-                <a:solidFill>
-                  <a:srgbClr val="000000"/>
-                </a:solidFill>
-                <a:effectLst/>
-                <a:latin typeface="Verdana" panose="020B0604030504040204" pitchFamily="34" charset="0"/>
-              </a:rPr>
-              <a:t>GET </a:t>
-            </a:r>
-            <a:r>
-              <a:rPr kumimoji="0" lang="en-US" altLang="en-US" b="0" i="0" u="none" strike="noStrike" cap="none" normalizeH="0" baseline="0" dirty="0">
-                <a:ln>
-                  <a:noFill/>
-                </a:ln>
-                <a:solidFill>
-                  <a:srgbClr val="000000"/>
-                </a:solidFill>
-                <a:effectLst/>
-                <a:latin typeface="Verdana" panose="020B0604030504040204" pitchFamily="34" charset="0"/>
-              </a:rPr>
-              <a:t>or </a:t>
-            </a:r>
-            <a:r>
-              <a:rPr kumimoji="0" lang="en-US" altLang="en-US" b="1" i="0" u="none" strike="noStrike" cap="none" normalizeH="0" baseline="0" dirty="0">
-                <a:ln>
-                  <a:noFill/>
-                </a:ln>
-                <a:solidFill>
-                  <a:srgbClr val="000000"/>
-                </a:solidFill>
-                <a:effectLst/>
-                <a:latin typeface="Verdana" panose="020B0604030504040204" pitchFamily="34" charset="0"/>
-              </a:rPr>
-              <a:t>POST</a:t>
-            </a:r>
-            <a:r>
-              <a:rPr kumimoji="0" lang="en-US" altLang="en-US" b="0" i="0" u="none" strike="noStrike" cap="none" normalizeH="0" baseline="0" dirty="0">
-                <a:ln>
-                  <a:noFill/>
-                </a:ln>
-                <a:solidFill>
-                  <a:srgbClr val="000000"/>
-                </a:solidFill>
-                <a:effectLst/>
-                <a:latin typeface="Verdana" panose="020B0604030504040204" pitchFamily="34" charset="0"/>
-              </a:rPr>
-              <a:t>) </a:t>
-            </a:r>
-          </a:p>
-          <a:p>
-            <a:pPr marL="0" marR="0" lvl="0" indent="0" algn="l" defTabSz="914400" rtl="0" eaLnBrk="0" fontAlgn="base" latinLnBrk="0" hangingPunct="0">
-              <a:lnSpc>
-                <a:spcPct val="100000"/>
-              </a:lnSpc>
-              <a:spcBef>
-                <a:spcPct val="0"/>
-              </a:spcBef>
-              <a:spcAft>
-                <a:spcPct val="0"/>
-              </a:spcAft>
-              <a:buClrTx/>
-              <a:buSzTx/>
-              <a:buFontTx/>
-              <a:buNone/>
-              <a:tabLst/>
-            </a:pPr>
-            <a:r>
-              <a:rPr kumimoji="0" lang="en-US" altLang="en-US" b="0" i="0" u="none" strike="noStrike" cap="none" normalizeH="0" baseline="0" dirty="0">
-                <a:ln>
-                  <a:noFill/>
-                </a:ln>
-                <a:solidFill>
-                  <a:srgbClr val="000000"/>
-                </a:solidFill>
-                <a:effectLst/>
-                <a:latin typeface="Verdana" panose="020B0604030504040204" pitchFamily="34" charset="0"/>
-              </a:rPr>
-              <a:t>to be used when submitting the form data:</a:t>
-            </a:r>
-            <a:r>
-              <a:rPr kumimoji="0" lang="en-US" altLang="en-US" b="0" i="0" u="none" strike="noStrike" cap="none" normalizeH="0" baseline="0" dirty="0">
-                <a:ln>
-                  <a:noFill/>
-                </a:ln>
-                <a:solidFill>
-                  <a:schemeClr val="tx1"/>
-                </a:solidFill>
-                <a:effectLst/>
-              </a:rPr>
-              <a:t> </a:t>
-            </a:r>
-          </a:p>
-          <a:p>
-            <a:pPr marL="0" marR="0" lvl="0" indent="0" algn="l" defTabSz="914400" rtl="0" eaLnBrk="0" fontAlgn="base" latinLnBrk="0" hangingPunct="0">
-              <a:lnSpc>
-                <a:spcPct val="100000"/>
-              </a:lnSpc>
-              <a:spcBef>
-                <a:spcPct val="0"/>
-              </a:spcBef>
-              <a:spcAft>
-                <a:spcPct val="0"/>
-              </a:spcAft>
-              <a:buClrTx/>
-              <a:buSzTx/>
-              <a:buFontTx/>
-              <a:buNone/>
-              <a:tabLst/>
-            </a:pPr>
-            <a:endParaRPr lang="en-US" altLang="en-US" dirty="0">
-              <a:latin typeface="Arial" panose="020B0604020202020204" pitchFamily="34" charset="0"/>
-            </a:endParaRPr>
-          </a:p>
-          <a:p>
-            <a:pPr marL="0" marR="0" lvl="0" indent="0" algn="l" defTabSz="914400" rtl="0" eaLnBrk="0" fontAlgn="base" latinLnBrk="0" hangingPunct="0">
-              <a:lnSpc>
-                <a:spcPct val="100000"/>
-              </a:lnSpc>
-              <a:spcBef>
-                <a:spcPct val="0"/>
-              </a:spcBef>
-              <a:spcAft>
-                <a:spcPct val="0"/>
-              </a:spcAft>
-              <a:buClrTx/>
-              <a:buSzTx/>
-              <a:buFontTx/>
-              <a:buNone/>
-              <a:tabLst/>
-            </a:pPr>
-            <a:endParaRPr kumimoji="0" lang="en-US" altLang="en-US" b="0" i="0" u="none" strike="noStrike" cap="none" normalizeH="0" baseline="0" dirty="0">
-              <a:ln>
-                <a:noFill/>
-              </a:ln>
-              <a:solidFill>
-                <a:schemeClr val="tx1"/>
-              </a:solidFill>
-              <a:effectLst/>
-            </a:endParaRPr>
-          </a:p>
-          <a:p>
-            <a:pPr marL="0" marR="0" lvl="0" indent="0" algn="l" defTabSz="914400" rtl="0" eaLnBrk="0" fontAlgn="base" latinLnBrk="0" hangingPunct="0">
-              <a:lnSpc>
-                <a:spcPct val="100000"/>
-              </a:lnSpc>
-              <a:spcBef>
-                <a:spcPct val="0"/>
-              </a:spcBef>
-              <a:spcAft>
-                <a:spcPct val="0"/>
-              </a:spcAft>
-              <a:buClrTx/>
-              <a:buSzTx/>
-              <a:buFontTx/>
-              <a:buNone/>
-              <a:tabLst/>
-            </a:pPr>
-            <a:endParaRPr lang="en-US" altLang="en-US" dirty="0"/>
-          </a:p>
-          <a:p>
-            <a:pPr marL="0" marR="0" lvl="0" indent="0" algn="l" defTabSz="914400" rtl="0" eaLnBrk="0" fontAlgn="base" latinLnBrk="0" hangingPunct="0">
-              <a:lnSpc>
-                <a:spcPct val="100000"/>
-              </a:lnSpc>
-              <a:spcBef>
-                <a:spcPct val="0"/>
-              </a:spcBef>
-              <a:spcAft>
-                <a:spcPct val="0"/>
-              </a:spcAft>
-              <a:buClrTx/>
-              <a:buSzTx/>
-              <a:buFontTx/>
-              <a:buNone/>
-              <a:tabLst/>
-            </a:pPr>
-            <a:endParaRPr kumimoji="0" lang="en-US" altLang="en-US" b="0" i="0" u="none" strike="noStrike" cap="none" normalizeH="0" baseline="0" dirty="0">
-              <a:ln>
-                <a:noFill/>
-              </a:ln>
-              <a:solidFill>
-                <a:schemeClr val="tx1"/>
-              </a:solidFill>
-              <a:effectLst/>
-            </a:endParaRPr>
-          </a:p>
-          <a:p>
-            <a:pPr marL="0" lvl="0" indent="0" defTabSz="914400">
-              <a:buClrTx/>
-              <a:buSzTx/>
+          <a:lstStyle/>
+          <a:p>
+            <a:r>
+              <a:rPr lang="en-US" sz="2800" dirty="0"/>
+              <a:t>&lt;div class="cities"&gt;</a:t>
+            </a:r>
+            <a:r>
+              <a:rPr lang="en-US" sz="2800" dirty="0"/>
+              <a:t/>
+            </a:r>
+            <a:br>
+              <a:rPr lang="en-US" sz="2800" dirty="0"/>
+            </a:br>
+            <a:r>
+              <a:rPr lang="en-US" sz="2800" dirty="0"/>
+              <a:t>  &lt;h2&gt;London&lt;/h2&gt;</a:t>
+            </a:r>
+            <a:r>
+              <a:rPr lang="en-US" sz="2800" dirty="0"/>
+              <a:t/>
+            </a:r>
+            <a:br>
+              <a:rPr lang="en-US" sz="2800" dirty="0"/>
+            </a:br>
+            <a:r>
+              <a:rPr lang="en-US" sz="2800" dirty="0"/>
+              <a:t>  &lt;p&gt;London is the capital of England.&lt;/p&gt;</a:t>
+            </a:r>
+            <a:r>
+              <a:rPr lang="en-US" sz="2800" dirty="0"/>
+              <a:t/>
+            </a:r>
+            <a:br>
+              <a:rPr lang="en-US" sz="2800" dirty="0"/>
+            </a:br>
+            <a:r>
+              <a:rPr lang="en-US" sz="2800" dirty="0"/>
+              <a:t>&lt;/div</a:t>
+            </a:r>
+            <a:r>
+              <a:rPr lang="en-US" sz="2800" dirty="0" smtClean="0"/>
+              <a:t>&gt;</a:t>
+            </a:r>
+            <a:endParaRPr lang="en-US" sz="2800" dirty="0"/>
+          </a:p>
+          <a:p>
+            <a:endParaRPr lang="en-US" sz="2800" dirty="0" smtClean="0"/>
+          </a:p>
+          <a:p>
+            <a:r>
+              <a:rPr lang="en-US" sz="2800" dirty="0" smtClean="0"/>
+              <a:t>Class Call:</a:t>
+            </a:r>
+          </a:p>
+          <a:p>
+            <a:r>
+              <a:rPr lang="en-US" sz="2800" dirty="0"/>
+              <a:t>.cities </a:t>
+            </a:r>
+            <a:r>
+              <a:rPr lang="en-US" sz="2800" dirty="0" smtClean="0"/>
+              <a:t>{</a:t>
+            </a:r>
+            <a:endParaRPr lang="en-US" sz="2800" dirty="0"/>
+          </a:p>
+          <a:p>
+            <a:r>
+              <a:rPr lang="en-US" dirty="0" smtClean="0"/>
+              <a:t>.</a:t>
+            </a:r>
+          </a:p>
+          <a:p>
+            <a:r>
+              <a:rPr lang="en-US" dirty="0"/>
+              <a:t>.</a:t>
+            </a:r>
+            <a:endParaRPr lang="en-US" dirty="0" smtClean="0"/>
+          </a:p>
+          <a:p>
+            <a:pPr marL="0" indent="0">
               <a:buNone/>
             </a:pPr>
             <a:r>
-              <a:rPr lang="en-US" dirty="0"/>
-              <a:t>&lt;form action="/</a:t>
-            </a:r>
-            <a:r>
-              <a:rPr lang="en-US" dirty="0" err="1"/>
-              <a:t>action_page.php</a:t>
-            </a:r>
-            <a:r>
-              <a:rPr lang="en-US" dirty="0"/>
-              <a:t>" </a:t>
-            </a:r>
-            <a:r>
-              <a:rPr lang="en-US" b="1" dirty="0"/>
-              <a:t>method="get"</a:t>
-            </a:r>
-            <a:r>
-              <a:rPr lang="en-US" dirty="0"/>
-              <a:t>&gt;</a:t>
-            </a:r>
-          </a:p>
-          <a:p>
-            <a:pPr marL="0" lvl="0" indent="0" defTabSz="914400">
-              <a:buClrTx/>
-              <a:buSzTx/>
-              <a:buNone/>
-            </a:pPr>
-            <a:endParaRPr kumimoji="0" lang="en-US" altLang="en-US" b="0" i="0" u="none" strike="noStrike" cap="none" normalizeH="0" baseline="0" dirty="0">
-              <a:ln>
-                <a:noFill/>
-              </a:ln>
-              <a:solidFill>
-                <a:schemeClr val="tx1"/>
-              </a:solidFill>
-              <a:effectLst/>
-              <a:latin typeface="Arial" panose="020B0604020202020204" pitchFamily="34" charset="0"/>
-            </a:endParaRPr>
-          </a:p>
-          <a:p>
-            <a:pPr marL="0" lvl="0" indent="0" defTabSz="914400">
-              <a:buClrTx/>
-              <a:buSzTx/>
-              <a:buNone/>
-            </a:pPr>
-            <a:endParaRPr lang="en-US" altLang="en-US" dirty="0"/>
-          </a:p>
-          <a:p>
-            <a:pPr marL="0" lvl="0" indent="0" defTabSz="914400">
-              <a:buClrTx/>
-              <a:buSzTx/>
-              <a:buNone/>
-            </a:pPr>
-            <a:r>
-              <a:rPr lang="en-US" dirty="0"/>
-              <a:t>&lt;form action="/</a:t>
-            </a:r>
-            <a:r>
-              <a:rPr lang="en-US" dirty="0" err="1"/>
-              <a:t>action_page.php</a:t>
-            </a:r>
-            <a:r>
-              <a:rPr lang="en-US" dirty="0"/>
-              <a:t>" </a:t>
-            </a:r>
-            <a:r>
-              <a:rPr lang="en-US" b="1" dirty="0"/>
-              <a:t>method="post"</a:t>
-            </a:r>
-            <a:r>
-              <a:rPr lang="en-US" dirty="0"/>
-              <a:t>&gt;</a:t>
-            </a:r>
-            <a:endParaRPr kumimoji="0" lang="en-US" altLang="en-US" b="0" i="0" u="none" strike="noStrike" cap="none" normalizeH="0" baseline="0" dirty="0">
-              <a:ln>
-                <a:noFill/>
-              </a:ln>
-              <a:solidFill>
-                <a:schemeClr val="tx1"/>
-              </a:solidFill>
-              <a:effectLst/>
-              <a:latin typeface="Arial" panose="020B0604020202020204" pitchFamily="34" charset="0"/>
-            </a:endParaRPr>
+              <a:rPr lang="en-US" sz="3000" dirty="0" smtClean="0"/>
+              <a:t>          }</a:t>
+            </a:r>
+            <a:endParaRPr lang="en-US" sz="3000" dirty="0"/>
+          </a:p>
+        </p:txBody>
+      </p:sp>
+      <p:sp>
+        <p:nvSpPr>
+          <p:cNvPr id="4" name="Footer Placeholder 3"/>
+          <p:cNvSpPr>
+            <a:spLocks noGrp="1"/>
+          </p:cNvSpPr>
+          <p:nvPr>
+            <p:ph type="ftr" sz="quarter" idx="11"/>
+          </p:nvPr>
+        </p:nvSpPr>
+        <p:spPr/>
+        <p:txBody>
+          <a:bodyPr/>
+          <a:lstStyle/>
+          <a:p>
+            <a:r>
+              <a:rPr lang="en-US" smtClean="0"/>
+              <a:t>BITM</a:t>
+            </a:r>
+            <a:endParaRPr lang="en-US"/>
           </a:p>
         </p:txBody>
       </p:sp>
     </p:spTree>
     <p:extLst>
       <p:ext uri="{BB962C8B-B14F-4D97-AF65-F5344CB8AC3E}">
-        <p14:creationId xmlns:p14="http://schemas.microsoft.com/office/powerpoint/2010/main" val="3885122093"/>
+        <p14:creationId xmlns:p14="http://schemas.microsoft.com/office/powerpoint/2010/main" val="408350916"/>
       </p:ext>
     </p:extLst>
   </p:cSld>
@@ -12249,7 +11875,7 @@
           <p:cNvPr id="2" name="Title 1">
             <a:extLst>
               <a:ext uri="{FF2B5EF4-FFF2-40B4-BE49-F238E27FC236}">
-                <a16:creationId xmlns:a16="http://schemas.microsoft.com/office/drawing/2014/main" id="{84C22470-3E55-475A-BA50-994000453B0A}"/>
+                <a16:creationId xmlns:a16="http://schemas.microsoft.com/office/drawing/2014/main" xmlns="" id="{84C22470-3E55-475A-BA50-994000453B0A}"/>
               </a:ext>
             </a:extLst>
           </p:cNvPr>
@@ -12281,7 +11907,7 @@
           <p:cNvPr id="3" name="Content Placeholder 2">
             <a:extLst>
               <a:ext uri="{FF2B5EF4-FFF2-40B4-BE49-F238E27FC236}">
-                <a16:creationId xmlns:a16="http://schemas.microsoft.com/office/drawing/2014/main" id="{AF66105A-D93B-4F11-895B-0DBE815FDADA}"/>
+                <a16:creationId xmlns:a16="http://schemas.microsoft.com/office/drawing/2014/main" xmlns="" id="{AF66105A-D93B-4F11-895B-0DBE815FDADA}"/>
               </a:ext>
             </a:extLst>
           </p:cNvPr>
@@ -12317,7 +11943,7 @@
           <p:cNvPr id="5" name="Footer Placeholder 4">
             <a:extLst>
               <a:ext uri="{FF2B5EF4-FFF2-40B4-BE49-F238E27FC236}">
-                <a16:creationId xmlns:a16="http://schemas.microsoft.com/office/drawing/2014/main" id="{397EE59C-A9E4-4218-9FF0-DD0C49635C13}"/>
+                <a16:creationId xmlns:a16="http://schemas.microsoft.com/office/drawing/2014/main" xmlns="" id="{397EE59C-A9E4-4218-9FF0-DD0C49635C13}"/>
               </a:ext>
             </a:extLst>
           </p:cNvPr>
@@ -12372,13 +11998,7 @@
       </p:grpSpPr>
       <p:sp>
         <p:nvSpPr>
-          <p:cNvPr id="2" name="Title 1">
-            <a:extLst>
-              <a:ext uri="{FF2B5EF4-FFF2-40B4-BE49-F238E27FC236}">
-                <a16:creationId xmlns:a16="http://schemas.microsoft.com/office/drawing/2014/main" id="{4D0B0EA8-AFB0-4578-A4D3-4BDA548B7248}"/>
-              </a:ext>
-            </a:extLst>
-          </p:cNvPr>
+          <p:cNvPr id="2" name="Title 1"/>
           <p:cNvSpPr>
             <a:spLocks noGrp="1"/>
           </p:cNvSpPr>
@@ -12393,7 +12013,7 @@
           <a:p>
             <a:r>
               <a:rPr lang="en-US" dirty="0"/>
-              <a:t>When to Use GET?</a:t>
+              <a:t>HTML Symbols</a:t>
             </a:r>
             <a:br>
               <a:rPr lang="en-US" dirty="0"/>
@@ -12404,13 +12024,7 @@
       </p:sp>
       <p:sp>
         <p:nvSpPr>
-          <p:cNvPr id="3" name="Content Placeholder 2">
-            <a:extLst>
-              <a:ext uri="{FF2B5EF4-FFF2-40B4-BE49-F238E27FC236}">
-                <a16:creationId xmlns:a16="http://schemas.microsoft.com/office/drawing/2014/main" id="{BC288074-5FED-4363-B700-F5F303A1DF49}"/>
-              </a:ext>
-            </a:extLst>
-          </p:cNvPr>
+          <p:cNvPr id="3" name="Content Placeholder 2"/>
           <p:cNvSpPr>
             <a:spLocks noGrp="1"/>
           </p:cNvSpPr>
@@ -12418,108 +12032,137 @@
             <p:ph idx="1"/>
           </p:nvPr>
         </p:nvSpPr>
+        <p:spPr>
+          <a:xfrm>
+            <a:off x="570456" y="1519321"/>
+            <a:ext cx="8596668" cy="3880773"/>
+          </a:xfrm>
+        </p:spPr>
+        <p:txBody>
+          <a:bodyPr/>
+          <a:lstStyle/>
+          <a:p>
+            <a:r>
+              <a:rPr lang="en-US" dirty="0">
+                <a:hlinkClick r:id="rId2"/>
+              </a:rPr>
+              <a:t>Full Currency </a:t>
+            </a:r>
+            <a:r>
+              <a:rPr lang="en-US" dirty="0" smtClean="0">
+                <a:hlinkClick r:id="rId2"/>
+              </a:rPr>
+              <a:t>Reference</a:t>
+            </a:r>
+            <a:r>
+              <a:rPr lang="en-US" dirty="0" smtClean="0"/>
+              <a:t>  : </a:t>
+            </a:r>
+            <a:r>
+              <a:rPr lang="en-US" dirty="0" smtClean="0">
+                <a:hlinkClick r:id="rId2"/>
+              </a:rPr>
+              <a:t>https</a:t>
+            </a:r>
+            <a:r>
+              <a:rPr lang="en-US" dirty="0">
+                <a:hlinkClick r:id="rId2"/>
+              </a:rPr>
+              <a:t>://www.w3schools.com/charsets/ref_utf_currency.asp</a:t>
+            </a:r>
+            <a:endParaRPr lang="en-US" dirty="0"/>
+          </a:p>
+          <a:p>
+            <a:r>
+              <a:rPr lang="en-US" dirty="0">
+                <a:hlinkClick r:id="rId3"/>
+              </a:rPr>
+              <a:t>Full Arrows </a:t>
+            </a:r>
+            <a:r>
+              <a:rPr lang="en-US" dirty="0" smtClean="0">
+                <a:hlinkClick r:id="rId3"/>
+              </a:rPr>
+              <a:t>Reference</a:t>
+            </a:r>
+            <a:r>
+              <a:rPr lang="en-US" dirty="0" smtClean="0"/>
+              <a:t> : </a:t>
+            </a:r>
+            <a:r>
+              <a:rPr lang="en-US" dirty="0" smtClean="0">
+                <a:hlinkClick r:id="rId3"/>
+              </a:rPr>
+              <a:t>https</a:t>
+            </a:r>
+            <a:r>
+              <a:rPr lang="en-US" dirty="0">
+                <a:hlinkClick r:id="rId3"/>
+              </a:rPr>
+              <a:t>://www.w3schools.com/charsets/ref_utf_arrows.asp</a:t>
+            </a:r>
+            <a:endParaRPr lang="en-US" dirty="0"/>
+          </a:p>
+          <a:p>
+            <a:r>
+              <a:rPr lang="en-US" dirty="0">
+                <a:hlinkClick r:id="rId4"/>
+              </a:rPr>
+              <a:t>Full Symbols </a:t>
+            </a:r>
+            <a:r>
+              <a:rPr lang="en-US" dirty="0" smtClean="0">
+                <a:hlinkClick r:id="rId4"/>
+              </a:rPr>
+              <a:t>Reference</a:t>
+            </a:r>
+            <a:r>
+              <a:rPr lang="en-US" dirty="0" smtClean="0"/>
+              <a:t> : </a:t>
+            </a:r>
+            <a:r>
+              <a:rPr lang="en-US" dirty="0">
+                <a:hlinkClick r:id="rId4"/>
+              </a:rPr>
+              <a:t>https://www.w3schools.com/charsets/ref_utf_symbols.asp</a:t>
+            </a:r>
+            <a:endParaRPr lang="en-US" dirty="0"/>
+          </a:p>
+          <a:p>
+            <a:pPr marL="0" indent="0">
+              <a:buNone/>
+            </a:pPr>
+            <a:endParaRPr lang="en-US" dirty="0"/>
+          </a:p>
+        </p:txBody>
+      </p:sp>
+      <p:sp>
+        <p:nvSpPr>
+          <p:cNvPr id="4" name="Footer Placeholder 3"/>
+          <p:cNvSpPr>
+            <a:spLocks noGrp="1"/>
+          </p:cNvSpPr>
+          <p:nvPr>
+            <p:ph type="ftr" sz="quarter" idx="11"/>
+          </p:nvPr>
+        </p:nvSpPr>
         <p:spPr/>
         <p:txBody>
           <a:bodyPr/>
           <a:lstStyle/>
           <a:p>
             <a:r>
-              <a:rPr lang="en-US" dirty="0"/>
-              <a:t>The default method when submitting form data is GET.</a:t>
-            </a:r>
-          </a:p>
-          <a:p>
-            <a:r>
-              <a:rPr lang="en-US" dirty="0"/>
-              <a:t>However, when GET is used, the submitted form data will be </a:t>
-            </a:r>
-            <a:r>
-              <a:rPr lang="en-US" b="1" dirty="0"/>
-              <a:t>visible in the page address field</a:t>
-            </a:r>
-            <a:r>
-              <a:rPr lang="en-US" dirty="0"/>
-              <a:t>:</a:t>
-            </a:r>
-          </a:p>
-          <a:p>
-            <a:r>
-              <a:rPr lang="en-US" sz="2000" b="1" u="sng" dirty="0"/>
-              <a:t>Notes on GET:</a:t>
-            </a:r>
-          </a:p>
-          <a:p>
-            <a:pPr lvl="1"/>
-            <a:r>
-              <a:rPr lang="en-US" dirty="0"/>
-              <a:t>Appends form-data into the URL in name/value pairs</a:t>
-            </a:r>
-          </a:p>
-          <a:p>
-            <a:pPr lvl="1"/>
-            <a:r>
-              <a:rPr lang="en-US" dirty="0"/>
-              <a:t>The length of a URL is limited (about 3000 characters)</a:t>
-            </a:r>
-          </a:p>
-          <a:p>
-            <a:pPr lvl="1"/>
-            <a:r>
-              <a:rPr lang="en-US" dirty="0"/>
-              <a:t>Never use GET to send sensitive data! (will be visible in the URL)</a:t>
-            </a:r>
-          </a:p>
-          <a:p>
-            <a:pPr lvl="1"/>
-            <a:r>
-              <a:rPr lang="en-US" dirty="0"/>
-              <a:t>Useful for form submissions where a user wants to bookmark the result</a:t>
-            </a:r>
-          </a:p>
-          <a:p>
-            <a:pPr lvl="1"/>
-            <a:r>
-              <a:rPr lang="en-US" dirty="0"/>
-              <a:t>GET is better for non-secure data, like query strings in Google</a:t>
-            </a:r>
-          </a:p>
-          <a:p>
-            <a:endParaRPr lang="en-US" sz="2000" u="sng" dirty="0"/>
-          </a:p>
-        </p:txBody>
-      </p:sp>
-      <p:sp>
-        <p:nvSpPr>
-          <p:cNvPr id="4" name="Footer Placeholder 3">
-            <a:extLst>
-              <a:ext uri="{FF2B5EF4-FFF2-40B4-BE49-F238E27FC236}">
-                <a16:creationId xmlns:a16="http://schemas.microsoft.com/office/drawing/2014/main" id="{36E16EF6-2BC0-4382-8D28-D10AAD806F95}"/>
-              </a:ext>
-            </a:extLst>
-          </p:cNvPr>
-          <p:cNvSpPr>
-            <a:spLocks noGrp="1"/>
-          </p:cNvSpPr>
-          <p:nvPr>
-            <p:ph type="ftr" sz="quarter" idx="11"/>
-          </p:nvPr>
-        </p:nvSpPr>
-        <p:spPr/>
-        <p:txBody>
-          <a:bodyPr/>
-          <a:lstStyle/>
-          <a:p>
-            <a:r>
-              <a:rPr lang="en-US"/>
+              <a:rPr lang="en-US" smtClean="0"/>
               <a:t>BITM</a:t>
             </a:r>
+            <a:endParaRPr lang="en-US"/>
           </a:p>
         </p:txBody>
       </p:sp>
     </p:spTree>
     <p:extLst>
       <p:ext uri="{BB962C8B-B14F-4D97-AF65-F5344CB8AC3E}">
-        <p14:creationId xmlns:p14="http://schemas.microsoft.com/office/powerpoint/2010/main" val="187660696"/>
+        <p14:creationId xmlns:p14="http://schemas.microsoft.com/office/powerpoint/2010/main" val="102628864"/>
       </p:ext>
     </p:extLst>
   </p:cSld>
@@ -12548,13 +12191,7 @@
       </p:grpSpPr>
       <p:sp>
         <p:nvSpPr>
-          <p:cNvPr id="2" name="Title 1">
-            <a:extLst>
-              <a:ext uri="{FF2B5EF4-FFF2-40B4-BE49-F238E27FC236}">
-                <a16:creationId xmlns:a16="http://schemas.microsoft.com/office/drawing/2014/main" id="{5195655C-2180-4BE0-ABDA-6E8FC0C71ABB}"/>
-              </a:ext>
-            </a:extLst>
-          </p:cNvPr>
+          <p:cNvPr id="2" name="Title 1"/>
           <p:cNvSpPr>
             <a:spLocks noGrp="1"/>
           </p:cNvSpPr>
@@ -12569,7 +12206,7 @@
           <a:p>
             <a:r>
               <a:rPr lang="en-US" dirty="0"/>
-              <a:t>When to Use POST?</a:t>
+              <a:t>What Is XHTML?</a:t>
             </a:r>
             <a:br>
               <a:rPr lang="en-US" dirty="0"/>
@@ -12580,13 +12217,7 @@
       </p:sp>
       <p:sp>
         <p:nvSpPr>
-          <p:cNvPr id="3" name="Content Placeholder 2">
-            <a:extLst>
-              <a:ext uri="{FF2B5EF4-FFF2-40B4-BE49-F238E27FC236}">
-                <a16:creationId xmlns:a16="http://schemas.microsoft.com/office/drawing/2014/main" id="{61438703-E053-4F63-B5BD-72D08A42C3DD}"/>
-              </a:ext>
-            </a:extLst>
-          </p:cNvPr>
+          <p:cNvPr id="3" name="Content Placeholder 2"/>
           <p:cNvSpPr>
             <a:spLocks noGrp="1"/>
           </p:cNvSpPr>
@@ -12601,44 +12232,105 @@
           <a:p>
             <a:r>
               <a:rPr lang="en-US" dirty="0"/>
-              <a:t>Always use POST if the form data contains sensitive or personal information. The POST method does not display the submitted form data in the page address field.</a:t>
-            </a:r>
-          </a:p>
-          <a:p>
+              <a:t>XHTML stands for </a:t>
+            </a:r>
+            <a:r>
+              <a:rPr lang="en-US" dirty="0" err="1"/>
+              <a:t>E</a:t>
+            </a:r>
+            <a:r>
+              <a:rPr lang="en-US" b="1" dirty="0" err="1"/>
+              <a:t>X</a:t>
+            </a:r>
+            <a:r>
+              <a:rPr lang="en-US" dirty="0" err="1"/>
+              <a:t>tensible</a:t>
+            </a:r>
+            <a:r>
+              <a:rPr lang="en-US" dirty="0"/>
+              <a:t> </a:t>
+            </a:r>
+            <a:r>
+              <a:rPr lang="en-US" b="1" dirty="0" err="1"/>
+              <a:t>H</a:t>
+            </a:r>
+            <a:r>
+              <a:rPr lang="en-US" dirty="0" err="1"/>
+              <a:t>yper</a:t>
+            </a:r>
+            <a:r>
+              <a:rPr lang="en-US" b="1" dirty="0" err="1"/>
+              <a:t>T</a:t>
+            </a:r>
+            <a:r>
+              <a:rPr lang="en-US" dirty="0" err="1"/>
+              <a:t>ext</a:t>
+            </a:r>
+            <a:r>
+              <a:rPr lang="en-US" dirty="0"/>
+              <a:t> </a:t>
+            </a:r>
             <a:r>
               <a:rPr lang="en-US" b="1" dirty="0"/>
-              <a:t>Notes on POST:</a:t>
+              <a:t>M</a:t>
+            </a:r>
+            <a:r>
+              <a:rPr lang="en-US" dirty="0"/>
+              <a:t>arkup </a:t>
+            </a:r>
+            <a:r>
+              <a:rPr lang="en-US" b="1" dirty="0"/>
+              <a:t>L</a:t>
+            </a:r>
+            <a:r>
+              <a:rPr lang="en-US" dirty="0"/>
+              <a:t>anguage</a:t>
+            </a:r>
+          </a:p>
+          <a:p>
+            <a:r>
+              <a:rPr lang="en-US" dirty="0"/>
+              <a:t>XHTML is almost identical to HTML</a:t>
+            </a:r>
+          </a:p>
+          <a:p>
+            <a:r>
+              <a:rPr lang="en-US" dirty="0"/>
+              <a:t>XHTML is stricter than HTML</a:t>
+            </a:r>
+          </a:p>
+          <a:p>
+            <a:r>
+              <a:rPr lang="en-US" dirty="0"/>
+              <a:t>XHTML is HTML defined as an XML application</a:t>
+            </a:r>
+          </a:p>
+          <a:p>
+            <a:r>
+              <a:rPr lang="en-US" dirty="0"/>
+              <a:t>XHTML is supported by all major browsers</a:t>
+            </a:r>
+          </a:p>
+          <a:p>
+            <a:r>
+              <a:rPr lang="en-US" dirty="0"/>
+              <a:t>The Most Important Differences from HTML:</a:t>
+            </a:r>
+          </a:p>
+          <a:p>
+            <a:r>
+              <a:rPr lang="en-US" dirty="0">
+                <a:hlinkClick r:id="rId2"/>
+              </a:rPr>
+              <a:t>https://www.w3schools.com/html/html_xhtml.asp</a:t>
             </a:r>
             <a:endParaRPr lang="en-US" dirty="0"/>
           </a:p>
-          <a:p>
-            <a:pPr lvl="1"/>
-            <a:r>
-              <a:rPr lang="en-US" dirty="0"/>
-              <a:t>POST has no size limitations, and can be used to send large amounts of data.</a:t>
-            </a:r>
-          </a:p>
-          <a:p>
-            <a:pPr lvl="1"/>
-            <a:r>
-              <a:rPr lang="en-US" dirty="0"/>
-              <a:t>Form submissions with POST cannot be bookmarked</a:t>
-            </a:r>
-          </a:p>
-          <a:p>
-            <a:endParaRPr lang="en-US" dirty="0"/>
-          </a:p>
-        </p:txBody>
-      </p:sp>
-      <p:sp>
-        <p:nvSpPr>
-          <p:cNvPr id="4" name="Footer Placeholder 3">
-            <a:extLst>
-              <a:ext uri="{FF2B5EF4-FFF2-40B4-BE49-F238E27FC236}">
-                <a16:creationId xmlns:a16="http://schemas.microsoft.com/office/drawing/2014/main" id="{42D0E2C3-CF62-4267-92C8-2BF4A5DEC515}"/>
-              </a:ext>
-            </a:extLst>
-          </p:cNvPr>
+        </p:txBody>
+      </p:sp>
+      <p:sp>
+        <p:nvSpPr>
+          <p:cNvPr id="4" name="Footer Placeholder 3"/>
           <p:cNvSpPr>
             <a:spLocks noGrp="1"/>
           </p:cNvSpPr>
@@ -12652,16 +12344,17 @@
           <a:lstStyle/>
           <a:p>
             <a:r>
-              <a:rPr lang="en-US"/>
+              <a:rPr lang="en-US" smtClean="0"/>
               <a:t>BITM</a:t>
             </a:r>
+            <a:endParaRPr lang="en-US"/>
           </a:p>
         </p:txBody>
       </p:sp>
     </p:spTree>
     <p:extLst>
       <p:ext uri="{BB962C8B-B14F-4D97-AF65-F5344CB8AC3E}">
-        <p14:creationId xmlns:p14="http://schemas.microsoft.com/office/powerpoint/2010/main" val="839140407"/>
+        <p14:creationId xmlns:p14="http://schemas.microsoft.com/office/powerpoint/2010/main" val="1399657827"/>
       </p:ext>
     </p:extLst>
   </p:cSld>
@@ -12693,7 +12386,7 @@
           <p:cNvPr id="2" name="Title 1">
             <a:extLst>
               <a:ext uri="{FF2B5EF4-FFF2-40B4-BE49-F238E27FC236}">
-                <a16:creationId xmlns:a16="http://schemas.microsoft.com/office/drawing/2014/main" id="{11256963-B326-4DF8-9994-DD69B22E04B5}"/>
+                <a16:creationId xmlns:a16="http://schemas.microsoft.com/office/drawing/2014/main" xmlns="" id="{E1115BBA-BA63-4C88-98D8-B35BA9FABC93}"/>
               </a:ext>
             </a:extLst>
           </p:cNvPr>
@@ -12711,7 +12404,7 @@
           <a:p>
             <a:r>
               <a:rPr lang="en-US" dirty="0"/>
-              <a:t>The &lt;select&gt; Element</a:t>
+              <a:t>HTML Forms</a:t>
             </a:r>
             <a:br>
               <a:rPr lang="en-US" dirty="0"/>
@@ -12725,7 +12418,7 @@
           <p:cNvPr id="3" name="Content Placeholder 2">
             <a:extLst>
               <a:ext uri="{FF2B5EF4-FFF2-40B4-BE49-F238E27FC236}">
-                <a16:creationId xmlns:a16="http://schemas.microsoft.com/office/drawing/2014/main" id="{0E3031CC-1DB8-498A-B88C-F8338C79A262}"/>
+                <a16:creationId xmlns:a16="http://schemas.microsoft.com/office/drawing/2014/main" xmlns="" id="{775ACE32-22EC-4936-92A1-44166DDA2FA9}"/>
               </a:ext>
             </a:extLst>
           </p:cNvPr>
@@ -12738,73 +12431,44 @@
         </p:nvSpPr>
         <p:spPr/>
         <p:txBody>
-          <a:bodyPr>
-            <a:normAutofit/>
-          </a:bodyPr>
-          <a:lstStyle/>
-          <a:p>
-            <a:r>
-              <a:rPr lang="en-US" sz="2400" dirty="0"/>
-              <a:t>&lt;select name="cars"&gt;</a:t>
+          <a:bodyPr/>
+          <a:lstStyle/>
+          <a:p>
+            <a:r>
+              <a:rPr lang="en-US" dirty="0"/>
+              <a:t>&lt;form&gt;</a:t>
             </a:r>
             <a:br>
-              <a:rPr lang="en-US" sz="2400" dirty="0"/>
+              <a:rPr lang="en-US" dirty="0"/>
             </a:br>
             <a:r>
-              <a:rPr lang="en-US" sz="2400" dirty="0"/>
-              <a:t>  &lt;option value="</a:t>
-            </a:r>
-            <a:r>
-              <a:rPr lang="en-US" sz="2400" dirty="0" err="1"/>
-              <a:t>volvo</a:t>
-            </a:r>
-            <a:r>
-              <a:rPr lang="en-US" sz="2400" dirty="0"/>
-              <a:t>"&gt;Volvo&lt;/option&gt;</a:t>
+              <a:rPr lang="en-US" dirty="0"/>
+              <a:t>.</a:t>
             </a:r>
             <a:br>
-              <a:rPr lang="en-US" sz="2400" dirty="0"/>
+              <a:rPr lang="en-US" dirty="0"/>
             </a:br>
             <a:r>
-              <a:rPr lang="en-US" sz="2400" dirty="0"/>
-              <a:t>  &lt;option value="</a:t>
-            </a:r>
-            <a:r>
-              <a:rPr lang="en-US" sz="2400" dirty="0" err="1"/>
-              <a:t>saab</a:t>
-            </a:r>
-            <a:r>
-              <a:rPr lang="en-US" sz="2400" dirty="0"/>
-              <a:t>"&gt;Saab&lt;/option&gt;</a:t>
+              <a:rPr lang="en-US" i="1" dirty="0"/>
+              <a:t>form elements</a:t>
+            </a:r>
+            <a:r>
+              <a:rPr lang="en-US" dirty="0"/>
+              <a:t/>
             </a:r>
             <a:br>
-              <a:rPr lang="en-US" sz="2400" dirty="0"/>
+              <a:rPr lang="en-US" dirty="0"/>
             </a:br>
             <a:r>
-              <a:rPr lang="en-US" sz="2400" dirty="0"/>
-              <a:t>  &lt;option value="fiat"&gt;Fiat&lt;/option&gt;</a:t>
+              <a:rPr lang="en-US" dirty="0"/>
+              <a:t>.</a:t>
             </a:r>
             <a:br>
-              <a:rPr lang="en-US" sz="2400" dirty="0"/>
+              <a:rPr lang="en-US" dirty="0"/>
             </a:br>
             <a:r>
-              <a:rPr lang="en-US" sz="2400" dirty="0"/>
-              <a:t>  &lt;option value="</a:t>
-            </a:r>
-            <a:r>
-              <a:rPr lang="en-US" sz="2400" dirty="0" err="1"/>
-              <a:t>audi</a:t>
-            </a:r>
-            <a:r>
-              <a:rPr lang="en-US" sz="2400" dirty="0"/>
-              <a:t>"&gt;Audi&lt;/option&gt;</a:t>
-            </a:r>
-            <a:br>
-              <a:rPr lang="en-US" sz="2400" dirty="0"/>
-            </a:br>
-            <a:r>
-              <a:rPr lang="en-US" sz="2400" dirty="0"/>
-              <a:t>&lt;/select&gt;</a:t>
+              <a:rPr lang="en-US" dirty="0"/>
+              <a:t>&lt;/form&gt;</a:t>
             </a:r>
           </a:p>
         </p:txBody>
@@ -12814,7 +12478,7 @@
           <p:cNvPr id="4" name="Footer Placeholder 3">
             <a:extLst>
               <a:ext uri="{FF2B5EF4-FFF2-40B4-BE49-F238E27FC236}">
-                <a16:creationId xmlns:a16="http://schemas.microsoft.com/office/drawing/2014/main" id="{E46D5145-CE78-4ED4-9FC1-3EF5E2B04EC0}"/>
+                <a16:creationId xmlns:a16="http://schemas.microsoft.com/office/drawing/2014/main" xmlns="" id="{B9DD80F7-5025-41F8-BB8A-D3943EE090EA}"/>
               </a:ext>
             </a:extLst>
           </p:cNvPr>
@@ -12840,7 +12504,7 @@
     </p:spTree>
     <p:extLst>
       <p:ext uri="{BB962C8B-B14F-4D97-AF65-F5344CB8AC3E}">
-        <p14:creationId xmlns:p14="http://schemas.microsoft.com/office/powerpoint/2010/main" val="1476604048"/>
+        <p14:creationId xmlns:p14="http://schemas.microsoft.com/office/powerpoint/2010/main" val="1237523223"/>
       </p:ext>
     </p:extLst>
   </p:cSld>
@@ -12872,7 +12536,7 @@
           <p:cNvPr id="2" name="Title 1">
             <a:extLst>
               <a:ext uri="{FF2B5EF4-FFF2-40B4-BE49-F238E27FC236}">
-                <a16:creationId xmlns:a16="http://schemas.microsoft.com/office/drawing/2014/main" id="{30B167E0-41B6-4156-960F-F3709667BF36}"/>
+                <a16:creationId xmlns:a16="http://schemas.microsoft.com/office/drawing/2014/main" xmlns="" id="{D855BF2D-3D16-4DD1-A53B-008660D91B1B}"/>
               </a:ext>
             </a:extLst>
           </p:cNvPr>
@@ -12883,21 +12547,14 @@
             <p:ph type="title"/>
           </p:nvPr>
         </p:nvSpPr>
-        <p:spPr>
-          <a:xfrm>
-            <a:off x="677334" y="118678"/>
-            <a:ext cx="8596668" cy="655131"/>
-          </a:xfrm>
-        </p:spPr>
-        <p:txBody>
-          <a:bodyPr>
-            <a:normAutofit fontScale="90000"/>
-          </a:bodyPr>
-          <a:lstStyle/>
-          <a:p>
-            <a:r>
-              <a:rPr lang="en-US" dirty="0"/>
-              <a:t>HTML Input Types</a:t>
+        <p:spPr/>
+        <p:txBody>
+          <a:bodyPr/>
+          <a:lstStyle/>
+          <a:p>
+            <a:r>
+              <a:rPr lang="en-US" dirty="0"/>
+              <a:t>The Method Attribute</a:t>
             </a:r>
             <a:br>
               <a:rPr lang="en-US" dirty="0"/>
@@ -12911,7 +12568,7 @@
           <p:cNvPr id="4" name="Footer Placeholder 3">
             <a:extLst>
               <a:ext uri="{FF2B5EF4-FFF2-40B4-BE49-F238E27FC236}">
-                <a16:creationId xmlns:a16="http://schemas.microsoft.com/office/drawing/2014/main" id="{DCAB70FE-935C-4771-BC35-18D0B7DE3E34}"/>
+                <a16:creationId xmlns:a16="http://schemas.microsoft.com/office/drawing/2014/main" xmlns="" id="{23D91A8A-A721-4A8B-8730-477B863B50ED}"/>
               </a:ext>
             </a:extLst>
           </p:cNvPr>
@@ -12939,7 +12596,7 @@
           <p:cNvPr id="5" name="Rectangle 1">
             <a:extLst>
               <a:ext uri="{FF2B5EF4-FFF2-40B4-BE49-F238E27FC236}">
-                <a16:creationId xmlns:a16="http://schemas.microsoft.com/office/drawing/2014/main" id="{0955092A-EBB6-43DF-8177-3216862E1C2D}"/>
+                <a16:creationId xmlns:a16="http://schemas.microsoft.com/office/drawing/2014/main" xmlns="" id="{6A07C277-4F11-4205-901D-17C057E16340}"/>
               </a:ext>
             </a:extLst>
           </p:cNvPr>
@@ -12952,14 +12609,14 @@
         </p:nvSpPr>
         <p:spPr bwMode="auto">
           <a:xfrm>
-            <a:off x="677334" y="677585"/>
-            <a:ext cx="5418665" cy="6186309"/>
+            <a:off x="677334" y="1787130"/>
+            <a:ext cx="7659597" cy="2862322"/>
           </a:xfrm>
           <a:prstGeom prst="rect">
             <a:avLst/>
           </a:prstGeom>
           <a:solidFill>
-            <a:srgbClr val="F1F1F1"/>
+            <a:srgbClr val="FFFFFF"/>
           </a:solidFill>
           <a:ln>
             <a:noFill/>
@@ -12988,13 +12645,140 @@
           </a:extLst>
         </p:spPr>
         <p:txBody>
-          <a:bodyPr vert="horz" wrap="square" lIns="91440" tIns="45720" rIns="91440" bIns="45720" numCol="1" anchor="ctr" anchorCtr="0" compatLnSpc="1">
+          <a:bodyPr vert="horz" wrap="none" lIns="91440" tIns="45720" rIns="91440" bIns="45720" numCol="1" anchor="ctr" anchorCtr="0" compatLnSpc="1">
             <a:prstTxWarp prst="textNoShape">
               <a:avLst/>
             </a:prstTxWarp>
             <a:spAutoFit/>
           </a:bodyPr>
-          <a:lstStyle/>
+          <a:lstStyle>
+            <a:lvl1pPr eaLnBrk="0" fontAlgn="base" hangingPunct="0">
+              <a:spcBef>
+                <a:spcPct val="0"/>
+              </a:spcBef>
+              <a:spcAft>
+                <a:spcPct val="0"/>
+              </a:spcAft>
+              <a:defRPr>
+                <a:solidFill>
+                  <a:schemeClr val="tx1"/>
+                </a:solidFill>
+                <a:latin typeface="Arial" panose="020B0604020202020204" pitchFamily="34" charset="0"/>
+              </a:defRPr>
+            </a:lvl1pPr>
+            <a:lvl2pPr eaLnBrk="0" fontAlgn="base" hangingPunct="0">
+              <a:spcBef>
+                <a:spcPct val="0"/>
+              </a:spcBef>
+              <a:spcAft>
+                <a:spcPct val="0"/>
+              </a:spcAft>
+              <a:defRPr>
+                <a:solidFill>
+                  <a:schemeClr val="tx1"/>
+                </a:solidFill>
+                <a:latin typeface="Arial" panose="020B0604020202020204" pitchFamily="34" charset="0"/>
+              </a:defRPr>
+            </a:lvl2pPr>
+            <a:lvl3pPr eaLnBrk="0" fontAlgn="base" hangingPunct="0">
+              <a:spcBef>
+                <a:spcPct val="0"/>
+              </a:spcBef>
+              <a:spcAft>
+                <a:spcPct val="0"/>
+              </a:spcAft>
+              <a:defRPr>
+                <a:solidFill>
+                  <a:schemeClr val="tx1"/>
+                </a:solidFill>
+                <a:latin typeface="Arial" panose="020B0604020202020204" pitchFamily="34" charset="0"/>
+              </a:defRPr>
+            </a:lvl3pPr>
+            <a:lvl4pPr eaLnBrk="0" fontAlgn="base" hangingPunct="0">
+              <a:spcBef>
+                <a:spcPct val="0"/>
+              </a:spcBef>
+              <a:spcAft>
+                <a:spcPct val="0"/>
+              </a:spcAft>
+              <a:defRPr>
+                <a:solidFill>
+                  <a:schemeClr val="tx1"/>
+                </a:solidFill>
+                <a:latin typeface="Arial" panose="020B0604020202020204" pitchFamily="34" charset="0"/>
+              </a:defRPr>
+            </a:lvl4pPr>
+            <a:lvl5pPr eaLnBrk="0" fontAlgn="base" hangingPunct="0">
+              <a:spcBef>
+                <a:spcPct val="0"/>
+              </a:spcBef>
+              <a:spcAft>
+                <a:spcPct val="0"/>
+              </a:spcAft>
+              <a:defRPr>
+                <a:solidFill>
+                  <a:schemeClr val="tx1"/>
+                </a:solidFill>
+                <a:latin typeface="Arial" panose="020B0604020202020204" pitchFamily="34" charset="0"/>
+              </a:defRPr>
+            </a:lvl5pPr>
+            <a:lvl6pPr eaLnBrk="0" fontAlgn="base" hangingPunct="0">
+              <a:spcBef>
+                <a:spcPct val="0"/>
+              </a:spcBef>
+              <a:spcAft>
+                <a:spcPct val="0"/>
+              </a:spcAft>
+              <a:defRPr>
+                <a:solidFill>
+                  <a:schemeClr val="tx1"/>
+                </a:solidFill>
+                <a:latin typeface="Arial" panose="020B0604020202020204" pitchFamily="34" charset="0"/>
+              </a:defRPr>
+            </a:lvl6pPr>
+            <a:lvl7pPr eaLnBrk="0" fontAlgn="base" hangingPunct="0">
+              <a:spcBef>
+                <a:spcPct val="0"/>
+              </a:spcBef>
+              <a:spcAft>
+                <a:spcPct val="0"/>
+              </a:spcAft>
+              <a:defRPr>
+                <a:solidFill>
+                  <a:schemeClr val="tx1"/>
+                </a:solidFill>
+                <a:latin typeface="Arial" panose="020B0604020202020204" pitchFamily="34" charset="0"/>
+              </a:defRPr>
+            </a:lvl7pPr>
+            <a:lvl8pPr eaLnBrk="0" fontAlgn="base" hangingPunct="0">
+              <a:spcBef>
+                <a:spcPct val="0"/>
+              </a:spcBef>
+              <a:spcAft>
+                <a:spcPct val="0"/>
+              </a:spcAft>
+              <a:defRPr>
+                <a:solidFill>
+                  <a:schemeClr val="tx1"/>
+                </a:solidFill>
+                <a:latin typeface="Arial" panose="020B0604020202020204" pitchFamily="34" charset="0"/>
+              </a:defRPr>
+            </a:lvl8pPr>
+            <a:lvl9pPr eaLnBrk="0" fontAlgn="base" hangingPunct="0">
+              <a:spcBef>
+                <a:spcPct val="0"/>
+              </a:spcBef>
+              <a:spcAft>
+                <a:spcPct val="0"/>
+              </a:spcAft>
+              <a:defRPr>
+                <a:solidFill>
+                  <a:schemeClr val="tx1"/>
+                </a:solidFill>
+                <a:latin typeface="Arial" panose="020B0604020202020204" pitchFamily="34" charset="0"/>
+              </a:defRPr>
+            </a:lvl9pPr>
+          </a:lstStyle>
           <a:p>
             <a:pPr marL="0" marR="0" lvl="0" indent="0" algn="l" defTabSz="914400" rtl="0" eaLnBrk="0" fontAlgn="base" latinLnBrk="0" hangingPunct="0">
               <a:lnSpc>
@@ -13009,7 +12793,7 @@
               <a:buClrTx/>
               <a:buSzTx/>
               <a:buFontTx/>
-              <a:buChar char="•"/>
+              <a:buNone/>
               <a:tabLst/>
             </a:pPr>
             <a:r>
@@ -13018,22 +12802,181 @@
                   <a:noFill/>
                 </a:ln>
                 <a:solidFill>
+                  <a:srgbClr val="000000"/>
+                </a:solidFill>
+                <a:effectLst/>
+                <a:latin typeface="Verdana" panose="020B0604030504040204" pitchFamily="34" charset="0"/>
+              </a:rPr>
+              <a:t>The </a:t>
+            </a:r>
+            <a:r>
+              <a:rPr kumimoji="0" lang="en-US" altLang="en-US" b="0" i="0" u="none" strike="noStrike" cap="none" normalizeH="0" baseline="0" dirty="0">
+                <a:ln>
+                  <a:noFill/>
+                </a:ln>
+                <a:solidFill>
                   <a:srgbClr val="DC143C"/>
                 </a:solidFill>
                 <a:effectLst/>
                 <a:latin typeface="Consolas" panose="020B0609020204030204" pitchFamily="49" charset="0"/>
               </a:rPr>
-              <a:t>&lt;input type="button"&gt;</a:t>
-            </a:r>
+              <a:t>method</a:t>
+            </a:r>
+            <a:r>
+              <a:rPr kumimoji="0" lang="en-US" altLang="en-US" b="0" i="0" u="none" strike="noStrike" cap="none" normalizeH="0" baseline="0" dirty="0">
+                <a:ln>
+                  <a:noFill/>
+                </a:ln>
+                <a:solidFill>
+                  <a:srgbClr val="000000"/>
+                </a:solidFill>
+                <a:effectLst/>
+                <a:latin typeface="Verdana" panose="020B0604030504040204" pitchFamily="34" charset="0"/>
+              </a:rPr>
+              <a:t> attribute specifies the HTTP method (</a:t>
+            </a:r>
+            <a:r>
+              <a:rPr kumimoji="0" lang="en-US" altLang="en-US" b="1" i="0" u="none" strike="noStrike" cap="none" normalizeH="0" baseline="0" dirty="0">
+                <a:ln>
+                  <a:noFill/>
+                </a:ln>
+                <a:solidFill>
+                  <a:srgbClr val="000000"/>
+                </a:solidFill>
+                <a:effectLst/>
+                <a:latin typeface="Verdana" panose="020B0604030504040204" pitchFamily="34" charset="0"/>
+              </a:rPr>
+              <a:t>GET </a:t>
+            </a:r>
+            <a:r>
+              <a:rPr kumimoji="0" lang="en-US" altLang="en-US" b="0" i="0" u="none" strike="noStrike" cap="none" normalizeH="0" baseline="0" dirty="0">
+                <a:ln>
+                  <a:noFill/>
+                </a:ln>
+                <a:solidFill>
+                  <a:srgbClr val="000000"/>
+                </a:solidFill>
+                <a:effectLst/>
+                <a:latin typeface="Verdana" panose="020B0604030504040204" pitchFamily="34" charset="0"/>
+              </a:rPr>
+              <a:t>or </a:t>
+            </a:r>
+            <a:r>
+              <a:rPr kumimoji="0" lang="en-US" altLang="en-US" b="1" i="0" u="none" strike="noStrike" cap="none" normalizeH="0" baseline="0" dirty="0">
+                <a:ln>
+                  <a:noFill/>
+                </a:ln>
+                <a:solidFill>
+                  <a:srgbClr val="000000"/>
+                </a:solidFill>
+                <a:effectLst/>
+                <a:latin typeface="Verdana" panose="020B0604030504040204" pitchFamily="34" charset="0"/>
+              </a:rPr>
+              <a:t>POST</a:t>
+            </a:r>
+            <a:r>
+              <a:rPr kumimoji="0" lang="en-US" altLang="en-US" b="0" i="0" u="none" strike="noStrike" cap="none" normalizeH="0" baseline="0" dirty="0">
+                <a:ln>
+                  <a:noFill/>
+                </a:ln>
+                <a:solidFill>
+                  <a:srgbClr val="000000"/>
+                </a:solidFill>
+                <a:effectLst/>
+                <a:latin typeface="Verdana" panose="020B0604030504040204" pitchFamily="34" charset="0"/>
+              </a:rPr>
+              <a:t>) </a:t>
+            </a:r>
+          </a:p>
+          <a:p>
+            <a:pPr marL="0" marR="0" lvl="0" indent="0" algn="l" defTabSz="914400" rtl="0" eaLnBrk="0" fontAlgn="base" latinLnBrk="0" hangingPunct="0">
+              <a:lnSpc>
+                <a:spcPct val="100000"/>
+              </a:lnSpc>
+              <a:spcBef>
+                <a:spcPct val="0"/>
+              </a:spcBef>
+              <a:spcAft>
+                <a:spcPct val="0"/>
+              </a:spcAft>
+              <a:buClrTx/>
+              <a:buSzTx/>
+              <a:buFontTx/>
+              <a:buNone/>
+              <a:tabLst/>
+            </a:pPr>
+            <a:r>
+              <a:rPr kumimoji="0" lang="en-US" altLang="en-US" b="0" i="0" u="none" strike="noStrike" cap="none" normalizeH="0" baseline="0" dirty="0">
+                <a:ln>
+                  <a:noFill/>
+                </a:ln>
+                <a:solidFill>
+                  <a:srgbClr val="000000"/>
+                </a:solidFill>
+                <a:effectLst/>
+                <a:latin typeface="Verdana" panose="020B0604030504040204" pitchFamily="34" charset="0"/>
+              </a:rPr>
+              <a:t>to be used when submitting the form data:</a:t>
+            </a:r>
+            <a:r>
+              <a:rPr kumimoji="0" lang="en-US" altLang="en-US" b="0" i="0" u="none" strike="noStrike" cap="none" normalizeH="0" baseline="0" dirty="0">
+                <a:ln>
+                  <a:noFill/>
+                </a:ln>
+                <a:solidFill>
+                  <a:schemeClr val="tx1"/>
+                </a:solidFill>
+                <a:effectLst/>
+              </a:rPr>
+              <a:t> </a:t>
+            </a:r>
+          </a:p>
+          <a:p>
+            <a:pPr marL="0" marR="0" lvl="0" indent="0" algn="l" defTabSz="914400" rtl="0" eaLnBrk="0" fontAlgn="base" latinLnBrk="0" hangingPunct="0">
+              <a:lnSpc>
+                <a:spcPct val="100000"/>
+              </a:lnSpc>
+              <a:spcBef>
+                <a:spcPct val="0"/>
+              </a:spcBef>
+              <a:spcAft>
+                <a:spcPct val="0"/>
+              </a:spcAft>
+              <a:buClrTx/>
+              <a:buSzTx/>
+              <a:buFontTx/>
+              <a:buNone/>
+              <a:tabLst/>
+            </a:pPr>
+            <a:endParaRPr lang="en-US" altLang="en-US" dirty="0">
+              <a:latin typeface="Arial" panose="020B0604020202020204" pitchFamily="34" charset="0"/>
+            </a:endParaRPr>
+          </a:p>
+          <a:p>
+            <a:pPr marL="0" marR="0" lvl="0" indent="0" algn="l" defTabSz="914400" rtl="0" eaLnBrk="0" fontAlgn="base" latinLnBrk="0" hangingPunct="0">
+              <a:lnSpc>
+                <a:spcPct val="100000"/>
+              </a:lnSpc>
+              <a:spcBef>
+                <a:spcPct val="0"/>
+              </a:spcBef>
+              <a:spcAft>
+                <a:spcPct val="0"/>
+              </a:spcAft>
+              <a:buClrTx/>
+              <a:buSzTx/>
+              <a:buFontTx/>
+              <a:buNone/>
+              <a:tabLst/>
+            </a:pPr>
             <a:endParaRPr kumimoji="0" lang="en-US" altLang="en-US" b="0" i="0" u="none" strike="noStrike" cap="none" normalizeH="0" baseline="0" dirty="0">
               <a:ln>
                 <a:noFill/>
               </a:ln>
               <a:solidFill>
-                <a:srgbClr val="000000"/>
+                <a:schemeClr val="tx1"/>
               </a:solidFill>
               <a:effectLst/>
-              <a:latin typeface="Verdana" panose="020B0604030504040204" pitchFamily="34" charset="0"/>
             </a:endParaRPr>
           </a:p>
           <a:p>
@@ -13050,895 +12993,72 @@
               <a:buClrTx/>
               <a:buSzTx/>
               <a:buFontTx/>
-              <a:buChar char="•"/>
+              <a:buNone/>
               <a:tabLst/>
             </a:pPr>
-            <a:r>
-              <a:rPr kumimoji="0" lang="en-US" altLang="en-US" b="0" i="0" u="none" strike="noStrike" cap="none" normalizeH="0" baseline="0" dirty="0">
-                <a:ln>
-                  <a:noFill/>
-                </a:ln>
-                <a:solidFill>
-                  <a:srgbClr val="DC143C"/>
-                </a:solidFill>
-                <a:effectLst/>
-                <a:latin typeface="Consolas" panose="020B0609020204030204" pitchFamily="49" charset="0"/>
-              </a:rPr>
-              <a:t>&lt;input type="checkbox"&gt;</a:t>
-            </a:r>
+            <a:endParaRPr lang="en-US" altLang="en-US" dirty="0"/>
+          </a:p>
+          <a:p>
+            <a:pPr marL="0" marR="0" lvl="0" indent="0" algn="l" defTabSz="914400" rtl="0" eaLnBrk="0" fontAlgn="base" latinLnBrk="0" hangingPunct="0">
+              <a:lnSpc>
+                <a:spcPct val="100000"/>
+              </a:lnSpc>
+              <a:spcBef>
+                <a:spcPct val="0"/>
+              </a:spcBef>
+              <a:spcAft>
+                <a:spcPct val="0"/>
+              </a:spcAft>
+              <a:buClrTx/>
+              <a:buSzTx/>
+              <a:buFontTx/>
+              <a:buNone/>
+              <a:tabLst/>
+            </a:pPr>
             <a:endParaRPr kumimoji="0" lang="en-US" altLang="en-US" b="0" i="0" u="none" strike="noStrike" cap="none" normalizeH="0" baseline="0" dirty="0">
               <a:ln>
                 <a:noFill/>
               </a:ln>
               <a:solidFill>
-                <a:srgbClr val="000000"/>
+                <a:schemeClr val="tx1"/>
               </a:solidFill>
               <a:effectLst/>
-              <a:latin typeface="Verdana" panose="020B0604030504040204" pitchFamily="34" charset="0"/>
             </a:endParaRPr>
           </a:p>
           <a:p>
-            <a:pPr marL="0" marR="0" lvl="0" indent="0" algn="l" defTabSz="914400" rtl="0" eaLnBrk="0" fontAlgn="base" latinLnBrk="0" hangingPunct="0">
-              <a:lnSpc>
-                <a:spcPct val="100000"/>
-              </a:lnSpc>
-              <a:spcBef>
-                <a:spcPct val="0"/>
-              </a:spcBef>
-              <a:spcAft>
-                <a:spcPct val="0"/>
-              </a:spcAft>
+            <a:pPr marL="0" lvl="0" indent="0" defTabSz="914400">
               <a:buClrTx/>
               <a:buSzTx/>
-              <a:buFontTx/>
-              <a:buChar char="•"/>
-              <a:tabLst/>
+              <a:buNone/>
             </a:pPr>
             <a:r>
-              <a:rPr kumimoji="0" lang="en-US" altLang="en-US" b="0" i="0" u="none" strike="noStrike" cap="none" normalizeH="0" baseline="0" dirty="0">
-                <a:ln>
-                  <a:noFill/>
-                </a:ln>
-                <a:solidFill>
-                  <a:srgbClr val="DC143C"/>
-                </a:solidFill>
-                <a:effectLst/>
-                <a:latin typeface="Consolas" panose="020B0609020204030204" pitchFamily="49" charset="0"/>
-              </a:rPr>
-              <a:t>&lt;input type="color"&gt;</a:t>
-            </a:r>
-            <a:endParaRPr kumimoji="0" lang="en-US" altLang="en-US" b="0" i="0" u="none" strike="noStrike" cap="none" normalizeH="0" baseline="0" dirty="0">
-              <a:ln>
-                <a:noFill/>
-              </a:ln>
-              <a:solidFill>
-                <a:srgbClr val="000000"/>
-              </a:solidFill>
-              <a:effectLst/>
-              <a:latin typeface="Verdana" panose="020B0604030504040204" pitchFamily="34" charset="0"/>
-            </a:endParaRPr>
-          </a:p>
-          <a:p>
-            <a:pPr marL="0" marR="0" lvl="0" indent="0" algn="l" defTabSz="914400" rtl="0" eaLnBrk="0" fontAlgn="base" latinLnBrk="0" hangingPunct="0">
-              <a:lnSpc>
-                <a:spcPct val="100000"/>
-              </a:lnSpc>
-              <a:spcBef>
-                <a:spcPct val="0"/>
-              </a:spcBef>
-              <a:spcAft>
-                <a:spcPct val="0"/>
-              </a:spcAft>
+              <a:rPr lang="en-US" dirty="0"/>
+              <a:t>&lt;form action="/</a:t>
+            </a:r>
+            <a:r>
+              <a:rPr lang="en-US" dirty="0" err="1"/>
+              <a:t>action_page.php</a:t>
+            </a:r>
+            <a:r>
+              <a:rPr lang="en-US" dirty="0"/>
+              <a:t>" </a:t>
+            </a:r>
+            <a:r>
+              <a:rPr lang="en-US" b="1" dirty="0"/>
+              <a:t>method="get"</a:t>
+            </a:r>
+            <a:r>
+              <a:rPr lang="en-US" dirty="0"/>
+              <a:t>&gt;</a:t>
+            </a:r>
+          </a:p>
+          <a:p>
+            <a:pPr marL="0" lvl="0" indent="0" defTabSz="914400">
               <a:buClrTx/>
               <a:buSzTx/>
-              <a:buFontTx/>
-              <a:buChar char="•"/>
-              <a:tabLst/>
+              <a:buNone/>
             </a:pPr>
-            <a:r>
-              <a:rPr kumimoji="0" lang="en-US" altLang="en-US" b="0" i="0" u="none" strike="noStrike" cap="none" normalizeH="0" baseline="0" dirty="0">
-                <a:ln>
-                  <a:noFill/>
-                </a:ln>
-                <a:solidFill>
-                  <a:srgbClr val="DC143C"/>
-                </a:solidFill>
-                <a:effectLst/>
-                <a:latin typeface="Consolas" panose="020B0609020204030204" pitchFamily="49" charset="0"/>
-              </a:rPr>
-              <a:t>&lt;input type="date"&gt;</a:t>
-            </a:r>
             <a:endParaRPr kumimoji="0" lang="en-US" altLang="en-US" b="0" i="0" u="none" strike="noStrike" cap="none" normalizeH="0" baseline="0" dirty="0">
-              <a:ln>
-                <a:noFill/>
-              </a:ln>
-              <a:solidFill>
-                <a:srgbClr val="000000"/>
-              </a:solidFill>
-              <a:effectLst/>
-              <a:latin typeface="Verdana" panose="020B0604030504040204" pitchFamily="34" charset="0"/>
-            </a:endParaRPr>
-          </a:p>
-          <a:p>
-            <a:pPr marL="0" marR="0" lvl="0" indent="0" algn="l" defTabSz="914400" rtl="0" eaLnBrk="0" fontAlgn="base" latinLnBrk="0" hangingPunct="0">
-              <a:lnSpc>
-                <a:spcPct val="100000"/>
-              </a:lnSpc>
-              <a:spcBef>
-                <a:spcPct val="0"/>
-              </a:spcBef>
-              <a:spcAft>
-                <a:spcPct val="0"/>
-              </a:spcAft>
-              <a:buClrTx/>
-              <a:buSzTx/>
-              <a:buFontTx/>
-              <a:buChar char="•"/>
-              <a:tabLst/>
-            </a:pPr>
-            <a:r>
-              <a:rPr kumimoji="0" lang="en-US" altLang="en-US" b="0" i="0" u="none" strike="noStrike" cap="none" normalizeH="0" baseline="0" dirty="0">
-                <a:ln>
-                  <a:noFill/>
-                </a:ln>
-                <a:solidFill>
-                  <a:srgbClr val="DC143C"/>
-                </a:solidFill>
-                <a:effectLst/>
-                <a:latin typeface="Consolas" panose="020B0609020204030204" pitchFamily="49" charset="0"/>
-              </a:rPr>
-              <a:t>&lt;input type="datetime-local"&gt;</a:t>
-            </a:r>
-            <a:endParaRPr kumimoji="0" lang="en-US" altLang="en-US" b="0" i="0" u="none" strike="noStrike" cap="none" normalizeH="0" baseline="0" dirty="0">
-              <a:ln>
-                <a:noFill/>
-              </a:ln>
-              <a:solidFill>
-                <a:srgbClr val="000000"/>
-              </a:solidFill>
-              <a:effectLst/>
-              <a:latin typeface="Verdana" panose="020B0604030504040204" pitchFamily="34" charset="0"/>
-            </a:endParaRPr>
-          </a:p>
-          <a:p>
-            <a:pPr marL="0" marR="0" lvl="0" indent="0" algn="l" defTabSz="914400" rtl="0" eaLnBrk="0" fontAlgn="base" latinLnBrk="0" hangingPunct="0">
-              <a:lnSpc>
-                <a:spcPct val="100000"/>
-              </a:lnSpc>
-              <a:spcBef>
-                <a:spcPct val="0"/>
-              </a:spcBef>
-              <a:spcAft>
-                <a:spcPct val="0"/>
-              </a:spcAft>
-              <a:buClrTx/>
-              <a:buSzTx/>
-              <a:buFontTx/>
-              <a:buChar char="•"/>
-              <a:tabLst/>
-            </a:pPr>
-            <a:r>
-              <a:rPr kumimoji="0" lang="en-US" altLang="en-US" b="0" i="0" u="none" strike="noStrike" cap="none" normalizeH="0" baseline="0" dirty="0">
-                <a:ln>
-                  <a:noFill/>
-                </a:ln>
-                <a:solidFill>
-                  <a:srgbClr val="DC143C"/>
-                </a:solidFill>
-                <a:effectLst/>
-                <a:latin typeface="Consolas" panose="020B0609020204030204" pitchFamily="49" charset="0"/>
-              </a:rPr>
-              <a:t>&lt;input type="email"&gt;</a:t>
-            </a:r>
-            <a:endParaRPr kumimoji="0" lang="en-US" altLang="en-US" b="0" i="0" u="none" strike="noStrike" cap="none" normalizeH="0" baseline="0" dirty="0">
-              <a:ln>
-                <a:noFill/>
-              </a:ln>
-              <a:solidFill>
-                <a:srgbClr val="000000"/>
-              </a:solidFill>
-              <a:effectLst/>
-              <a:latin typeface="Verdana" panose="020B0604030504040204" pitchFamily="34" charset="0"/>
-            </a:endParaRPr>
-          </a:p>
-          <a:p>
-            <a:pPr marL="0" marR="0" lvl="0" indent="0" algn="l" defTabSz="914400" rtl="0" eaLnBrk="0" fontAlgn="base" latinLnBrk="0" hangingPunct="0">
-              <a:lnSpc>
-                <a:spcPct val="100000"/>
-              </a:lnSpc>
-              <a:spcBef>
-                <a:spcPct val="0"/>
-              </a:spcBef>
-              <a:spcAft>
-                <a:spcPct val="0"/>
-              </a:spcAft>
-              <a:buClrTx/>
-              <a:buSzTx/>
-              <a:buFontTx/>
-              <a:buChar char="•"/>
-              <a:tabLst/>
-            </a:pPr>
-            <a:r>
-              <a:rPr kumimoji="0" lang="en-US" altLang="en-US" b="0" i="0" u="none" strike="noStrike" cap="none" normalizeH="0" baseline="0" dirty="0">
-                <a:ln>
-                  <a:noFill/>
-                </a:ln>
-                <a:solidFill>
-                  <a:srgbClr val="DC143C"/>
-                </a:solidFill>
-                <a:effectLst/>
-                <a:latin typeface="Consolas" panose="020B0609020204030204" pitchFamily="49" charset="0"/>
-              </a:rPr>
-              <a:t>&lt;input type="file"&gt;</a:t>
-            </a:r>
-            <a:endParaRPr kumimoji="0" lang="en-US" altLang="en-US" b="0" i="0" u="none" strike="noStrike" cap="none" normalizeH="0" baseline="0" dirty="0">
-              <a:ln>
-                <a:noFill/>
-              </a:ln>
-              <a:solidFill>
-                <a:srgbClr val="000000"/>
-              </a:solidFill>
-              <a:effectLst/>
-              <a:latin typeface="Verdana" panose="020B0604030504040204" pitchFamily="34" charset="0"/>
-            </a:endParaRPr>
-          </a:p>
-          <a:p>
-            <a:pPr marL="0" marR="0" lvl="0" indent="0" algn="l" defTabSz="914400" rtl="0" eaLnBrk="0" fontAlgn="base" latinLnBrk="0" hangingPunct="0">
-              <a:lnSpc>
-                <a:spcPct val="100000"/>
-              </a:lnSpc>
-              <a:spcBef>
-                <a:spcPct val="0"/>
-              </a:spcBef>
-              <a:spcAft>
-                <a:spcPct val="0"/>
-              </a:spcAft>
-              <a:buClrTx/>
-              <a:buSzTx/>
-              <a:buFontTx/>
-              <a:buChar char="•"/>
-              <a:tabLst/>
-            </a:pPr>
-            <a:r>
-              <a:rPr kumimoji="0" lang="en-US" altLang="en-US" b="0" i="0" u="none" strike="noStrike" cap="none" normalizeH="0" baseline="0" dirty="0">
-                <a:ln>
-                  <a:noFill/>
-                </a:ln>
-                <a:solidFill>
-                  <a:srgbClr val="DC143C"/>
-                </a:solidFill>
-                <a:effectLst/>
-                <a:latin typeface="Consolas" panose="020B0609020204030204" pitchFamily="49" charset="0"/>
-              </a:rPr>
-              <a:t>&lt;input type="hidden"&gt;</a:t>
-            </a:r>
-            <a:endParaRPr kumimoji="0" lang="en-US" altLang="en-US" b="0" i="0" u="none" strike="noStrike" cap="none" normalizeH="0" baseline="0" dirty="0">
-              <a:ln>
-                <a:noFill/>
-              </a:ln>
-              <a:solidFill>
-                <a:srgbClr val="000000"/>
-              </a:solidFill>
-              <a:effectLst/>
-              <a:latin typeface="Verdana" panose="020B0604030504040204" pitchFamily="34" charset="0"/>
-            </a:endParaRPr>
-          </a:p>
-          <a:p>
-            <a:pPr marL="0" marR="0" lvl="0" indent="0" algn="l" defTabSz="914400" rtl="0" eaLnBrk="0" fontAlgn="base" latinLnBrk="0" hangingPunct="0">
-              <a:lnSpc>
-                <a:spcPct val="100000"/>
-              </a:lnSpc>
-              <a:spcBef>
-                <a:spcPct val="0"/>
-              </a:spcBef>
-              <a:spcAft>
-                <a:spcPct val="0"/>
-              </a:spcAft>
-              <a:buClrTx/>
-              <a:buSzTx/>
-              <a:buFontTx/>
-              <a:buChar char="•"/>
-              <a:tabLst/>
-            </a:pPr>
-            <a:r>
-              <a:rPr kumimoji="0" lang="en-US" altLang="en-US" b="0" i="0" u="none" strike="noStrike" cap="none" normalizeH="0" baseline="0" dirty="0">
-                <a:ln>
-                  <a:noFill/>
-                </a:ln>
-                <a:solidFill>
-                  <a:srgbClr val="DC143C"/>
-                </a:solidFill>
-                <a:effectLst/>
-                <a:latin typeface="Consolas" panose="020B0609020204030204" pitchFamily="49" charset="0"/>
-              </a:rPr>
-              <a:t>&lt;input type="image"&gt;</a:t>
-            </a:r>
-            <a:endParaRPr kumimoji="0" lang="en-US" altLang="en-US" b="0" i="0" u="none" strike="noStrike" cap="none" normalizeH="0" baseline="0" dirty="0">
-              <a:ln>
-                <a:noFill/>
-              </a:ln>
-              <a:solidFill>
-                <a:srgbClr val="000000"/>
-              </a:solidFill>
-              <a:effectLst/>
-              <a:latin typeface="Verdana" panose="020B0604030504040204" pitchFamily="34" charset="0"/>
-            </a:endParaRPr>
-          </a:p>
-          <a:p>
-            <a:pPr marL="0" marR="0" lvl="0" indent="0" algn="l" defTabSz="914400" rtl="0" eaLnBrk="0" fontAlgn="base" latinLnBrk="0" hangingPunct="0">
-              <a:lnSpc>
-                <a:spcPct val="100000"/>
-              </a:lnSpc>
-              <a:spcBef>
-                <a:spcPct val="0"/>
-              </a:spcBef>
-              <a:spcAft>
-                <a:spcPct val="0"/>
-              </a:spcAft>
-              <a:buClrTx/>
-              <a:buSzTx/>
-              <a:buFontTx/>
-              <a:buChar char="•"/>
-              <a:tabLst/>
-            </a:pPr>
-            <a:r>
-              <a:rPr kumimoji="0" lang="en-US" altLang="en-US" b="0" i="0" u="none" strike="noStrike" cap="none" normalizeH="0" baseline="0" dirty="0">
-                <a:ln>
-                  <a:noFill/>
-                </a:ln>
-                <a:solidFill>
-                  <a:srgbClr val="DC143C"/>
-                </a:solidFill>
-                <a:effectLst/>
-                <a:latin typeface="Consolas" panose="020B0609020204030204" pitchFamily="49" charset="0"/>
-              </a:rPr>
-              <a:t>&lt;input type="month"&gt;</a:t>
-            </a:r>
-            <a:endParaRPr kumimoji="0" lang="en-US" altLang="en-US" b="0" i="0" u="none" strike="noStrike" cap="none" normalizeH="0" baseline="0" dirty="0">
-              <a:ln>
-                <a:noFill/>
-              </a:ln>
-              <a:solidFill>
-                <a:srgbClr val="000000"/>
-              </a:solidFill>
-              <a:effectLst/>
-              <a:latin typeface="Verdana" panose="020B0604030504040204" pitchFamily="34" charset="0"/>
-            </a:endParaRPr>
-          </a:p>
-          <a:p>
-            <a:pPr marL="0" marR="0" lvl="0" indent="0" algn="l" defTabSz="914400" rtl="0" eaLnBrk="0" fontAlgn="base" latinLnBrk="0" hangingPunct="0">
-              <a:lnSpc>
-                <a:spcPct val="100000"/>
-              </a:lnSpc>
-              <a:spcBef>
-                <a:spcPct val="0"/>
-              </a:spcBef>
-              <a:spcAft>
-                <a:spcPct val="0"/>
-              </a:spcAft>
-              <a:buClrTx/>
-              <a:buSzTx/>
-              <a:buFontTx/>
-              <a:buChar char="•"/>
-              <a:tabLst/>
-            </a:pPr>
-            <a:r>
-              <a:rPr kumimoji="0" lang="en-US" altLang="en-US" b="0" i="0" u="none" strike="noStrike" cap="none" normalizeH="0" baseline="0" dirty="0">
-                <a:ln>
-                  <a:noFill/>
-                </a:ln>
-                <a:solidFill>
-                  <a:srgbClr val="DC143C"/>
-                </a:solidFill>
-                <a:effectLst/>
-                <a:latin typeface="Consolas" panose="020B0609020204030204" pitchFamily="49" charset="0"/>
-              </a:rPr>
-              <a:t>&lt;input type="number"&gt;</a:t>
-            </a:r>
-            <a:endParaRPr kumimoji="0" lang="en-US" altLang="en-US" b="0" i="0" u="none" strike="noStrike" cap="none" normalizeH="0" baseline="0" dirty="0">
-              <a:ln>
-                <a:noFill/>
-              </a:ln>
-              <a:solidFill>
-                <a:srgbClr val="000000"/>
-              </a:solidFill>
-              <a:effectLst/>
-              <a:latin typeface="Verdana" panose="020B0604030504040204" pitchFamily="34" charset="0"/>
-            </a:endParaRPr>
-          </a:p>
-          <a:p>
-            <a:pPr marL="0" marR="0" lvl="0" indent="0" algn="l" defTabSz="914400" rtl="0" eaLnBrk="0" fontAlgn="base" latinLnBrk="0" hangingPunct="0">
-              <a:lnSpc>
-                <a:spcPct val="100000"/>
-              </a:lnSpc>
-              <a:spcBef>
-                <a:spcPct val="0"/>
-              </a:spcBef>
-              <a:spcAft>
-                <a:spcPct val="0"/>
-              </a:spcAft>
-              <a:buClrTx/>
-              <a:buSzTx/>
-              <a:buFontTx/>
-              <a:buChar char="•"/>
-              <a:tabLst/>
-            </a:pPr>
-            <a:r>
-              <a:rPr kumimoji="0" lang="en-US" altLang="en-US" b="0" i="0" u="none" strike="noStrike" cap="none" normalizeH="0" baseline="0" dirty="0">
-                <a:ln>
-                  <a:noFill/>
-                </a:ln>
-                <a:solidFill>
-                  <a:srgbClr val="DC143C"/>
-                </a:solidFill>
-                <a:effectLst/>
-                <a:latin typeface="Consolas" panose="020B0609020204030204" pitchFamily="49" charset="0"/>
-              </a:rPr>
-              <a:t>&lt;input type="password"&gt;</a:t>
-            </a:r>
-            <a:endParaRPr kumimoji="0" lang="en-US" altLang="en-US" b="0" i="0" u="none" strike="noStrike" cap="none" normalizeH="0" baseline="0" dirty="0">
-              <a:ln>
-                <a:noFill/>
-              </a:ln>
-              <a:solidFill>
-                <a:srgbClr val="000000"/>
-              </a:solidFill>
-              <a:effectLst/>
-              <a:latin typeface="Verdana" panose="020B0604030504040204" pitchFamily="34" charset="0"/>
-            </a:endParaRPr>
-          </a:p>
-          <a:p>
-            <a:pPr marL="0" marR="0" lvl="0" indent="0" algn="l" defTabSz="914400" rtl="0" eaLnBrk="0" fontAlgn="base" latinLnBrk="0" hangingPunct="0">
-              <a:lnSpc>
-                <a:spcPct val="100000"/>
-              </a:lnSpc>
-              <a:spcBef>
-                <a:spcPct val="0"/>
-              </a:spcBef>
-              <a:spcAft>
-                <a:spcPct val="0"/>
-              </a:spcAft>
-              <a:buClrTx/>
-              <a:buSzTx/>
-              <a:buFontTx/>
-              <a:buChar char="•"/>
-              <a:tabLst/>
-            </a:pPr>
-            <a:r>
-              <a:rPr kumimoji="0" lang="en-US" altLang="en-US" b="0" i="0" u="none" strike="noStrike" cap="none" normalizeH="0" baseline="0" dirty="0">
-                <a:ln>
-                  <a:noFill/>
-                </a:ln>
-                <a:solidFill>
-                  <a:srgbClr val="DC143C"/>
-                </a:solidFill>
-                <a:effectLst/>
-                <a:latin typeface="Consolas" panose="020B0609020204030204" pitchFamily="49" charset="0"/>
-              </a:rPr>
-              <a:t>&lt;input type="radio"&gt;</a:t>
-            </a:r>
-            <a:endParaRPr kumimoji="0" lang="en-US" altLang="en-US" b="0" i="0" u="none" strike="noStrike" cap="none" normalizeH="0" baseline="0" dirty="0">
-              <a:ln>
-                <a:noFill/>
-              </a:ln>
-              <a:solidFill>
-                <a:srgbClr val="000000"/>
-              </a:solidFill>
-              <a:effectLst/>
-              <a:latin typeface="Verdana" panose="020B0604030504040204" pitchFamily="34" charset="0"/>
-            </a:endParaRPr>
-          </a:p>
-          <a:p>
-            <a:pPr marL="0" marR="0" lvl="0" indent="0" algn="l" defTabSz="914400" rtl="0" eaLnBrk="0" fontAlgn="base" latinLnBrk="0" hangingPunct="0">
-              <a:lnSpc>
-                <a:spcPct val="100000"/>
-              </a:lnSpc>
-              <a:spcBef>
-                <a:spcPct val="0"/>
-              </a:spcBef>
-              <a:spcAft>
-                <a:spcPct val="0"/>
-              </a:spcAft>
-              <a:buClrTx/>
-              <a:buSzTx/>
-              <a:buFontTx/>
-              <a:buChar char="•"/>
-              <a:tabLst/>
-            </a:pPr>
-            <a:r>
-              <a:rPr kumimoji="0" lang="en-US" altLang="en-US" b="0" i="0" u="none" strike="noStrike" cap="none" normalizeH="0" baseline="0" dirty="0">
-                <a:ln>
-                  <a:noFill/>
-                </a:ln>
-                <a:solidFill>
-                  <a:srgbClr val="DC143C"/>
-                </a:solidFill>
-                <a:effectLst/>
-                <a:latin typeface="Consolas" panose="020B0609020204030204" pitchFamily="49" charset="0"/>
-              </a:rPr>
-              <a:t>&lt;input type="range"&gt;</a:t>
-            </a:r>
-            <a:endParaRPr kumimoji="0" lang="en-US" altLang="en-US" b="0" i="0" u="none" strike="noStrike" cap="none" normalizeH="0" baseline="0" dirty="0">
-              <a:ln>
-                <a:noFill/>
-              </a:ln>
-              <a:solidFill>
-                <a:srgbClr val="000000"/>
-              </a:solidFill>
-              <a:effectLst/>
-              <a:latin typeface="Verdana" panose="020B0604030504040204" pitchFamily="34" charset="0"/>
-            </a:endParaRPr>
-          </a:p>
-          <a:p>
-            <a:pPr marL="0" marR="0" lvl="0" indent="0" algn="l" defTabSz="914400" rtl="0" eaLnBrk="0" fontAlgn="base" latinLnBrk="0" hangingPunct="0">
-              <a:lnSpc>
-                <a:spcPct val="100000"/>
-              </a:lnSpc>
-              <a:spcBef>
-                <a:spcPct val="0"/>
-              </a:spcBef>
-              <a:spcAft>
-                <a:spcPct val="0"/>
-              </a:spcAft>
-              <a:buClrTx/>
-              <a:buSzTx/>
-              <a:buFontTx/>
-              <a:buChar char="•"/>
-              <a:tabLst/>
-            </a:pPr>
-            <a:r>
-              <a:rPr kumimoji="0" lang="en-US" altLang="en-US" b="0" i="0" u="none" strike="noStrike" cap="none" normalizeH="0" baseline="0" dirty="0">
-                <a:ln>
-                  <a:noFill/>
-                </a:ln>
-                <a:solidFill>
-                  <a:srgbClr val="DC143C"/>
-                </a:solidFill>
-                <a:effectLst/>
-                <a:latin typeface="Consolas" panose="020B0609020204030204" pitchFamily="49" charset="0"/>
-              </a:rPr>
-              <a:t>&lt;input type="reset"&gt;</a:t>
-            </a:r>
-            <a:endParaRPr kumimoji="0" lang="en-US" altLang="en-US" b="0" i="0" u="none" strike="noStrike" cap="none" normalizeH="0" baseline="0" dirty="0">
-              <a:ln>
-                <a:noFill/>
-              </a:ln>
-              <a:solidFill>
-                <a:srgbClr val="000000"/>
-              </a:solidFill>
-              <a:effectLst/>
-              <a:latin typeface="Verdana" panose="020B0604030504040204" pitchFamily="34" charset="0"/>
-            </a:endParaRPr>
-          </a:p>
-          <a:p>
-            <a:pPr marL="0" marR="0" lvl="0" indent="0" algn="l" defTabSz="914400" rtl="0" eaLnBrk="0" fontAlgn="base" latinLnBrk="0" hangingPunct="0">
-              <a:lnSpc>
-                <a:spcPct val="100000"/>
-              </a:lnSpc>
-              <a:spcBef>
-                <a:spcPct val="0"/>
-              </a:spcBef>
-              <a:spcAft>
-                <a:spcPct val="0"/>
-              </a:spcAft>
-              <a:buClrTx/>
-              <a:buSzTx/>
-              <a:buFontTx/>
-              <a:buChar char="•"/>
-              <a:tabLst/>
-            </a:pPr>
-            <a:r>
-              <a:rPr kumimoji="0" lang="en-US" altLang="en-US" b="0" i="0" u="none" strike="noStrike" cap="none" normalizeH="0" baseline="0" dirty="0">
-                <a:ln>
-                  <a:noFill/>
-                </a:ln>
-                <a:solidFill>
-                  <a:srgbClr val="DC143C"/>
-                </a:solidFill>
-                <a:effectLst/>
-                <a:latin typeface="Consolas" panose="020B0609020204030204" pitchFamily="49" charset="0"/>
-              </a:rPr>
-              <a:t>&lt;input type="search"&gt;</a:t>
-            </a:r>
-            <a:endParaRPr kumimoji="0" lang="en-US" altLang="en-US" b="0" i="0" u="none" strike="noStrike" cap="none" normalizeH="0" baseline="0" dirty="0">
-              <a:ln>
-                <a:noFill/>
-              </a:ln>
-              <a:solidFill>
-                <a:srgbClr val="000000"/>
-              </a:solidFill>
-              <a:effectLst/>
-              <a:latin typeface="Verdana" panose="020B0604030504040204" pitchFamily="34" charset="0"/>
-            </a:endParaRPr>
-          </a:p>
-          <a:p>
-            <a:pPr marL="0" marR="0" lvl="0" indent="0" algn="l" defTabSz="914400" rtl="0" eaLnBrk="0" fontAlgn="base" latinLnBrk="0" hangingPunct="0">
-              <a:lnSpc>
-                <a:spcPct val="100000"/>
-              </a:lnSpc>
-              <a:spcBef>
-                <a:spcPct val="0"/>
-              </a:spcBef>
-              <a:spcAft>
-                <a:spcPct val="0"/>
-              </a:spcAft>
-              <a:buClrTx/>
-              <a:buSzTx/>
-              <a:buFontTx/>
-              <a:buChar char="•"/>
-              <a:tabLst/>
-            </a:pPr>
-            <a:r>
-              <a:rPr kumimoji="0" lang="en-US" altLang="en-US" b="0" i="0" u="none" strike="noStrike" cap="none" normalizeH="0" baseline="0" dirty="0">
-                <a:ln>
-                  <a:noFill/>
-                </a:ln>
-                <a:solidFill>
-                  <a:srgbClr val="DC143C"/>
-                </a:solidFill>
-                <a:effectLst/>
-                <a:latin typeface="Consolas" panose="020B0609020204030204" pitchFamily="49" charset="0"/>
-              </a:rPr>
-              <a:t>&lt;input type="submit"&gt;</a:t>
-            </a:r>
-            <a:endParaRPr kumimoji="0" lang="en-US" altLang="en-US" b="0" i="0" u="none" strike="noStrike" cap="none" normalizeH="0" baseline="0" dirty="0">
-              <a:ln>
-                <a:noFill/>
-              </a:ln>
-              <a:solidFill>
-                <a:srgbClr val="000000"/>
-              </a:solidFill>
-              <a:effectLst/>
-              <a:latin typeface="Verdana" panose="020B0604030504040204" pitchFamily="34" charset="0"/>
-            </a:endParaRPr>
-          </a:p>
-          <a:p>
-            <a:pPr marL="0" marR="0" lvl="0" indent="0" algn="l" defTabSz="914400" rtl="0" eaLnBrk="0" fontAlgn="base" latinLnBrk="0" hangingPunct="0">
-              <a:lnSpc>
-                <a:spcPct val="100000"/>
-              </a:lnSpc>
-              <a:spcBef>
-                <a:spcPct val="0"/>
-              </a:spcBef>
-              <a:spcAft>
-                <a:spcPct val="0"/>
-              </a:spcAft>
-              <a:buClrTx/>
-              <a:buSzTx/>
-              <a:buFontTx/>
-              <a:buChar char="•"/>
-              <a:tabLst/>
-            </a:pPr>
-            <a:r>
-              <a:rPr kumimoji="0" lang="en-US" altLang="en-US" b="0" i="0" u="none" strike="noStrike" cap="none" normalizeH="0" baseline="0" dirty="0">
-                <a:ln>
-                  <a:noFill/>
-                </a:ln>
-                <a:solidFill>
-                  <a:srgbClr val="DC143C"/>
-                </a:solidFill>
-                <a:effectLst/>
-                <a:latin typeface="Consolas" panose="020B0609020204030204" pitchFamily="49" charset="0"/>
-              </a:rPr>
-              <a:t>&lt;input type="</a:t>
-            </a:r>
-            <a:r>
-              <a:rPr kumimoji="0" lang="en-US" altLang="en-US" b="0" i="0" u="none" strike="noStrike" cap="none" normalizeH="0" baseline="0" dirty="0" err="1">
-                <a:ln>
-                  <a:noFill/>
-                </a:ln>
-                <a:solidFill>
-                  <a:srgbClr val="DC143C"/>
-                </a:solidFill>
-                <a:effectLst/>
-                <a:latin typeface="Consolas" panose="020B0609020204030204" pitchFamily="49" charset="0"/>
-              </a:rPr>
-              <a:t>tel</a:t>
-            </a:r>
-            <a:r>
-              <a:rPr kumimoji="0" lang="en-US" altLang="en-US" b="0" i="0" u="none" strike="noStrike" cap="none" normalizeH="0" baseline="0" dirty="0">
-                <a:ln>
-                  <a:noFill/>
-                </a:ln>
-                <a:solidFill>
-                  <a:srgbClr val="DC143C"/>
-                </a:solidFill>
-                <a:effectLst/>
-                <a:latin typeface="Consolas" panose="020B0609020204030204" pitchFamily="49" charset="0"/>
-              </a:rPr>
-              <a:t>"&gt;</a:t>
-            </a:r>
-            <a:endParaRPr kumimoji="0" lang="en-US" altLang="en-US" b="0" i="0" u="none" strike="noStrike" cap="none" normalizeH="0" baseline="0" dirty="0">
-              <a:ln>
-                <a:noFill/>
-              </a:ln>
-              <a:solidFill>
-                <a:srgbClr val="000000"/>
-              </a:solidFill>
-              <a:effectLst/>
-              <a:latin typeface="Verdana" panose="020B0604030504040204" pitchFamily="34" charset="0"/>
-            </a:endParaRPr>
-          </a:p>
-          <a:p>
-            <a:pPr marL="0" marR="0" lvl="0" indent="0" algn="l" defTabSz="914400" rtl="0" eaLnBrk="0" fontAlgn="base" latinLnBrk="0" hangingPunct="0">
-              <a:lnSpc>
-                <a:spcPct val="100000"/>
-              </a:lnSpc>
-              <a:spcBef>
-                <a:spcPct val="0"/>
-              </a:spcBef>
-              <a:spcAft>
-                <a:spcPct val="0"/>
-              </a:spcAft>
-              <a:buClrTx/>
-              <a:buSzTx/>
-              <a:buFontTx/>
-              <a:buChar char="•"/>
-              <a:tabLst/>
-            </a:pPr>
-            <a:r>
-              <a:rPr kumimoji="0" lang="en-US" altLang="en-US" b="0" i="0" u="none" strike="noStrike" cap="none" normalizeH="0" baseline="0" dirty="0">
-                <a:ln>
-                  <a:noFill/>
-                </a:ln>
-                <a:solidFill>
-                  <a:srgbClr val="DC143C"/>
-                </a:solidFill>
-                <a:effectLst/>
-                <a:latin typeface="Consolas" panose="020B0609020204030204" pitchFamily="49" charset="0"/>
-              </a:rPr>
-              <a:t>&lt;input type="text"&gt;</a:t>
-            </a:r>
-            <a:endParaRPr kumimoji="0" lang="en-US" altLang="en-US" b="0" i="0" u="none" strike="noStrike" cap="none" normalizeH="0" baseline="0" dirty="0">
-              <a:ln>
-                <a:noFill/>
-              </a:ln>
-              <a:solidFill>
-                <a:srgbClr val="000000"/>
-              </a:solidFill>
-              <a:effectLst/>
-              <a:latin typeface="Verdana" panose="020B0604030504040204" pitchFamily="34" charset="0"/>
-            </a:endParaRPr>
-          </a:p>
-          <a:p>
-            <a:pPr marL="0" marR="0" lvl="0" indent="0" algn="l" defTabSz="914400" rtl="0" eaLnBrk="0" fontAlgn="base" latinLnBrk="0" hangingPunct="0">
-              <a:lnSpc>
-                <a:spcPct val="100000"/>
-              </a:lnSpc>
-              <a:spcBef>
-                <a:spcPct val="0"/>
-              </a:spcBef>
-              <a:spcAft>
-                <a:spcPct val="0"/>
-              </a:spcAft>
-              <a:buClrTx/>
-              <a:buSzTx/>
-              <a:buFontTx/>
-              <a:buChar char="•"/>
-              <a:tabLst/>
-            </a:pPr>
-            <a:r>
-              <a:rPr kumimoji="0" lang="en-US" altLang="en-US" b="0" i="0" u="none" strike="noStrike" cap="none" normalizeH="0" baseline="0" dirty="0">
-                <a:ln>
-                  <a:noFill/>
-                </a:ln>
-                <a:solidFill>
-                  <a:srgbClr val="DC143C"/>
-                </a:solidFill>
-                <a:effectLst/>
-                <a:latin typeface="Consolas" panose="020B0609020204030204" pitchFamily="49" charset="0"/>
-              </a:rPr>
-              <a:t>&lt;input type="time"&gt;</a:t>
-            </a:r>
-            <a:endParaRPr kumimoji="0" lang="en-US" altLang="en-US" b="0" i="0" u="none" strike="noStrike" cap="none" normalizeH="0" baseline="0" dirty="0">
-              <a:ln>
-                <a:noFill/>
-              </a:ln>
-              <a:solidFill>
-                <a:srgbClr val="000000"/>
-              </a:solidFill>
-              <a:effectLst/>
-              <a:latin typeface="Verdana" panose="020B0604030504040204" pitchFamily="34" charset="0"/>
-            </a:endParaRPr>
-          </a:p>
-          <a:p>
-            <a:pPr marL="0" marR="0" lvl="0" indent="0" algn="l" defTabSz="914400" rtl="0" eaLnBrk="0" fontAlgn="base" latinLnBrk="0" hangingPunct="0">
-              <a:lnSpc>
-                <a:spcPct val="100000"/>
-              </a:lnSpc>
-              <a:spcBef>
-                <a:spcPct val="0"/>
-              </a:spcBef>
-              <a:spcAft>
-                <a:spcPct val="0"/>
-              </a:spcAft>
-              <a:buClrTx/>
-              <a:buSzTx/>
-              <a:buFontTx/>
-              <a:buChar char="•"/>
-              <a:tabLst/>
-            </a:pPr>
-            <a:r>
-              <a:rPr kumimoji="0" lang="en-US" altLang="en-US" b="0" i="0" u="none" strike="noStrike" cap="none" normalizeH="0" baseline="0" dirty="0">
-                <a:ln>
-                  <a:noFill/>
-                </a:ln>
-                <a:solidFill>
-                  <a:srgbClr val="DC143C"/>
-                </a:solidFill>
-                <a:effectLst/>
-                <a:latin typeface="Consolas" panose="020B0609020204030204" pitchFamily="49" charset="0"/>
-              </a:rPr>
-              <a:t>&lt;input type="</a:t>
-            </a:r>
-            <a:r>
-              <a:rPr kumimoji="0" lang="en-US" altLang="en-US" b="0" i="0" u="none" strike="noStrike" cap="none" normalizeH="0" baseline="0" dirty="0" err="1">
-                <a:ln>
-                  <a:noFill/>
-                </a:ln>
-                <a:solidFill>
-                  <a:srgbClr val="DC143C"/>
-                </a:solidFill>
-                <a:effectLst/>
-                <a:latin typeface="Consolas" panose="020B0609020204030204" pitchFamily="49" charset="0"/>
-              </a:rPr>
-              <a:t>url</a:t>
-            </a:r>
-            <a:r>
-              <a:rPr kumimoji="0" lang="en-US" altLang="en-US" b="0" i="0" u="none" strike="noStrike" cap="none" normalizeH="0" baseline="0" dirty="0">
-                <a:ln>
-                  <a:noFill/>
-                </a:ln>
-                <a:solidFill>
-                  <a:srgbClr val="DC143C"/>
-                </a:solidFill>
-                <a:effectLst/>
-                <a:latin typeface="Consolas" panose="020B0609020204030204" pitchFamily="49" charset="0"/>
-              </a:rPr>
-              <a:t>"&gt;</a:t>
-            </a:r>
-            <a:endParaRPr kumimoji="0" lang="en-US" altLang="en-US" b="0" i="0" u="none" strike="noStrike" cap="none" normalizeH="0" baseline="0" dirty="0">
-              <a:ln>
-                <a:noFill/>
-              </a:ln>
-              <a:solidFill>
-                <a:srgbClr val="000000"/>
-              </a:solidFill>
-              <a:effectLst/>
-              <a:latin typeface="Verdana" panose="020B0604030504040204" pitchFamily="34" charset="0"/>
-            </a:endParaRPr>
-          </a:p>
-          <a:p>
-            <a:pPr marL="0" marR="0" lvl="0" indent="0" algn="l" defTabSz="914400" rtl="0" eaLnBrk="0" fontAlgn="base" latinLnBrk="0" hangingPunct="0">
-              <a:lnSpc>
-                <a:spcPct val="100000"/>
-              </a:lnSpc>
-              <a:spcBef>
-                <a:spcPct val="0"/>
-              </a:spcBef>
-              <a:spcAft>
-                <a:spcPct val="0"/>
-              </a:spcAft>
-              <a:buClrTx/>
-              <a:buSzTx/>
-              <a:buFontTx/>
-              <a:buChar char="•"/>
-              <a:tabLst/>
-            </a:pPr>
-            <a:r>
-              <a:rPr kumimoji="0" lang="en-US" altLang="en-US" b="0" i="0" u="none" strike="noStrike" cap="none" normalizeH="0" baseline="0" dirty="0">
-                <a:ln>
-                  <a:noFill/>
-                </a:ln>
-                <a:solidFill>
-                  <a:srgbClr val="DC143C"/>
-                </a:solidFill>
-                <a:effectLst/>
-                <a:latin typeface="Consolas" panose="020B0609020204030204" pitchFamily="49" charset="0"/>
-              </a:rPr>
-              <a:t>&lt;input type="week"&gt;</a:t>
-            </a:r>
-            <a:endParaRPr kumimoji="0" lang="en-US" altLang="en-US" sz="1800" b="0" i="0" u="none" strike="noStrike" cap="none" normalizeH="0" baseline="0" dirty="0">
               <a:ln>
                 <a:noFill/>
               </a:ln>
@@ -13949,12 +13069,57 @@
               <a:latin typeface="Arial" panose="020B0604020202020204" pitchFamily="34" charset="0"/>
             </a:endParaRPr>
           </a:p>
+          <a:p>
+            <a:pPr marL="0" lvl="0" indent="0" defTabSz="914400">
+              <a:buClrTx/>
+              <a:buSzTx/>
+              <a:buNone/>
+            </a:pPr>
+            <a:endParaRPr lang="en-US" altLang="en-US" dirty="0"/>
+          </a:p>
+          <a:p>
+            <a:pPr marL="0" lvl="0" indent="0" defTabSz="914400">
+              <a:buClrTx/>
+              <a:buSzTx/>
+              <a:buNone/>
+            </a:pPr>
+            <a:r>
+              <a:rPr lang="en-US" dirty="0"/>
+              <a:t>&lt;form action="/</a:t>
+            </a:r>
+            <a:r>
+              <a:rPr lang="en-US" dirty="0" err="1"/>
+              <a:t>action_page.php</a:t>
+            </a:r>
+            <a:r>
+              <a:rPr lang="en-US" dirty="0"/>
+              <a:t>" </a:t>
+            </a:r>
+            <a:r>
+              <a:rPr lang="en-US" b="1" dirty="0"/>
+              <a:t>method="post"</a:t>
+            </a:r>
+            <a:r>
+              <a:rPr lang="en-US" dirty="0"/>
+              <a:t>&gt;</a:t>
+            </a:r>
+            <a:endParaRPr kumimoji="0" lang="en-US" altLang="en-US" b="0" i="0" u="none" strike="noStrike" cap="none" normalizeH="0" baseline="0" dirty="0">
+              <a:ln>
+                <a:noFill/>
+              </a:ln>
+              <a:solidFill>
+                <a:schemeClr val="tx1"/>
+              </a:solidFill>
+              <a:effectLst/>
+              <a:latin typeface="Arial" panose="020B0604020202020204" pitchFamily="34" charset="0"/>
+            </a:endParaRPr>
+          </a:p>
         </p:txBody>
       </p:sp>
     </p:spTree>
     <p:extLst>
       <p:ext uri="{BB962C8B-B14F-4D97-AF65-F5344CB8AC3E}">
-        <p14:creationId xmlns:p14="http://schemas.microsoft.com/office/powerpoint/2010/main" val="2565619750"/>
+        <p14:creationId xmlns:p14="http://schemas.microsoft.com/office/powerpoint/2010/main" val="3885122093"/>
       </p:ext>
     </p:extLst>
   </p:cSld>
@@ -13986,7 +13151,7 @@
           <p:cNvPr id="2" name="Title 1">
             <a:extLst>
               <a:ext uri="{FF2B5EF4-FFF2-40B4-BE49-F238E27FC236}">
-                <a16:creationId xmlns:a16="http://schemas.microsoft.com/office/drawing/2014/main" id="{89F18F09-FE17-407A-B5D6-B603822097A7}"/>
+                <a16:creationId xmlns:a16="http://schemas.microsoft.com/office/drawing/2014/main" xmlns="" id="{4D0B0EA8-AFB0-4578-A4D3-4BDA548B7248}"/>
               </a:ext>
             </a:extLst>
           </p:cNvPr>
@@ -13999,21 +13164,12 @@
         </p:nvSpPr>
         <p:spPr/>
         <p:txBody>
-          <a:bodyPr>
-            <a:normAutofit fontScale="90000"/>
-          </a:bodyPr>
-          <a:lstStyle/>
-          <a:p>
-            <a:r>
-              <a:rPr lang="en-US" dirty="0"/>
-              <a:t>HTML5 Introduction</a:t>
-            </a:r>
-            <a:br>
-              <a:rPr lang="en-US" dirty="0"/>
-            </a:br>
-            <a:r>
-              <a:rPr lang="en-US" dirty="0"/>
-              <a:t>What is New in HTML5?</a:t>
+          <a:bodyPr/>
+          <a:lstStyle/>
+          <a:p>
+            <a:r>
+              <a:rPr lang="en-US" dirty="0"/>
+              <a:t>When to Use GET?</a:t>
             </a:r>
             <a:br>
               <a:rPr lang="en-US" dirty="0"/>
@@ -14027,7 +13183,7 @@
           <p:cNvPr id="3" name="Content Placeholder 2">
             <a:extLst>
               <a:ext uri="{FF2B5EF4-FFF2-40B4-BE49-F238E27FC236}">
-                <a16:creationId xmlns:a16="http://schemas.microsoft.com/office/drawing/2014/main" id="{F0086DA0-135E-42F2-ABED-2A5282806498}"/>
+                <a16:creationId xmlns:a16="http://schemas.microsoft.com/office/drawing/2014/main" xmlns="" id="{BC288074-5FED-4363-B700-F5F303A1DF49}"/>
               </a:ext>
             </a:extLst>
           </p:cNvPr>
@@ -14045,385 +13201,66 @@
           <a:p>
             <a:r>
               <a:rPr lang="en-US" dirty="0"/>
-              <a:t>&lt;!DOCTYPE html&gt;</a:t>
-            </a:r>
-          </a:p>
-          <a:p>
-            <a:r>
-              <a:rPr lang="en-US" dirty="0"/>
-              <a:t>&lt;meta charset="UTF-8"&gt;</a:t>
-            </a:r>
-          </a:p>
-          <a:p>
-            <a:endParaRPr lang="en-US" dirty="0"/>
-          </a:p>
-          <a:p>
-            <a:pPr defTabSz="914400" eaLnBrk="0" fontAlgn="base" hangingPunct="0">
-              <a:spcBef>
-                <a:spcPct val="0"/>
-              </a:spcBef>
-              <a:spcAft>
-                <a:spcPct val="0"/>
-              </a:spcAft>
-              <a:buClrTx/>
-              <a:buSzTx/>
-            </a:pPr>
-            <a:r>
-              <a:rPr lang="en-US" altLang="en-US" dirty="0">
-                <a:solidFill>
-                  <a:srgbClr val="000000"/>
-                </a:solidFill>
-                <a:latin typeface="Verdana" panose="020B0604030504040204" pitchFamily="34" charset="0"/>
-              </a:rPr>
-              <a:t>The most interesting new HTML5 elements are: </a:t>
-            </a:r>
-            <a:endParaRPr lang="en-US" altLang="en-US" dirty="0">
-              <a:solidFill>
-                <a:schemeClr val="tx1"/>
-              </a:solidFill>
-            </a:endParaRPr>
-          </a:p>
-          <a:p>
-            <a:pPr defTabSz="914400" eaLnBrk="0" fontAlgn="base" hangingPunct="0">
-              <a:spcBef>
-                <a:spcPct val="0"/>
-              </a:spcBef>
-              <a:spcAft>
-                <a:spcPct val="0"/>
-              </a:spcAft>
-              <a:buClrTx/>
-              <a:buSzTx/>
-            </a:pPr>
-            <a:r>
-              <a:rPr lang="en-US" altLang="en-US" dirty="0">
-                <a:solidFill>
-                  <a:srgbClr val="000000"/>
-                </a:solidFill>
-                <a:latin typeface="Verdana" panose="020B0604030504040204" pitchFamily="34" charset="0"/>
-              </a:rPr>
-              <a:t>New </a:t>
-            </a:r>
-            <a:r>
-              <a:rPr lang="en-US" altLang="en-US" b="1" dirty="0">
-                <a:solidFill>
-                  <a:srgbClr val="000000"/>
-                </a:solidFill>
-                <a:latin typeface="Verdana" panose="020B0604030504040204" pitchFamily="34" charset="0"/>
-              </a:rPr>
-              <a:t>semantic elements</a:t>
-            </a:r>
-            <a:r>
-              <a:rPr lang="en-US" altLang="en-US" dirty="0">
-                <a:solidFill>
-                  <a:srgbClr val="000000"/>
-                </a:solidFill>
-                <a:latin typeface="Verdana" panose="020B0604030504040204" pitchFamily="34" charset="0"/>
-              </a:rPr>
-              <a:t> like </a:t>
-            </a:r>
-            <a:r>
-              <a:rPr lang="en-US" altLang="en-US" sz="2000" dirty="0">
-                <a:solidFill>
-                  <a:srgbClr val="DC143C"/>
-                </a:solidFill>
-                <a:latin typeface="Consolas" panose="020B0609020204030204" pitchFamily="49" charset="0"/>
-              </a:rPr>
-              <a:t>&lt;header&gt;</a:t>
-            </a:r>
-            <a:r>
-              <a:rPr lang="en-US" altLang="en-US" dirty="0">
-                <a:solidFill>
-                  <a:srgbClr val="000000"/>
-                </a:solidFill>
-                <a:latin typeface="Verdana" panose="020B0604030504040204" pitchFamily="34" charset="0"/>
-              </a:rPr>
-              <a:t>, </a:t>
-            </a:r>
-            <a:r>
-              <a:rPr lang="en-US" altLang="en-US" sz="2000" dirty="0">
-                <a:solidFill>
-                  <a:srgbClr val="DC143C"/>
-                </a:solidFill>
-                <a:latin typeface="Consolas" panose="020B0609020204030204" pitchFamily="49" charset="0"/>
-              </a:rPr>
-              <a:t>&lt;footer&gt;</a:t>
-            </a:r>
-            <a:r>
-              <a:rPr lang="en-US" altLang="en-US" dirty="0">
-                <a:solidFill>
-                  <a:srgbClr val="000000"/>
-                </a:solidFill>
-                <a:latin typeface="Verdana" panose="020B0604030504040204" pitchFamily="34" charset="0"/>
-              </a:rPr>
-              <a:t>, </a:t>
-            </a:r>
-            <a:r>
-              <a:rPr lang="en-US" altLang="en-US" sz="2000" dirty="0">
-                <a:solidFill>
-                  <a:srgbClr val="DC143C"/>
-                </a:solidFill>
-                <a:latin typeface="Consolas" panose="020B0609020204030204" pitchFamily="49" charset="0"/>
-              </a:rPr>
-              <a:t>&lt;article&gt;</a:t>
-            </a:r>
-            <a:r>
-              <a:rPr lang="en-US" altLang="en-US" dirty="0">
-                <a:solidFill>
-                  <a:srgbClr val="000000"/>
-                </a:solidFill>
-                <a:latin typeface="Verdana" panose="020B0604030504040204" pitchFamily="34" charset="0"/>
-              </a:rPr>
-              <a:t>, and </a:t>
-            </a:r>
-            <a:r>
-              <a:rPr lang="en-US" altLang="en-US" sz="2000" dirty="0">
-                <a:solidFill>
-                  <a:srgbClr val="DC143C"/>
-                </a:solidFill>
-                <a:latin typeface="Consolas" panose="020B0609020204030204" pitchFamily="49" charset="0"/>
-              </a:rPr>
-              <a:t>&lt;section&gt;</a:t>
-            </a:r>
-            <a:r>
-              <a:rPr lang="en-US" altLang="en-US" dirty="0">
-                <a:solidFill>
-                  <a:srgbClr val="000000"/>
-                </a:solidFill>
-                <a:latin typeface="Verdana" panose="020B0604030504040204" pitchFamily="34" charset="0"/>
-              </a:rPr>
-              <a:t>.</a:t>
-            </a:r>
-            <a:endParaRPr lang="en-US" altLang="en-US" dirty="0">
-              <a:solidFill>
-                <a:schemeClr val="tx1"/>
-              </a:solidFill>
-            </a:endParaRPr>
-          </a:p>
-          <a:p>
-            <a:pPr defTabSz="914400" eaLnBrk="0" fontAlgn="base" hangingPunct="0">
-              <a:spcBef>
-                <a:spcPct val="0"/>
-              </a:spcBef>
-              <a:spcAft>
-                <a:spcPct val="0"/>
-              </a:spcAft>
-              <a:buClrTx/>
-              <a:buSzTx/>
-            </a:pPr>
-            <a:r>
-              <a:rPr lang="en-US" altLang="en-US" dirty="0">
-                <a:solidFill>
-                  <a:srgbClr val="000000"/>
-                </a:solidFill>
-                <a:latin typeface="Verdana" panose="020B0604030504040204" pitchFamily="34" charset="0"/>
-              </a:rPr>
-              <a:t>New </a:t>
-            </a:r>
-            <a:r>
-              <a:rPr lang="en-US" altLang="en-US" b="1" dirty="0">
-                <a:solidFill>
-                  <a:srgbClr val="000000"/>
-                </a:solidFill>
-                <a:latin typeface="Verdana" panose="020B0604030504040204" pitchFamily="34" charset="0"/>
-              </a:rPr>
-              <a:t>attributes of form elements</a:t>
-            </a:r>
-            <a:r>
-              <a:rPr lang="en-US" altLang="en-US" dirty="0">
-                <a:solidFill>
-                  <a:srgbClr val="000000"/>
-                </a:solidFill>
-                <a:latin typeface="Verdana" panose="020B0604030504040204" pitchFamily="34" charset="0"/>
-              </a:rPr>
-              <a:t> like number, date, time, calendar, and range.</a:t>
-            </a:r>
-            <a:endParaRPr lang="en-US" altLang="en-US" dirty="0">
-              <a:solidFill>
-                <a:schemeClr val="tx1"/>
-              </a:solidFill>
-            </a:endParaRPr>
-          </a:p>
-          <a:p>
-            <a:pPr defTabSz="914400" eaLnBrk="0" fontAlgn="base" hangingPunct="0">
-              <a:spcBef>
-                <a:spcPct val="0"/>
-              </a:spcBef>
-              <a:spcAft>
-                <a:spcPct val="0"/>
-              </a:spcAft>
-              <a:buClrTx/>
-              <a:buSzTx/>
-            </a:pPr>
-            <a:r>
-              <a:rPr lang="en-US" altLang="en-US" dirty="0">
-                <a:solidFill>
-                  <a:srgbClr val="000000"/>
-                </a:solidFill>
-                <a:latin typeface="Verdana" panose="020B0604030504040204" pitchFamily="34" charset="0"/>
-              </a:rPr>
-              <a:t>New </a:t>
-            </a:r>
-            <a:r>
-              <a:rPr lang="en-US" altLang="en-US" b="1" dirty="0">
-                <a:solidFill>
-                  <a:srgbClr val="000000"/>
-                </a:solidFill>
-                <a:latin typeface="Verdana" panose="020B0604030504040204" pitchFamily="34" charset="0"/>
-              </a:rPr>
-              <a:t>graphic elements</a:t>
-            </a:r>
-            <a:r>
-              <a:rPr lang="en-US" altLang="en-US" dirty="0">
-                <a:solidFill>
-                  <a:srgbClr val="000000"/>
-                </a:solidFill>
-                <a:latin typeface="Verdana" panose="020B0604030504040204" pitchFamily="34" charset="0"/>
-              </a:rPr>
-              <a:t>: </a:t>
-            </a:r>
-            <a:r>
-              <a:rPr lang="en-US" altLang="en-US" sz="2000" dirty="0">
-                <a:solidFill>
-                  <a:srgbClr val="DC143C"/>
-                </a:solidFill>
-                <a:latin typeface="Consolas" panose="020B0609020204030204" pitchFamily="49" charset="0"/>
-              </a:rPr>
-              <a:t>&lt;</a:t>
-            </a:r>
-            <a:r>
-              <a:rPr lang="en-US" altLang="en-US" sz="2000" dirty="0" err="1">
-                <a:solidFill>
-                  <a:srgbClr val="DC143C"/>
-                </a:solidFill>
-                <a:latin typeface="Consolas" panose="020B0609020204030204" pitchFamily="49" charset="0"/>
-              </a:rPr>
-              <a:t>svg</a:t>
-            </a:r>
-            <a:r>
-              <a:rPr lang="en-US" altLang="en-US" sz="2000" dirty="0">
-                <a:solidFill>
-                  <a:srgbClr val="DC143C"/>
-                </a:solidFill>
-                <a:latin typeface="Consolas" panose="020B0609020204030204" pitchFamily="49" charset="0"/>
-              </a:rPr>
-              <a:t>&gt;</a:t>
-            </a:r>
-            <a:r>
-              <a:rPr lang="en-US" altLang="en-US" dirty="0">
-                <a:solidFill>
-                  <a:srgbClr val="000000"/>
-                </a:solidFill>
-                <a:latin typeface="Verdana" panose="020B0604030504040204" pitchFamily="34" charset="0"/>
-              </a:rPr>
-              <a:t> and </a:t>
-            </a:r>
-            <a:r>
-              <a:rPr lang="en-US" altLang="en-US" sz="2000" dirty="0">
-                <a:solidFill>
-                  <a:srgbClr val="DC143C"/>
-                </a:solidFill>
-                <a:latin typeface="Consolas" panose="020B0609020204030204" pitchFamily="49" charset="0"/>
-              </a:rPr>
-              <a:t>&lt;canvas&gt;</a:t>
-            </a:r>
-            <a:r>
-              <a:rPr lang="en-US" altLang="en-US" dirty="0">
-                <a:solidFill>
-                  <a:srgbClr val="000000"/>
-                </a:solidFill>
-                <a:latin typeface="Verdana" panose="020B0604030504040204" pitchFamily="34" charset="0"/>
-              </a:rPr>
-              <a:t>.</a:t>
-            </a:r>
-            <a:endParaRPr lang="en-US" altLang="en-US" dirty="0">
-              <a:solidFill>
-                <a:schemeClr val="tx1"/>
-              </a:solidFill>
-            </a:endParaRPr>
-          </a:p>
-          <a:p>
-            <a:pPr defTabSz="914400" eaLnBrk="0" fontAlgn="base" hangingPunct="0">
-              <a:spcBef>
-                <a:spcPct val="0"/>
-              </a:spcBef>
-              <a:spcAft>
-                <a:spcPct val="0"/>
-              </a:spcAft>
-              <a:buClrTx/>
-              <a:buSzTx/>
-            </a:pPr>
-            <a:r>
-              <a:rPr lang="en-US" altLang="en-US" dirty="0">
-                <a:solidFill>
-                  <a:srgbClr val="000000"/>
-                </a:solidFill>
-                <a:latin typeface="Verdana" panose="020B0604030504040204" pitchFamily="34" charset="0"/>
-              </a:rPr>
-              <a:t>New </a:t>
-            </a:r>
-            <a:r>
-              <a:rPr lang="en-US" altLang="en-US" b="1" dirty="0">
-                <a:solidFill>
-                  <a:srgbClr val="000000"/>
-                </a:solidFill>
-                <a:latin typeface="Verdana" panose="020B0604030504040204" pitchFamily="34" charset="0"/>
-              </a:rPr>
-              <a:t>multimedia elements</a:t>
-            </a:r>
-            <a:r>
-              <a:rPr lang="en-US" altLang="en-US" dirty="0">
-                <a:solidFill>
-                  <a:srgbClr val="000000"/>
-                </a:solidFill>
-                <a:latin typeface="Verdana" panose="020B0604030504040204" pitchFamily="34" charset="0"/>
-              </a:rPr>
-              <a:t>: </a:t>
-            </a:r>
-            <a:r>
-              <a:rPr lang="en-US" altLang="en-US" sz="2000" dirty="0">
-                <a:solidFill>
-                  <a:srgbClr val="DC143C"/>
-                </a:solidFill>
-                <a:latin typeface="Consolas" panose="020B0609020204030204" pitchFamily="49" charset="0"/>
-              </a:rPr>
-              <a:t>&lt;audio&gt;</a:t>
-            </a:r>
-            <a:r>
-              <a:rPr lang="en-US" altLang="en-US" dirty="0">
-                <a:solidFill>
-                  <a:srgbClr val="000000"/>
-                </a:solidFill>
-                <a:latin typeface="Verdana" panose="020B0604030504040204" pitchFamily="34" charset="0"/>
-              </a:rPr>
-              <a:t> and </a:t>
-            </a:r>
-            <a:r>
-              <a:rPr lang="en-US" altLang="en-US" sz="2000" dirty="0">
-                <a:solidFill>
-                  <a:srgbClr val="DC143C"/>
-                </a:solidFill>
-                <a:latin typeface="Consolas" panose="020B0609020204030204" pitchFamily="49" charset="0"/>
-              </a:rPr>
-              <a:t>&lt;video&gt;</a:t>
-            </a:r>
-            <a:r>
-              <a:rPr lang="en-US" altLang="en-US" dirty="0">
-                <a:solidFill>
-                  <a:srgbClr val="000000"/>
-                </a:solidFill>
-                <a:latin typeface="Verdana" panose="020B0604030504040204" pitchFamily="34" charset="0"/>
-              </a:rPr>
-              <a:t>.</a:t>
-            </a:r>
-            <a:endParaRPr lang="en-US" altLang="en-US" sz="3200" dirty="0">
-              <a:solidFill>
-                <a:schemeClr val="tx1"/>
-              </a:solidFill>
-              <a:latin typeface="Arial" panose="020B0604020202020204" pitchFamily="34" charset="0"/>
-            </a:endParaRPr>
-          </a:p>
-          <a:p>
-            <a:endParaRPr lang="en-US" dirty="0"/>
+              <a:t>The default method when submitting form data is GET.</a:t>
+            </a:r>
+          </a:p>
+          <a:p>
+            <a:r>
+              <a:rPr lang="en-US" dirty="0"/>
+              <a:t>However, when GET is used, the submitted form data will be </a:t>
+            </a:r>
+            <a:r>
+              <a:rPr lang="en-US" b="1" dirty="0"/>
+              <a:t>visible in the page address field</a:t>
+            </a:r>
+            <a:r>
+              <a:rPr lang="en-US" dirty="0"/>
+              <a:t>:</a:t>
+            </a:r>
+          </a:p>
+          <a:p>
+            <a:r>
+              <a:rPr lang="en-US" sz="2000" b="1" u="sng" dirty="0"/>
+              <a:t>Notes on GET:</a:t>
+            </a:r>
+          </a:p>
+          <a:p>
+            <a:pPr lvl="1"/>
+            <a:r>
+              <a:rPr lang="en-US" dirty="0"/>
+              <a:t>Appends form-data into the URL in name/value pairs</a:t>
+            </a:r>
+          </a:p>
+          <a:p>
+            <a:pPr lvl="1"/>
+            <a:r>
+              <a:rPr lang="en-US" dirty="0"/>
+              <a:t>The length of a URL is limited (about 3000 characters)</a:t>
+            </a:r>
+          </a:p>
+          <a:p>
+            <a:pPr lvl="1"/>
+            <a:r>
+              <a:rPr lang="en-US" dirty="0"/>
+              <a:t>Never use GET to send sensitive data! (will be visible in the URL)</a:t>
+            </a:r>
+          </a:p>
+          <a:p>
+            <a:pPr lvl="1"/>
+            <a:r>
+              <a:rPr lang="en-US" dirty="0"/>
+              <a:t>Useful for form submissions where a user wants to bookmark the result</a:t>
+            </a:r>
+          </a:p>
+          <a:p>
+            <a:pPr lvl="1"/>
+            <a:r>
+              <a:rPr lang="en-US" dirty="0"/>
+              <a:t>GET is better for non-secure data, like query strings in Google</a:t>
+            </a:r>
+          </a:p>
+          <a:p>
+            <a:endParaRPr lang="en-US" sz="2000" u="sng" dirty="0"/>
           </a:p>
         </p:txBody>
       </p:sp>
@@ -14432,7 +13269,7 @@
           <p:cNvPr id="4" name="Footer Placeholder 3">
             <a:extLst>
               <a:ext uri="{FF2B5EF4-FFF2-40B4-BE49-F238E27FC236}">
-                <a16:creationId xmlns:a16="http://schemas.microsoft.com/office/drawing/2014/main" id="{E9E7CE0D-C5CB-432A-A29A-FBA38667AD39}"/>
+                <a16:creationId xmlns:a16="http://schemas.microsoft.com/office/drawing/2014/main" xmlns="" id="{36E16EF6-2BC0-4382-8D28-D10AAD806F95}"/>
               </a:ext>
             </a:extLst>
           </p:cNvPr>
@@ -14455,226 +13292,10 @@
           </a:p>
         </p:txBody>
       </p:sp>
-      <p:sp>
-        <p:nvSpPr>
-          <p:cNvPr id="5" name="Rectangle 1">
-            <a:extLst>
-              <a:ext uri="{FF2B5EF4-FFF2-40B4-BE49-F238E27FC236}">
-                <a16:creationId xmlns:a16="http://schemas.microsoft.com/office/drawing/2014/main" id="{9E263EC1-1962-47A5-9125-81F7444B6B4C}"/>
-              </a:ext>
-            </a:extLst>
-          </p:cNvPr>
-          <p:cNvSpPr>
-            <a:spLocks noChangeArrowheads="1"/>
-          </p:cNvSpPr>
-          <p:nvPr/>
-        </p:nvSpPr>
-        <p:spPr bwMode="auto">
-          <a:xfrm>
-            <a:off x="0" y="43934"/>
-            <a:ext cx="184731" cy="369332"/>
-          </a:xfrm>
-          <a:prstGeom prst="rect">
-            <a:avLst/>
-          </a:prstGeom>
-          <a:solidFill>
-            <a:srgbClr val="F1F1F1"/>
-          </a:solidFill>
-          <a:ln>
-            <a:noFill/>
-          </a:ln>
-          <a:effectLst/>
-          <a:extLst>
-            <a:ext uri="{91240B29-F687-4F45-9708-019B960494DF}">
-              <a14:hiddenLine xmlns:a14="http://schemas.microsoft.com/office/drawing/2010/main" w="9525">
-                <a:solidFill>
-                  <a:schemeClr val="tx1"/>
-                </a:solidFill>
-                <a:miter lim="800000"/>
-                <a:headEnd/>
-                <a:tailEnd/>
-              </a14:hiddenLine>
-            </a:ext>
-            <a:ext uri="{AF507438-7753-43E0-B8FC-AC1667EBCBE1}">
-              <a14:hiddenEffects xmlns:a14="http://schemas.microsoft.com/office/drawing/2010/main">
-                <a:effectLst>
-                  <a:outerShdw dist="35921" dir="2700000" algn="ctr" rotWithShape="0">
-                    <a:schemeClr val="bg2"/>
-                  </a:outerShdw>
-                </a:effectLst>
-              </a14:hiddenEffects>
-            </a:ext>
-          </a:extLst>
-        </p:spPr>
-        <p:txBody>
-          <a:bodyPr vert="horz" wrap="none" lIns="91440" tIns="45720" rIns="91440" bIns="45720" numCol="1" anchor="ctr" anchorCtr="0" compatLnSpc="1">
-            <a:prstTxWarp prst="textNoShape">
-              <a:avLst/>
-            </a:prstTxWarp>
-            <a:spAutoFit/>
-          </a:bodyPr>
-          <a:lstStyle>
-            <a:lvl1pPr eaLnBrk="0" fontAlgn="base" hangingPunct="0">
-              <a:spcBef>
-                <a:spcPct val="0"/>
-              </a:spcBef>
-              <a:spcAft>
-                <a:spcPct val="0"/>
-              </a:spcAft>
-              <a:defRPr>
-                <a:solidFill>
-                  <a:schemeClr val="tx1"/>
-                </a:solidFill>
-                <a:latin typeface="Arial" panose="020B0604020202020204" pitchFamily="34" charset="0"/>
-              </a:defRPr>
-            </a:lvl1pPr>
-            <a:lvl2pPr eaLnBrk="0" fontAlgn="base" hangingPunct="0">
-              <a:spcBef>
-                <a:spcPct val="0"/>
-              </a:spcBef>
-              <a:spcAft>
-                <a:spcPct val="0"/>
-              </a:spcAft>
-              <a:defRPr>
-                <a:solidFill>
-                  <a:schemeClr val="tx1"/>
-                </a:solidFill>
-                <a:latin typeface="Arial" panose="020B0604020202020204" pitchFamily="34" charset="0"/>
-              </a:defRPr>
-            </a:lvl2pPr>
-            <a:lvl3pPr eaLnBrk="0" fontAlgn="base" hangingPunct="0">
-              <a:spcBef>
-                <a:spcPct val="0"/>
-              </a:spcBef>
-              <a:spcAft>
-                <a:spcPct val="0"/>
-              </a:spcAft>
-              <a:defRPr>
-                <a:solidFill>
-                  <a:schemeClr val="tx1"/>
-                </a:solidFill>
-                <a:latin typeface="Arial" panose="020B0604020202020204" pitchFamily="34" charset="0"/>
-              </a:defRPr>
-            </a:lvl3pPr>
-            <a:lvl4pPr eaLnBrk="0" fontAlgn="base" hangingPunct="0">
-              <a:spcBef>
-                <a:spcPct val="0"/>
-              </a:spcBef>
-              <a:spcAft>
-                <a:spcPct val="0"/>
-              </a:spcAft>
-              <a:defRPr>
-                <a:solidFill>
-                  <a:schemeClr val="tx1"/>
-                </a:solidFill>
-                <a:latin typeface="Arial" panose="020B0604020202020204" pitchFamily="34" charset="0"/>
-              </a:defRPr>
-            </a:lvl4pPr>
-            <a:lvl5pPr eaLnBrk="0" fontAlgn="base" hangingPunct="0">
-              <a:spcBef>
-                <a:spcPct val="0"/>
-              </a:spcBef>
-              <a:spcAft>
-                <a:spcPct val="0"/>
-              </a:spcAft>
-              <a:defRPr>
-                <a:solidFill>
-                  <a:schemeClr val="tx1"/>
-                </a:solidFill>
-                <a:latin typeface="Arial" panose="020B0604020202020204" pitchFamily="34" charset="0"/>
-              </a:defRPr>
-            </a:lvl5pPr>
-            <a:lvl6pPr eaLnBrk="0" fontAlgn="base" hangingPunct="0">
-              <a:spcBef>
-                <a:spcPct val="0"/>
-              </a:spcBef>
-              <a:spcAft>
-                <a:spcPct val="0"/>
-              </a:spcAft>
-              <a:defRPr>
-                <a:solidFill>
-                  <a:schemeClr val="tx1"/>
-                </a:solidFill>
-                <a:latin typeface="Arial" panose="020B0604020202020204" pitchFamily="34" charset="0"/>
-              </a:defRPr>
-            </a:lvl6pPr>
-            <a:lvl7pPr eaLnBrk="0" fontAlgn="base" hangingPunct="0">
-              <a:spcBef>
-                <a:spcPct val="0"/>
-              </a:spcBef>
-              <a:spcAft>
-                <a:spcPct val="0"/>
-              </a:spcAft>
-              <a:defRPr>
-                <a:solidFill>
-                  <a:schemeClr val="tx1"/>
-                </a:solidFill>
-                <a:latin typeface="Arial" panose="020B0604020202020204" pitchFamily="34" charset="0"/>
-              </a:defRPr>
-            </a:lvl7pPr>
-            <a:lvl8pPr eaLnBrk="0" fontAlgn="base" hangingPunct="0">
-              <a:spcBef>
-                <a:spcPct val="0"/>
-              </a:spcBef>
-              <a:spcAft>
-                <a:spcPct val="0"/>
-              </a:spcAft>
-              <a:defRPr>
-                <a:solidFill>
-                  <a:schemeClr val="tx1"/>
-                </a:solidFill>
-                <a:latin typeface="Arial" panose="020B0604020202020204" pitchFamily="34" charset="0"/>
-              </a:defRPr>
-            </a:lvl8pPr>
-            <a:lvl9pPr eaLnBrk="0" fontAlgn="base" hangingPunct="0">
-              <a:spcBef>
-                <a:spcPct val="0"/>
-              </a:spcBef>
-              <a:spcAft>
-                <a:spcPct val="0"/>
-              </a:spcAft>
-              <a:defRPr>
-                <a:solidFill>
-                  <a:schemeClr val="tx1"/>
-                </a:solidFill>
-                <a:latin typeface="Arial" panose="020B0604020202020204" pitchFamily="34" charset="0"/>
-              </a:defRPr>
-            </a:lvl9pPr>
-          </a:lstStyle>
-          <a:p>
-            <a:pPr marL="0" marR="0" lvl="0" indent="0" algn="l" defTabSz="914400" rtl="0" eaLnBrk="0" fontAlgn="base" latinLnBrk="0" hangingPunct="0">
-              <a:lnSpc>
-                <a:spcPct val="100000"/>
-              </a:lnSpc>
-              <a:spcBef>
-                <a:spcPct val="0"/>
-              </a:spcBef>
-              <a:spcAft>
-                <a:spcPct val="0"/>
-              </a:spcAft>
-              <a:buClrTx/>
-              <a:buSzTx/>
-              <a:buFontTx/>
-              <a:buNone/>
-              <a:tabLst/>
-            </a:pPr>
-            <a:endParaRPr kumimoji="0" lang="en-US" altLang="en-US" sz="1800" b="0" i="0" u="none" strike="noStrike" cap="none" normalizeH="0" baseline="0" dirty="0">
-              <a:ln>
-                <a:noFill/>
-              </a:ln>
-              <a:solidFill>
-                <a:schemeClr val="tx1"/>
-              </a:solidFill>
-              <a:effectLst/>
-              <a:latin typeface="Arial" panose="020B0604020202020204" pitchFamily="34" charset="0"/>
-            </a:endParaRPr>
-          </a:p>
-        </p:txBody>
-      </p:sp>
     </p:spTree>
     <p:extLst>
       <p:ext uri="{BB962C8B-B14F-4D97-AF65-F5344CB8AC3E}">
-        <p14:creationId xmlns:p14="http://schemas.microsoft.com/office/powerpoint/2010/main" val="3309348689"/>
+        <p14:creationId xmlns:p14="http://schemas.microsoft.com/office/powerpoint/2010/main" val="187660696"/>
       </p:ext>
     </p:extLst>
   </p:cSld>
@@ -14706,7 +13327,7 @@
           <p:cNvPr id="2" name="Title 1">
             <a:extLst>
               <a:ext uri="{FF2B5EF4-FFF2-40B4-BE49-F238E27FC236}">
-                <a16:creationId xmlns:a16="http://schemas.microsoft.com/office/drawing/2014/main" id="{C2981382-0159-4ECD-8621-1117718850C1}"/>
+                <a16:creationId xmlns:a16="http://schemas.microsoft.com/office/drawing/2014/main" xmlns="" id="{5195655C-2180-4BE0-ABDA-6E8FC0C71ABB}"/>
               </a:ext>
             </a:extLst>
           </p:cNvPr>
@@ -14717,21 +13338,14 @@
             <p:ph type="title"/>
           </p:nvPr>
         </p:nvSpPr>
-        <p:spPr>
-          <a:xfrm>
-            <a:off x="806123" y="0"/>
-            <a:ext cx="8596668" cy="991673"/>
-          </a:xfrm>
-        </p:spPr>
-        <p:txBody>
-          <a:bodyPr>
-            <a:normAutofit fontScale="90000"/>
-          </a:bodyPr>
-          <a:lstStyle/>
-          <a:p>
-            <a:r>
-              <a:rPr lang="en-US" dirty="0"/>
-              <a:t>New Semantic Elements in HTML5</a:t>
+        <p:spPr/>
+        <p:txBody>
+          <a:bodyPr/>
+          <a:lstStyle/>
+          <a:p>
+            <a:r>
+              <a:rPr lang="en-US" dirty="0"/>
+              <a:t>When to Use POST?</a:t>
             </a:r>
             <a:br>
               <a:rPr lang="en-US" dirty="0"/>
@@ -14745,7 +13359,7 @@
           <p:cNvPr id="3" name="Content Placeholder 2">
             <a:extLst>
               <a:ext uri="{FF2B5EF4-FFF2-40B4-BE49-F238E27FC236}">
-                <a16:creationId xmlns:a16="http://schemas.microsoft.com/office/drawing/2014/main" id="{4FECE007-C733-4FF6-9471-13E9955397D6}"/>
+                <a16:creationId xmlns:a16="http://schemas.microsoft.com/office/drawing/2014/main" xmlns="" id="{61438703-E053-4F63-B5BD-72D08A42C3DD}"/>
               </a:ext>
             </a:extLst>
           </p:cNvPr>
@@ -14756,101 +13370,35 @@
             <p:ph idx="1"/>
           </p:nvPr>
         </p:nvSpPr>
-        <p:spPr>
-          <a:xfrm>
-            <a:off x="1578856" y="592428"/>
-            <a:ext cx="8596668" cy="5873444"/>
-          </a:xfrm>
-        </p:spPr>
-        <p:txBody>
-          <a:bodyPr>
-            <a:normAutofit/>
-          </a:bodyPr>
-          <a:lstStyle/>
-          <a:p>
-            <a:r>
-              <a:rPr lang="en-US" sz="2000" dirty="0"/>
-              <a:t>&lt;article&gt;</a:t>
-            </a:r>
-          </a:p>
-          <a:p>
-            <a:r>
-              <a:rPr lang="en-US" sz="2000" dirty="0"/>
-              <a:t>&lt;aside&gt;</a:t>
-            </a:r>
-          </a:p>
-          <a:p>
-            <a:r>
-              <a:rPr lang="en-US" sz="2000" dirty="0"/>
-              <a:t>&lt;details&gt;</a:t>
-            </a:r>
-          </a:p>
-          <a:p>
-            <a:r>
-              <a:rPr lang="en-US" sz="2000" dirty="0"/>
-              <a:t>&lt;</a:t>
-            </a:r>
-            <a:r>
-              <a:rPr lang="en-US" sz="2000" dirty="0" err="1"/>
-              <a:t>figcaption</a:t>
-            </a:r>
-            <a:r>
-              <a:rPr lang="en-US" sz="2000" dirty="0"/>
-              <a:t>&gt;</a:t>
-            </a:r>
-          </a:p>
-          <a:p>
-            <a:r>
-              <a:rPr lang="en-US" sz="2000" dirty="0"/>
-              <a:t>&lt;figure&gt;</a:t>
-            </a:r>
-          </a:p>
-          <a:p>
-            <a:r>
-              <a:rPr lang="en-US" sz="2000" dirty="0"/>
-              <a:t>&lt;footer&gt;</a:t>
-            </a:r>
-          </a:p>
-          <a:p>
-            <a:r>
-              <a:rPr lang="en-US" sz="2000" dirty="0"/>
-              <a:t>&lt;header&gt;</a:t>
-            </a:r>
-          </a:p>
-          <a:p>
-            <a:r>
-              <a:rPr lang="en-US" sz="2000" dirty="0"/>
-              <a:t>&lt;main&gt;</a:t>
-            </a:r>
-          </a:p>
-          <a:p>
-            <a:r>
-              <a:rPr lang="en-US" sz="2000" dirty="0"/>
-              <a:t>&lt;mark&gt;</a:t>
-            </a:r>
-          </a:p>
-          <a:p>
-            <a:r>
-              <a:rPr lang="en-US" sz="2000" dirty="0"/>
-              <a:t>&lt;nav&gt;</a:t>
-            </a:r>
-          </a:p>
-          <a:p>
-            <a:r>
-              <a:rPr lang="en-US" sz="2000" dirty="0"/>
-              <a:t>&lt;section&gt;</a:t>
-            </a:r>
-          </a:p>
-          <a:p>
-            <a:r>
-              <a:rPr lang="en-US" sz="2000" dirty="0"/>
-              <a:t>&lt;summary&gt;</a:t>
-            </a:r>
-          </a:p>
-          <a:p>
-            <a:r>
-              <a:rPr lang="en-US" sz="2000" dirty="0"/>
-              <a:t>&lt;time&gt;</a:t>
+        <p:spPr/>
+        <p:txBody>
+          <a:bodyPr/>
+          <a:lstStyle/>
+          <a:p>
+            <a:r>
+              <a:rPr lang="en-US" dirty="0"/>
+              <a:t>Always use POST if the form data contains sensitive or personal information. The POST method does not display the submitted form data in the page address field.</a:t>
+            </a:r>
+          </a:p>
+          <a:p>
+            <a:r>
+              <a:rPr lang="en-US" b="1" dirty="0"/>
+              <a:t>Notes on POST:</a:t>
+            </a:r>
+            <a:endParaRPr lang="en-US" dirty="0"/>
+          </a:p>
+          <a:p>
+            <a:pPr lvl="1"/>
+            <a:r>
+              <a:rPr lang="en-US" dirty="0"/>
+              <a:t>POST has no size limitations, and can be used to send large amounts of data.</a:t>
+            </a:r>
+          </a:p>
+          <a:p>
+            <a:pPr lvl="1"/>
+            <a:r>
+              <a:rPr lang="en-US" dirty="0"/>
+              <a:t>Form submissions with POST cannot be bookmarked</a:t>
             </a:r>
           </a:p>
           <a:p>
@@ -14863,7 +13411,7 @@
           <p:cNvPr id="4" name="Footer Placeholder 3">
             <a:extLst>
               <a:ext uri="{FF2B5EF4-FFF2-40B4-BE49-F238E27FC236}">
-                <a16:creationId xmlns:a16="http://schemas.microsoft.com/office/drawing/2014/main" id="{39EC5A64-E654-4D76-B9C7-18B1CE4B4C55}"/>
+                <a16:creationId xmlns:a16="http://schemas.microsoft.com/office/drawing/2014/main" xmlns="" id="{42D0E2C3-CF62-4267-92C8-2BF4A5DEC515}"/>
               </a:ext>
             </a:extLst>
           </p:cNvPr>
@@ -14889,7 +13437,7 @@
     </p:spTree>
     <p:extLst>
       <p:ext uri="{BB962C8B-B14F-4D97-AF65-F5344CB8AC3E}">
-        <p14:creationId xmlns:p14="http://schemas.microsoft.com/office/powerpoint/2010/main" val="2692949490"/>
+        <p14:creationId xmlns:p14="http://schemas.microsoft.com/office/powerpoint/2010/main" val="839140407"/>
       </p:ext>
     </p:extLst>
   </p:cSld>
@@ -14921,7 +13469,7 @@
           <p:cNvPr id="2" name="Title 1">
             <a:extLst>
               <a:ext uri="{FF2B5EF4-FFF2-40B4-BE49-F238E27FC236}">
-                <a16:creationId xmlns:a16="http://schemas.microsoft.com/office/drawing/2014/main" id="{EE73ED20-16D2-48BA-AB38-F0AB72A06E1C}"/>
+                <a16:creationId xmlns:a16="http://schemas.microsoft.com/office/drawing/2014/main" xmlns="" id="{11256963-B326-4DF8-9994-DD69B22E04B5}"/>
               </a:ext>
             </a:extLst>
           </p:cNvPr>
@@ -14939,7 +13487,7 @@
           <a:p>
             <a:r>
               <a:rPr lang="en-US" dirty="0"/>
-              <a:t>HTML Multimedia</a:t>
+              <a:t>The &lt;select&gt; Element</a:t>
             </a:r>
             <a:br>
               <a:rPr lang="en-US" dirty="0"/>
@@ -14953,7 +13501,7 @@
           <p:cNvPr id="3" name="Content Placeholder 2">
             <a:extLst>
               <a:ext uri="{FF2B5EF4-FFF2-40B4-BE49-F238E27FC236}">
-                <a16:creationId xmlns:a16="http://schemas.microsoft.com/office/drawing/2014/main" id="{C661467F-F350-47F9-9D64-AADB26392B00}"/>
+                <a16:creationId xmlns:a16="http://schemas.microsoft.com/office/drawing/2014/main" xmlns="" id="{0E3031CC-1DB8-498A-B88C-F8338C79A262}"/>
               </a:ext>
             </a:extLst>
           </p:cNvPr>
@@ -14966,46 +13514,74 @@
         </p:nvSpPr>
         <p:spPr/>
         <p:txBody>
-          <a:bodyPr/>
-          <a:lstStyle/>
-          <a:p>
-            <a:r>
-              <a:rPr lang="en-US" dirty="0"/>
-              <a:t>Multimedia on the web is sound, music, videos, movies, and animations.</a:t>
-            </a:r>
-          </a:p>
-          <a:p>
-            <a:r>
-              <a:rPr lang="en-US" dirty="0"/>
-              <a:t>What is Multimedia?</a:t>
-            </a:r>
-          </a:p>
-          <a:p>
-            <a:r>
-              <a:rPr lang="en-US" dirty="0"/>
-              <a:t>Multimedia comes in many different formats. It can be almost anything you can hear or see.</a:t>
-            </a:r>
-          </a:p>
-          <a:p>
-            <a:r>
-              <a:rPr lang="en-US" dirty="0"/>
-              <a:t>Examples: Images, music, sound, videos, records, films, animations, and more.</a:t>
-            </a:r>
-          </a:p>
-          <a:p>
-            <a:r>
-              <a:rPr lang="en-US" dirty="0"/>
-              <a:t>Web pages often contain multimedia elements of different types and formats.</a:t>
-            </a:r>
-          </a:p>
-          <a:p>
-            <a:r>
-              <a:rPr lang="en-US" dirty="0"/>
-              <a:t>In this chapter you will learn about the different multimedia formats.</a:t>
-            </a:r>
-          </a:p>
-          <a:p>
-            <a:endParaRPr lang="en-US" dirty="0"/>
+          <a:bodyPr>
+            <a:normAutofit/>
+          </a:bodyPr>
+          <a:lstStyle/>
+          <a:p>
+            <a:r>
+              <a:rPr lang="en-US" sz="2400" dirty="0"/>
+              <a:t>&lt;select name="cars"&gt;</a:t>
+            </a:r>
+            <a:br>
+              <a:rPr lang="en-US" sz="2400" dirty="0"/>
+            </a:br>
+            <a:r>
+              <a:rPr lang="en-US" sz="2400" dirty="0"/>
+              <a:t>  &lt;option value="</a:t>
+            </a:r>
+            <a:r>
+              <a:rPr lang="en-US" sz="2400" dirty="0" err="1"/>
+              <a:t>volvo</a:t>
+            </a:r>
+            <a:r>
+              <a:rPr lang="en-US" sz="2400" dirty="0"/>
+              <a:t>"&gt;Volvo&lt;/option&gt;</a:t>
+            </a:r>
+            <a:br>
+              <a:rPr lang="en-US" sz="2400" dirty="0"/>
+            </a:br>
+            <a:r>
+              <a:rPr lang="en-US" sz="2400" dirty="0"/>
+              <a:t>  &lt;option value="</a:t>
+            </a:r>
+            <a:r>
+              <a:rPr lang="en-US" sz="2400" dirty="0" err="1"/>
+              <a:t>saab</a:t>
+            </a:r>
+            <a:r>
+              <a:rPr lang="en-US" sz="2400" dirty="0"/>
+              <a:t>"&gt;Saab&lt;/option&gt;</a:t>
+            </a:r>
+            <a:br>
+              <a:rPr lang="en-US" sz="2400" dirty="0"/>
+            </a:br>
+            <a:r>
+              <a:rPr lang="en-US" sz="2400" dirty="0"/>
+              <a:t>  &lt;option value="fiat"&gt;Fiat&lt;/option&gt;</a:t>
+            </a:r>
+            <a:br>
+              <a:rPr lang="en-US" sz="2400" dirty="0"/>
+            </a:br>
+            <a:r>
+              <a:rPr lang="en-US" sz="2400" dirty="0"/>
+              <a:t>  &lt;option value="</a:t>
+            </a:r>
+            <a:r>
+              <a:rPr lang="en-US" sz="2400" dirty="0" err="1"/>
+              <a:t>audi</a:t>
+            </a:r>
+            <a:r>
+              <a:rPr lang="en-US" sz="2400" dirty="0"/>
+              <a:t>"&gt;Audi&lt;/option&gt;</a:t>
+            </a:r>
+            <a:br>
+              <a:rPr lang="en-US" sz="2400" dirty="0"/>
+            </a:br>
+            <a:r>
+              <a:rPr lang="en-US" sz="2400" dirty="0"/>
+              <a:t>&lt;/select&gt;</a:t>
+            </a:r>
           </a:p>
         </p:txBody>
       </p:sp>
@@ -15014,7 +13590,7 @@
           <p:cNvPr id="4" name="Footer Placeholder 3">
             <a:extLst>
               <a:ext uri="{FF2B5EF4-FFF2-40B4-BE49-F238E27FC236}">
-                <a16:creationId xmlns:a16="http://schemas.microsoft.com/office/drawing/2014/main" id="{0D27E942-1AC8-47C9-A833-4E0A85BF3589}"/>
+                <a16:creationId xmlns:a16="http://schemas.microsoft.com/office/drawing/2014/main" xmlns="" id="{E46D5145-CE78-4ED4-9FC1-3EF5E2B04EC0}"/>
               </a:ext>
             </a:extLst>
           </p:cNvPr>
@@ -15040,7 +13616,7 @@
     </p:spTree>
     <p:extLst>
       <p:ext uri="{BB962C8B-B14F-4D97-AF65-F5344CB8AC3E}">
-        <p14:creationId xmlns:p14="http://schemas.microsoft.com/office/powerpoint/2010/main" val="3198627745"/>
+        <p14:creationId xmlns:p14="http://schemas.microsoft.com/office/powerpoint/2010/main" val="1476604048"/>
       </p:ext>
     </p:extLst>
   </p:cSld>
@@ -15072,7 +13648,7 @@
           <p:cNvPr id="2" name="Title 1">
             <a:extLst>
               <a:ext uri="{FF2B5EF4-FFF2-40B4-BE49-F238E27FC236}">
-                <a16:creationId xmlns:a16="http://schemas.microsoft.com/office/drawing/2014/main" id="{998566CC-4CD4-4A9B-A180-5B5C69798904}"/>
+                <a16:creationId xmlns:a16="http://schemas.microsoft.com/office/drawing/2014/main" xmlns="" id="{30B167E0-41B6-4156-960F-F3709667BF36}"/>
               </a:ext>
             </a:extLst>
           </p:cNvPr>
@@ -15083,14 +13659,21 @@
             <p:ph type="title"/>
           </p:nvPr>
         </p:nvSpPr>
-        <p:spPr/>
-        <p:txBody>
-          <a:bodyPr/>
-          <a:lstStyle/>
-          <a:p>
-            <a:r>
-              <a:rPr lang="en-US" dirty="0"/>
-              <a:t>HTML5 Video</a:t>
+        <p:spPr>
+          <a:xfrm>
+            <a:off x="677334" y="118678"/>
+            <a:ext cx="8596668" cy="655131"/>
+          </a:xfrm>
+        </p:spPr>
+        <p:txBody>
+          <a:bodyPr>
+            <a:normAutofit fontScale="90000"/>
+          </a:bodyPr>
+          <a:lstStyle/>
+          <a:p>
+            <a:r>
+              <a:rPr lang="en-US" dirty="0"/>
+              <a:t>HTML Input Types</a:t>
             </a:r>
             <a:br>
               <a:rPr lang="en-US" dirty="0"/>
@@ -15101,10 +13684,10 @@
       </p:sp>
       <p:sp>
         <p:nvSpPr>
-          <p:cNvPr id="3" name="Content Placeholder 2">
+          <p:cNvPr id="4" name="Footer Placeholder 3">
             <a:extLst>
               <a:ext uri="{FF2B5EF4-FFF2-40B4-BE49-F238E27FC236}">
-                <a16:creationId xmlns:a16="http://schemas.microsoft.com/office/drawing/2014/main" id="{FFCE976E-3DEC-452D-98B6-013FD0164E24}"/>
+                <a16:creationId xmlns:a16="http://schemas.microsoft.com/office/drawing/2014/main" xmlns="" id="{DCAB70FE-935C-4771-BC35-18D0B7DE3E34}"/>
               </a:ext>
             </a:extLst>
           </p:cNvPr>
@@ -15112,107 +13695,1042 @@
             <a:spLocks noGrp="1"/>
           </p:cNvSpPr>
           <p:nvPr>
-            <p:ph idx="1"/>
+            <p:ph type="ftr" sz="quarter" idx="11"/>
           </p:nvPr>
         </p:nvSpPr>
         <p:spPr/>
         <p:txBody>
-          <a:bodyPr>
-            <a:normAutofit/>
-          </a:bodyPr>
-          <a:lstStyle/>
-          <a:p>
-            <a:r>
-              <a:rPr lang="en-US" sz="2400" dirty="0"/>
-              <a:t>&lt;video width="320" height="240" controls&gt;</a:t>
-            </a:r>
-            <a:br>
-              <a:rPr lang="en-US" sz="2400" dirty="0"/>
-            </a:br>
-            <a:r>
-              <a:rPr lang="en-US" sz="2400" dirty="0"/>
-              <a:t>  &lt;source </a:t>
-            </a:r>
-            <a:r>
-              <a:rPr lang="en-US" sz="2400" dirty="0" err="1"/>
-              <a:t>src</a:t>
-            </a:r>
-            <a:r>
-              <a:rPr lang="en-US" sz="2400" dirty="0"/>
-              <a:t>="movie.mp4" type="video/mp4"&gt;</a:t>
-            </a:r>
-            <a:br>
-              <a:rPr lang="en-US" sz="2400" dirty="0"/>
-            </a:br>
-            <a:r>
-              <a:rPr lang="en-US" sz="2400" dirty="0"/>
-              <a:t>  &lt;source </a:t>
-            </a:r>
-            <a:r>
-              <a:rPr lang="en-US" sz="2400" dirty="0" err="1"/>
-              <a:t>src</a:t>
-            </a:r>
-            <a:r>
-              <a:rPr lang="en-US" sz="2400" dirty="0"/>
-              <a:t>="movie.ogg" type="video/</a:t>
-            </a:r>
-            <a:r>
-              <a:rPr lang="en-US" sz="2400" dirty="0" err="1"/>
-              <a:t>ogg</a:t>
-            </a:r>
-            <a:r>
-              <a:rPr lang="en-US" sz="2400" dirty="0"/>
-              <a:t>"&gt;</a:t>
-            </a:r>
-            <a:br>
-              <a:rPr lang="en-US" sz="2400" dirty="0"/>
-            </a:br>
-            <a:r>
-              <a:rPr lang="en-US" sz="2400" dirty="0"/>
-              <a:t>Your browser does not support the video tag.</a:t>
-            </a:r>
-            <a:br>
-              <a:rPr lang="en-US" sz="2400" dirty="0"/>
-            </a:br>
-            <a:r>
-              <a:rPr lang="en-US" sz="2400" dirty="0"/>
-              <a:t>&lt;/video&gt;</a:t>
-            </a:r>
-          </a:p>
-        </p:txBody>
-      </p:sp>
-      <p:sp>
-        <p:nvSpPr>
-          <p:cNvPr id="4" name="Footer Placeholder 3">
+          <a:bodyPr/>
+          <a:lstStyle/>
+          <a:p>
+            <a:r>
+              <a:rPr lang="en-US"/>
+              <a:t>BITM</a:t>
+            </a:r>
+          </a:p>
+        </p:txBody>
+      </p:sp>
+      <p:sp>
+        <p:nvSpPr>
+          <p:cNvPr id="5" name="Rectangle 1">
             <a:extLst>
               <a:ext uri="{FF2B5EF4-FFF2-40B4-BE49-F238E27FC236}">
-                <a16:creationId xmlns:a16="http://schemas.microsoft.com/office/drawing/2014/main" id="{70056879-36C8-4D43-9EEA-04A1437C1449}"/>
+                <a16:creationId xmlns:a16="http://schemas.microsoft.com/office/drawing/2014/main" xmlns="" id="{0955092A-EBB6-43DF-8177-3216862E1C2D}"/>
               </a:ext>
             </a:extLst>
           </p:cNvPr>
           <p:cNvSpPr>
-            <a:spLocks noGrp="1"/>
-          </p:cNvSpPr>
-          <p:nvPr>
-            <p:ph type="ftr" sz="quarter" idx="11"/>
-          </p:nvPr>
-        </p:nvSpPr>
-        <p:spPr/>
-        <p:txBody>
-          <a:bodyPr/>
-          <a:lstStyle/>
-          <a:p>
-            <a:r>
-              <a:rPr lang="en-US"/>
-              <a:t>BITM</a:t>
-            </a:r>
+            <a:spLocks noGrp="1" noChangeArrowheads="1"/>
+          </p:cNvSpPr>
+          <p:nvPr>
+            <p:ph idx="1"/>
+          </p:nvPr>
+        </p:nvSpPr>
+        <p:spPr bwMode="auto">
+          <a:xfrm>
+            <a:off x="677334" y="677585"/>
+            <a:ext cx="5418665" cy="6186309"/>
+          </a:xfrm>
+          <a:prstGeom prst="rect">
+            <a:avLst/>
+          </a:prstGeom>
+          <a:solidFill>
+            <a:srgbClr val="F1F1F1"/>
+          </a:solidFill>
+          <a:ln>
+            <a:noFill/>
+          </a:ln>
+          <a:effectLst/>
+          <a:extLst>
+            <a:ext uri="{91240B29-F687-4F45-9708-019B960494DF}">
+              <a14:hiddenLine xmlns:a14="http://schemas.microsoft.com/office/drawing/2010/main" w="9525">
+                <a:solidFill>
+                  <a:schemeClr val="tx1"/>
+                </a:solidFill>
+                <a:miter lim="800000"/>
+                <a:headEnd/>
+                <a:tailEnd/>
+              </a14:hiddenLine>
+            </a:ext>
+            <a:ext uri="{AF507438-7753-43E0-B8FC-AC1667EBCBE1}">
+              <a14:hiddenEffects xmlns:a14="http://schemas.microsoft.com/office/drawing/2010/main">
+                <a:effectLst>
+                  <a:outerShdw dist="35921" dir="2700000" algn="ctr" rotWithShape="0">
+                    <a:schemeClr val="bg2"/>
+                  </a:outerShdw>
+                </a:effectLst>
+              </a14:hiddenEffects>
+            </a:ext>
+          </a:extLst>
+        </p:spPr>
+        <p:txBody>
+          <a:bodyPr vert="horz" wrap="square" lIns="91440" tIns="45720" rIns="91440" bIns="45720" numCol="1" anchor="ctr" anchorCtr="0" compatLnSpc="1">
+            <a:prstTxWarp prst="textNoShape">
+              <a:avLst/>
+            </a:prstTxWarp>
+            <a:spAutoFit/>
+          </a:bodyPr>
+          <a:lstStyle/>
+          <a:p>
+            <a:pPr marL="0" marR="0" lvl="0" indent="0" algn="l" defTabSz="914400" rtl="0" eaLnBrk="0" fontAlgn="base" latinLnBrk="0" hangingPunct="0">
+              <a:lnSpc>
+                <a:spcPct val="100000"/>
+              </a:lnSpc>
+              <a:spcBef>
+                <a:spcPct val="0"/>
+              </a:spcBef>
+              <a:spcAft>
+                <a:spcPct val="0"/>
+              </a:spcAft>
+              <a:buClrTx/>
+              <a:buSzTx/>
+              <a:buFontTx/>
+              <a:buChar char="•"/>
+              <a:tabLst/>
+            </a:pPr>
+            <a:r>
+              <a:rPr kumimoji="0" lang="en-US" altLang="en-US" b="0" i="0" u="none" strike="noStrike" cap="none" normalizeH="0" baseline="0" dirty="0">
+                <a:ln>
+                  <a:noFill/>
+                </a:ln>
+                <a:solidFill>
+                  <a:srgbClr val="DC143C"/>
+                </a:solidFill>
+                <a:effectLst/>
+                <a:latin typeface="Consolas" panose="020B0609020204030204" pitchFamily="49" charset="0"/>
+              </a:rPr>
+              <a:t>&lt;input type="button"&gt;</a:t>
+            </a:r>
+            <a:endParaRPr kumimoji="0" lang="en-US" altLang="en-US" b="0" i="0" u="none" strike="noStrike" cap="none" normalizeH="0" baseline="0" dirty="0">
+              <a:ln>
+                <a:noFill/>
+              </a:ln>
+              <a:solidFill>
+                <a:srgbClr val="000000"/>
+              </a:solidFill>
+              <a:effectLst/>
+              <a:latin typeface="Verdana" panose="020B0604030504040204" pitchFamily="34" charset="0"/>
+            </a:endParaRPr>
+          </a:p>
+          <a:p>
+            <a:pPr marL="0" marR="0" lvl="0" indent="0" algn="l" defTabSz="914400" rtl="0" eaLnBrk="0" fontAlgn="base" latinLnBrk="0" hangingPunct="0">
+              <a:lnSpc>
+                <a:spcPct val="100000"/>
+              </a:lnSpc>
+              <a:spcBef>
+                <a:spcPct val="0"/>
+              </a:spcBef>
+              <a:spcAft>
+                <a:spcPct val="0"/>
+              </a:spcAft>
+              <a:buClrTx/>
+              <a:buSzTx/>
+              <a:buFontTx/>
+              <a:buChar char="•"/>
+              <a:tabLst/>
+            </a:pPr>
+            <a:r>
+              <a:rPr kumimoji="0" lang="en-US" altLang="en-US" b="0" i="0" u="none" strike="noStrike" cap="none" normalizeH="0" baseline="0" dirty="0">
+                <a:ln>
+                  <a:noFill/>
+                </a:ln>
+                <a:solidFill>
+                  <a:srgbClr val="DC143C"/>
+                </a:solidFill>
+                <a:effectLst/>
+                <a:latin typeface="Consolas" panose="020B0609020204030204" pitchFamily="49" charset="0"/>
+              </a:rPr>
+              <a:t>&lt;input type="checkbox"&gt;</a:t>
+            </a:r>
+            <a:endParaRPr kumimoji="0" lang="en-US" altLang="en-US" b="0" i="0" u="none" strike="noStrike" cap="none" normalizeH="0" baseline="0" dirty="0">
+              <a:ln>
+                <a:noFill/>
+              </a:ln>
+              <a:solidFill>
+                <a:srgbClr val="000000"/>
+              </a:solidFill>
+              <a:effectLst/>
+              <a:latin typeface="Verdana" panose="020B0604030504040204" pitchFamily="34" charset="0"/>
+            </a:endParaRPr>
+          </a:p>
+          <a:p>
+            <a:pPr marL="0" marR="0" lvl="0" indent="0" algn="l" defTabSz="914400" rtl="0" eaLnBrk="0" fontAlgn="base" latinLnBrk="0" hangingPunct="0">
+              <a:lnSpc>
+                <a:spcPct val="100000"/>
+              </a:lnSpc>
+              <a:spcBef>
+                <a:spcPct val="0"/>
+              </a:spcBef>
+              <a:spcAft>
+                <a:spcPct val="0"/>
+              </a:spcAft>
+              <a:buClrTx/>
+              <a:buSzTx/>
+              <a:buFontTx/>
+              <a:buChar char="•"/>
+              <a:tabLst/>
+            </a:pPr>
+            <a:r>
+              <a:rPr kumimoji="0" lang="en-US" altLang="en-US" b="0" i="0" u="none" strike="noStrike" cap="none" normalizeH="0" baseline="0" dirty="0">
+                <a:ln>
+                  <a:noFill/>
+                </a:ln>
+                <a:solidFill>
+                  <a:srgbClr val="DC143C"/>
+                </a:solidFill>
+                <a:effectLst/>
+                <a:latin typeface="Consolas" panose="020B0609020204030204" pitchFamily="49" charset="0"/>
+              </a:rPr>
+              <a:t>&lt;input type="color"&gt;</a:t>
+            </a:r>
+            <a:endParaRPr kumimoji="0" lang="en-US" altLang="en-US" b="0" i="0" u="none" strike="noStrike" cap="none" normalizeH="0" baseline="0" dirty="0">
+              <a:ln>
+                <a:noFill/>
+              </a:ln>
+              <a:solidFill>
+                <a:srgbClr val="000000"/>
+              </a:solidFill>
+              <a:effectLst/>
+              <a:latin typeface="Verdana" panose="020B0604030504040204" pitchFamily="34" charset="0"/>
+            </a:endParaRPr>
+          </a:p>
+          <a:p>
+            <a:pPr marL="0" marR="0" lvl="0" indent="0" algn="l" defTabSz="914400" rtl="0" eaLnBrk="0" fontAlgn="base" latinLnBrk="0" hangingPunct="0">
+              <a:lnSpc>
+                <a:spcPct val="100000"/>
+              </a:lnSpc>
+              <a:spcBef>
+                <a:spcPct val="0"/>
+              </a:spcBef>
+              <a:spcAft>
+                <a:spcPct val="0"/>
+              </a:spcAft>
+              <a:buClrTx/>
+              <a:buSzTx/>
+              <a:buFontTx/>
+              <a:buChar char="•"/>
+              <a:tabLst/>
+            </a:pPr>
+            <a:r>
+              <a:rPr kumimoji="0" lang="en-US" altLang="en-US" b="0" i="0" u="none" strike="noStrike" cap="none" normalizeH="0" baseline="0" dirty="0">
+                <a:ln>
+                  <a:noFill/>
+                </a:ln>
+                <a:solidFill>
+                  <a:srgbClr val="DC143C"/>
+                </a:solidFill>
+                <a:effectLst/>
+                <a:latin typeface="Consolas" panose="020B0609020204030204" pitchFamily="49" charset="0"/>
+              </a:rPr>
+              <a:t>&lt;input type="date"&gt;</a:t>
+            </a:r>
+            <a:endParaRPr kumimoji="0" lang="en-US" altLang="en-US" b="0" i="0" u="none" strike="noStrike" cap="none" normalizeH="0" baseline="0" dirty="0">
+              <a:ln>
+                <a:noFill/>
+              </a:ln>
+              <a:solidFill>
+                <a:srgbClr val="000000"/>
+              </a:solidFill>
+              <a:effectLst/>
+              <a:latin typeface="Verdana" panose="020B0604030504040204" pitchFamily="34" charset="0"/>
+            </a:endParaRPr>
+          </a:p>
+          <a:p>
+            <a:pPr marL="0" marR="0" lvl="0" indent="0" algn="l" defTabSz="914400" rtl="0" eaLnBrk="0" fontAlgn="base" latinLnBrk="0" hangingPunct="0">
+              <a:lnSpc>
+                <a:spcPct val="100000"/>
+              </a:lnSpc>
+              <a:spcBef>
+                <a:spcPct val="0"/>
+              </a:spcBef>
+              <a:spcAft>
+                <a:spcPct val="0"/>
+              </a:spcAft>
+              <a:buClrTx/>
+              <a:buSzTx/>
+              <a:buFontTx/>
+              <a:buChar char="•"/>
+              <a:tabLst/>
+            </a:pPr>
+            <a:r>
+              <a:rPr kumimoji="0" lang="en-US" altLang="en-US" b="0" i="0" u="none" strike="noStrike" cap="none" normalizeH="0" baseline="0" dirty="0">
+                <a:ln>
+                  <a:noFill/>
+                </a:ln>
+                <a:solidFill>
+                  <a:srgbClr val="DC143C"/>
+                </a:solidFill>
+                <a:effectLst/>
+                <a:latin typeface="Consolas" panose="020B0609020204030204" pitchFamily="49" charset="0"/>
+              </a:rPr>
+              <a:t>&lt;input type="datetime-local"&gt;</a:t>
+            </a:r>
+            <a:endParaRPr kumimoji="0" lang="en-US" altLang="en-US" b="0" i="0" u="none" strike="noStrike" cap="none" normalizeH="0" baseline="0" dirty="0">
+              <a:ln>
+                <a:noFill/>
+              </a:ln>
+              <a:solidFill>
+                <a:srgbClr val="000000"/>
+              </a:solidFill>
+              <a:effectLst/>
+              <a:latin typeface="Verdana" panose="020B0604030504040204" pitchFamily="34" charset="0"/>
+            </a:endParaRPr>
+          </a:p>
+          <a:p>
+            <a:pPr marL="0" marR="0" lvl="0" indent="0" algn="l" defTabSz="914400" rtl="0" eaLnBrk="0" fontAlgn="base" latinLnBrk="0" hangingPunct="0">
+              <a:lnSpc>
+                <a:spcPct val="100000"/>
+              </a:lnSpc>
+              <a:spcBef>
+                <a:spcPct val="0"/>
+              </a:spcBef>
+              <a:spcAft>
+                <a:spcPct val="0"/>
+              </a:spcAft>
+              <a:buClrTx/>
+              <a:buSzTx/>
+              <a:buFontTx/>
+              <a:buChar char="•"/>
+              <a:tabLst/>
+            </a:pPr>
+            <a:r>
+              <a:rPr kumimoji="0" lang="en-US" altLang="en-US" b="0" i="0" u="none" strike="noStrike" cap="none" normalizeH="0" baseline="0" dirty="0">
+                <a:ln>
+                  <a:noFill/>
+                </a:ln>
+                <a:solidFill>
+                  <a:srgbClr val="DC143C"/>
+                </a:solidFill>
+                <a:effectLst/>
+                <a:latin typeface="Consolas" panose="020B0609020204030204" pitchFamily="49" charset="0"/>
+              </a:rPr>
+              <a:t>&lt;input type="email"&gt;</a:t>
+            </a:r>
+            <a:endParaRPr kumimoji="0" lang="en-US" altLang="en-US" b="0" i="0" u="none" strike="noStrike" cap="none" normalizeH="0" baseline="0" dirty="0">
+              <a:ln>
+                <a:noFill/>
+              </a:ln>
+              <a:solidFill>
+                <a:srgbClr val="000000"/>
+              </a:solidFill>
+              <a:effectLst/>
+              <a:latin typeface="Verdana" panose="020B0604030504040204" pitchFamily="34" charset="0"/>
+            </a:endParaRPr>
+          </a:p>
+          <a:p>
+            <a:pPr marL="0" marR="0" lvl="0" indent="0" algn="l" defTabSz="914400" rtl="0" eaLnBrk="0" fontAlgn="base" latinLnBrk="0" hangingPunct="0">
+              <a:lnSpc>
+                <a:spcPct val="100000"/>
+              </a:lnSpc>
+              <a:spcBef>
+                <a:spcPct val="0"/>
+              </a:spcBef>
+              <a:spcAft>
+                <a:spcPct val="0"/>
+              </a:spcAft>
+              <a:buClrTx/>
+              <a:buSzTx/>
+              <a:buFontTx/>
+              <a:buChar char="•"/>
+              <a:tabLst/>
+            </a:pPr>
+            <a:r>
+              <a:rPr kumimoji="0" lang="en-US" altLang="en-US" b="0" i="0" u="none" strike="noStrike" cap="none" normalizeH="0" baseline="0" dirty="0">
+                <a:ln>
+                  <a:noFill/>
+                </a:ln>
+                <a:solidFill>
+                  <a:srgbClr val="DC143C"/>
+                </a:solidFill>
+                <a:effectLst/>
+                <a:latin typeface="Consolas" panose="020B0609020204030204" pitchFamily="49" charset="0"/>
+              </a:rPr>
+              <a:t>&lt;input type="file"&gt;</a:t>
+            </a:r>
+            <a:endParaRPr kumimoji="0" lang="en-US" altLang="en-US" b="0" i="0" u="none" strike="noStrike" cap="none" normalizeH="0" baseline="0" dirty="0">
+              <a:ln>
+                <a:noFill/>
+              </a:ln>
+              <a:solidFill>
+                <a:srgbClr val="000000"/>
+              </a:solidFill>
+              <a:effectLst/>
+              <a:latin typeface="Verdana" panose="020B0604030504040204" pitchFamily="34" charset="0"/>
+            </a:endParaRPr>
+          </a:p>
+          <a:p>
+            <a:pPr marL="0" marR="0" lvl="0" indent="0" algn="l" defTabSz="914400" rtl="0" eaLnBrk="0" fontAlgn="base" latinLnBrk="0" hangingPunct="0">
+              <a:lnSpc>
+                <a:spcPct val="100000"/>
+              </a:lnSpc>
+              <a:spcBef>
+                <a:spcPct val="0"/>
+              </a:spcBef>
+              <a:spcAft>
+                <a:spcPct val="0"/>
+              </a:spcAft>
+              <a:buClrTx/>
+              <a:buSzTx/>
+              <a:buFontTx/>
+              <a:buChar char="•"/>
+              <a:tabLst/>
+            </a:pPr>
+            <a:r>
+              <a:rPr kumimoji="0" lang="en-US" altLang="en-US" b="0" i="0" u="none" strike="noStrike" cap="none" normalizeH="0" baseline="0" dirty="0">
+                <a:ln>
+                  <a:noFill/>
+                </a:ln>
+                <a:solidFill>
+                  <a:srgbClr val="DC143C"/>
+                </a:solidFill>
+                <a:effectLst/>
+                <a:latin typeface="Consolas" panose="020B0609020204030204" pitchFamily="49" charset="0"/>
+              </a:rPr>
+              <a:t>&lt;input type="hidden"&gt;</a:t>
+            </a:r>
+            <a:endParaRPr kumimoji="0" lang="en-US" altLang="en-US" b="0" i="0" u="none" strike="noStrike" cap="none" normalizeH="0" baseline="0" dirty="0">
+              <a:ln>
+                <a:noFill/>
+              </a:ln>
+              <a:solidFill>
+                <a:srgbClr val="000000"/>
+              </a:solidFill>
+              <a:effectLst/>
+              <a:latin typeface="Verdana" panose="020B0604030504040204" pitchFamily="34" charset="0"/>
+            </a:endParaRPr>
+          </a:p>
+          <a:p>
+            <a:pPr marL="0" marR="0" lvl="0" indent="0" algn="l" defTabSz="914400" rtl="0" eaLnBrk="0" fontAlgn="base" latinLnBrk="0" hangingPunct="0">
+              <a:lnSpc>
+                <a:spcPct val="100000"/>
+              </a:lnSpc>
+              <a:spcBef>
+                <a:spcPct val="0"/>
+              </a:spcBef>
+              <a:spcAft>
+                <a:spcPct val="0"/>
+              </a:spcAft>
+              <a:buClrTx/>
+              <a:buSzTx/>
+              <a:buFontTx/>
+              <a:buChar char="•"/>
+              <a:tabLst/>
+            </a:pPr>
+            <a:r>
+              <a:rPr kumimoji="0" lang="en-US" altLang="en-US" b="0" i="0" u="none" strike="noStrike" cap="none" normalizeH="0" baseline="0" dirty="0">
+                <a:ln>
+                  <a:noFill/>
+                </a:ln>
+                <a:solidFill>
+                  <a:srgbClr val="DC143C"/>
+                </a:solidFill>
+                <a:effectLst/>
+                <a:latin typeface="Consolas" panose="020B0609020204030204" pitchFamily="49" charset="0"/>
+              </a:rPr>
+              <a:t>&lt;input type="image"&gt;</a:t>
+            </a:r>
+            <a:endParaRPr kumimoji="0" lang="en-US" altLang="en-US" b="0" i="0" u="none" strike="noStrike" cap="none" normalizeH="0" baseline="0" dirty="0">
+              <a:ln>
+                <a:noFill/>
+              </a:ln>
+              <a:solidFill>
+                <a:srgbClr val="000000"/>
+              </a:solidFill>
+              <a:effectLst/>
+              <a:latin typeface="Verdana" panose="020B0604030504040204" pitchFamily="34" charset="0"/>
+            </a:endParaRPr>
+          </a:p>
+          <a:p>
+            <a:pPr marL="0" marR="0" lvl="0" indent="0" algn="l" defTabSz="914400" rtl="0" eaLnBrk="0" fontAlgn="base" latinLnBrk="0" hangingPunct="0">
+              <a:lnSpc>
+                <a:spcPct val="100000"/>
+              </a:lnSpc>
+              <a:spcBef>
+                <a:spcPct val="0"/>
+              </a:spcBef>
+              <a:spcAft>
+                <a:spcPct val="0"/>
+              </a:spcAft>
+              <a:buClrTx/>
+              <a:buSzTx/>
+              <a:buFontTx/>
+              <a:buChar char="•"/>
+              <a:tabLst/>
+            </a:pPr>
+            <a:r>
+              <a:rPr kumimoji="0" lang="en-US" altLang="en-US" b="0" i="0" u="none" strike="noStrike" cap="none" normalizeH="0" baseline="0" dirty="0">
+                <a:ln>
+                  <a:noFill/>
+                </a:ln>
+                <a:solidFill>
+                  <a:srgbClr val="DC143C"/>
+                </a:solidFill>
+                <a:effectLst/>
+                <a:latin typeface="Consolas" panose="020B0609020204030204" pitchFamily="49" charset="0"/>
+              </a:rPr>
+              <a:t>&lt;input type="month"&gt;</a:t>
+            </a:r>
+            <a:endParaRPr kumimoji="0" lang="en-US" altLang="en-US" b="0" i="0" u="none" strike="noStrike" cap="none" normalizeH="0" baseline="0" dirty="0">
+              <a:ln>
+                <a:noFill/>
+              </a:ln>
+              <a:solidFill>
+                <a:srgbClr val="000000"/>
+              </a:solidFill>
+              <a:effectLst/>
+              <a:latin typeface="Verdana" panose="020B0604030504040204" pitchFamily="34" charset="0"/>
+            </a:endParaRPr>
+          </a:p>
+          <a:p>
+            <a:pPr marL="0" marR="0" lvl="0" indent="0" algn="l" defTabSz="914400" rtl="0" eaLnBrk="0" fontAlgn="base" latinLnBrk="0" hangingPunct="0">
+              <a:lnSpc>
+                <a:spcPct val="100000"/>
+              </a:lnSpc>
+              <a:spcBef>
+                <a:spcPct val="0"/>
+              </a:spcBef>
+              <a:spcAft>
+                <a:spcPct val="0"/>
+              </a:spcAft>
+              <a:buClrTx/>
+              <a:buSzTx/>
+              <a:buFontTx/>
+              <a:buChar char="•"/>
+              <a:tabLst/>
+            </a:pPr>
+            <a:r>
+              <a:rPr kumimoji="0" lang="en-US" altLang="en-US" b="0" i="0" u="none" strike="noStrike" cap="none" normalizeH="0" baseline="0" dirty="0">
+                <a:ln>
+                  <a:noFill/>
+                </a:ln>
+                <a:solidFill>
+                  <a:srgbClr val="DC143C"/>
+                </a:solidFill>
+                <a:effectLst/>
+                <a:latin typeface="Consolas" panose="020B0609020204030204" pitchFamily="49" charset="0"/>
+              </a:rPr>
+              <a:t>&lt;input type="number"&gt;</a:t>
+            </a:r>
+            <a:endParaRPr kumimoji="0" lang="en-US" altLang="en-US" b="0" i="0" u="none" strike="noStrike" cap="none" normalizeH="0" baseline="0" dirty="0">
+              <a:ln>
+                <a:noFill/>
+              </a:ln>
+              <a:solidFill>
+                <a:srgbClr val="000000"/>
+              </a:solidFill>
+              <a:effectLst/>
+              <a:latin typeface="Verdana" panose="020B0604030504040204" pitchFamily="34" charset="0"/>
+            </a:endParaRPr>
+          </a:p>
+          <a:p>
+            <a:pPr marL="0" marR="0" lvl="0" indent="0" algn="l" defTabSz="914400" rtl="0" eaLnBrk="0" fontAlgn="base" latinLnBrk="0" hangingPunct="0">
+              <a:lnSpc>
+                <a:spcPct val="100000"/>
+              </a:lnSpc>
+              <a:spcBef>
+                <a:spcPct val="0"/>
+              </a:spcBef>
+              <a:spcAft>
+                <a:spcPct val="0"/>
+              </a:spcAft>
+              <a:buClrTx/>
+              <a:buSzTx/>
+              <a:buFontTx/>
+              <a:buChar char="•"/>
+              <a:tabLst/>
+            </a:pPr>
+            <a:r>
+              <a:rPr kumimoji="0" lang="en-US" altLang="en-US" b="0" i="0" u="none" strike="noStrike" cap="none" normalizeH="0" baseline="0" dirty="0">
+                <a:ln>
+                  <a:noFill/>
+                </a:ln>
+                <a:solidFill>
+                  <a:srgbClr val="DC143C"/>
+                </a:solidFill>
+                <a:effectLst/>
+                <a:latin typeface="Consolas" panose="020B0609020204030204" pitchFamily="49" charset="0"/>
+              </a:rPr>
+              <a:t>&lt;input type="password"&gt;</a:t>
+            </a:r>
+            <a:endParaRPr kumimoji="0" lang="en-US" altLang="en-US" b="0" i="0" u="none" strike="noStrike" cap="none" normalizeH="0" baseline="0" dirty="0">
+              <a:ln>
+                <a:noFill/>
+              </a:ln>
+              <a:solidFill>
+                <a:srgbClr val="000000"/>
+              </a:solidFill>
+              <a:effectLst/>
+              <a:latin typeface="Verdana" panose="020B0604030504040204" pitchFamily="34" charset="0"/>
+            </a:endParaRPr>
+          </a:p>
+          <a:p>
+            <a:pPr marL="0" marR="0" lvl="0" indent="0" algn="l" defTabSz="914400" rtl="0" eaLnBrk="0" fontAlgn="base" latinLnBrk="0" hangingPunct="0">
+              <a:lnSpc>
+                <a:spcPct val="100000"/>
+              </a:lnSpc>
+              <a:spcBef>
+                <a:spcPct val="0"/>
+              </a:spcBef>
+              <a:spcAft>
+                <a:spcPct val="0"/>
+              </a:spcAft>
+              <a:buClrTx/>
+              <a:buSzTx/>
+              <a:buFontTx/>
+              <a:buChar char="•"/>
+              <a:tabLst/>
+            </a:pPr>
+            <a:r>
+              <a:rPr kumimoji="0" lang="en-US" altLang="en-US" b="0" i="0" u="none" strike="noStrike" cap="none" normalizeH="0" baseline="0" dirty="0">
+                <a:ln>
+                  <a:noFill/>
+                </a:ln>
+                <a:solidFill>
+                  <a:srgbClr val="DC143C"/>
+                </a:solidFill>
+                <a:effectLst/>
+                <a:latin typeface="Consolas" panose="020B0609020204030204" pitchFamily="49" charset="0"/>
+              </a:rPr>
+              <a:t>&lt;input type="radio"&gt;</a:t>
+            </a:r>
+            <a:endParaRPr kumimoji="0" lang="en-US" altLang="en-US" b="0" i="0" u="none" strike="noStrike" cap="none" normalizeH="0" baseline="0" dirty="0">
+              <a:ln>
+                <a:noFill/>
+              </a:ln>
+              <a:solidFill>
+                <a:srgbClr val="000000"/>
+              </a:solidFill>
+              <a:effectLst/>
+              <a:latin typeface="Verdana" panose="020B0604030504040204" pitchFamily="34" charset="0"/>
+            </a:endParaRPr>
+          </a:p>
+          <a:p>
+            <a:pPr marL="0" marR="0" lvl="0" indent="0" algn="l" defTabSz="914400" rtl="0" eaLnBrk="0" fontAlgn="base" latinLnBrk="0" hangingPunct="0">
+              <a:lnSpc>
+                <a:spcPct val="100000"/>
+              </a:lnSpc>
+              <a:spcBef>
+                <a:spcPct val="0"/>
+              </a:spcBef>
+              <a:spcAft>
+                <a:spcPct val="0"/>
+              </a:spcAft>
+              <a:buClrTx/>
+              <a:buSzTx/>
+              <a:buFontTx/>
+              <a:buChar char="•"/>
+              <a:tabLst/>
+            </a:pPr>
+            <a:r>
+              <a:rPr kumimoji="0" lang="en-US" altLang="en-US" b="0" i="0" u="none" strike="noStrike" cap="none" normalizeH="0" baseline="0" dirty="0">
+                <a:ln>
+                  <a:noFill/>
+                </a:ln>
+                <a:solidFill>
+                  <a:srgbClr val="DC143C"/>
+                </a:solidFill>
+                <a:effectLst/>
+                <a:latin typeface="Consolas" panose="020B0609020204030204" pitchFamily="49" charset="0"/>
+              </a:rPr>
+              <a:t>&lt;input type="range"&gt;</a:t>
+            </a:r>
+            <a:endParaRPr kumimoji="0" lang="en-US" altLang="en-US" b="0" i="0" u="none" strike="noStrike" cap="none" normalizeH="0" baseline="0" dirty="0">
+              <a:ln>
+                <a:noFill/>
+              </a:ln>
+              <a:solidFill>
+                <a:srgbClr val="000000"/>
+              </a:solidFill>
+              <a:effectLst/>
+              <a:latin typeface="Verdana" panose="020B0604030504040204" pitchFamily="34" charset="0"/>
+            </a:endParaRPr>
+          </a:p>
+          <a:p>
+            <a:pPr marL="0" marR="0" lvl="0" indent="0" algn="l" defTabSz="914400" rtl="0" eaLnBrk="0" fontAlgn="base" latinLnBrk="0" hangingPunct="0">
+              <a:lnSpc>
+                <a:spcPct val="100000"/>
+              </a:lnSpc>
+              <a:spcBef>
+                <a:spcPct val="0"/>
+              </a:spcBef>
+              <a:spcAft>
+                <a:spcPct val="0"/>
+              </a:spcAft>
+              <a:buClrTx/>
+              <a:buSzTx/>
+              <a:buFontTx/>
+              <a:buChar char="•"/>
+              <a:tabLst/>
+            </a:pPr>
+            <a:r>
+              <a:rPr kumimoji="0" lang="en-US" altLang="en-US" b="0" i="0" u="none" strike="noStrike" cap="none" normalizeH="0" baseline="0" dirty="0">
+                <a:ln>
+                  <a:noFill/>
+                </a:ln>
+                <a:solidFill>
+                  <a:srgbClr val="DC143C"/>
+                </a:solidFill>
+                <a:effectLst/>
+                <a:latin typeface="Consolas" panose="020B0609020204030204" pitchFamily="49" charset="0"/>
+              </a:rPr>
+              <a:t>&lt;input type="reset"&gt;</a:t>
+            </a:r>
+            <a:endParaRPr kumimoji="0" lang="en-US" altLang="en-US" b="0" i="0" u="none" strike="noStrike" cap="none" normalizeH="0" baseline="0" dirty="0">
+              <a:ln>
+                <a:noFill/>
+              </a:ln>
+              <a:solidFill>
+                <a:srgbClr val="000000"/>
+              </a:solidFill>
+              <a:effectLst/>
+              <a:latin typeface="Verdana" panose="020B0604030504040204" pitchFamily="34" charset="0"/>
+            </a:endParaRPr>
+          </a:p>
+          <a:p>
+            <a:pPr marL="0" marR="0" lvl="0" indent="0" algn="l" defTabSz="914400" rtl="0" eaLnBrk="0" fontAlgn="base" latinLnBrk="0" hangingPunct="0">
+              <a:lnSpc>
+                <a:spcPct val="100000"/>
+              </a:lnSpc>
+              <a:spcBef>
+                <a:spcPct val="0"/>
+              </a:spcBef>
+              <a:spcAft>
+                <a:spcPct val="0"/>
+              </a:spcAft>
+              <a:buClrTx/>
+              <a:buSzTx/>
+              <a:buFontTx/>
+              <a:buChar char="•"/>
+              <a:tabLst/>
+            </a:pPr>
+            <a:r>
+              <a:rPr kumimoji="0" lang="en-US" altLang="en-US" b="0" i="0" u="none" strike="noStrike" cap="none" normalizeH="0" baseline="0" dirty="0">
+                <a:ln>
+                  <a:noFill/>
+                </a:ln>
+                <a:solidFill>
+                  <a:srgbClr val="DC143C"/>
+                </a:solidFill>
+                <a:effectLst/>
+                <a:latin typeface="Consolas" panose="020B0609020204030204" pitchFamily="49" charset="0"/>
+              </a:rPr>
+              <a:t>&lt;input type="search"&gt;</a:t>
+            </a:r>
+            <a:endParaRPr kumimoji="0" lang="en-US" altLang="en-US" b="0" i="0" u="none" strike="noStrike" cap="none" normalizeH="0" baseline="0" dirty="0">
+              <a:ln>
+                <a:noFill/>
+              </a:ln>
+              <a:solidFill>
+                <a:srgbClr val="000000"/>
+              </a:solidFill>
+              <a:effectLst/>
+              <a:latin typeface="Verdana" panose="020B0604030504040204" pitchFamily="34" charset="0"/>
+            </a:endParaRPr>
+          </a:p>
+          <a:p>
+            <a:pPr marL="0" marR="0" lvl="0" indent="0" algn="l" defTabSz="914400" rtl="0" eaLnBrk="0" fontAlgn="base" latinLnBrk="0" hangingPunct="0">
+              <a:lnSpc>
+                <a:spcPct val="100000"/>
+              </a:lnSpc>
+              <a:spcBef>
+                <a:spcPct val="0"/>
+              </a:spcBef>
+              <a:spcAft>
+                <a:spcPct val="0"/>
+              </a:spcAft>
+              <a:buClrTx/>
+              <a:buSzTx/>
+              <a:buFontTx/>
+              <a:buChar char="•"/>
+              <a:tabLst/>
+            </a:pPr>
+            <a:r>
+              <a:rPr kumimoji="0" lang="en-US" altLang="en-US" b="0" i="0" u="none" strike="noStrike" cap="none" normalizeH="0" baseline="0" dirty="0">
+                <a:ln>
+                  <a:noFill/>
+                </a:ln>
+                <a:solidFill>
+                  <a:srgbClr val="DC143C"/>
+                </a:solidFill>
+                <a:effectLst/>
+                <a:latin typeface="Consolas" panose="020B0609020204030204" pitchFamily="49" charset="0"/>
+              </a:rPr>
+              <a:t>&lt;input type="submit"&gt;</a:t>
+            </a:r>
+            <a:endParaRPr kumimoji="0" lang="en-US" altLang="en-US" b="0" i="0" u="none" strike="noStrike" cap="none" normalizeH="0" baseline="0" dirty="0">
+              <a:ln>
+                <a:noFill/>
+              </a:ln>
+              <a:solidFill>
+                <a:srgbClr val="000000"/>
+              </a:solidFill>
+              <a:effectLst/>
+              <a:latin typeface="Verdana" panose="020B0604030504040204" pitchFamily="34" charset="0"/>
+            </a:endParaRPr>
+          </a:p>
+          <a:p>
+            <a:pPr marL="0" marR="0" lvl="0" indent="0" algn="l" defTabSz="914400" rtl="0" eaLnBrk="0" fontAlgn="base" latinLnBrk="0" hangingPunct="0">
+              <a:lnSpc>
+                <a:spcPct val="100000"/>
+              </a:lnSpc>
+              <a:spcBef>
+                <a:spcPct val="0"/>
+              </a:spcBef>
+              <a:spcAft>
+                <a:spcPct val="0"/>
+              </a:spcAft>
+              <a:buClrTx/>
+              <a:buSzTx/>
+              <a:buFontTx/>
+              <a:buChar char="•"/>
+              <a:tabLst/>
+            </a:pPr>
+            <a:r>
+              <a:rPr kumimoji="0" lang="en-US" altLang="en-US" b="0" i="0" u="none" strike="noStrike" cap="none" normalizeH="0" baseline="0" dirty="0">
+                <a:ln>
+                  <a:noFill/>
+                </a:ln>
+                <a:solidFill>
+                  <a:srgbClr val="DC143C"/>
+                </a:solidFill>
+                <a:effectLst/>
+                <a:latin typeface="Consolas" panose="020B0609020204030204" pitchFamily="49" charset="0"/>
+              </a:rPr>
+              <a:t>&lt;input type="</a:t>
+            </a:r>
+            <a:r>
+              <a:rPr kumimoji="0" lang="en-US" altLang="en-US" b="0" i="0" u="none" strike="noStrike" cap="none" normalizeH="0" baseline="0" dirty="0" err="1">
+                <a:ln>
+                  <a:noFill/>
+                </a:ln>
+                <a:solidFill>
+                  <a:srgbClr val="DC143C"/>
+                </a:solidFill>
+                <a:effectLst/>
+                <a:latin typeface="Consolas" panose="020B0609020204030204" pitchFamily="49" charset="0"/>
+              </a:rPr>
+              <a:t>tel</a:t>
+            </a:r>
+            <a:r>
+              <a:rPr kumimoji="0" lang="en-US" altLang="en-US" b="0" i="0" u="none" strike="noStrike" cap="none" normalizeH="0" baseline="0" dirty="0">
+                <a:ln>
+                  <a:noFill/>
+                </a:ln>
+                <a:solidFill>
+                  <a:srgbClr val="DC143C"/>
+                </a:solidFill>
+                <a:effectLst/>
+                <a:latin typeface="Consolas" panose="020B0609020204030204" pitchFamily="49" charset="0"/>
+              </a:rPr>
+              <a:t>"&gt;</a:t>
+            </a:r>
+            <a:endParaRPr kumimoji="0" lang="en-US" altLang="en-US" b="0" i="0" u="none" strike="noStrike" cap="none" normalizeH="0" baseline="0" dirty="0">
+              <a:ln>
+                <a:noFill/>
+              </a:ln>
+              <a:solidFill>
+                <a:srgbClr val="000000"/>
+              </a:solidFill>
+              <a:effectLst/>
+              <a:latin typeface="Verdana" panose="020B0604030504040204" pitchFamily="34" charset="0"/>
+            </a:endParaRPr>
+          </a:p>
+          <a:p>
+            <a:pPr marL="0" marR="0" lvl="0" indent="0" algn="l" defTabSz="914400" rtl="0" eaLnBrk="0" fontAlgn="base" latinLnBrk="0" hangingPunct="0">
+              <a:lnSpc>
+                <a:spcPct val="100000"/>
+              </a:lnSpc>
+              <a:spcBef>
+                <a:spcPct val="0"/>
+              </a:spcBef>
+              <a:spcAft>
+                <a:spcPct val="0"/>
+              </a:spcAft>
+              <a:buClrTx/>
+              <a:buSzTx/>
+              <a:buFontTx/>
+              <a:buChar char="•"/>
+              <a:tabLst/>
+            </a:pPr>
+            <a:r>
+              <a:rPr kumimoji="0" lang="en-US" altLang="en-US" b="0" i="0" u="none" strike="noStrike" cap="none" normalizeH="0" baseline="0" dirty="0">
+                <a:ln>
+                  <a:noFill/>
+                </a:ln>
+                <a:solidFill>
+                  <a:srgbClr val="DC143C"/>
+                </a:solidFill>
+                <a:effectLst/>
+                <a:latin typeface="Consolas" panose="020B0609020204030204" pitchFamily="49" charset="0"/>
+              </a:rPr>
+              <a:t>&lt;input type="text"&gt;</a:t>
+            </a:r>
+            <a:endParaRPr kumimoji="0" lang="en-US" altLang="en-US" b="0" i="0" u="none" strike="noStrike" cap="none" normalizeH="0" baseline="0" dirty="0">
+              <a:ln>
+                <a:noFill/>
+              </a:ln>
+              <a:solidFill>
+                <a:srgbClr val="000000"/>
+              </a:solidFill>
+              <a:effectLst/>
+              <a:latin typeface="Verdana" panose="020B0604030504040204" pitchFamily="34" charset="0"/>
+            </a:endParaRPr>
+          </a:p>
+          <a:p>
+            <a:pPr marL="0" marR="0" lvl="0" indent="0" algn="l" defTabSz="914400" rtl="0" eaLnBrk="0" fontAlgn="base" latinLnBrk="0" hangingPunct="0">
+              <a:lnSpc>
+                <a:spcPct val="100000"/>
+              </a:lnSpc>
+              <a:spcBef>
+                <a:spcPct val="0"/>
+              </a:spcBef>
+              <a:spcAft>
+                <a:spcPct val="0"/>
+              </a:spcAft>
+              <a:buClrTx/>
+              <a:buSzTx/>
+              <a:buFontTx/>
+              <a:buChar char="•"/>
+              <a:tabLst/>
+            </a:pPr>
+            <a:r>
+              <a:rPr kumimoji="0" lang="en-US" altLang="en-US" b="0" i="0" u="none" strike="noStrike" cap="none" normalizeH="0" baseline="0" dirty="0">
+                <a:ln>
+                  <a:noFill/>
+                </a:ln>
+                <a:solidFill>
+                  <a:srgbClr val="DC143C"/>
+                </a:solidFill>
+                <a:effectLst/>
+                <a:latin typeface="Consolas" panose="020B0609020204030204" pitchFamily="49" charset="0"/>
+              </a:rPr>
+              <a:t>&lt;input type="time"&gt;</a:t>
+            </a:r>
+            <a:endParaRPr kumimoji="0" lang="en-US" altLang="en-US" b="0" i="0" u="none" strike="noStrike" cap="none" normalizeH="0" baseline="0" dirty="0">
+              <a:ln>
+                <a:noFill/>
+              </a:ln>
+              <a:solidFill>
+                <a:srgbClr val="000000"/>
+              </a:solidFill>
+              <a:effectLst/>
+              <a:latin typeface="Verdana" panose="020B0604030504040204" pitchFamily="34" charset="0"/>
+            </a:endParaRPr>
+          </a:p>
+          <a:p>
+            <a:pPr marL="0" marR="0" lvl="0" indent="0" algn="l" defTabSz="914400" rtl="0" eaLnBrk="0" fontAlgn="base" latinLnBrk="0" hangingPunct="0">
+              <a:lnSpc>
+                <a:spcPct val="100000"/>
+              </a:lnSpc>
+              <a:spcBef>
+                <a:spcPct val="0"/>
+              </a:spcBef>
+              <a:spcAft>
+                <a:spcPct val="0"/>
+              </a:spcAft>
+              <a:buClrTx/>
+              <a:buSzTx/>
+              <a:buFontTx/>
+              <a:buChar char="•"/>
+              <a:tabLst/>
+            </a:pPr>
+            <a:r>
+              <a:rPr kumimoji="0" lang="en-US" altLang="en-US" b="0" i="0" u="none" strike="noStrike" cap="none" normalizeH="0" baseline="0" dirty="0">
+                <a:ln>
+                  <a:noFill/>
+                </a:ln>
+                <a:solidFill>
+                  <a:srgbClr val="DC143C"/>
+                </a:solidFill>
+                <a:effectLst/>
+                <a:latin typeface="Consolas" panose="020B0609020204030204" pitchFamily="49" charset="0"/>
+              </a:rPr>
+              <a:t>&lt;input type="</a:t>
+            </a:r>
+            <a:r>
+              <a:rPr kumimoji="0" lang="en-US" altLang="en-US" b="0" i="0" u="none" strike="noStrike" cap="none" normalizeH="0" baseline="0" dirty="0" err="1">
+                <a:ln>
+                  <a:noFill/>
+                </a:ln>
+                <a:solidFill>
+                  <a:srgbClr val="DC143C"/>
+                </a:solidFill>
+                <a:effectLst/>
+                <a:latin typeface="Consolas" panose="020B0609020204030204" pitchFamily="49" charset="0"/>
+              </a:rPr>
+              <a:t>url</a:t>
+            </a:r>
+            <a:r>
+              <a:rPr kumimoji="0" lang="en-US" altLang="en-US" b="0" i="0" u="none" strike="noStrike" cap="none" normalizeH="0" baseline="0" dirty="0">
+                <a:ln>
+                  <a:noFill/>
+                </a:ln>
+                <a:solidFill>
+                  <a:srgbClr val="DC143C"/>
+                </a:solidFill>
+                <a:effectLst/>
+                <a:latin typeface="Consolas" panose="020B0609020204030204" pitchFamily="49" charset="0"/>
+              </a:rPr>
+              <a:t>"&gt;</a:t>
+            </a:r>
+            <a:endParaRPr kumimoji="0" lang="en-US" altLang="en-US" b="0" i="0" u="none" strike="noStrike" cap="none" normalizeH="0" baseline="0" dirty="0">
+              <a:ln>
+                <a:noFill/>
+              </a:ln>
+              <a:solidFill>
+                <a:srgbClr val="000000"/>
+              </a:solidFill>
+              <a:effectLst/>
+              <a:latin typeface="Verdana" panose="020B0604030504040204" pitchFamily="34" charset="0"/>
+            </a:endParaRPr>
+          </a:p>
+          <a:p>
+            <a:pPr marL="0" marR="0" lvl="0" indent="0" algn="l" defTabSz="914400" rtl="0" eaLnBrk="0" fontAlgn="base" latinLnBrk="0" hangingPunct="0">
+              <a:lnSpc>
+                <a:spcPct val="100000"/>
+              </a:lnSpc>
+              <a:spcBef>
+                <a:spcPct val="0"/>
+              </a:spcBef>
+              <a:spcAft>
+                <a:spcPct val="0"/>
+              </a:spcAft>
+              <a:buClrTx/>
+              <a:buSzTx/>
+              <a:buFontTx/>
+              <a:buChar char="•"/>
+              <a:tabLst/>
+            </a:pPr>
+            <a:r>
+              <a:rPr kumimoji="0" lang="en-US" altLang="en-US" b="0" i="0" u="none" strike="noStrike" cap="none" normalizeH="0" baseline="0" dirty="0">
+                <a:ln>
+                  <a:noFill/>
+                </a:ln>
+                <a:solidFill>
+                  <a:srgbClr val="DC143C"/>
+                </a:solidFill>
+                <a:effectLst/>
+                <a:latin typeface="Consolas" panose="020B0609020204030204" pitchFamily="49" charset="0"/>
+              </a:rPr>
+              <a:t>&lt;input type="week"&gt;</a:t>
+            </a:r>
+            <a:endParaRPr kumimoji="0" lang="en-US" altLang="en-US" sz="1800" b="0" i="0" u="none" strike="noStrike" cap="none" normalizeH="0" baseline="0" dirty="0">
+              <a:ln>
+                <a:noFill/>
+              </a:ln>
+              <a:solidFill>
+                <a:schemeClr val="tx1"/>
+              </a:solidFill>
+              <a:effectLst/>
+              <a:latin typeface="Arial" panose="020B0604020202020204" pitchFamily="34" charset="0"/>
+            </a:endParaRPr>
           </a:p>
         </p:txBody>
       </p:sp>
     </p:spTree>
     <p:extLst>
       <p:ext uri="{BB962C8B-B14F-4D97-AF65-F5344CB8AC3E}">
-        <p14:creationId xmlns:p14="http://schemas.microsoft.com/office/powerpoint/2010/main" val="3404758297"/>
+        <p14:creationId xmlns:p14="http://schemas.microsoft.com/office/powerpoint/2010/main" val="2565619750"/>
       </p:ext>
     </p:extLst>
   </p:cSld>
@@ -15244,7 +14762,7 @@
           <p:cNvPr id="2" name="Title 1">
             <a:extLst>
               <a:ext uri="{FF2B5EF4-FFF2-40B4-BE49-F238E27FC236}">
-                <a16:creationId xmlns:a16="http://schemas.microsoft.com/office/drawing/2014/main" id="{947A71D1-0620-433F-99A4-A111BABA777E}"/>
+                <a16:creationId xmlns:a16="http://schemas.microsoft.com/office/drawing/2014/main" xmlns="" id="{0DC71CFA-9940-4104-8ACD-F7346990A97D}"/>
               </a:ext>
             </a:extLst>
           </p:cNvPr>
@@ -15262,7 +14780,7 @@
           <a:p>
             <a:r>
               <a:rPr lang="en-US" dirty="0"/>
-              <a:t>HTML5 Audio</a:t>
+              <a:t>The Target Attribute</a:t>
             </a:r>
             <a:br>
               <a:rPr lang="en-US" dirty="0"/>
@@ -15276,7 +14794,7 @@
           <p:cNvPr id="3" name="Content Placeholder 2">
             <a:extLst>
               <a:ext uri="{FF2B5EF4-FFF2-40B4-BE49-F238E27FC236}">
-                <a16:creationId xmlns:a16="http://schemas.microsoft.com/office/drawing/2014/main" id="{7504F994-5631-4AB0-9DFF-430703CC9DEE}"/>
+                <a16:creationId xmlns:a16="http://schemas.microsoft.com/office/drawing/2014/main" xmlns="" id="{E76E2FFB-1245-4399-A600-A91447069918}"/>
               </a:ext>
             </a:extLst>
           </p:cNvPr>
@@ -15289,67 +14807,114 @@
         </p:nvSpPr>
         <p:spPr/>
         <p:txBody>
-          <a:bodyPr>
-            <a:normAutofit/>
-          </a:bodyPr>
-          <a:lstStyle/>
-          <a:p>
-            <a:r>
-              <a:rPr lang="en-US" sz="2800" dirty="0"/>
-              <a:t>&lt;audio controls&gt;</a:t>
+          <a:bodyPr/>
+          <a:lstStyle/>
+          <a:p>
+            <a:r>
+              <a:rPr lang="en-US" sz="2400" dirty="0"/>
+              <a:t>&lt;form action="/</a:t>
+            </a:r>
+            <a:r>
+              <a:rPr lang="en-US" sz="2400" dirty="0" err="1"/>
+              <a:t>action_page.php</a:t>
+            </a:r>
+            <a:r>
+              <a:rPr lang="en-US" sz="2400" dirty="0"/>
+              <a:t>"&gt;</a:t>
             </a:r>
             <a:br>
-              <a:rPr lang="en-US" sz="2800" dirty="0"/>
+              <a:rPr lang="en-US" sz="2400" dirty="0"/>
             </a:br>
             <a:r>
-              <a:rPr lang="en-US" sz="2800" dirty="0"/>
-              <a:t>  &lt;source </a:t>
-            </a:r>
-            <a:r>
-              <a:rPr lang="en-US" sz="2800" dirty="0" err="1"/>
-              <a:t>src</a:t>
-            </a:r>
-            <a:r>
-              <a:rPr lang="en-US" sz="2800" dirty="0"/>
-              <a:t>="horse.ogg" type="audio/</a:t>
-            </a:r>
-            <a:r>
-              <a:rPr lang="en-US" sz="2800" dirty="0" err="1"/>
-              <a:t>ogg</a:t>
-            </a:r>
-            <a:r>
-              <a:rPr lang="en-US" sz="2800" dirty="0"/>
-              <a:t>"&gt;</a:t>
+              <a:rPr lang="en-US" sz="2400" dirty="0"/>
+              <a:t>  First name:&lt;</a:t>
+            </a:r>
+            <a:r>
+              <a:rPr lang="en-US" sz="2400" dirty="0" err="1"/>
+              <a:t>br</a:t>
+            </a:r>
+            <a:r>
+              <a:rPr lang="en-US" sz="2400" dirty="0"/>
+              <a:t>&gt;</a:t>
             </a:r>
             <a:br>
-              <a:rPr lang="en-US" sz="2800" dirty="0"/>
+              <a:rPr lang="en-US" sz="2400" dirty="0"/>
             </a:br>
             <a:r>
-              <a:rPr lang="en-US" sz="2800" dirty="0"/>
-              <a:t>  &lt;source </a:t>
-            </a:r>
-            <a:r>
-              <a:rPr lang="en-US" sz="2800" dirty="0" err="1"/>
-              <a:t>src</a:t>
-            </a:r>
-            <a:r>
-              <a:rPr lang="en-US" sz="2800" dirty="0"/>
-              <a:t>="horse.mp3" type="audio/mpeg"&gt;</a:t>
+              <a:rPr lang="en-US" sz="2400" dirty="0"/>
+              <a:t>  &lt;input type="text" value="Mickey"&gt;&lt;</a:t>
+            </a:r>
+            <a:r>
+              <a:rPr lang="en-US" sz="2400" dirty="0" err="1"/>
+              <a:t>br</a:t>
+            </a:r>
+            <a:r>
+              <a:rPr lang="en-US" sz="2400" dirty="0"/>
+              <a:t>&gt;</a:t>
             </a:r>
             <a:br>
-              <a:rPr lang="en-US" sz="2800" dirty="0"/>
+              <a:rPr lang="en-US" sz="2400" dirty="0"/>
             </a:br>
             <a:r>
-              <a:rPr lang="en-US" sz="2800" dirty="0"/>
-              <a:t>Your browser does not support the audio element.</a:t>
+              <a:rPr lang="en-US" sz="2400" dirty="0"/>
+              <a:t>  Last name:&lt;</a:t>
+            </a:r>
+            <a:r>
+              <a:rPr lang="en-US" sz="2400" dirty="0" err="1"/>
+              <a:t>br</a:t>
+            </a:r>
+            <a:r>
+              <a:rPr lang="en-US" sz="2400" dirty="0"/>
+              <a:t>&gt;</a:t>
             </a:r>
             <a:br>
-              <a:rPr lang="en-US" sz="2800" dirty="0"/>
+              <a:rPr lang="en-US" sz="2400" dirty="0"/>
             </a:br>
             <a:r>
-              <a:rPr lang="en-US" sz="2800" dirty="0"/>
-              <a:t>&lt;/audio&gt;</a:t>
-            </a:r>
+              <a:rPr lang="en-US" sz="2400" dirty="0"/>
+              <a:t>  &lt;input type="text" name="</a:t>
+            </a:r>
+            <a:r>
+              <a:rPr lang="en-US" sz="2400" dirty="0" err="1"/>
+              <a:t>lastname</a:t>
+            </a:r>
+            <a:r>
+              <a:rPr lang="en-US" sz="2400" dirty="0"/>
+              <a:t>" value="Mouse"&gt;&lt;</a:t>
+            </a:r>
+            <a:r>
+              <a:rPr lang="en-US" sz="2400" dirty="0" err="1"/>
+              <a:t>br</a:t>
+            </a:r>
+            <a:r>
+              <a:rPr lang="en-US" sz="2400" dirty="0"/>
+              <a:t>&gt;&lt;</a:t>
+            </a:r>
+            <a:r>
+              <a:rPr lang="en-US" sz="2400" dirty="0" err="1"/>
+              <a:t>br</a:t>
+            </a:r>
+            <a:r>
+              <a:rPr lang="en-US" sz="2400" dirty="0"/>
+              <a:t>&gt;</a:t>
+            </a:r>
+            <a:br>
+              <a:rPr lang="en-US" sz="2400" dirty="0"/>
+            </a:br>
+            <a:r>
+              <a:rPr lang="en-US" sz="2400" dirty="0"/>
+              <a:t>  &lt;input type="submit" value="Submit"&gt;</a:t>
+            </a:r>
+            <a:br>
+              <a:rPr lang="en-US" sz="2400" dirty="0"/>
+            </a:br>
+            <a:r>
+              <a:rPr lang="en-US" sz="2400" dirty="0"/>
+              <a:t>&lt;/form&gt;</a:t>
+            </a:r>
+          </a:p>
+          <a:p>
+            <a:endParaRPr lang="en-US" dirty="0"/>
           </a:p>
         </p:txBody>
       </p:sp>
@@ -15358,7 +14923,7 @@
           <p:cNvPr id="4" name="Footer Placeholder 3">
             <a:extLst>
               <a:ext uri="{FF2B5EF4-FFF2-40B4-BE49-F238E27FC236}">
-                <a16:creationId xmlns:a16="http://schemas.microsoft.com/office/drawing/2014/main" id="{BB7EA2DE-8DB9-41F8-B1D5-877141E95250}"/>
+                <a16:creationId xmlns:a16="http://schemas.microsoft.com/office/drawing/2014/main" xmlns="" id="{24BAE0D7-EC92-4BB2-B698-114136578A7A}"/>
               </a:ext>
             </a:extLst>
           </p:cNvPr>
@@ -15384,7 +14949,7 @@
     </p:spTree>
     <p:extLst>
       <p:ext uri="{BB962C8B-B14F-4D97-AF65-F5344CB8AC3E}">
-        <p14:creationId xmlns:p14="http://schemas.microsoft.com/office/powerpoint/2010/main" val="3551081233"/>
+        <p14:creationId xmlns:p14="http://schemas.microsoft.com/office/powerpoint/2010/main" val="2959090289"/>
       </p:ext>
     </p:extLst>
   </p:cSld>
@@ -15416,7 +14981,7 @@
           <p:cNvPr id="2" name="Title 1">
             <a:extLst>
               <a:ext uri="{FF2B5EF4-FFF2-40B4-BE49-F238E27FC236}">
-                <a16:creationId xmlns:a16="http://schemas.microsoft.com/office/drawing/2014/main" id="{D0652AC3-D0AD-4787-9261-B441D822D900}"/>
+                <a16:creationId xmlns:a16="http://schemas.microsoft.com/office/drawing/2014/main" xmlns="" id="{33F7AA61-CCAA-4DDD-B547-F745192ABDB3}"/>
               </a:ext>
             </a:extLst>
           </p:cNvPr>
@@ -15427,14 +14992,29 @@
             <p:ph type="title"/>
           </p:nvPr>
         </p:nvSpPr>
-        <p:spPr/>
-        <p:txBody>
-          <a:bodyPr/>
-          <a:lstStyle/>
-          <a:p>
-            <a:r>
-              <a:rPr lang="en-US" dirty="0"/>
-              <a:t>HTML Plug-ins</a:t>
+        <p:spPr>
+          <a:xfrm>
+            <a:off x="677334" y="609600"/>
+            <a:ext cx="8596668" cy="832834"/>
+          </a:xfrm>
+        </p:spPr>
+        <p:txBody>
+          <a:bodyPr>
+            <a:normAutofit fontScale="90000"/>
+          </a:bodyPr>
+          <a:lstStyle/>
+          <a:p>
+            <a:r>
+              <a:rPr lang="en-US" dirty="0"/>
+              <a:t>Grouping Form Data with &lt;</a:t>
+            </a:r>
+            <a:r>
+              <a:rPr lang="en-US" dirty="0" err="1"/>
+              <a:t>fieldset</a:t>
+            </a:r>
+            <a:r>
+              <a:rPr lang="en-US" dirty="0"/>
+              <a:t>&gt;</a:t>
             </a:r>
             <a:br>
               <a:rPr lang="en-US" dirty="0"/>
@@ -15448,7 +15028,7 @@
           <p:cNvPr id="3" name="Content Placeholder 2">
             <a:extLst>
               <a:ext uri="{FF2B5EF4-FFF2-40B4-BE49-F238E27FC236}">
-                <a16:creationId xmlns:a16="http://schemas.microsoft.com/office/drawing/2014/main" id="{EC1D6608-597A-429E-B979-736E4FB92D01}"/>
+                <a16:creationId xmlns:a16="http://schemas.microsoft.com/office/drawing/2014/main" xmlns="" id="{64E1ED91-1936-4FC8-AD55-7E0C932E2633}"/>
               </a:ext>
             </a:extLst>
           </p:cNvPr>
@@ -15459,12 +15039,203 @@
             <p:ph idx="1"/>
           </p:nvPr>
         </p:nvSpPr>
-        <p:spPr/>
-        <p:txBody>
-          <a:bodyPr/>
-          <a:lstStyle/>
-          <a:p>
-            <a:endParaRPr lang="en-US" dirty="0"/>
+        <p:spPr>
+          <a:xfrm>
+            <a:off x="677334" y="1442435"/>
+            <a:ext cx="9274188" cy="4598928"/>
+          </a:xfrm>
+        </p:spPr>
+        <p:txBody>
+          <a:bodyPr>
+            <a:normAutofit fontScale="85000" lnSpcReduction="20000"/>
+          </a:bodyPr>
+          <a:lstStyle/>
+          <a:p>
+            <a:r>
+              <a:rPr lang="en-US" sz="2400" dirty="0"/>
+              <a:t>&lt;form action="/</a:t>
+            </a:r>
+            <a:r>
+              <a:rPr lang="en-US" sz="2400" dirty="0" err="1"/>
+              <a:t>action_page.php</a:t>
+            </a:r>
+            <a:r>
+              <a:rPr lang="en-US" sz="2400" dirty="0"/>
+              <a:t>"&gt;</a:t>
+            </a:r>
+            <a:br>
+              <a:rPr lang="en-US" sz="2400" dirty="0"/>
+            </a:br>
+            <a:r>
+              <a:rPr lang="en-US" sz="2400" dirty="0"/>
+              <a:t>  &lt;</a:t>
+            </a:r>
+            <a:r>
+              <a:rPr lang="en-US" sz="2400" dirty="0" err="1"/>
+              <a:t>fieldset</a:t>
+            </a:r>
+            <a:r>
+              <a:rPr lang="en-US" sz="2400" dirty="0" smtClean="0"/>
+              <a:t>&gt;</a:t>
+            </a:r>
+          </a:p>
+          <a:p>
+            <a:r>
+              <a:rPr lang="en-US" sz="2400" dirty="0"/>
+              <a:t/>
+            </a:r>
+            <a:br>
+              <a:rPr lang="en-US" sz="2400" dirty="0"/>
+            </a:br>
+            <a:r>
+              <a:rPr lang="en-US" sz="2400" dirty="0"/>
+              <a:t>    &lt;legend&gt;Personal information:&lt;/legend</a:t>
+            </a:r>
+            <a:r>
+              <a:rPr lang="en-US" sz="2400" dirty="0" smtClean="0"/>
+              <a:t>&gt;</a:t>
+            </a:r>
+          </a:p>
+          <a:p>
+            <a:r>
+              <a:rPr lang="en-US" sz="2400" dirty="0"/>
+              <a:t/>
+            </a:r>
+            <a:br>
+              <a:rPr lang="en-US" sz="2400" dirty="0"/>
+            </a:br>
+            <a:r>
+              <a:rPr lang="en-US" sz="2400" dirty="0"/>
+              <a:t>    First name:&lt;</a:t>
+            </a:r>
+            <a:r>
+              <a:rPr lang="en-US" sz="2400" dirty="0" err="1"/>
+              <a:t>br</a:t>
+            </a:r>
+            <a:r>
+              <a:rPr lang="en-US" sz="2400" dirty="0"/>
+              <a:t>&gt;</a:t>
+            </a:r>
+            <a:br>
+              <a:rPr lang="en-US" sz="2400" dirty="0"/>
+            </a:br>
+            <a:r>
+              <a:rPr lang="en-US" sz="2400" dirty="0"/>
+              <a:t>    &lt;input type="text" name="</a:t>
+            </a:r>
+            <a:r>
+              <a:rPr lang="en-US" sz="2400" dirty="0" err="1"/>
+              <a:t>firstname</a:t>
+            </a:r>
+            <a:r>
+              <a:rPr lang="en-US" sz="2400" dirty="0"/>
+              <a:t>" value="Mickey"&gt;&lt;</a:t>
+            </a:r>
+            <a:r>
+              <a:rPr lang="en-US" sz="2400" dirty="0" err="1"/>
+              <a:t>br</a:t>
+            </a:r>
+            <a:r>
+              <a:rPr lang="en-US" sz="2400" dirty="0" smtClean="0"/>
+              <a:t>&gt;</a:t>
+            </a:r>
+          </a:p>
+          <a:p>
+            <a:r>
+              <a:rPr lang="en-US" sz="2400" dirty="0"/>
+              <a:t/>
+            </a:r>
+            <a:br>
+              <a:rPr lang="en-US" sz="2400" dirty="0"/>
+            </a:br>
+            <a:r>
+              <a:rPr lang="en-US" sz="2400" dirty="0"/>
+              <a:t>    Last name:&lt;</a:t>
+            </a:r>
+            <a:r>
+              <a:rPr lang="en-US" sz="2400" dirty="0" err="1"/>
+              <a:t>br</a:t>
+            </a:r>
+            <a:r>
+              <a:rPr lang="en-US" sz="2400" dirty="0"/>
+              <a:t>&gt;</a:t>
+            </a:r>
+            <a:br>
+              <a:rPr lang="en-US" sz="2400" dirty="0"/>
+            </a:br>
+            <a:r>
+              <a:rPr lang="en-US" sz="2400" dirty="0"/>
+              <a:t>    &lt;input type="text" name="</a:t>
+            </a:r>
+            <a:r>
+              <a:rPr lang="en-US" sz="2400" dirty="0" err="1"/>
+              <a:t>lastname</a:t>
+            </a:r>
+            <a:r>
+              <a:rPr lang="en-US" sz="2400" dirty="0"/>
+              <a:t>" value="Mouse"&gt;&lt;</a:t>
+            </a:r>
+            <a:r>
+              <a:rPr lang="en-US" sz="2400" dirty="0" err="1"/>
+              <a:t>br</a:t>
+            </a:r>
+            <a:r>
+              <a:rPr lang="en-US" sz="2400" dirty="0"/>
+              <a:t>&gt;&lt;</a:t>
+            </a:r>
+            <a:r>
+              <a:rPr lang="en-US" sz="2400" dirty="0" err="1"/>
+              <a:t>br</a:t>
+            </a:r>
+            <a:r>
+              <a:rPr lang="en-US" sz="2400" dirty="0" smtClean="0"/>
+              <a:t>&gt;</a:t>
+            </a:r>
+          </a:p>
+          <a:p>
+            <a:r>
+              <a:rPr lang="en-US" sz="2400" dirty="0"/>
+              <a:t/>
+            </a:r>
+            <a:br>
+              <a:rPr lang="en-US" sz="2400" dirty="0"/>
+            </a:br>
+            <a:r>
+              <a:rPr lang="en-US" sz="2400" dirty="0"/>
+              <a:t>    &lt;input type="submit" value="Submit</a:t>
+            </a:r>
+            <a:r>
+              <a:rPr lang="en-US" sz="2400" dirty="0" smtClean="0"/>
+              <a:t>"&gt;</a:t>
+            </a:r>
+          </a:p>
+          <a:p>
+            <a:r>
+              <a:rPr lang="en-US" sz="2400" dirty="0"/>
+              <a:t/>
+            </a:r>
+            <a:br>
+              <a:rPr lang="en-US" sz="2400" dirty="0"/>
+            </a:br>
+            <a:r>
+              <a:rPr lang="en-US" sz="2400" dirty="0"/>
+              <a:t>  &lt;/</a:t>
+            </a:r>
+            <a:r>
+              <a:rPr lang="en-US" sz="2400" dirty="0" err="1"/>
+              <a:t>fieldset</a:t>
+            </a:r>
+            <a:r>
+              <a:rPr lang="en-US" sz="2400" dirty="0"/>
+              <a:t>&gt;</a:t>
+            </a:r>
+            <a:br>
+              <a:rPr lang="en-US" sz="2400" dirty="0"/>
+            </a:br>
+            <a:r>
+              <a:rPr lang="en-US" sz="2400" dirty="0"/>
+              <a:t>&lt;/form&gt;</a:t>
+            </a:r>
           </a:p>
         </p:txBody>
       </p:sp>
@@ -15473,7 +15244,7 @@
           <p:cNvPr id="4" name="Footer Placeholder 3">
             <a:extLst>
               <a:ext uri="{FF2B5EF4-FFF2-40B4-BE49-F238E27FC236}">
-                <a16:creationId xmlns:a16="http://schemas.microsoft.com/office/drawing/2014/main" id="{E194F142-186D-41D5-A11A-3342BD9DBA3E}"/>
+                <a16:creationId xmlns:a16="http://schemas.microsoft.com/office/drawing/2014/main" xmlns="" id="{FC5E40AB-E28D-42CC-95BE-D56AFCB3E8BC}"/>
               </a:ext>
             </a:extLst>
           </p:cNvPr>
@@ -15499,7 +15270,7 @@
     </p:spTree>
     <p:extLst>
       <p:ext uri="{BB962C8B-B14F-4D97-AF65-F5344CB8AC3E}">
-        <p14:creationId xmlns:p14="http://schemas.microsoft.com/office/powerpoint/2010/main" val="4188570477"/>
+        <p14:creationId xmlns:p14="http://schemas.microsoft.com/office/powerpoint/2010/main" val="1536830958"/>
       </p:ext>
     </p:extLst>
   </p:cSld>
@@ -15531,7 +15302,7 @@
           <p:cNvPr id="2" name="Title 1">
             <a:extLst>
               <a:ext uri="{FF2B5EF4-FFF2-40B4-BE49-F238E27FC236}">
-                <a16:creationId xmlns:a16="http://schemas.microsoft.com/office/drawing/2014/main" id="{918223DD-ACDF-46A3-9AD2-C6EA730E8C81}"/>
+                <a16:creationId xmlns:a16="http://schemas.microsoft.com/office/drawing/2014/main" xmlns="" id="{918223DD-ACDF-46A3-9AD2-C6EA730E8C81}"/>
               </a:ext>
             </a:extLst>
           </p:cNvPr>
@@ -15563,7 +15334,7 @@
           <p:cNvPr id="3" name="Content Placeholder 2">
             <a:extLst>
               <a:ext uri="{FF2B5EF4-FFF2-40B4-BE49-F238E27FC236}">
-                <a16:creationId xmlns:a16="http://schemas.microsoft.com/office/drawing/2014/main" id="{E1A8F2A6-EAC4-493D-86A7-4869E7519B81}"/>
+                <a16:creationId xmlns:a16="http://schemas.microsoft.com/office/drawing/2014/main" xmlns="" id="{E1A8F2A6-EAC4-493D-86A7-4869E7519B81}"/>
               </a:ext>
             </a:extLst>
           </p:cNvPr>
@@ -15607,7 +15378,7 @@
           <p:cNvPr id="5" name="Footer Placeholder 4">
             <a:extLst>
               <a:ext uri="{FF2B5EF4-FFF2-40B4-BE49-F238E27FC236}">
-                <a16:creationId xmlns:a16="http://schemas.microsoft.com/office/drawing/2014/main" id="{F72A170B-1C9A-4B75-A01F-1BD792E5B0FE}"/>
+                <a16:creationId xmlns:a16="http://schemas.microsoft.com/office/drawing/2014/main" xmlns="" id="{F72A170B-1C9A-4B75-A01F-1BD792E5B0FE}"/>
               </a:ext>
             </a:extLst>
           </p:cNvPr>
@@ -15665,7 +15436,7 @@
           <p:cNvPr id="2" name="Title 1">
             <a:extLst>
               <a:ext uri="{FF2B5EF4-FFF2-40B4-BE49-F238E27FC236}">
-                <a16:creationId xmlns:a16="http://schemas.microsoft.com/office/drawing/2014/main" id="{8D0CFAC1-9732-4C4A-9D0C-D8674508707A}"/>
+                <a16:creationId xmlns:a16="http://schemas.microsoft.com/office/drawing/2014/main" xmlns="" id="{89F18F09-FE17-407A-B5D6-B603822097A7}"/>
               </a:ext>
             </a:extLst>
           </p:cNvPr>
@@ -15678,12 +15449,21 @@
         </p:nvSpPr>
         <p:spPr/>
         <p:txBody>
-          <a:bodyPr/>
-          <a:lstStyle/>
-          <a:p>
-            <a:r>
-              <a:rPr lang="en-US" dirty="0"/>
-              <a:t>HTML YouTube Videos</a:t>
+          <a:bodyPr>
+            <a:normAutofit fontScale="90000"/>
+          </a:bodyPr>
+          <a:lstStyle/>
+          <a:p>
+            <a:r>
+              <a:rPr lang="en-US" dirty="0"/>
+              <a:t>HTML5 Introduction</a:t>
+            </a:r>
+            <a:br>
+              <a:rPr lang="en-US" dirty="0"/>
+            </a:br>
+            <a:r>
+              <a:rPr lang="en-US" dirty="0"/>
+              <a:t>What is New in HTML5?</a:t>
             </a:r>
             <a:br>
               <a:rPr lang="en-US" dirty="0"/>
@@ -15697,7 +15477,7 @@
           <p:cNvPr id="3" name="Content Placeholder 2">
             <a:extLst>
               <a:ext uri="{FF2B5EF4-FFF2-40B4-BE49-F238E27FC236}">
-                <a16:creationId xmlns:a16="http://schemas.microsoft.com/office/drawing/2014/main" id="{6AB1E9B4-9442-48E5-8F92-22B88447ED77}"/>
+                <a16:creationId xmlns:a16="http://schemas.microsoft.com/office/drawing/2014/main" xmlns="" id="{F0086DA0-135E-42F2-ABED-2A5282806498}"/>
               </a:ext>
             </a:extLst>
           </p:cNvPr>
@@ -15714,31 +15494,386 @@
           <a:lstStyle/>
           <a:p>
             <a:r>
-              <a:rPr lang="en-US" sz="2800" dirty="0"/>
-              <a:t>&lt;iframe width="420" height="315"</a:t>
-            </a:r>
-            <a:br>
-              <a:rPr lang="en-US" sz="2800" dirty="0"/>
-            </a:br>
-            <a:r>
-              <a:rPr lang="en-US" sz="2800" dirty="0" err="1"/>
-              <a:t>src</a:t>
-            </a:r>
-            <a:r>
-              <a:rPr lang="en-US" sz="2800" dirty="0"/>
-              <a:t>="https://www.youtube.com/embed/tgbNymZ7vqY"&gt;</a:t>
-            </a:r>
-            <a:br>
-              <a:rPr lang="en-US" sz="2800" dirty="0"/>
-            </a:br>
-            <a:r>
-              <a:rPr lang="en-US" sz="2800" dirty="0"/>
-              <a:t>&lt;/iframe</a:t>
-            </a:r>
-            <a:r>
-              <a:rPr lang="en-US" dirty="0"/>
+              <a:rPr lang="en-US" dirty="0"/>
+              <a:t>&lt;!DOCTYPE html&gt;</a:t>
+            </a:r>
+          </a:p>
+          <a:p>
+            <a:r>
+              <a:rPr lang="en-US" dirty="0"/>
+              <a:t>&lt;meta charset="UTF-8"&gt;</a:t>
+            </a:r>
+          </a:p>
+          <a:p>
+            <a:endParaRPr lang="en-US" dirty="0"/>
+          </a:p>
+          <a:p>
+            <a:pPr defTabSz="914400" eaLnBrk="0" fontAlgn="base" hangingPunct="0">
+              <a:spcBef>
+                <a:spcPct val="0"/>
+              </a:spcBef>
+              <a:spcAft>
+                <a:spcPct val="0"/>
+              </a:spcAft>
+              <a:buClrTx/>
+              <a:buSzTx/>
+            </a:pPr>
+            <a:r>
+              <a:rPr lang="en-US" altLang="en-US" dirty="0">
+                <a:solidFill>
+                  <a:srgbClr val="000000"/>
+                </a:solidFill>
+                <a:latin typeface="Verdana" panose="020B0604030504040204" pitchFamily="34" charset="0"/>
+              </a:rPr>
+              <a:t>The most interesting new HTML5 elements are: </a:t>
+            </a:r>
+            <a:endParaRPr lang="en-US" altLang="en-US" dirty="0">
+              <a:solidFill>
+                <a:schemeClr val="tx1"/>
+              </a:solidFill>
+            </a:endParaRPr>
+          </a:p>
+          <a:p>
+            <a:pPr defTabSz="914400" eaLnBrk="0" fontAlgn="base" hangingPunct="0">
+              <a:spcBef>
+                <a:spcPct val="0"/>
+              </a:spcBef>
+              <a:spcAft>
+                <a:spcPct val="0"/>
+              </a:spcAft>
+              <a:buClrTx/>
+              <a:buSzTx/>
+            </a:pPr>
+            <a:r>
+              <a:rPr lang="en-US" altLang="en-US" dirty="0">
+                <a:solidFill>
+                  <a:srgbClr val="000000"/>
+                </a:solidFill>
+                <a:latin typeface="Verdana" panose="020B0604030504040204" pitchFamily="34" charset="0"/>
+              </a:rPr>
+              <a:t>New </a:t>
+            </a:r>
+            <a:r>
+              <a:rPr lang="en-US" altLang="en-US" b="1" dirty="0">
+                <a:solidFill>
+                  <a:srgbClr val="000000"/>
+                </a:solidFill>
+                <a:latin typeface="Verdana" panose="020B0604030504040204" pitchFamily="34" charset="0"/>
+              </a:rPr>
+              <a:t>semantic elements</a:t>
+            </a:r>
+            <a:r>
+              <a:rPr lang="en-US" altLang="en-US" dirty="0">
+                <a:solidFill>
+                  <a:srgbClr val="000000"/>
+                </a:solidFill>
+                <a:latin typeface="Verdana" panose="020B0604030504040204" pitchFamily="34" charset="0"/>
+              </a:rPr>
+              <a:t> like </a:t>
+            </a:r>
+            <a:r>
+              <a:rPr lang="en-US" altLang="en-US" sz="2000" dirty="0">
+                <a:solidFill>
+                  <a:srgbClr val="DC143C"/>
+                </a:solidFill>
+                <a:latin typeface="Consolas" panose="020B0609020204030204" pitchFamily="49" charset="0"/>
+              </a:rPr>
+              <a:t>&lt;header&gt;</a:t>
+            </a:r>
+            <a:r>
+              <a:rPr lang="en-US" altLang="en-US" dirty="0">
+                <a:solidFill>
+                  <a:srgbClr val="000000"/>
+                </a:solidFill>
+                <a:latin typeface="Verdana" panose="020B0604030504040204" pitchFamily="34" charset="0"/>
+              </a:rPr>
+              <a:t>, </a:t>
+            </a:r>
+            <a:r>
+              <a:rPr lang="en-US" altLang="en-US" sz="2000" dirty="0">
+                <a:solidFill>
+                  <a:srgbClr val="DC143C"/>
+                </a:solidFill>
+                <a:latin typeface="Consolas" panose="020B0609020204030204" pitchFamily="49" charset="0"/>
+              </a:rPr>
+              <a:t>&lt;footer&gt;</a:t>
+            </a:r>
+            <a:r>
+              <a:rPr lang="en-US" altLang="en-US" dirty="0">
+                <a:solidFill>
+                  <a:srgbClr val="000000"/>
+                </a:solidFill>
+                <a:latin typeface="Verdana" panose="020B0604030504040204" pitchFamily="34" charset="0"/>
+              </a:rPr>
+              <a:t>, </a:t>
+            </a:r>
+            <a:r>
+              <a:rPr lang="en-US" altLang="en-US" sz="2000" dirty="0">
+                <a:solidFill>
+                  <a:srgbClr val="DC143C"/>
+                </a:solidFill>
+                <a:latin typeface="Consolas" panose="020B0609020204030204" pitchFamily="49" charset="0"/>
+              </a:rPr>
+              <a:t>&lt;article&gt;</a:t>
+            </a:r>
+            <a:r>
+              <a:rPr lang="en-US" altLang="en-US" dirty="0">
+                <a:solidFill>
+                  <a:srgbClr val="000000"/>
+                </a:solidFill>
+                <a:latin typeface="Verdana" panose="020B0604030504040204" pitchFamily="34" charset="0"/>
+              </a:rPr>
+              <a:t>, and </a:t>
+            </a:r>
+            <a:r>
+              <a:rPr lang="en-US" altLang="en-US" sz="2000" dirty="0">
+                <a:solidFill>
+                  <a:srgbClr val="DC143C"/>
+                </a:solidFill>
+                <a:latin typeface="Consolas" panose="020B0609020204030204" pitchFamily="49" charset="0"/>
+              </a:rPr>
+              <a:t>&lt;section&gt;</a:t>
+            </a:r>
+            <a:r>
+              <a:rPr lang="en-US" altLang="en-US" dirty="0">
+                <a:solidFill>
+                  <a:srgbClr val="000000"/>
+                </a:solidFill>
+                <a:latin typeface="Verdana" panose="020B0604030504040204" pitchFamily="34" charset="0"/>
+              </a:rPr>
+              <a:t>.</a:t>
+            </a:r>
+            <a:endParaRPr lang="en-US" altLang="en-US" dirty="0">
+              <a:solidFill>
+                <a:schemeClr val="tx1"/>
+              </a:solidFill>
+            </a:endParaRPr>
+          </a:p>
+          <a:p>
+            <a:pPr defTabSz="914400" eaLnBrk="0" fontAlgn="base" hangingPunct="0">
+              <a:spcBef>
+                <a:spcPct val="0"/>
+              </a:spcBef>
+              <a:spcAft>
+                <a:spcPct val="0"/>
+              </a:spcAft>
+              <a:buClrTx/>
+              <a:buSzTx/>
+            </a:pPr>
+            <a:r>
+              <a:rPr lang="en-US" altLang="en-US" dirty="0">
+                <a:solidFill>
+                  <a:srgbClr val="000000"/>
+                </a:solidFill>
+                <a:latin typeface="Verdana" panose="020B0604030504040204" pitchFamily="34" charset="0"/>
+              </a:rPr>
+              <a:t>New </a:t>
+            </a:r>
+            <a:r>
+              <a:rPr lang="en-US" altLang="en-US" b="1" dirty="0">
+                <a:solidFill>
+                  <a:srgbClr val="000000"/>
+                </a:solidFill>
+                <a:latin typeface="Verdana" panose="020B0604030504040204" pitchFamily="34" charset="0"/>
+              </a:rPr>
+              <a:t>attributes of form elements</a:t>
+            </a:r>
+            <a:r>
+              <a:rPr lang="en-US" altLang="en-US" dirty="0">
+                <a:solidFill>
+                  <a:srgbClr val="000000"/>
+                </a:solidFill>
+                <a:latin typeface="Verdana" panose="020B0604030504040204" pitchFamily="34" charset="0"/>
+              </a:rPr>
+              <a:t> like number, date, time, calendar, and range.</a:t>
+            </a:r>
+            <a:endParaRPr lang="en-US" altLang="en-US" dirty="0">
+              <a:solidFill>
+                <a:schemeClr val="tx1"/>
+              </a:solidFill>
+            </a:endParaRPr>
+          </a:p>
+          <a:p>
+            <a:pPr defTabSz="914400" eaLnBrk="0" fontAlgn="base" hangingPunct="0">
+              <a:spcBef>
+                <a:spcPct val="0"/>
+              </a:spcBef>
+              <a:spcAft>
+                <a:spcPct val="0"/>
+              </a:spcAft>
+              <a:buClrTx/>
+              <a:buSzTx/>
+            </a:pPr>
+            <a:r>
+              <a:rPr lang="en-US" altLang="en-US" dirty="0">
+                <a:solidFill>
+                  <a:srgbClr val="000000"/>
+                </a:solidFill>
+                <a:latin typeface="Verdana" panose="020B0604030504040204" pitchFamily="34" charset="0"/>
+              </a:rPr>
+              <a:t>New </a:t>
+            </a:r>
+            <a:r>
+              <a:rPr lang="en-US" altLang="en-US" b="1" dirty="0">
+                <a:solidFill>
+                  <a:srgbClr val="000000"/>
+                </a:solidFill>
+                <a:latin typeface="Verdana" panose="020B0604030504040204" pitchFamily="34" charset="0"/>
+              </a:rPr>
+              <a:t>graphic elements</a:t>
+            </a:r>
+            <a:r>
+              <a:rPr lang="en-US" altLang="en-US" dirty="0">
+                <a:solidFill>
+                  <a:srgbClr val="000000"/>
+                </a:solidFill>
+                <a:latin typeface="Verdana" panose="020B0604030504040204" pitchFamily="34" charset="0"/>
+              </a:rPr>
+              <a:t>: </a:t>
+            </a:r>
+            <a:r>
+              <a:rPr lang="en-US" altLang="en-US" sz="2000" dirty="0">
+                <a:solidFill>
+                  <a:srgbClr val="DC143C"/>
+                </a:solidFill>
+                <a:latin typeface="Consolas" panose="020B0609020204030204" pitchFamily="49" charset="0"/>
+              </a:rPr>
+              <a:t>&lt;</a:t>
+            </a:r>
+            <a:r>
+              <a:rPr lang="en-US" altLang="en-US" sz="2000" dirty="0" err="1">
+                <a:solidFill>
+                  <a:srgbClr val="DC143C"/>
+                </a:solidFill>
+                <a:latin typeface="Consolas" panose="020B0609020204030204" pitchFamily="49" charset="0"/>
+              </a:rPr>
+              <a:t>svg</a:t>
+            </a:r>
+            <a:r>
+              <a:rPr lang="en-US" altLang="en-US" sz="2000" dirty="0">
+                <a:solidFill>
+                  <a:srgbClr val="DC143C"/>
+                </a:solidFill>
+                <a:latin typeface="Consolas" panose="020B0609020204030204" pitchFamily="49" charset="0"/>
+              </a:rPr>
               <a:t>&gt;</a:t>
             </a:r>
+            <a:r>
+              <a:rPr lang="en-US" altLang="en-US" dirty="0">
+                <a:solidFill>
+                  <a:srgbClr val="000000"/>
+                </a:solidFill>
+                <a:latin typeface="Verdana" panose="020B0604030504040204" pitchFamily="34" charset="0"/>
+              </a:rPr>
+              <a:t> and </a:t>
+            </a:r>
+            <a:r>
+              <a:rPr lang="en-US" altLang="en-US" sz="2000" dirty="0">
+                <a:solidFill>
+                  <a:srgbClr val="DC143C"/>
+                </a:solidFill>
+                <a:latin typeface="Consolas" panose="020B0609020204030204" pitchFamily="49" charset="0"/>
+              </a:rPr>
+              <a:t>&lt;canvas&gt;</a:t>
+            </a:r>
+            <a:r>
+              <a:rPr lang="en-US" altLang="en-US" dirty="0">
+                <a:solidFill>
+                  <a:srgbClr val="000000"/>
+                </a:solidFill>
+                <a:latin typeface="Verdana" panose="020B0604030504040204" pitchFamily="34" charset="0"/>
+              </a:rPr>
+              <a:t>.</a:t>
+            </a:r>
+            <a:endParaRPr lang="en-US" altLang="en-US" dirty="0">
+              <a:solidFill>
+                <a:schemeClr val="tx1"/>
+              </a:solidFill>
+            </a:endParaRPr>
+          </a:p>
+          <a:p>
+            <a:pPr defTabSz="914400" eaLnBrk="0" fontAlgn="base" hangingPunct="0">
+              <a:spcBef>
+                <a:spcPct val="0"/>
+              </a:spcBef>
+              <a:spcAft>
+                <a:spcPct val="0"/>
+              </a:spcAft>
+              <a:buClrTx/>
+              <a:buSzTx/>
+            </a:pPr>
+            <a:r>
+              <a:rPr lang="en-US" altLang="en-US" dirty="0">
+                <a:solidFill>
+                  <a:srgbClr val="000000"/>
+                </a:solidFill>
+                <a:latin typeface="Verdana" panose="020B0604030504040204" pitchFamily="34" charset="0"/>
+              </a:rPr>
+              <a:t>New </a:t>
+            </a:r>
+            <a:r>
+              <a:rPr lang="en-US" altLang="en-US" b="1" dirty="0">
+                <a:solidFill>
+                  <a:srgbClr val="000000"/>
+                </a:solidFill>
+                <a:latin typeface="Verdana" panose="020B0604030504040204" pitchFamily="34" charset="0"/>
+              </a:rPr>
+              <a:t>multimedia elements</a:t>
+            </a:r>
+            <a:r>
+              <a:rPr lang="en-US" altLang="en-US" dirty="0">
+                <a:solidFill>
+                  <a:srgbClr val="000000"/>
+                </a:solidFill>
+                <a:latin typeface="Verdana" panose="020B0604030504040204" pitchFamily="34" charset="0"/>
+              </a:rPr>
+              <a:t>: </a:t>
+            </a:r>
+            <a:r>
+              <a:rPr lang="en-US" altLang="en-US" sz="2000" dirty="0">
+                <a:solidFill>
+                  <a:srgbClr val="DC143C"/>
+                </a:solidFill>
+                <a:latin typeface="Consolas" panose="020B0609020204030204" pitchFamily="49" charset="0"/>
+              </a:rPr>
+              <a:t>&lt;audio&gt;</a:t>
+            </a:r>
+            <a:r>
+              <a:rPr lang="en-US" altLang="en-US" dirty="0">
+                <a:solidFill>
+                  <a:srgbClr val="000000"/>
+                </a:solidFill>
+                <a:latin typeface="Verdana" panose="020B0604030504040204" pitchFamily="34" charset="0"/>
+              </a:rPr>
+              <a:t> and </a:t>
+            </a:r>
+            <a:r>
+              <a:rPr lang="en-US" altLang="en-US" sz="2000" dirty="0">
+                <a:solidFill>
+                  <a:srgbClr val="DC143C"/>
+                </a:solidFill>
+                <a:latin typeface="Consolas" panose="020B0609020204030204" pitchFamily="49" charset="0"/>
+              </a:rPr>
+              <a:t>&lt;video&gt;</a:t>
+            </a:r>
+            <a:r>
+              <a:rPr lang="en-US" altLang="en-US" dirty="0">
+                <a:solidFill>
+                  <a:srgbClr val="000000"/>
+                </a:solidFill>
+                <a:latin typeface="Verdana" panose="020B0604030504040204" pitchFamily="34" charset="0"/>
+              </a:rPr>
+              <a:t>.</a:t>
+            </a:r>
+            <a:endParaRPr lang="en-US" altLang="en-US" sz="3200" dirty="0">
+              <a:solidFill>
+                <a:schemeClr val="tx1"/>
+              </a:solidFill>
+              <a:latin typeface="Arial" panose="020B0604020202020204" pitchFamily="34" charset="0"/>
+            </a:endParaRPr>
+          </a:p>
+          <a:p>
+            <a:endParaRPr lang="en-US" dirty="0"/>
           </a:p>
         </p:txBody>
       </p:sp>
@@ -15747,7 +15882,7 @@
           <p:cNvPr id="4" name="Footer Placeholder 3">
             <a:extLst>
               <a:ext uri="{FF2B5EF4-FFF2-40B4-BE49-F238E27FC236}">
-                <a16:creationId xmlns:a16="http://schemas.microsoft.com/office/drawing/2014/main" id="{34FC1CB5-230D-4DDD-907A-7C3949339CD8}"/>
+                <a16:creationId xmlns:a16="http://schemas.microsoft.com/office/drawing/2014/main" xmlns="" id="{E9E7CE0D-C5CB-432A-A29A-FBA38667AD39}"/>
               </a:ext>
             </a:extLst>
           </p:cNvPr>
@@ -15770,10 +15905,226 @@
           </a:p>
         </p:txBody>
       </p:sp>
+      <p:sp>
+        <p:nvSpPr>
+          <p:cNvPr id="5" name="Rectangle 1">
+            <a:extLst>
+              <a:ext uri="{FF2B5EF4-FFF2-40B4-BE49-F238E27FC236}">
+                <a16:creationId xmlns:a16="http://schemas.microsoft.com/office/drawing/2014/main" xmlns="" id="{9E263EC1-1962-47A5-9125-81F7444B6B4C}"/>
+              </a:ext>
+            </a:extLst>
+          </p:cNvPr>
+          <p:cNvSpPr>
+            <a:spLocks noChangeArrowheads="1"/>
+          </p:cNvSpPr>
+          <p:nvPr/>
+        </p:nvSpPr>
+        <p:spPr bwMode="auto">
+          <a:xfrm>
+            <a:off x="0" y="43934"/>
+            <a:ext cx="184731" cy="369332"/>
+          </a:xfrm>
+          <a:prstGeom prst="rect">
+            <a:avLst/>
+          </a:prstGeom>
+          <a:solidFill>
+            <a:srgbClr val="F1F1F1"/>
+          </a:solidFill>
+          <a:ln>
+            <a:noFill/>
+          </a:ln>
+          <a:effectLst/>
+          <a:extLst>
+            <a:ext uri="{91240B29-F687-4F45-9708-019B960494DF}">
+              <a14:hiddenLine xmlns:a14="http://schemas.microsoft.com/office/drawing/2010/main" w="9525">
+                <a:solidFill>
+                  <a:schemeClr val="tx1"/>
+                </a:solidFill>
+                <a:miter lim="800000"/>
+                <a:headEnd/>
+                <a:tailEnd/>
+              </a14:hiddenLine>
+            </a:ext>
+            <a:ext uri="{AF507438-7753-43E0-B8FC-AC1667EBCBE1}">
+              <a14:hiddenEffects xmlns:a14="http://schemas.microsoft.com/office/drawing/2010/main">
+                <a:effectLst>
+                  <a:outerShdw dist="35921" dir="2700000" algn="ctr" rotWithShape="0">
+                    <a:schemeClr val="bg2"/>
+                  </a:outerShdw>
+                </a:effectLst>
+              </a14:hiddenEffects>
+            </a:ext>
+          </a:extLst>
+        </p:spPr>
+        <p:txBody>
+          <a:bodyPr vert="horz" wrap="none" lIns="91440" tIns="45720" rIns="91440" bIns="45720" numCol="1" anchor="ctr" anchorCtr="0" compatLnSpc="1">
+            <a:prstTxWarp prst="textNoShape">
+              <a:avLst/>
+            </a:prstTxWarp>
+            <a:spAutoFit/>
+          </a:bodyPr>
+          <a:lstStyle>
+            <a:lvl1pPr eaLnBrk="0" fontAlgn="base" hangingPunct="0">
+              <a:spcBef>
+                <a:spcPct val="0"/>
+              </a:spcBef>
+              <a:spcAft>
+                <a:spcPct val="0"/>
+              </a:spcAft>
+              <a:defRPr>
+                <a:solidFill>
+                  <a:schemeClr val="tx1"/>
+                </a:solidFill>
+                <a:latin typeface="Arial" panose="020B0604020202020204" pitchFamily="34" charset="0"/>
+              </a:defRPr>
+            </a:lvl1pPr>
+            <a:lvl2pPr eaLnBrk="0" fontAlgn="base" hangingPunct="0">
+              <a:spcBef>
+                <a:spcPct val="0"/>
+              </a:spcBef>
+              <a:spcAft>
+                <a:spcPct val="0"/>
+              </a:spcAft>
+              <a:defRPr>
+                <a:solidFill>
+                  <a:schemeClr val="tx1"/>
+                </a:solidFill>
+                <a:latin typeface="Arial" panose="020B0604020202020204" pitchFamily="34" charset="0"/>
+              </a:defRPr>
+            </a:lvl2pPr>
+            <a:lvl3pPr eaLnBrk="0" fontAlgn="base" hangingPunct="0">
+              <a:spcBef>
+                <a:spcPct val="0"/>
+              </a:spcBef>
+              <a:spcAft>
+                <a:spcPct val="0"/>
+              </a:spcAft>
+              <a:defRPr>
+                <a:solidFill>
+                  <a:schemeClr val="tx1"/>
+                </a:solidFill>
+                <a:latin typeface="Arial" panose="020B0604020202020204" pitchFamily="34" charset="0"/>
+              </a:defRPr>
+            </a:lvl3pPr>
+            <a:lvl4pPr eaLnBrk="0" fontAlgn="base" hangingPunct="0">
+              <a:spcBef>
+                <a:spcPct val="0"/>
+              </a:spcBef>
+              <a:spcAft>
+                <a:spcPct val="0"/>
+              </a:spcAft>
+              <a:defRPr>
+                <a:solidFill>
+                  <a:schemeClr val="tx1"/>
+                </a:solidFill>
+                <a:latin typeface="Arial" panose="020B0604020202020204" pitchFamily="34" charset="0"/>
+              </a:defRPr>
+            </a:lvl4pPr>
+            <a:lvl5pPr eaLnBrk="0" fontAlgn="base" hangingPunct="0">
+              <a:spcBef>
+                <a:spcPct val="0"/>
+              </a:spcBef>
+              <a:spcAft>
+                <a:spcPct val="0"/>
+              </a:spcAft>
+              <a:defRPr>
+                <a:solidFill>
+                  <a:schemeClr val="tx1"/>
+                </a:solidFill>
+                <a:latin typeface="Arial" panose="020B0604020202020204" pitchFamily="34" charset="0"/>
+              </a:defRPr>
+            </a:lvl5pPr>
+            <a:lvl6pPr eaLnBrk="0" fontAlgn="base" hangingPunct="0">
+              <a:spcBef>
+                <a:spcPct val="0"/>
+              </a:spcBef>
+              <a:spcAft>
+                <a:spcPct val="0"/>
+              </a:spcAft>
+              <a:defRPr>
+                <a:solidFill>
+                  <a:schemeClr val="tx1"/>
+                </a:solidFill>
+                <a:latin typeface="Arial" panose="020B0604020202020204" pitchFamily="34" charset="0"/>
+              </a:defRPr>
+            </a:lvl6pPr>
+            <a:lvl7pPr eaLnBrk="0" fontAlgn="base" hangingPunct="0">
+              <a:spcBef>
+                <a:spcPct val="0"/>
+              </a:spcBef>
+              <a:spcAft>
+                <a:spcPct val="0"/>
+              </a:spcAft>
+              <a:defRPr>
+                <a:solidFill>
+                  <a:schemeClr val="tx1"/>
+                </a:solidFill>
+                <a:latin typeface="Arial" panose="020B0604020202020204" pitchFamily="34" charset="0"/>
+              </a:defRPr>
+            </a:lvl7pPr>
+            <a:lvl8pPr eaLnBrk="0" fontAlgn="base" hangingPunct="0">
+              <a:spcBef>
+                <a:spcPct val="0"/>
+              </a:spcBef>
+              <a:spcAft>
+                <a:spcPct val="0"/>
+              </a:spcAft>
+              <a:defRPr>
+                <a:solidFill>
+                  <a:schemeClr val="tx1"/>
+                </a:solidFill>
+                <a:latin typeface="Arial" panose="020B0604020202020204" pitchFamily="34" charset="0"/>
+              </a:defRPr>
+            </a:lvl8pPr>
+            <a:lvl9pPr eaLnBrk="0" fontAlgn="base" hangingPunct="0">
+              <a:spcBef>
+                <a:spcPct val="0"/>
+              </a:spcBef>
+              <a:spcAft>
+                <a:spcPct val="0"/>
+              </a:spcAft>
+              <a:defRPr>
+                <a:solidFill>
+                  <a:schemeClr val="tx1"/>
+                </a:solidFill>
+                <a:latin typeface="Arial" panose="020B0604020202020204" pitchFamily="34" charset="0"/>
+              </a:defRPr>
+            </a:lvl9pPr>
+          </a:lstStyle>
+          <a:p>
+            <a:pPr marL="0" marR="0" lvl="0" indent="0" algn="l" defTabSz="914400" rtl="0" eaLnBrk="0" fontAlgn="base" latinLnBrk="0" hangingPunct="0">
+              <a:lnSpc>
+                <a:spcPct val="100000"/>
+              </a:lnSpc>
+              <a:spcBef>
+                <a:spcPct val="0"/>
+              </a:spcBef>
+              <a:spcAft>
+                <a:spcPct val="0"/>
+              </a:spcAft>
+              <a:buClrTx/>
+              <a:buSzTx/>
+              <a:buFontTx/>
+              <a:buNone/>
+              <a:tabLst/>
+            </a:pPr>
+            <a:endParaRPr kumimoji="0" lang="en-US" altLang="en-US" sz="1800" b="0" i="0" u="none" strike="noStrike" cap="none" normalizeH="0" baseline="0" dirty="0">
+              <a:ln>
+                <a:noFill/>
+              </a:ln>
+              <a:solidFill>
+                <a:schemeClr val="tx1"/>
+              </a:solidFill>
+              <a:effectLst/>
+              <a:latin typeface="Arial" panose="020B0604020202020204" pitchFamily="34" charset="0"/>
+            </a:endParaRPr>
+          </a:p>
+        </p:txBody>
+      </p:sp>
     </p:spTree>
     <p:extLst>
       <p:ext uri="{BB962C8B-B14F-4D97-AF65-F5344CB8AC3E}">
-        <p14:creationId xmlns:p14="http://schemas.microsoft.com/office/powerpoint/2010/main" val="2717237306"/>
+        <p14:creationId xmlns:p14="http://schemas.microsoft.com/office/powerpoint/2010/main" val="3309348689"/>
       </p:ext>
     </p:extLst>
   </p:cSld>
@@ -15805,7 +16156,7 @@
           <p:cNvPr id="2" name="Title 1">
             <a:extLst>
               <a:ext uri="{FF2B5EF4-FFF2-40B4-BE49-F238E27FC236}">
-                <a16:creationId xmlns:a16="http://schemas.microsoft.com/office/drawing/2014/main" id="{5EE1B619-4CC9-42C8-BD79-2B20F0527E76}"/>
+                <a16:creationId xmlns:a16="http://schemas.microsoft.com/office/drawing/2014/main" xmlns="" id="{C2981382-0159-4ECD-8621-1117718850C1}"/>
               </a:ext>
             </a:extLst>
           </p:cNvPr>
@@ -15816,14 +16167,21 @@
             <p:ph type="title"/>
           </p:nvPr>
         </p:nvSpPr>
-        <p:spPr/>
-        <p:txBody>
-          <a:bodyPr/>
-          <a:lstStyle/>
-          <a:p>
-            <a:r>
-              <a:rPr lang="en-US" dirty="0"/>
-              <a:t>HTML Element Reference</a:t>
+        <p:spPr>
+          <a:xfrm>
+            <a:off x="806123" y="0"/>
+            <a:ext cx="8596668" cy="991673"/>
+          </a:xfrm>
+        </p:spPr>
+        <p:txBody>
+          <a:bodyPr>
+            <a:normAutofit fontScale="90000"/>
+          </a:bodyPr>
+          <a:lstStyle/>
+          <a:p>
+            <a:r>
+              <a:rPr lang="en-US" dirty="0"/>
+              <a:t>New Semantic Elements in HTML5</a:t>
             </a:r>
             <a:br>
               <a:rPr lang="en-US" dirty="0"/>
@@ -15837,7 +16195,7 @@
           <p:cNvPr id="3" name="Content Placeholder 2">
             <a:extLst>
               <a:ext uri="{FF2B5EF4-FFF2-40B4-BE49-F238E27FC236}">
-                <a16:creationId xmlns:a16="http://schemas.microsoft.com/office/drawing/2014/main" id="{C4089531-2D95-450A-9EBA-59B4882745C5}"/>
+                <a16:creationId xmlns:a16="http://schemas.microsoft.com/office/drawing/2014/main" xmlns="" id="{4FECE007-C733-4FF6-9471-13E9955397D6}"/>
               </a:ext>
             </a:extLst>
           </p:cNvPr>
@@ -15848,16 +16206,971 @@
             <p:ph idx="1"/>
           </p:nvPr>
         </p:nvSpPr>
+        <p:spPr>
+          <a:xfrm>
+            <a:off x="1578856" y="592428"/>
+            <a:ext cx="8596668" cy="5873444"/>
+          </a:xfrm>
+        </p:spPr>
+        <p:txBody>
+          <a:bodyPr>
+            <a:normAutofit/>
+          </a:bodyPr>
+          <a:lstStyle/>
+          <a:p>
+            <a:r>
+              <a:rPr lang="en-US" sz="2000" dirty="0"/>
+              <a:t>&lt;article&gt;</a:t>
+            </a:r>
+          </a:p>
+          <a:p>
+            <a:r>
+              <a:rPr lang="en-US" sz="2000" dirty="0"/>
+              <a:t>&lt;aside&gt;</a:t>
+            </a:r>
+          </a:p>
+          <a:p>
+            <a:r>
+              <a:rPr lang="en-US" sz="2000" dirty="0"/>
+              <a:t>&lt;details&gt;</a:t>
+            </a:r>
+          </a:p>
+          <a:p>
+            <a:r>
+              <a:rPr lang="en-US" sz="2000" dirty="0"/>
+              <a:t>&lt;</a:t>
+            </a:r>
+            <a:r>
+              <a:rPr lang="en-US" sz="2000" dirty="0" err="1"/>
+              <a:t>figcaption</a:t>
+            </a:r>
+            <a:r>
+              <a:rPr lang="en-US" sz="2000" dirty="0"/>
+              <a:t>&gt;</a:t>
+            </a:r>
+          </a:p>
+          <a:p>
+            <a:r>
+              <a:rPr lang="en-US" sz="2000" dirty="0"/>
+              <a:t>&lt;figure&gt;</a:t>
+            </a:r>
+          </a:p>
+          <a:p>
+            <a:r>
+              <a:rPr lang="en-US" sz="2000" dirty="0"/>
+              <a:t>&lt;footer&gt;</a:t>
+            </a:r>
+          </a:p>
+          <a:p>
+            <a:r>
+              <a:rPr lang="en-US" sz="2000" dirty="0"/>
+              <a:t>&lt;header&gt;</a:t>
+            </a:r>
+          </a:p>
+          <a:p>
+            <a:r>
+              <a:rPr lang="en-US" sz="2000" dirty="0"/>
+              <a:t>&lt;main&gt;</a:t>
+            </a:r>
+          </a:p>
+          <a:p>
+            <a:r>
+              <a:rPr lang="en-US" sz="2000" dirty="0"/>
+              <a:t>&lt;mark&gt;</a:t>
+            </a:r>
+          </a:p>
+          <a:p>
+            <a:r>
+              <a:rPr lang="en-US" sz="2000" dirty="0"/>
+              <a:t>&lt;nav&gt;</a:t>
+            </a:r>
+          </a:p>
+          <a:p>
+            <a:r>
+              <a:rPr lang="en-US" sz="2000" dirty="0"/>
+              <a:t>&lt;section&gt;</a:t>
+            </a:r>
+          </a:p>
+          <a:p>
+            <a:r>
+              <a:rPr lang="en-US" sz="2000" dirty="0"/>
+              <a:t>&lt;summary&gt;</a:t>
+            </a:r>
+          </a:p>
+          <a:p>
+            <a:r>
+              <a:rPr lang="en-US" sz="2000" dirty="0"/>
+              <a:t>&lt;time&gt;</a:t>
+            </a:r>
+          </a:p>
+          <a:p>
+            <a:endParaRPr lang="en-US" dirty="0"/>
+          </a:p>
+        </p:txBody>
+      </p:sp>
+      <p:sp>
+        <p:nvSpPr>
+          <p:cNvPr id="4" name="Footer Placeholder 3">
+            <a:extLst>
+              <a:ext uri="{FF2B5EF4-FFF2-40B4-BE49-F238E27FC236}">
+                <a16:creationId xmlns:a16="http://schemas.microsoft.com/office/drawing/2014/main" xmlns="" id="{39EC5A64-E654-4D76-B9C7-18B1CE4B4C55}"/>
+              </a:ext>
+            </a:extLst>
+          </p:cNvPr>
+          <p:cNvSpPr>
+            <a:spLocks noGrp="1"/>
+          </p:cNvSpPr>
+          <p:nvPr>
+            <p:ph type="ftr" sz="quarter" idx="11"/>
+          </p:nvPr>
+        </p:nvSpPr>
         <p:spPr/>
         <p:txBody>
           <a:bodyPr/>
+          <a:lstStyle/>
+          <a:p>
+            <a:r>
+              <a:rPr lang="en-US"/>
+              <a:t>BITM</a:t>
+            </a:r>
+          </a:p>
+        </p:txBody>
+      </p:sp>
+    </p:spTree>
+    <p:extLst>
+      <p:ext uri="{BB962C8B-B14F-4D97-AF65-F5344CB8AC3E}">
+        <p14:creationId xmlns:p14="http://schemas.microsoft.com/office/powerpoint/2010/main" val="2692949490"/>
+      </p:ext>
+    </p:extLst>
+  </p:cSld>
+  <p:clrMapOvr>
+    <a:masterClrMapping/>
+  </p:clrMapOvr>
+</p:sld>
+</file>
+
+<file path=ppt/slides/slide42.xml><?xml version="1.0" encoding="utf-8"?>
+<p:sld xmlns:a="http://schemas.openxmlformats.org/drawingml/2006/main" xmlns:r="http://schemas.openxmlformats.org/officeDocument/2006/relationships" xmlns:p="http://schemas.openxmlformats.org/presentationml/2006/main">
+  <p:cSld>
+    <p:spTree>
+      <p:nvGrpSpPr>
+        <p:cNvPr id="1" name=""/>
+        <p:cNvGrpSpPr/>
+        <p:nvPr/>
+      </p:nvGrpSpPr>
+      <p:grpSpPr>
+        <a:xfrm>
+          <a:off x="0" y="0"/>
+          <a:ext cx="0" cy="0"/>
+          <a:chOff x="0" y="0"/>
+          <a:chExt cx="0" cy="0"/>
+        </a:xfrm>
+      </p:grpSpPr>
+      <p:sp>
+        <p:nvSpPr>
+          <p:cNvPr id="2" name="Title 1">
+            <a:extLst>
+              <a:ext uri="{FF2B5EF4-FFF2-40B4-BE49-F238E27FC236}">
+                <a16:creationId xmlns:a16="http://schemas.microsoft.com/office/drawing/2014/main" xmlns="" id="{EE73ED20-16D2-48BA-AB38-F0AB72A06E1C}"/>
+              </a:ext>
+            </a:extLst>
+          </p:cNvPr>
+          <p:cNvSpPr>
+            <a:spLocks noGrp="1"/>
+          </p:cNvSpPr>
+          <p:nvPr>
+            <p:ph type="title"/>
+          </p:nvPr>
+        </p:nvSpPr>
+        <p:spPr/>
+        <p:txBody>
+          <a:bodyPr/>
+          <a:lstStyle/>
+          <a:p>
+            <a:r>
+              <a:rPr lang="en-US" dirty="0"/>
+              <a:t>HTML Multimedia</a:t>
+            </a:r>
+            <a:br>
+              <a:rPr lang="en-US" dirty="0"/>
+            </a:br>
+            <a:endParaRPr lang="en-US" dirty="0"/>
+          </a:p>
+        </p:txBody>
+      </p:sp>
+      <p:sp>
+        <p:nvSpPr>
+          <p:cNvPr id="3" name="Content Placeholder 2">
+            <a:extLst>
+              <a:ext uri="{FF2B5EF4-FFF2-40B4-BE49-F238E27FC236}">
+                <a16:creationId xmlns:a16="http://schemas.microsoft.com/office/drawing/2014/main" xmlns="" id="{C661467F-F350-47F9-9D64-AADB26392B00}"/>
+              </a:ext>
+            </a:extLst>
+          </p:cNvPr>
+          <p:cNvSpPr>
+            <a:spLocks noGrp="1"/>
+          </p:cNvSpPr>
+          <p:nvPr>
+            <p:ph idx="1"/>
+          </p:nvPr>
+        </p:nvSpPr>
+        <p:spPr/>
+        <p:txBody>
+          <a:bodyPr/>
+          <a:lstStyle/>
+          <a:p>
+            <a:r>
+              <a:rPr lang="en-US" dirty="0"/>
+              <a:t>Multimedia on the web is sound, music, videos, movies, and animations.</a:t>
+            </a:r>
+          </a:p>
+          <a:p>
+            <a:r>
+              <a:rPr lang="en-US" dirty="0"/>
+              <a:t>What is Multimedia?</a:t>
+            </a:r>
+          </a:p>
+          <a:p>
+            <a:r>
+              <a:rPr lang="en-US" dirty="0"/>
+              <a:t>Multimedia comes in many different formats. It can be almost anything you can hear or see.</a:t>
+            </a:r>
+          </a:p>
+          <a:p>
+            <a:r>
+              <a:rPr lang="en-US" dirty="0"/>
+              <a:t>Examples: Images, music, sound, videos, records, films, animations, and more.</a:t>
+            </a:r>
+          </a:p>
+          <a:p>
+            <a:r>
+              <a:rPr lang="en-US" dirty="0"/>
+              <a:t>Web pages often contain multimedia elements of different types and formats.</a:t>
+            </a:r>
+          </a:p>
+          <a:p>
+            <a:r>
+              <a:rPr lang="en-US" dirty="0"/>
+              <a:t>In this chapter you will learn about the different multimedia formats.</a:t>
+            </a:r>
+          </a:p>
+          <a:p>
+            <a:endParaRPr lang="en-US" dirty="0"/>
+          </a:p>
+        </p:txBody>
+      </p:sp>
+      <p:sp>
+        <p:nvSpPr>
+          <p:cNvPr id="4" name="Footer Placeholder 3">
+            <a:extLst>
+              <a:ext uri="{FF2B5EF4-FFF2-40B4-BE49-F238E27FC236}">
+                <a16:creationId xmlns:a16="http://schemas.microsoft.com/office/drawing/2014/main" xmlns="" id="{0D27E942-1AC8-47C9-A833-4E0A85BF3589}"/>
+              </a:ext>
+            </a:extLst>
+          </p:cNvPr>
+          <p:cNvSpPr>
+            <a:spLocks noGrp="1"/>
+          </p:cNvSpPr>
+          <p:nvPr>
+            <p:ph type="ftr" sz="quarter" idx="11"/>
+          </p:nvPr>
+        </p:nvSpPr>
+        <p:spPr/>
+        <p:txBody>
+          <a:bodyPr/>
+          <a:lstStyle/>
+          <a:p>
+            <a:r>
+              <a:rPr lang="en-US"/>
+              <a:t>BITM</a:t>
+            </a:r>
+          </a:p>
+        </p:txBody>
+      </p:sp>
+    </p:spTree>
+    <p:extLst>
+      <p:ext uri="{BB962C8B-B14F-4D97-AF65-F5344CB8AC3E}">
+        <p14:creationId xmlns:p14="http://schemas.microsoft.com/office/powerpoint/2010/main" val="3198627745"/>
+      </p:ext>
+    </p:extLst>
+  </p:cSld>
+  <p:clrMapOvr>
+    <a:masterClrMapping/>
+  </p:clrMapOvr>
+</p:sld>
+</file>
+
+<file path=ppt/slides/slide43.xml><?xml version="1.0" encoding="utf-8"?>
+<p:sld xmlns:a="http://schemas.openxmlformats.org/drawingml/2006/main" xmlns:r="http://schemas.openxmlformats.org/officeDocument/2006/relationships" xmlns:p="http://schemas.openxmlformats.org/presentationml/2006/main">
+  <p:cSld>
+    <p:spTree>
+      <p:nvGrpSpPr>
+        <p:cNvPr id="1" name=""/>
+        <p:cNvGrpSpPr/>
+        <p:nvPr/>
+      </p:nvGrpSpPr>
+      <p:grpSpPr>
+        <a:xfrm>
+          <a:off x="0" y="0"/>
+          <a:ext cx="0" cy="0"/>
+          <a:chOff x="0" y="0"/>
+          <a:chExt cx="0" cy="0"/>
+        </a:xfrm>
+      </p:grpSpPr>
+      <p:sp>
+        <p:nvSpPr>
+          <p:cNvPr id="2" name="Title 1">
+            <a:extLst>
+              <a:ext uri="{FF2B5EF4-FFF2-40B4-BE49-F238E27FC236}">
+                <a16:creationId xmlns:a16="http://schemas.microsoft.com/office/drawing/2014/main" xmlns="" id="{998566CC-4CD4-4A9B-A180-5B5C69798904}"/>
+              </a:ext>
+            </a:extLst>
+          </p:cNvPr>
+          <p:cNvSpPr>
+            <a:spLocks noGrp="1"/>
+          </p:cNvSpPr>
+          <p:nvPr>
+            <p:ph type="title"/>
+          </p:nvPr>
+        </p:nvSpPr>
+        <p:spPr/>
+        <p:txBody>
+          <a:bodyPr/>
+          <a:lstStyle/>
+          <a:p>
+            <a:r>
+              <a:rPr lang="en-US" dirty="0"/>
+              <a:t>HTML5 Video</a:t>
+            </a:r>
+            <a:br>
+              <a:rPr lang="en-US" dirty="0"/>
+            </a:br>
+            <a:endParaRPr lang="en-US" dirty="0"/>
+          </a:p>
+        </p:txBody>
+      </p:sp>
+      <p:sp>
+        <p:nvSpPr>
+          <p:cNvPr id="3" name="Content Placeholder 2">
+            <a:extLst>
+              <a:ext uri="{FF2B5EF4-FFF2-40B4-BE49-F238E27FC236}">
+                <a16:creationId xmlns:a16="http://schemas.microsoft.com/office/drawing/2014/main" xmlns="" id="{FFCE976E-3DEC-452D-98B6-013FD0164E24}"/>
+              </a:ext>
+            </a:extLst>
+          </p:cNvPr>
+          <p:cNvSpPr>
+            <a:spLocks noGrp="1"/>
+          </p:cNvSpPr>
+          <p:nvPr>
+            <p:ph idx="1"/>
+          </p:nvPr>
+        </p:nvSpPr>
+        <p:spPr/>
+        <p:txBody>
+          <a:bodyPr>
+            <a:normAutofit/>
+          </a:bodyPr>
+          <a:lstStyle/>
+          <a:p>
+            <a:r>
+              <a:rPr lang="en-US" sz="2400" dirty="0"/>
+              <a:t>&lt;video width="320" height="240" controls&gt;</a:t>
+            </a:r>
+            <a:br>
+              <a:rPr lang="en-US" sz="2400" dirty="0"/>
+            </a:br>
+            <a:r>
+              <a:rPr lang="en-US" sz="2400" dirty="0"/>
+              <a:t>  &lt;source </a:t>
+            </a:r>
+            <a:r>
+              <a:rPr lang="en-US" sz="2400" dirty="0" err="1"/>
+              <a:t>src</a:t>
+            </a:r>
+            <a:r>
+              <a:rPr lang="en-US" sz="2400" dirty="0"/>
+              <a:t>="movie.mp4" type="video/mp4"&gt;</a:t>
+            </a:r>
+            <a:br>
+              <a:rPr lang="en-US" sz="2400" dirty="0"/>
+            </a:br>
+            <a:r>
+              <a:rPr lang="en-US" sz="2400" dirty="0"/>
+              <a:t>  &lt;source </a:t>
+            </a:r>
+            <a:r>
+              <a:rPr lang="en-US" sz="2400" dirty="0" err="1"/>
+              <a:t>src</a:t>
+            </a:r>
+            <a:r>
+              <a:rPr lang="en-US" sz="2400" dirty="0"/>
+              <a:t>="movie.ogg" type="video/</a:t>
+            </a:r>
+            <a:r>
+              <a:rPr lang="en-US" sz="2400" dirty="0" err="1"/>
+              <a:t>ogg</a:t>
+            </a:r>
+            <a:r>
+              <a:rPr lang="en-US" sz="2400" dirty="0"/>
+              <a:t>"&gt;</a:t>
+            </a:r>
+            <a:br>
+              <a:rPr lang="en-US" sz="2400" dirty="0"/>
+            </a:br>
+            <a:r>
+              <a:rPr lang="en-US" sz="2400" dirty="0"/>
+              <a:t>Your browser does not support the video tag.</a:t>
+            </a:r>
+            <a:br>
+              <a:rPr lang="en-US" sz="2400" dirty="0"/>
+            </a:br>
+            <a:r>
+              <a:rPr lang="en-US" sz="2400" dirty="0"/>
+              <a:t>&lt;/video&gt;</a:t>
+            </a:r>
+          </a:p>
+        </p:txBody>
+      </p:sp>
+      <p:sp>
+        <p:nvSpPr>
+          <p:cNvPr id="4" name="Footer Placeholder 3">
+            <a:extLst>
+              <a:ext uri="{FF2B5EF4-FFF2-40B4-BE49-F238E27FC236}">
+                <a16:creationId xmlns:a16="http://schemas.microsoft.com/office/drawing/2014/main" xmlns="" id="{70056879-36C8-4D43-9EEA-04A1437C1449}"/>
+              </a:ext>
+            </a:extLst>
+          </p:cNvPr>
+          <p:cNvSpPr>
+            <a:spLocks noGrp="1"/>
+          </p:cNvSpPr>
+          <p:nvPr>
+            <p:ph type="ftr" sz="quarter" idx="11"/>
+          </p:nvPr>
+        </p:nvSpPr>
+        <p:spPr/>
+        <p:txBody>
+          <a:bodyPr/>
+          <a:lstStyle/>
+          <a:p>
+            <a:r>
+              <a:rPr lang="en-US"/>
+              <a:t>BITM</a:t>
+            </a:r>
+          </a:p>
+        </p:txBody>
+      </p:sp>
+    </p:spTree>
+    <p:extLst>
+      <p:ext uri="{BB962C8B-B14F-4D97-AF65-F5344CB8AC3E}">
+        <p14:creationId xmlns:p14="http://schemas.microsoft.com/office/powerpoint/2010/main" val="3404758297"/>
+      </p:ext>
+    </p:extLst>
+  </p:cSld>
+  <p:clrMapOvr>
+    <a:masterClrMapping/>
+  </p:clrMapOvr>
+</p:sld>
+</file>
+
+<file path=ppt/slides/slide44.xml><?xml version="1.0" encoding="utf-8"?>
+<p:sld xmlns:a="http://schemas.openxmlformats.org/drawingml/2006/main" xmlns:r="http://schemas.openxmlformats.org/officeDocument/2006/relationships" xmlns:p="http://schemas.openxmlformats.org/presentationml/2006/main">
+  <p:cSld>
+    <p:spTree>
+      <p:nvGrpSpPr>
+        <p:cNvPr id="1" name=""/>
+        <p:cNvGrpSpPr/>
+        <p:nvPr/>
+      </p:nvGrpSpPr>
+      <p:grpSpPr>
+        <a:xfrm>
+          <a:off x="0" y="0"/>
+          <a:ext cx="0" cy="0"/>
+          <a:chOff x="0" y="0"/>
+          <a:chExt cx="0" cy="0"/>
+        </a:xfrm>
+      </p:grpSpPr>
+      <p:sp>
+        <p:nvSpPr>
+          <p:cNvPr id="2" name="Title 1">
+            <a:extLst>
+              <a:ext uri="{FF2B5EF4-FFF2-40B4-BE49-F238E27FC236}">
+                <a16:creationId xmlns:a16="http://schemas.microsoft.com/office/drawing/2014/main" xmlns="" id="{947A71D1-0620-433F-99A4-A111BABA777E}"/>
+              </a:ext>
+            </a:extLst>
+          </p:cNvPr>
+          <p:cNvSpPr>
+            <a:spLocks noGrp="1"/>
+          </p:cNvSpPr>
+          <p:nvPr>
+            <p:ph type="title"/>
+          </p:nvPr>
+        </p:nvSpPr>
+        <p:spPr/>
+        <p:txBody>
+          <a:bodyPr/>
+          <a:lstStyle/>
+          <a:p>
+            <a:r>
+              <a:rPr lang="en-US" dirty="0"/>
+              <a:t>HTML5 Audio</a:t>
+            </a:r>
+            <a:br>
+              <a:rPr lang="en-US" dirty="0"/>
+            </a:br>
+            <a:endParaRPr lang="en-US" dirty="0"/>
+          </a:p>
+        </p:txBody>
+      </p:sp>
+      <p:sp>
+        <p:nvSpPr>
+          <p:cNvPr id="3" name="Content Placeholder 2">
+            <a:extLst>
+              <a:ext uri="{FF2B5EF4-FFF2-40B4-BE49-F238E27FC236}">
+                <a16:creationId xmlns:a16="http://schemas.microsoft.com/office/drawing/2014/main" xmlns="" id="{7504F994-5631-4AB0-9DFF-430703CC9DEE}"/>
+              </a:ext>
+            </a:extLst>
+          </p:cNvPr>
+          <p:cNvSpPr>
+            <a:spLocks noGrp="1"/>
+          </p:cNvSpPr>
+          <p:nvPr>
+            <p:ph idx="1"/>
+          </p:nvPr>
+        </p:nvSpPr>
+        <p:spPr/>
+        <p:txBody>
+          <a:bodyPr>
+            <a:normAutofit/>
+          </a:bodyPr>
+          <a:lstStyle/>
+          <a:p>
+            <a:r>
+              <a:rPr lang="en-US" sz="2800" dirty="0"/>
+              <a:t>&lt;audio controls&gt;</a:t>
+            </a:r>
+            <a:br>
+              <a:rPr lang="en-US" sz="2800" dirty="0"/>
+            </a:br>
+            <a:r>
+              <a:rPr lang="en-US" sz="2800" dirty="0"/>
+              <a:t>  &lt;source </a:t>
+            </a:r>
+            <a:r>
+              <a:rPr lang="en-US" sz="2800" dirty="0" err="1"/>
+              <a:t>src</a:t>
+            </a:r>
+            <a:r>
+              <a:rPr lang="en-US" sz="2800" dirty="0"/>
+              <a:t>="horse.ogg" type="audio/</a:t>
+            </a:r>
+            <a:r>
+              <a:rPr lang="en-US" sz="2800" dirty="0" err="1"/>
+              <a:t>ogg</a:t>
+            </a:r>
+            <a:r>
+              <a:rPr lang="en-US" sz="2800" dirty="0"/>
+              <a:t>"&gt;</a:t>
+            </a:r>
+            <a:br>
+              <a:rPr lang="en-US" sz="2800" dirty="0"/>
+            </a:br>
+            <a:r>
+              <a:rPr lang="en-US" sz="2800" dirty="0"/>
+              <a:t>  &lt;source </a:t>
+            </a:r>
+            <a:r>
+              <a:rPr lang="en-US" sz="2800" dirty="0" err="1"/>
+              <a:t>src</a:t>
+            </a:r>
+            <a:r>
+              <a:rPr lang="en-US" sz="2800" dirty="0"/>
+              <a:t>="horse.mp3" type="audio/mpeg"&gt;</a:t>
+            </a:r>
+            <a:br>
+              <a:rPr lang="en-US" sz="2800" dirty="0"/>
+            </a:br>
+            <a:r>
+              <a:rPr lang="en-US" sz="2800" dirty="0"/>
+              <a:t>Your browser does not support the audio element.</a:t>
+            </a:r>
+            <a:br>
+              <a:rPr lang="en-US" sz="2800" dirty="0"/>
+            </a:br>
+            <a:r>
+              <a:rPr lang="en-US" sz="2800" dirty="0"/>
+              <a:t>&lt;/audio&gt;</a:t>
+            </a:r>
+          </a:p>
+        </p:txBody>
+      </p:sp>
+      <p:sp>
+        <p:nvSpPr>
+          <p:cNvPr id="4" name="Footer Placeholder 3">
+            <a:extLst>
+              <a:ext uri="{FF2B5EF4-FFF2-40B4-BE49-F238E27FC236}">
+                <a16:creationId xmlns:a16="http://schemas.microsoft.com/office/drawing/2014/main" xmlns="" id="{BB7EA2DE-8DB9-41F8-B1D5-877141E95250}"/>
+              </a:ext>
+            </a:extLst>
+          </p:cNvPr>
+          <p:cNvSpPr>
+            <a:spLocks noGrp="1"/>
+          </p:cNvSpPr>
+          <p:nvPr>
+            <p:ph type="ftr" sz="quarter" idx="11"/>
+          </p:nvPr>
+        </p:nvSpPr>
+        <p:spPr/>
+        <p:txBody>
+          <a:bodyPr/>
+          <a:lstStyle/>
+          <a:p>
+            <a:r>
+              <a:rPr lang="en-US"/>
+              <a:t>BITM</a:t>
+            </a:r>
+          </a:p>
+        </p:txBody>
+      </p:sp>
+    </p:spTree>
+    <p:extLst>
+      <p:ext uri="{BB962C8B-B14F-4D97-AF65-F5344CB8AC3E}">
+        <p14:creationId xmlns:p14="http://schemas.microsoft.com/office/powerpoint/2010/main" val="3551081233"/>
+      </p:ext>
+    </p:extLst>
+  </p:cSld>
+  <p:clrMapOvr>
+    <a:masterClrMapping/>
+  </p:clrMapOvr>
+</p:sld>
+</file>
+
+<file path=ppt/slides/slide45.xml><?xml version="1.0" encoding="utf-8"?>
+<p:sld xmlns:a="http://schemas.openxmlformats.org/drawingml/2006/main" xmlns:r="http://schemas.openxmlformats.org/officeDocument/2006/relationships" xmlns:p="http://schemas.openxmlformats.org/presentationml/2006/main">
+  <p:cSld>
+    <p:spTree>
+      <p:nvGrpSpPr>
+        <p:cNvPr id="1" name=""/>
+        <p:cNvGrpSpPr/>
+        <p:nvPr/>
+      </p:nvGrpSpPr>
+      <p:grpSpPr>
+        <a:xfrm>
+          <a:off x="0" y="0"/>
+          <a:ext cx="0" cy="0"/>
+          <a:chOff x="0" y="0"/>
+          <a:chExt cx="0" cy="0"/>
+        </a:xfrm>
+      </p:grpSpPr>
+      <p:sp>
+        <p:nvSpPr>
+          <p:cNvPr id="2" name="Title 1">
+            <a:extLst>
+              <a:ext uri="{FF2B5EF4-FFF2-40B4-BE49-F238E27FC236}">
+                <a16:creationId xmlns:a16="http://schemas.microsoft.com/office/drawing/2014/main" xmlns="" id="{8D0CFAC1-9732-4C4A-9D0C-D8674508707A}"/>
+              </a:ext>
+            </a:extLst>
+          </p:cNvPr>
+          <p:cNvSpPr>
+            <a:spLocks noGrp="1"/>
+          </p:cNvSpPr>
+          <p:nvPr>
+            <p:ph type="title"/>
+          </p:nvPr>
+        </p:nvSpPr>
+        <p:spPr/>
+        <p:txBody>
+          <a:bodyPr/>
+          <a:lstStyle/>
+          <a:p>
+            <a:r>
+              <a:rPr lang="en-US" dirty="0"/>
+              <a:t>HTML YouTube Videos</a:t>
+            </a:r>
+            <a:br>
+              <a:rPr lang="en-US" dirty="0"/>
+            </a:br>
+            <a:endParaRPr lang="en-US" dirty="0"/>
+          </a:p>
+        </p:txBody>
+      </p:sp>
+      <p:sp>
+        <p:nvSpPr>
+          <p:cNvPr id="3" name="Content Placeholder 2">
+            <a:extLst>
+              <a:ext uri="{FF2B5EF4-FFF2-40B4-BE49-F238E27FC236}">
+                <a16:creationId xmlns:a16="http://schemas.microsoft.com/office/drawing/2014/main" xmlns="" id="{6AB1E9B4-9442-48E5-8F92-22B88447ED77}"/>
+              </a:ext>
+            </a:extLst>
+          </p:cNvPr>
+          <p:cNvSpPr>
+            <a:spLocks noGrp="1"/>
+          </p:cNvSpPr>
+          <p:nvPr>
+            <p:ph idx="1"/>
+          </p:nvPr>
+        </p:nvSpPr>
+        <p:spPr/>
+        <p:txBody>
+          <a:bodyPr/>
+          <a:lstStyle/>
+          <a:p>
+            <a:r>
+              <a:rPr lang="en-US" sz="2800" dirty="0"/>
+              <a:t>&lt;iframe width="420" height="315"</a:t>
+            </a:r>
+            <a:br>
+              <a:rPr lang="en-US" sz="2800" dirty="0"/>
+            </a:br>
+            <a:r>
+              <a:rPr lang="en-US" sz="2800" dirty="0" err="1"/>
+              <a:t>src</a:t>
+            </a:r>
+            <a:r>
+              <a:rPr lang="en-US" sz="2800" dirty="0"/>
+              <a:t>="https://www.youtube.com/embed/tgbNymZ7vqY"&gt;</a:t>
+            </a:r>
+            <a:br>
+              <a:rPr lang="en-US" sz="2800" dirty="0"/>
+            </a:br>
+            <a:r>
+              <a:rPr lang="en-US" sz="2800" dirty="0"/>
+              <a:t>&lt;/iframe</a:t>
+            </a:r>
+            <a:r>
+              <a:rPr lang="en-US" dirty="0"/>
+              <a:t>&gt;</a:t>
+            </a:r>
+          </a:p>
+        </p:txBody>
+      </p:sp>
+      <p:sp>
+        <p:nvSpPr>
+          <p:cNvPr id="4" name="Footer Placeholder 3">
+            <a:extLst>
+              <a:ext uri="{FF2B5EF4-FFF2-40B4-BE49-F238E27FC236}">
+                <a16:creationId xmlns:a16="http://schemas.microsoft.com/office/drawing/2014/main" xmlns="" id="{34FC1CB5-230D-4DDD-907A-7C3949339CD8}"/>
+              </a:ext>
+            </a:extLst>
+          </p:cNvPr>
+          <p:cNvSpPr>
+            <a:spLocks noGrp="1"/>
+          </p:cNvSpPr>
+          <p:nvPr>
+            <p:ph type="ftr" sz="quarter" idx="11"/>
+          </p:nvPr>
+        </p:nvSpPr>
+        <p:spPr/>
+        <p:txBody>
+          <a:bodyPr/>
+          <a:lstStyle/>
+          <a:p>
+            <a:r>
+              <a:rPr lang="en-US"/>
+              <a:t>BITM</a:t>
+            </a:r>
+          </a:p>
+        </p:txBody>
+      </p:sp>
+    </p:spTree>
+    <p:extLst>
+      <p:ext uri="{BB962C8B-B14F-4D97-AF65-F5344CB8AC3E}">
+        <p14:creationId xmlns:p14="http://schemas.microsoft.com/office/powerpoint/2010/main" val="2717237306"/>
+      </p:ext>
+    </p:extLst>
+  </p:cSld>
+  <p:clrMapOvr>
+    <a:masterClrMapping/>
+  </p:clrMapOvr>
+</p:sld>
+</file>
+
+<file path=ppt/slides/slide46.xml><?xml version="1.0" encoding="utf-8"?>
+<p:sld xmlns:a="http://schemas.openxmlformats.org/drawingml/2006/main" xmlns:r="http://schemas.openxmlformats.org/officeDocument/2006/relationships" xmlns:p="http://schemas.openxmlformats.org/presentationml/2006/main">
+  <p:cSld>
+    <p:spTree>
+      <p:nvGrpSpPr>
+        <p:cNvPr id="1" name=""/>
+        <p:cNvGrpSpPr/>
+        <p:nvPr/>
+      </p:nvGrpSpPr>
+      <p:grpSpPr>
+        <a:xfrm>
+          <a:off x="0" y="0"/>
+          <a:ext cx="0" cy="0"/>
+          <a:chOff x="0" y="0"/>
+          <a:chExt cx="0" cy="0"/>
+        </a:xfrm>
+      </p:grpSpPr>
+      <p:sp>
+        <p:nvSpPr>
+          <p:cNvPr id="2" name="Title 1">
+            <a:extLst>
+              <a:ext uri="{FF2B5EF4-FFF2-40B4-BE49-F238E27FC236}">
+                <a16:creationId xmlns:a16="http://schemas.microsoft.com/office/drawing/2014/main" xmlns="" id="{5EE1B619-4CC9-42C8-BD79-2B20F0527E76}"/>
+              </a:ext>
+            </a:extLst>
+          </p:cNvPr>
+          <p:cNvSpPr>
+            <a:spLocks noGrp="1"/>
+          </p:cNvSpPr>
+          <p:nvPr>
+            <p:ph type="title"/>
+          </p:nvPr>
+        </p:nvSpPr>
+        <p:spPr/>
+        <p:txBody>
+          <a:bodyPr/>
+          <a:lstStyle/>
+          <a:p>
+            <a:r>
+              <a:rPr lang="en-US" dirty="0"/>
+              <a:t>HTML Element Reference</a:t>
+            </a:r>
+            <a:br>
+              <a:rPr lang="en-US" dirty="0"/>
+            </a:br>
+            <a:endParaRPr lang="en-US" dirty="0"/>
+          </a:p>
+        </p:txBody>
+      </p:sp>
+      <p:sp>
+        <p:nvSpPr>
+          <p:cNvPr id="3" name="Content Placeholder 2">
+            <a:extLst>
+              <a:ext uri="{FF2B5EF4-FFF2-40B4-BE49-F238E27FC236}">
+                <a16:creationId xmlns:a16="http://schemas.microsoft.com/office/drawing/2014/main" xmlns="" id="{C4089531-2D95-450A-9EBA-59B4882745C5}"/>
+              </a:ext>
+            </a:extLst>
+          </p:cNvPr>
+          <p:cNvSpPr>
+            <a:spLocks noGrp="1"/>
+          </p:cNvSpPr>
+          <p:nvPr>
+            <p:ph idx="1"/>
+          </p:nvPr>
+        </p:nvSpPr>
+        <p:spPr>
+          <a:xfrm>
+            <a:off x="677334" y="1425039"/>
+            <a:ext cx="8596668" cy="4616323"/>
+          </a:xfrm>
+        </p:spPr>
+        <p:txBody>
+          <a:bodyPr>
+            <a:normAutofit/>
+          </a:bodyPr>
           <a:lstStyle/>
           <a:p>
             <a:r>
               <a:rPr lang="en-US" dirty="0">
                 <a:hlinkClick r:id="rId2"/>
               </a:rPr>
-              <a:t>https://www.w3schools.com/tags/default.asp</a:t>
+              <a:t>https://</a:t>
+            </a:r>
+            <a:r>
+              <a:rPr lang="en-US" dirty="0" smtClean="0">
+                <a:hlinkClick r:id="rId2"/>
+              </a:rPr>
+              <a:t>www.w3schools.com/tags/default.asp</a:t>
+            </a:r>
+            <a:endParaRPr lang="en-US" dirty="0"/>
+          </a:p>
+          <a:p>
+            <a:r>
+              <a:rPr lang="en-US" dirty="0">
+                <a:hlinkClick r:id="rId3"/>
+              </a:rPr>
+              <a:t>https://</a:t>
+            </a:r>
+            <a:r>
+              <a:rPr lang="en-US" dirty="0" smtClean="0">
+                <a:hlinkClick r:id="rId3"/>
+              </a:rPr>
+              <a:t>www.w3schools.com/tags/ref_attributes.asp</a:t>
+            </a:r>
+            <a:endParaRPr lang="en-US" dirty="0"/>
+          </a:p>
+          <a:p>
+            <a:r>
+              <a:rPr lang="en-US" dirty="0">
+                <a:hlinkClick r:id="rId4"/>
+              </a:rPr>
+              <a:t>https://</a:t>
+            </a:r>
+            <a:r>
+              <a:rPr lang="en-US" dirty="0" smtClean="0">
+                <a:hlinkClick r:id="rId4"/>
+              </a:rPr>
+              <a:t>www.w3schools.com/tags/ref_standardattributes.asp</a:t>
+            </a:r>
+            <a:endParaRPr lang="en-US" dirty="0" smtClean="0"/>
+          </a:p>
+          <a:p>
+            <a:r>
+              <a:rPr lang="en-US" dirty="0">
+                <a:hlinkClick r:id="rId5"/>
+              </a:rPr>
+              <a:t>https://</a:t>
+            </a:r>
+            <a:r>
+              <a:rPr lang="en-US" dirty="0" smtClean="0">
+                <a:hlinkClick r:id="rId5"/>
+              </a:rPr>
+              <a:t>www.w3schools.com/tags/ref_eventattributes.asp</a:t>
+            </a:r>
+            <a:endParaRPr lang="en-US" dirty="0" smtClean="0"/>
+          </a:p>
+          <a:p>
+            <a:r>
+              <a:rPr lang="en-US" dirty="0">
+                <a:hlinkClick r:id="rId6"/>
+              </a:rPr>
+              <a:t>https://</a:t>
+            </a:r>
+            <a:r>
+              <a:rPr lang="en-US" dirty="0" smtClean="0">
+                <a:hlinkClick r:id="rId6"/>
+              </a:rPr>
+              <a:t>www.w3schools.com/tags/ref_charactersets.asp</a:t>
+            </a:r>
+            <a:endParaRPr lang="en-US" dirty="0" smtClean="0"/>
+          </a:p>
+          <a:p>
+            <a:r>
+              <a:rPr lang="en-US" dirty="0">
+                <a:hlinkClick r:id="rId7"/>
+              </a:rPr>
+              <a:t>https://</a:t>
+            </a:r>
+            <a:r>
+              <a:rPr lang="en-US" dirty="0" smtClean="0">
+                <a:hlinkClick r:id="rId7"/>
+              </a:rPr>
+              <a:t>www.w3schools.com/html/html_accessibility.asp</a:t>
+            </a:r>
+            <a:endParaRPr lang="en-US" dirty="0" smtClean="0"/>
+          </a:p>
+          <a:p>
+            <a:r>
+              <a:rPr lang="en-US" dirty="0">
+                <a:hlinkClick r:id="rId8"/>
+              </a:rPr>
+              <a:t>https://</a:t>
+            </a:r>
+            <a:r>
+              <a:rPr lang="en-US" dirty="0" smtClean="0">
+                <a:hlinkClick r:id="rId8"/>
+              </a:rPr>
+              <a:t>www.w3schools.com/html/html_summary.asp</a:t>
+            </a:r>
+            <a:endParaRPr lang="en-US" dirty="0" smtClean="0"/>
+          </a:p>
+          <a:p>
+            <a:r>
+              <a:rPr lang="en-US" dirty="0">
+                <a:hlinkClick r:id="rId9"/>
+              </a:rPr>
+              <a:t>https://www.w3schools.com/html/html_exam.asp</a:t>
             </a:r>
             <a:endParaRPr lang="en-US" dirty="0"/>
           </a:p>
@@ -15868,7 +17181,7 @@
           <p:cNvPr id="4" name="Footer Placeholder 3">
             <a:extLst>
               <a:ext uri="{FF2B5EF4-FFF2-40B4-BE49-F238E27FC236}">
-                <a16:creationId xmlns:a16="http://schemas.microsoft.com/office/drawing/2014/main" id="{FA9CE629-6FCD-4DD8-A78D-E3A5A526ED86}"/>
+                <a16:creationId xmlns:a16="http://schemas.microsoft.com/office/drawing/2014/main" xmlns="" id="{FA9CE629-6FCD-4DD8-A78D-E3A5A526ED86}"/>
               </a:ext>
             </a:extLst>
           </p:cNvPr>
@@ -15926,7 +17239,7 @@
           <p:cNvPr id="2" name="Title 1">
             <a:extLst>
               <a:ext uri="{FF2B5EF4-FFF2-40B4-BE49-F238E27FC236}">
-                <a16:creationId xmlns:a16="http://schemas.microsoft.com/office/drawing/2014/main" id="{B9ACA9D9-1840-4A10-819C-390DC15BA1F6}"/>
+                <a16:creationId xmlns:a16="http://schemas.microsoft.com/office/drawing/2014/main" xmlns="" id="{B9ACA9D9-1840-4A10-819C-390DC15BA1F6}"/>
               </a:ext>
             </a:extLst>
           </p:cNvPr>
@@ -15958,7 +17271,7 @@
           <p:cNvPr id="3" name="Content Placeholder 2">
             <a:extLst>
               <a:ext uri="{FF2B5EF4-FFF2-40B4-BE49-F238E27FC236}">
-                <a16:creationId xmlns:a16="http://schemas.microsoft.com/office/drawing/2014/main" id="{0E4613A9-889F-4938-B625-5C2CFE53729C}"/>
+                <a16:creationId xmlns:a16="http://schemas.microsoft.com/office/drawing/2014/main" xmlns="" id="{0E4613A9-889F-4938-B625-5C2CFE53729C}"/>
               </a:ext>
             </a:extLst>
           </p:cNvPr>
@@ -15986,7 +17299,7 @@
           <p:cNvPr id="5" name="Footer Placeholder 4">
             <a:extLst>
               <a:ext uri="{FF2B5EF4-FFF2-40B4-BE49-F238E27FC236}">
-                <a16:creationId xmlns:a16="http://schemas.microsoft.com/office/drawing/2014/main" id="{8D0D2C46-2C1F-4CD1-9A37-794AF41EDBE2}"/>
+                <a16:creationId xmlns:a16="http://schemas.microsoft.com/office/drawing/2014/main" xmlns="" id="{8D0D2C46-2C1F-4CD1-9A37-794AF41EDBE2}"/>
               </a:ext>
             </a:extLst>
           </p:cNvPr>
@@ -16044,7 +17357,7 @@
           <p:cNvPr id="2" name="Title 1">
             <a:extLst>
               <a:ext uri="{FF2B5EF4-FFF2-40B4-BE49-F238E27FC236}">
-                <a16:creationId xmlns:a16="http://schemas.microsoft.com/office/drawing/2014/main" id="{7EC1F474-13B1-431D-AD14-1DD8D56FFA80}"/>
+                <a16:creationId xmlns:a16="http://schemas.microsoft.com/office/drawing/2014/main" xmlns="" id="{7EC1F474-13B1-431D-AD14-1DD8D56FFA80}"/>
               </a:ext>
             </a:extLst>
           </p:cNvPr>
@@ -16084,7 +17397,7 @@
           <p:cNvPr id="3" name="Content Placeholder 2">
             <a:extLst>
               <a:ext uri="{FF2B5EF4-FFF2-40B4-BE49-F238E27FC236}">
-                <a16:creationId xmlns:a16="http://schemas.microsoft.com/office/drawing/2014/main" id="{DD94E328-DB72-40E5-A898-3C95F9C14720}"/>
+                <a16:creationId xmlns:a16="http://schemas.microsoft.com/office/drawing/2014/main" xmlns="" id="{DD94E328-DB72-40E5-A898-3C95F9C14720}"/>
               </a:ext>
             </a:extLst>
           </p:cNvPr>
@@ -16141,7 +17454,7 @@
           <p:cNvPr id="5" name="Footer Placeholder 4">
             <a:extLst>
               <a:ext uri="{FF2B5EF4-FFF2-40B4-BE49-F238E27FC236}">
-                <a16:creationId xmlns:a16="http://schemas.microsoft.com/office/drawing/2014/main" id="{47A10C9F-C0C4-481A-A16B-21352323F742}"/>
+                <a16:creationId xmlns:a16="http://schemas.microsoft.com/office/drawing/2014/main" xmlns="" id="{47A10C9F-C0C4-481A-A16B-21352323F742}"/>
               </a:ext>
             </a:extLst>
           </p:cNvPr>
@@ -16199,7 +17512,7 @@
           <p:cNvPr id="2" name="Title 1">
             <a:extLst>
               <a:ext uri="{FF2B5EF4-FFF2-40B4-BE49-F238E27FC236}">
-                <a16:creationId xmlns:a16="http://schemas.microsoft.com/office/drawing/2014/main" id="{93DF3B26-3AA3-4534-B415-B9FF5214EE58}"/>
+                <a16:creationId xmlns:a16="http://schemas.microsoft.com/office/drawing/2014/main" xmlns="" id="{93DF3B26-3AA3-4534-B415-B9FF5214EE58}"/>
               </a:ext>
             </a:extLst>
           </p:cNvPr>
@@ -16227,7 +17540,7 @@
           <p:cNvPr id="3" name="Content Placeholder 2">
             <a:extLst>
               <a:ext uri="{FF2B5EF4-FFF2-40B4-BE49-F238E27FC236}">
-                <a16:creationId xmlns:a16="http://schemas.microsoft.com/office/drawing/2014/main" id="{77111567-E28C-4450-8C64-1814721C8C45}"/>
+                <a16:creationId xmlns:a16="http://schemas.microsoft.com/office/drawing/2014/main" xmlns="" id="{77111567-E28C-4450-8C64-1814721C8C45}"/>
               </a:ext>
             </a:extLst>
           </p:cNvPr>
@@ -16284,7 +17597,7 @@
           <p:cNvPr id="5" name="Footer Placeholder 4">
             <a:extLst>
               <a:ext uri="{FF2B5EF4-FFF2-40B4-BE49-F238E27FC236}">
-                <a16:creationId xmlns:a16="http://schemas.microsoft.com/office/drawing/2014/main" id="{BDA63174-3B8B-4A6C-BA37-C772C452A6F8}"/>
+                <a16:creationId xmlns:a16="http://schemas.microsoft.com/office/drawing/2014/main" xmlns="" id="{BDA63174-3B8B-4A6C-BA37-C772C452A6F8}"/>
               </a:ext>
             </a:extLst>
           </p:cNvPr>
@@ -16342,7 +17655,7 @@
           <p:cNvPr id="2" name="Title 1">
             <a:extLst>
               <a:ext uri="{FF2B5EF4-FFF2-40B4-BE49-F238E27FC236}">
-                <a16:creationId xmlns:a16="http://schemas.microsoft.com/office/drawing/2014/main" id="{F8969652-FE67-4783-A925-EAF5B26580AE}"/>
+                <a16:creationId xmlns:a16="http://schemas.microsoft.com/office/drawing/2014/main" xmlns="" id="{F8969652-FE67-4783-A925-EAF5B26580AE}"/>
               </a:ext>
             </a:extLst>
           </p:cNvPr>
@@ -16372,6 +17685,10 @@
             <a:br>
               <a:rPr lang="en-US" dirty="0"/>
             </a:br>
+            <a:r>
+              <a:rPr lang="en-US" dirty="0"/>
+              <a:t/>
+            </a:r>
             <a:br>
               <a:rPr lang="en-US" dirty="0"/>
             </a:br>
@@ -16441,6 +17758,10 @@
               </a:rPr>
               <a:t> tag describes each term</a:t>
             </a:r>
+            <a:r>
+              <a:rPr lang="en-US" sz="1800" dirty="0"/>
+              <a:t/>
+            </a:r>
             <a:br>
               <a:rPr lang="en-US" sz="1800" dirty="0"/>
             </a:br>
@@ -16453,7 +17774,7 @@
           <p:cNvPr id="3" name="Content Placeholder 2">
             <a:extLst>
               <a:ext uri="{FF2B5EF4-FFF2-40B4-BE49-F238E27FC236}">
-                <a16:creationId xmlns:a16="http://schemas.microsoft.com/office/drawing/2014/main" id="{E3BBD73D-ABFA-4BB9-A929-CF0B5DC4A62C}"/>
+                <a16:creationId xmlns:a16="http://schemas.microsoft.com/office/drawing/2014/main" xmlns="" id="{E3BBD73D-ABFA-4BB9-A929-CF0B5DC4A62C}"/>
               </a:ext>
             </a:extLst>
           </p:cNvPr>
@@ -16521,7 +17842,7 @@
           <p:cNvPr id="4" name="Footer Placeholder 3">
             <a:extLst>
               <a:ext uri="{FF2B5EF4-FFF2-40B4-BE49-F238E27FC236}">
-                <a16:creationId xmlns:a16="http://schemas.microsoft.com/office/drawing/2014/main" id="{6CFF9A8A-BD89-4123-80E6-FA8A79D4046F}"/>
+                <a16:creationId xmlns:a16="http://schemas.microsoft.com/office/drawing/2014/main" xmlns="" id="{6CFF9A8A-BD89-4123-80E6-FA8A79D4046F}"/>
               </a:ext>
             </a:extLst>
           </p:cNvPr>
@@ -16549,7 +17870,7 @@
           <p:cNvPr id="5" name="Rectangle 1">
             <a:extLst>
               <a:ext uri="{FF2B5EF4-FFF2-40B4-BE49-F238E27FC236}">
-                <a16:creationId xmlns:a16="http://schemas.microsoft.com/office/drawing/2014/main" id="{E0EDDCF5-5D93-4BD1-B85D-4F0F4245443A}"/>
+                <a16:creationId xmlns:a16="http://schemas.microsoft.com/office/drawing/2014/main" xmlns="" id="{E0EDDCF5-5D93-4BD1-B85D-4F0F4245443A}"/>
               </a:ext>
             </a:extLst>
           </p:cNvPr>
@@ -16820,7 +18141,7 @@
           <p:cNvPr id="2" name="Title 1">
             <a:extLst>
               <a:ext uri="{FF2B5EF4-FFF2-40B4-BE49-F238E27FC236}">
-                <a16:creationId xmlns:a16="http://schemas.microsoft.com/office/drawing/2014/main" id="{0A31C37B-17B5-4258-8A78-B42EDE552934}"/>
+                <a16:creationId xmlns:a16="http://schemas.microsoft.com/office/drawing/2014/main" xmlns="" id="{0A31C37B-17B5-4258-8A78-B42EDE552934}"/>
               </a:ext>
             </a:extLst>
           </p:cNvPr>
@@ -16852,7 +18173,7 @@
           <p:cNvPr id="3" name="Content Placeholder 2">
             <a:extLst>
               <a:ext uri="{FF2B5EF4-FFF2-40B4-BE49-F238E27FC236}">
-                <a16:creationId xmlns:a16="http://schemas.microsoft.com/office/drawing/2014/main" id="{89D0F4C3-70AE-4B5D-B612-57A8F69F4837}"/>
+                <a16:creationId xmlns:a16="http://schemas.microsoft.com/office/drawing/2014/main" xmlns="" id="{89D0F4C3-70AE-4B5D-B612-57A8F69F4837}"/>
               </a:ext>
             </a:extLst>
           </p:cNvPr>
@@ -16944,7 +18265,7 @@
           <p:cNvPr id="4" name="Footer Placeholder 3">
             <a:extLst>
               <a:ext uri="{FF2B5EF4-FFF2-40B4-BE49-F238E27FC236}">
-                <a16:creationId xmlns:a16="http://schemas.microsoft.com/office/drawing/2014/main" id="{4B03CC53-D117-4F37-9B26-D0764A737F21}"/>
+                <a16:creationId xmlns:a16="http://schemas.microsoft.com/office/drawing/2014/main" xmlns="" id="{4B03CC53-D117-4F37-9B26-D0764A737F21}"/>
               </a:ext>
             </a:extLst>
           </p:cNvPr>
@@ -16983,7 +18304,7 @@
 <file path=ppt/theme/theme1.xml><?xml version="1.0" encoding="utf-8"?>
 <a:theme xmlns:a="http://schemas.openxmlformats.org/drawingml/2006/main" name="Facet">
   <a:themeElements>
-    <a:clrScheme name="Facet">
+    <a:clrScheme name="Concourse">
       <a:dk1>
         <a:sysClr val="windowText" lastClr="000000"/>
       </a:dk1>
@@ -16991,39 +18312,39 @@
         <a:sysClr val="window" lastClr="FFFFFF"/>
       </a:lt1>
       <a:dk2>
-        <a:srgbClr val="2C3C43"/>
+        <a:srgbClr val="464646"/>
       </a:dk2>
       <a:lt2>
-        <a:srgbClr val="EBEBEB"/>
+        <a:srgbClr val="DEF5FA"/>
       </a:lt2>
       <a:accent1>
-        <a:srgbClr val="90C226"/>
+        <a:srgbClr val="2DA2BF"/>
       </a:accent1>
       <a:accent2>
-        <a:srgbClr val="54A021"/>
+        <a:srgbClr val="DA1F28"/>
       </a:accent2>
       <a:accent3>
-        <a:srgbClr val="E6B91E"/>
+        <a:srgbClr val="EB641B"/>
       </a:accent3>
       <a:accent4>
-        <a:srgbClr val="E76618"/>
+        <a:srgbClr val="39639D"/>
       </a:accent4>
       <a:accent5>
-        <a:srgbClr val="C42F1A"/>
+        <a:srgbClr val="474B78"/>
       </a:accent5>
       <a:accent6>
-        <a:srgbClr val="918655"/>
+        <a:srgbClr val="7D3C4A"/>
       </a:accent6>
       <a:hlink>
-        <a:srgbClr val="99CA3C"/>
+        <a:srgbClr val="FF8119"/>
       </a:hlink>
       <a:folHlink>
-        <a:srgbClr val="B9D181"/>
+        <a:srgbClr val="44B9E8"/>
       </a:folHlink>
     </a:clrScheme>
     <a:fontScheme name="Facet">
       <a:majorFont>
-        <a:latin typeface="Trebuchet MS" panose="020B0603020202020204"/>
+        <a:latin typeface="Trebuchet MS"/>
         <a:ea typeface=""/>
         <a:cs typeface=""/>
         <a:font script="Jpan" typeface="メイリオ"/>
@@ -17058,7 +18379,7 @@
         <a:font script="Geor" typeface="Sylfaen"/>
       </a:majorFont>
       <a:minorFont>
-        <a:latin typeface="Trebuchet MS" panose="020B0603020202020204"/>
+        <a:latin typeface="Trebuchet MS"/>
         <a:ea typeface=""/>
         <a:cs typeface=""/>
         <a:font script="Jpan" typeface="メイリオ"/>
@@ -17231,7 +18552,7 @@
   <a:extraClrSchemeLst/>
   <a:extLst>
     <a:ext uri="{05A4C25C-085E-4340-85A3-A5531E510DB2}">
-      <thm15:themeFamily xmlns:thm15="http://schemas.microsoft.com/office/thememl/2012/main" name="Facet" id="{C0C680CD-088A-49FC-A102-D699147F32B2}" vid="{CFBC31BA-B70F-4F30-BCAA-4F3011E16C4D}"/>
+      <thm15:themeFamily xmlns:thm15="http://schemas.microsoft.com/office/thememl/2012/main" xmlns="" name="Facet" id="{C0C680CD-088A-49FC-A102-D699147F32B2}" vid="{CFBC31BA-B70F-4F30-BCAA-4F3011E16C4D}"/>
     </a:ext>
   </a:extLst>
 </a:theme>
@@ -17280,7 +18601,7 @@
     </a:clrScheme>
     <a:fontScheme name="Office">
       <a:majorFont>
-        <a:latin typeface="Calibri Light" panose="020F0302020204030204"/>
+        <a:latin typeface="Calibri Light"/>
         <a:ea typeface=""/>
         <a:cs typeface=""/>
         <a:font script="Jpan" typeface="游ゴシック Light"/>
@@ -17332,7 +18653,7 @@
         <a:font script="Tfng" typeface="Ebrima"/>
       </a:majorFont>
       <a:minorFont>
-        <a:latin typeface="Calibri" panose="020F0502020204030204"/>
+        <a:latin typeface="Calibri"/>
         <a:ea typeface=""/>
         <a:cs typeface=""/>
         <a:font script="Jpan" typeface="游ゴシック"/>
@@ -17526,7 +18847,7 @@
   <a:extraClrSchemeLst/>
   <a:extLst>
     <a:ext uri="{05A4C25C-085E-4340-85A3-A5531E510DB2}">
-      <thm15:themeFamily xmlns:thm15="http://schemas.microsoft.com/office/thememl/2012/main" name="Office Theme" id="{62F939B6-93AF-4DB8-9C6B-D6C7DFDC589F}" vid="{4A3C46E8-61CC-4603-A589-7422A47A8E4A}"/>
+      <thm15:themeFamily xmlns:thm15="http://schemas.microsoft.com/office/thememl/2012/main" xmlns="" name="Office Theme" id="{62F939B6-93AF-4DB8-9C6B-D6C7DFDC589F}" vid="{4A3C46E8-61CC-4603-A589-7422A47A8E4A}"/>
     </a:ext>
   </a:extLst>
 </a:theme>
@@ -17575,7 +18896,7 @@
     </a:clrScheme>
     <a:fontScheme name="Office">
       <a:majorFont>
-        <a:latin typeface="Calibri Light" panose="020F0302020204030204"/>
+        <a:latin typeface="Calibri Light"/>
         <a:ea typeface=""/>
         <a:cs typeface=""/>
         <a:font script="Jpan" typeface="游ゴシック Light"/>
@@ -17627,7 +18948,7 @@
         <a:font script="Tfng" typeface="Ebrima"/>
       </a:majorFont>
       <a:minorFont>
-        <a:latin typeface="Calibri" panose="020F0502020204030204"/>
+        <a:latin typeface="Calibri"/>
         <a:ea typeface=""/>
         <a:cs typeface=""/>
         <a:font script="Jpan" typeface="游ゴシック"/>
@@ -17821,7 +19142,7 @@
   <a:extraClrSchemeLst/>
   <a:extLst>
     <a:ext uri="{05A4C25C-085E-4340-85A3-A5531E510DB2}">
-      <thm15:themeFamily xmlns:thm15="http://schemas.microsoft.com/office/thememl/2012/main" name="Office Theme" id="{62F939B6-93AF-4DB8-9C6B-D6C7DFDC589F}" vid="{4A3C46E8-61CC-4603-A589-7422A47A8E4A}"/>
+      <thm15:themeFamily xmlns:thm15="http://schemas.microsoft.com/office/thememl/2012/main" xmlns="" name="Office Theme" id="{62F939B6-93AF-4DB8-9C6B-D6C7DFDC589F}" vid="{4A3C46E8-61CC-4603-A589-7422A47A8E4A}"/>
     </a:ext>
   </a:extLst>
 </a:theme>
